--- a/Milestone 2/Milestone 2 Report Out Template.pptx
+++ b/Milestone 2/Milestone 2 Report Out Template.pptx
@@ -17,25 +17,26 @@
     <p:sldId id="261" r:id="rId12"/>
     <p:sldId id="262" r:id="rId13"/>
     <p:sldId id="263" r:id="rId14"/>
+    <p:sldId id="264" r:id="rId15"/>
   </p:sldIdLst>
   <p:sldSz cy="6858000" cx="12192000"/>
   <p:notesSz cx="6858000" cy="9144000"/>
   <p:embeddedFontLst>
     <p:embeddedFont>
       <p:font typeface="Roboto Slab"/>
-      <p:regular r:id="rId15"/>
-      <p:bold r:id="rId16"/>
+      <p:regular r:id="rId16"/>
+      <p:bold r:id="rId17"/>
     </p:embeddedFont>
     <p:embeddedFont>
       <p:font typeface="Roboto"/>
-      <p:regular r:id="rId17"/>
-      <p:bold r:id="rId18"/>
-      <p:italic r:id="rId19"/>
-      <p:boldItalic r:id="rId20"/>
+      <p:regular r:id="rId18"/>
+      <p:bold r:id="rId19"/>
+      <p:italic r:id="rId20"/>
+      <p:boldItalic r:id="rId21"/>
     </p:embeddedFont>
     <p:embeddedFont>
       <p:font typeface="Lobster"/>
-      <p:regular r:id="rId21"/>
+      <p:regular r:id="rId22"/>
     </p:embeddedFont>
   </p:embeddedFontLst>
   <p:defaultTextStyle>
@@ -2367,7 +2368,106 @@
       </p:grpSpPr>
       <p:sp>
         <p:nvSpPr>
-          <p:cNvPr id="79" name="Google Shape;79;g445839448b_2_32:notes"/>
+          <p:cNvPr id="79" name="Google Shape;79;g44592e398d_0_17:notes"/>
+          <p:cNvSpPr txBox="1"/>
+          <p:nvPr>
+            <p:ph idx="1" type="body"/>
+          </p:nvPr>
+        </p:nvSpPr>
+        <p:spPr>
+          <a:xfrm>
+            <a:off x="685800" y="4343400"/>
+            <a:ext cx="5486400" cy="4114800"/>
+          </a:xfrm>
+          <a:prstGeom prst="rect">
+            <a:avLst/>
+          </a:prstGeom>
+        </p:spPr>
+        <p:txBody>
+          <a:bodyPr anchorCtr="0" anchor="t" bIns="45700" lIns="91425" spcFirstLastPara="1" rIns="91425" wrap="square" tIns="45700">
+            <a:noAutofit/>
+          </a:bodyPr>
+          <a:lstStyle/>
+          <a:p>
+            <a:pPr indent="0" lvl="0" marL="0" rtl="0" algn="l">
+              <a:spcBef>
+                <a:spcPts val="0"/>
+              </a:spcBef>
+              <a:spcAft>
+                <a:spcPts val="0"/>
+              </a:spcAft>
+              <a:buNone/>
+            </a:pPr>
+            <a:r>
+              <a:t/>
+            </a:r>
+            <a:endParaRPr/>
+          </a:p>
+        </p:txBody>
+      </p:sp>
+      <p:sp>
+        <p:nvSpPr>
+          <p:cNvPr id="80" name="Google Shape;80;g44592e398d_0_17:notes"/>
+          <p:cNvSpPr/>
+          <p:nvPr>
+            <p:ph idx="2" type="sldImg"/>
+          </p:nvPr>
+        </p:nvSpPr>
+        <p:spPr>
+          <a:xfrm>
+            <a:off x="381000" y="685800"/>
+            <a:ext cx="6096000" cy="3429000"/>
+          </a:xfrm>
+          <a:custGeom>
+            <a:rect b="b" l="l" r="r" t="t"/>
+            <a:pathLst>
+              <a:path extrusionOk="0" h="120000" w="120000">
+                <a:moveTo>
+                  <a:pt x="0" y="0"/>
+                </a:moveTo>
+                <a:lnTo>
+                  <a:pt x="120000" y="0"/>
+                </a:lnTo>
+                <a:lnTo>
+                  <a:pt x="120000" y="120000"/>
+                </a:lnTo>
+                <a:lnTo>
+                  <a:pt x="0" y="120000"/>
+                </a:lnTo>
+                <a:close/>
+              </a:path>
+            </a:pathLst>
+          </a:custGeom>
+        </p:spPr>
+      </p:sp>
+    </p:spTree>
+  </p:cSld>
+  <p:clrMapOvr>
+    <a:masterClrMapping/>
+  </p:clrMapOvr>
+</p:notes>
+</file>
+
+<file path=ppt/notesSlides/notesSlide9.xml><?xml version="1.0" encoding="utf-8"?>
+<p:notes xmlns:a="http://schemas.openxmlformats.org/drawingml/2006/main" xmlns:r="http://schemas.openxmlformats.org/officeDocument/2006/relationships" xmlns:mc="http://schemas.openxmlformats.org/markup-compatibility/2006" xmlns:mv="urn:schemas-microsoft-com:mac:vml" xmlns:p="http://schemas.openxmlformats.org/presentationml/2006/main" xmlns:c="http://schemas.openxmlformats.org/drawingml/2006/chart" xmlns:dgm="http://schemas.openxmlformats.org/drawingml/2006/diagram" xmlns:o="urn:schemas-microsoft-com:office:office" xmlns:v="urn:schemas-microsoft-com:vml" xmlns:pvml="urn:schemas-microsoft-com:office:powerpoint" xmlns:com="http://schemas.openxmlformats.org/drawingml/2006/compatibility" xmlns:p14="http://schemas.microsoft.com/office/powerpoint/2010/main" xmlns:p15="http://schemas.microsoft.com/office/powerpoint/2012/main" showMasterPhAnim="0" showMasterSp="0">
+  <p:cSld>
+    <p:spTree>
+      <p:nvGrpSpPr>
+        <p:cNvPr id="84" name="Shape 84"/>
+        <p:cNvGrpSpPr/>
+        <p:nvPr/>
+      </p:nvGrpSpPr>
+      <p:grpSpPr>
+        <a:xfrm>
+          <a:off x="0" y="0"/>
+          <a:ext cx="0" cy="0"/>
+          <a:chOff x="0" y="0"/>
+          <a:chExt cx="0" cy="0"/>
+        </a:xfrm>
+      </p:grpSpPr>
+      <p:sp>
+        <p:nvSpPr>
+          <p:cNvPr id="85" name="Google Shape;85;g445839448b_2_32:notes"/>
           <p:cNvSpPr/>
           <p:nvPr>
             <p:ph idx="2" type="sldImg"/>
@@ -2402,7 +2502,7 @@
       </p:sp>
       <p:sp>
         <p:nvSpPr>
-          <p:cNvPr id="80" name="Google Shape;80;g445839448b_2_32:notes"/>
+          <p:cNvPr id="86" name="Google Shape;86;g445839448b_2_32:notes"/>
           <p:cNvSpPr txBox="1"/>
           <p:nvPr>
             <p:ph idx="1" type="body"/>
@@ -2441,7 +2541,7 @@
       </p:sp>
       <p:sp>
         <p:nvSpPr>
-          <p:cNvPr id="81" name="Google Shape;81;g445839448b_2_32:notes"/>
+          <p:cNvPr id="87" name="Google Shape;87;g445839448b_2_32:notes"/>
           <p:cNvSpPr txBox="1"/>
           <p:nvPr>
             <p:ph idx="12" type="sldNum"/>
@@ -9828,7 +9928,7 @@
   <p:cSld>
     <p:spTree>
       <p:nvGrpSpPr>
-        <p:cNvPr id="82" name="Shape 82"/>
+        <p:cNvPr id="81" name="Shape 81"/>
         <p:cNvGrpSpPr/>
         <p:nvPr/>
       </p:nvGrpSpPr>
@@ -9842,7 +9942,204 @@
       </p:grpSpPr>
       <p:sp>
         <p:nvSpPr>
+          <p:cNvPr id="82" name="Google Shape;82;p12"/>
+          <p:cNvSpPr txBox="1"/>
+          <p:nvPr>
+            <p:ph type="title"/>
+          </p:nvPr>
+        </p:nvSpPr>
+        <p:spPr>
+          <a:xfrm>
+            <a:off x="838200" y="365125"/>
+            <a:ext cx="10515600" cy="1325700"/>
+          </a:xfrm>
+          <a:prstGeom prst="rect">
+            <a:avLst/>
+          </a:prstGeom>
+          <a:noFill/>
+          <a:ln>
+            <a:noFill/>
+          </a:ln>
+        </p:spPr>
+        <p:txBody>
+          <a:bodyPr anchorCtr="0" anchor="ctr" bIns="45700" lIns="91425" spcFirstLastPara="1" rIns="91425" wrap="square" tIns="45700">
+            <a:noAutofit/>
+          </a:bodyPr>
+          <a:lstStyle/>
+          <a:p>
+            <a:pPr indent="0" lvl="0" marL="0" marR="0" rtl="0" algn="l">
+              <a:lnSpc>
+                <a:spcPct val="90000"/>
+              </a:lnSpc>
+              <a:spcBef>
+                <a:spcPts val="0"/>
+              </a:spcBef>
+              <a:spcAft>
+                <a:spcPts val="0"/>
+              </a:spcAft>
+              <a:buClr>
+                <a:srgbClr val="000000"/>
+              </a:buClr>
+              <a:buSzPts val="4000"/>
+              <a:buFont typeface="Arial"/>
+              <a:buNone/>
+            </a:pPr>
+            <a:r>
+              <a:rPr b="0" i="0" lang="en-US" sz="4400" u="none" cap="none" strike="noStrike">
+                <a:solidFill>
+                  <a:srgbClr val="FFFFFF"/>
+                </a:solidFill>
+                <a:latin typeface="Calibri"/>
+                <a:ea typeface="Calibri"/>
+                <a:cs typeface="Calibri"/>
+                <a:sym typeface="Calibri"/>
+              </a:rPr>
+              <a:t>Group reflection</a:t>
+            </a:r>
+            <a:endParaRPr/>
+          </a:p>
+        </p:txBody>
+      </p:sp>
+      <p:sp>
+        <p:nvSpPr>
           <p:cNvPr id="83" name="Google Shape;83;p12"/>
+          <p:cNvSpPr txBox="1"/>
+          <p:nvPr>
+            <p:ph idx="1" type="body"/>
+          </p:nvPr>
+        </p:nvSpPr>
+        <p:spPr>
+          <a:xfrm>
+            <a:off x="838200" y="1825625"/>
+            <a:ext cx="10515600" cy="4351200"/>
+          </a:xfrm>
+          <a:prstGeom prst="rect">
+            <a:avLst/>
+          </a:prstGeom>
+          <a:noFill/>
+          <a:ln>
+            <a:noFill/>
+          </a:ln>
+        </p:spPr>
+        <p:txBody>
+          <a:bodyPr anchorCtr="0" anchor="t" bIns="45700" lIns="91425" spcFirstLastPara="1" rIns="91425" wrap="square" tIns="45700">
+            <a:noAutofit/>
+          </a:bodyPr>
+          <a:lstStyle/>
+          <a:p>
+            <a:pPr indent="-406400" lvl="0" marL="457200" rtl="0" algn="l">
+              <a:lnSpc>
+                <a:spcPct val="80000"/>
+              </a:lnSpc>
+              <a:spcBef>
+                <a:spcPts val="1000"/>
+              </a:spcBef>
+              <a:spcAft>
+                <a:spcPts val="0"/>
+              </a:spcAft>
+              <a:buSzPts val="2800"/>
+              <a:buChar char="•"/>
+            </a:pPr>
+            <a:r>
+              <a:rPr lang="en-US"/>
+              <a:t>How will you use what you have learned going forward?</a:t>
+            </a:r>
+            <a:endParaRPr/>
+          </a:p>
+          <a:p>
+            <a:pPr indent="-381000" lvl="1" marL="914400" rtl="0" algn="l">
+              <a:lnSpc>
+                <a:spcPct val="80000"/>
+              </a:lnSpc>
+              <a:spcBef>
+                <a:spcPts val="0"/>
+              </a:spcBef>
+              <a:spcAft>
+                <a:spcPts val="0"/>
+              </a:spcAft>
+              <a:buSzPts val="2400"/>
+              <a:buChar char="•"/>
+            </a:pPr>
+            <a:r>
+              <a:rPr lang="en-US"/>
+              <a:t>Produce better Webpages</a:t>
+            </a:r>
+            <a:endParaRPr/>
+          </a:p>
+          <a:p>
+            <a:pPr indent="-406400" lvl="0" marL="457200" rtl="0" algn="l">
+              <a:lnSpc>
+                <a:spcPct val="80000"/>
+              </a:lnSpc>
+              <a:spcBef>
+                <a:spcPts val="0"/>
+              </a:spcBef>
+              <a:spcAft>
+                <a:spcPts val="0"/>
+              </a:spcAft>
+              <a:buSzPts val="2800"/>
+              <a:buChar char="•"/>
+            </a:pPr>
+            <a:r>
+              <a:rPr lang="en-US"/>
+              <a:t>What “stuff &amp; things” related to this milestone would you want help with?</a:t>
+            </a:r>
+            <a:endParaRPr/>
+          </a:p>
+          <a:p>
+            <a:pPr indent="-381000" lvl="1" marL="914400" rtl="0" algn="l">
+              <a:lnSpc>
+                <a:spcPct val="80000"/>
+              </a:lnSpc>
+              <a:spcBef>
+                <a:spcPts val="0"/>
+              </a:spcBef>
+              <a:spcAft>
+                <a:spcPts val="0"/>
+              </a:spcAft>
+              <a:buSzPts val="2400"/>
+              <a:buChar char="•"/>
+            </a:pPr>
+            <a:r>
+              <a:rPr lang="en-US"/>
+              <a:t>Database complications</a:t>
+            </a:r>
+            <a:endParaRPr>
+              <a:solidFill>
+                <a:srgbClr val="FFFFFF"/>
+              </a:solidFill>
+            </a:endParaRPr>
+          </a:p>
+        </p:txBody>
+      </p:sp>
+    </p:spTree>
+  </p:cSld>
+  <p:clrMapOvr>
+    <a:masterClrMapping/>
+  </p:clrMapOvr>
+</p:sld>
+</file>
+
+<file path=ppt/slides/slide9.xml><?xml version="1.0" encoding="utf-8"?>
+<p:sld xmlns:a="http://schemas.openxmlformats.org/drawingml/2006/main" xmlns:r="http://schemas.openxmlformats.org/officeDocument/2006/relationships" xmlns:mc="http://schemas.openxmlformats.org/markup-compatibility/2006" xmlns:mv="urn:schemas-microsoft-com:mac:vml" xmlns:p="http://schemas.openxmlformats.org/presentationml/2006/main" xmlns:c="http://schemas.openxmlformats.org/drawingml/2006/chart" xmlns:dgm="http://schemas.openxmlformats.org/drawingml/2006/diagram" xmlns:o="urn:schemas-microsoft-com:office:office" xmlns:v="urn:schemas-microsoft-com:vml" xmlns:pvml="urn:schemas-microsoft-com:office:powerpoint" xmlns:com="http://schemas.openxmlformats.org/drawingml/2006/compatibility" xmlns:p14="http://schemas.microsoft.com/office/powerpoint/2010/main" xmlns:p15="http://schemas.microsoft.com/office/powerpoint/2012/main">
+  <p:cSld>
+    <p:spTree>
+      <p:nvGrpSpPr>
+        <p:cNvPr id="88" name="Shape 88"/>
+        <p:cNvGrpSpPr/>
+        <p:nvPr/>
+      </p:nvGrpSpPr>
+      <p:grpSpPr>
+        <a:xfrm>
+          <a:off x="0" y="0"/>
+          <a:ext cx="0" cy="0"/>
+          <a:chOff x="0" y="0"/>
+          <a:chExt cx="0" cy="0"/>
+        </a:xfrm>
+      </p:grpSpPr>
+      <p:sp>
+        <p:nvSpPr>
+          <p:cNvPr id="89" name="Google Shape;89;p13"/>
           <p:cNvSpPr txBox="1"/>
           <p:nvPr>
             <p:ph type="title"/>
@@ -9882,7 +10179,7 @@
       </p:sp>
       <p:sp>
         <p:nvSpPr>
-          <p:cNvPr id="84" name="Google Shape;84;p12"/>
+          <p:cNvPr id="90" name="Google Shape;90;p13"/>
           <p:cNvSpPr txBox="1"/>
           <p:nvPr>
             <p:ph idx="1" type="body"/>
@@ -9928,7 +10225,7 @@
 </file>
 
 <file path=ppt/theme/theme1.xml><?xml version="1.0" encoding="utf-8"?>
-<a:theme xmlns:a="http://schemas.openxmlformats.org/drawingml/2006/main" xmlns:r="http://schemas.openxmlformats.org/officeDocument/2006/relationships" name="12_Marina">
+<a:theme xmlns:a="http://schemas.openxmlformats.org/drawingml/2006/main" xmlns:r="http://schemas.openxmlformats.org/officeDocument/2006/relationships" name="1_Marina">
   <a:themeElements>
     <a:clrScheme name="Marina">
       <a:dk1>
@@ -10207,285 +10504,6 @@
 </file>
 
 <file path=ppt/theme/theme2.xml><?xml version="1.0" encoding="utf-8"?>
-<a:theme xmlns:a="http://schemas.openxmlformats.org/drawingml/2006/main" xmlns:r="http://schemas.openxmlformats.org/officeDocument/2006/relationships" name="1_Marina">
-  <a:themeElements>
-    <a:clrScheme name="Marina">
-      <a:dk1>
-        <a:srgbClr val="FFFFFF"/>
-      </a:dk1>
-      <a:lt1>
-        <a:srgbClr val="00517C"/>
-      </a:lt1>
-      <a:dk2>
-        <a:srgbClr val="004065"/>
-      </a:dk2>
-      <a:lt2>
-        <a:srgbClr val="CFD8DC"/>
-      </a:lt2>
-      <a:accent1>
-        <a:srgbClr val="0277BD"/>
-      </a:accent1>
-      <a:accent2>
-        <a:srgbClr val="558B2F"/>
-      </a:accent2>
-      <a:accent3>
-        <a:srgbClr val="009688"/>
-      </a:accent3>
-      <a:accent4>
-        <a:srgbClr val="039BE5"/>
-      </a:accent4>
-      <a:accent5>
-        <a:srgbClr val="8BC34A"/>
-      </a:accent5>
-      <a:accent6>
-        <a:srgbClr val="FFEB38"/>
-      </a:accent6>
-      <a:hlink>
-        <a:srgbClr val="8BC34A"/>
-      </a:hlink>
-      <a:folHlink>
-        <a:srgbClr val="8BC34A"/>
-      </a:folHlink>
-    </a:clrScheme>
-    <a:fontScheme name="Office">
-      <a:majorFont>
-        <a:latin typeface="Arial"/>
-        <a:ea typeface=""/>
-        <a:cs typeface=""/>
-        <a:font script="Jpan" typeface="ＭＳ Ｐゴシック"/>
-        <a:font script="Hang" typeface="맑은 고딕"/>
-        <a:font script="Hans" typeface="宋体"/>
-        <a:font script="Hant" typeface="新細明體"/>
-        <a:font script="Arab" typeface="Times New Roman"/>
-        <a:font script="Hebr" typeface="Times New Roman"/>
-        <a:font script="Thai" typeface="Angsana New"/>
-        <a:font script="Ethi" typeface="Nyala"/>
-        <a:font script="Beng" typeface="Vrinda"/>
-        <a:font script="Gujr" typeface="Shruti"/>
-        <a:font script="Khmr" typeface="MoolBoran"/>
-        <a:font script="Knda" typeface="Tunga"/>
-        <a:font script="Guru" typeface="Raavi"/>
-        <a:font script="Cans" typeface="Euphemia"/>
-        <a:font script="Cher" typeface="Plantagenet Cherokee"/>
-        <a:font script="Yiii" typeface="Microsoft Yi Baiti"/>
-        <a:font script="Tibt" typeface="Microsoft Himalaya"/>
-        <a:font script="Thaa" typeface="MV Boli"/>
-        <a:font script="Deva" typeface="Mangal"/>
-        <a:font script="Telu" typeface="Gautami"/>
-        <a:font script="Taml" typeface="Latha"/>
-        <a:font script="Syrc" typeface="Estrangelo Edessa"/>
-        <a:font script="Orya" typeface="Kalinga"/>
-        <a:font script="Mlym" typeface="Kartika"/>
-        <a:font script="Laoo" typeface="DokChampa"/>
-        <a:font script="Sinh" typeface="Iskoola Pota"/>
-        <a:font script="Mong" typeface="Mongolian Baiti"/>
-        <a:font script="Viet" typeface="Times New Roman"/>
-        <a:font script="Uigh" typeface="Microsoft Uighur"/>
-        <a:font script="Geor" typeface="Sylfaen"/>
-      </a:majorFont>
-      <a:minorFont>
-        <a:latin typeface="Arial"/>
-        <a:ea typeface=""/>
-        <a:cs typeface=""/>
-        <a:font script="Jpan" typeface="ＭＳ Ｐゴシック"/>
-        <a:font script="Hang" typeface="맑은 고딕"/>
-        <a:font script="Hans" typeface="宋体"/>
-        <a:font script="Hant" typeface="新細明體"/>
-        <a:font script="Arab" typeface="Arial"/>
-        <a:font script="Hebr" typeface="Arial"/>
-        <a:font script="Thai" typeface="Cordia New"/>
-        <a:font script="Ethi" typeface="Nyala"/>
-        <a:font script="Beng" typeface="Vrinda"/>
-        <a:font script="Gujr" typeface="Shruti"/>
-        <a:font script="Khmr" typeface="DaunPenh"/>
-        <a:font script="Knda" typeface="Tunga"/>
-        <a:font script="Guru" typeface="Raavi"/>
-        <a:font script="Cans" typeface="Euphemia"/>
-        <a:font script="Cher" typeface="Plantagenet Cherokee"/>
-        <a:font script="Yiii" typeface="Microsoft Yi Baiti"/>
-        <a:font script="Tibt" typeface="Microsoft Himalaya"/>
-        <a:font script="Thaa" typeface="MV Boli"/>
-        <a:font script="Deva" typeface="Mangal"/>
-        <a:font script="Telu" typeface="Gautami"/>
-        <a:font script="Taml" typeface="Latha"/>
-        <a:font script="Syrc" typeface="Estrangelo Edessa"/>
-        <a:font script="Orya" typeface="Kalinga"/>
-        <a:font script="Mlym" typeface="Kartika"/>
-        <a:font script="Laoo" typeface="DokChampa"/>
-        <a:font script="Sinh" typeface="Iskoola Pota"/>
-        <a:font script="Mong" typeface="Mongolian Baiti"/>
-        <a:font script="Viet" typeface="Arial"/>
-        <a:font script="Uigh" typeface="Microsoft Uighur"/>
-        <a:font script="Geor" typeface="Sylfaen"/>
-      </a:minorFont>
-    </a:fontScheme>
-    <a:fmtScheme name="Office">
-      <a:fillStyleLst>
-        <a:solidFill>
-          <a:schemeClr val="phClr"/>
-        </a:solidFill>
-        <a:gradFill rotWithShape="1">
-          <a:gsLst>
-            <a:gs pos="0">
-              <a:schemeClr val="phClr">
-                <a:tint val="50000"/>
-                <a:satMod val="300000"/>
-              </a:schemeClr>
-            </a:gs>
-            <a:gs pos="35000">
-              <a:schemeClr val="phClr">
-                <a:tint val="37000"/>
-                <a:satMod val="300000"/>
-              </a:schemeClr>
-            </a:gs>
-            <a:gs pos="100000">
-              <a:schemeClr val="phClr">
-                <a:tint val="15000"/>
-                <a:satMod val="350000"/>
-              </a:schemeClr>
-            </a:gs>
-          </a:gsLst>
-          <a:lin ang="16200000" scaled="1"/>
-        </a:gradFill>
-        <a:gradFill rotWithShape="1">
-          <a:gsLst>
-            <a:gs pos="0">
-              <a:schemeClr val="phClr">
-                <a:tint val="100000"/>
-                <a:shade val="100000"/>
-                <a:satMod val="130000"/>
-              </a:schemeClr>
-            </a:gs>
-            <a:gs pos="100000">
-              <a:schemeClr val="phClr">
-                <a:tint val="50000"/>
-                <a:shade val="100000"/>
-                <a:satMod val="350000"/>
-              </a:schemeClr>
-            </a:gs>
-          </a:gsLst>
-          <a:lin ang="16200000" scaled="0"/>
-        </a:gradFill>
-      </a:fillStyleLst>
-      <a:lnStyleLst>
-        <a:ln w="9525" cap="flat" cmpd="sng" algn="ctr">
-          <a:solidFill>
-            <a:schemeClr val="phClr">
-              <a:shade val="95000"/>
-              <a:satMod val="105000"/>
-            </a:schemeClr>
-          </a:solidFill>
-          <a:prstDash val="solid"/>
-        </a:ln>
-        <a:ln w="25400" cap="flat" cmpd="sng" algn="ctr">
-          <a:solidFill>
-            <a:schemeClr val="phClr"/>
-          </a:solidFill>
-          <a:prstDash val="solid"/>
-        </a:ln>
-        <a:ln w="38100" cap="flat" cmpd="sng" algn="ctr">
-          <a:solidFill>
-            <a:schemeClr val="phClr"/>
-          </a:solidFill>
-          <a:prstDash val="solid"/>
-        </a:ln>
-      </a:lnStyleLst>
-      <a:effectStyleLst>
-        <a:effectStyle>
-          <a:effectLst>
-            <a:outerShdw blurRad="40000" dist="20000" dir="5400000" rotWithShape="0">
-              <a:srgbClr val="000000">
-                <a:alpha val="38000"/>
-              </a:srgbClr>
-            </a:outerShdw>
-          </a:effectLst>
-        </a:effectStyle>
-        <a:effectStyle>
-          <a:effectLst>
-            <a:outerShdw blurRad="40000" dist="23000" dir="5400000" rotWithShape="0">
-              <a:srgbClr val="000000">
-                <a:alpha val="35000"/>
-              </a:srgbClr>
-            </a:outerShdw>
-          </a:effectLst>
-        </a:effectStyle>
-        <a:effectStyle>
-          <a:effectLst>
-            <a:outerShdw blurRad="40000" dist="23000" dir="5400000" rotWithShape="0">
-              <a:srgbClr val="000000">
-                <a:alpha val="35000"/>
-              </a:srgbClr>
-            </a:outerShdw>
-          </a:effectLst>
-          <a:scene3d>
-            <a:camera prst="orthographicFront">
-              <a:rot lat="0" lon="0" rev="0"/>
-            </a:camera>
-            <a:lightRig rig="threePt" dir="t">
-              <a:rot lat="0" lon="0" rev="1200000"/>
-            </a:lightRig>
-          </a:scene3d>
-          <a:sp3d>
-            <a:bevelT w="63500" h="25400"/>
-          </a:sp3d>
-        </a:effectStyle>
-      </a:effectStyleLst>
-      <a:bgFillStyleLst>
-        <a:solidFill>
-          <a:schemeClr val="phClr"/>
-        </a:solidFill>
-        <a:gradFill rotWithShape="1">
-          <a:gsLst>
-            <a:gs pos="0">
-              <a:schemeClr val="phClr">
-                <a:tint val="40000"/>
-                <a:satMod val="350000"/>
-              </a:schemeClr>
-            </a:gs>
-            <a:gs pos="40000">
-              <a:schemeClr val="phClr">
-                <a:tint val="45000"/>
-                <a:shade val="99000"/>
-                <a:satMod val="350000"/>
-              </a:schemeClr>
-            </a:gs>
-            <a:gs pos="100000">
-              <a:schemeClr val="phClr">
-                <a:shade val="20000"/>
-                <a:satMod val="255000"/>
-              </a:schemeClr>
-            </a:gs>
-          </a:gsLst>
-          <a:path path="circle">
-            <a:fillToRect l="50000" t="-80000" r="50000" b="180000"/>
-          </a:path>
-        </a:gradFill>
-        <a:gradFill rotWithShape="1">
-          <a:gsLst>
-            <a:gs pos="0">
-              <a:schemeClr val="phClr">
-                <a:tint val="80000"/>
-                <a:satMod val="300000"/>
-              </a:schemeClr>
-            </a:gs>
-            <a:gs pos="100000">
-              <a:schemeClr val="phClr">
-                <a:shade val="30000"/>
-                <a:satMod val="200000"/>
-              </a:schemeClr>
-            </a:gs>
-          </a:gsLst>
-          <a:path path="circle">
-            <a:fillToRect l="50000" t="50000" r="50000" b="50000"/>
-          </a:path>
-        </a:gradFill>
-      </a:bgFillStyleLst>
-    </a:fmtScheme>
-  </a:themeElements>
-</a:theme>
-</file>
-
-<file path=ppt/theme/theme3.xml><?xml version="1.0" encoding="utf-8"?>
 <a:theme xmlns:a="http://schemas.openxmlformats.org/drawingml/2006/main" xmlns:r="http://schemas.openxmlformats.org/officeDocument/2006/relationships">
   <a:themeElements>
     <a:clrScheme name="Default">
@@ -10762,4 +10780,283 @@
     </a:fmtScheme>
   </a:themeElements>
 </a:theme>
+</file>
+
+<file path=ppt/theme/theme3.xml><?xml version="1.0" encoding="utf-8"?>
+<a:theme xmlns:a="http://schemas.openxmlformats.org/drawingml/2006/main" xmlns:r="http://schemas.openxmlformats.org/officeDocument/2006/relationships" name="12_Marina">
+  <a:themeElements>
+    <a:clrScheme name="Marina">
+      <a:dk1>
+        <a:srgbClr val="FFFFFF"/>
+      </a:dk1>
+      <a:lt1>
+        <a:srgbClr val="00517C"/>
+      </a:lt1>
+      <a:dk2>
+        <a:srgbClr val="004065"/>
+      </a:dk2>
+      <a:lt2>
+        <a:srgbClr val="CFD8DC"/>
+      </a:lt2>
+      <a:accent1>
+        <a:srgbClr val="0277BD"/>
+      </a:accent1>
+      <a:accent2>
+        <a:srgbClr val="558B2F"/>
+      </a:accent2>
+      <a:accent3>
+        <a:srgbClr val="009688"/>
+      </a:accent3>
+      <a:accent4>
+        <a:srgbClr val="039BE5"/>
+      </a:accent4>
+      <a:accent5>
+        <a:srgbClr val="8BC34A"/>
+      </a:accent5>
+      <a:accent6>
+        <a:srgbClr val="FFEB38"/>
+      </a:accent6>
+      <a:hlink>
+        <a:srgbClr val="8BC34A"/>
+      </a:hlink>
+      <a:folHlink>
+        <a:srgbClr val="8BC34A"/>
+      </a:folHlink>
+    </a:clrScheme>
+    <a:fontScheme name="Office">
+      <a:majorFont>
+        <a:latin typeface="Arial"/>
+        <a:ea typeface=""/>
+        <a:cs typeface=""/>
+        <a:font script="Jpan" typeface="ＭＳ Ｐゴシック"/>
+        <a:font script="Hang" typeface="맑은 고딕"/>
+        <a:font script="Hans" typeface="宋体"/>
+        <a:font script="Hant" typeface="新細明體"/>
+        <a:font script="Arab" typeface="Times New Roman"/>
+        <a:font script="Hebr" typeface="Times New Roman"/>
+        <a:font script="Thai" typeface="Angsana New"/>
+        <a:font script="Ethi" typeface="Nyala"/>
+        <a:font script="Beng" typeface="Vrinda"/>
+        <a:font script="Gujr" typeface="Shruti"/>
+        <a:font script="Khmr" typeface="MoolBoran"/>
+        <a:font script="Knda" typeface="Tunga"/>
+        <a:font script="Guru" typeface="Raavi"/>
+        <a:font script="Cans" typeface="Euphemia"/>
+        <a:font script="Cher" typeface="Plantagenet Cherokee"/>
+        <a:font script="Yiii" typeface="Microsoft Yi Baiti"/>
+        <a:font script="Tibt" typeface="Microsoft Himalaya"/>
+        <a:font script="Thaa" typeface="MV Boli"/>
+        <a:font script="Deva" typeface="Mangal"/>
+        <a:font script="Telu" typeface="Gautami"/>
+        <a:font script="Taml" typeface="Latha"/>
+        <a:font script="Syrc" typeface="Estrangelo Edessa"/>
+        <a:font script="Orya" typeface="Kalinga"/>
+        <a:font script="Mlym" typeface="Kartika"/>
+        <a:font script="Laoo" typeface="DokChampa"/>
+        <a:font script="Sinh" typeface="Iskoola Pota"/>
+        <a:font script="Mong" typeface="Mongolian Baiti"/>
+        <a:font script="Viet" typeface="Times New Roman"/>
+        <a:font script="Uigh" typeface="Microsoft Uighur"/>
+        <a:font script="Geor" typeface="Sylfaen"/>
+      </a:majorFont>
+      <a:minorFont>
+        <a:latin typeface="Arial"/>
+        <a:ea typeface=""/>
+        <a:cs typeface=""/>
+        <a:font script="Jpan" typeface="ＭＳ Ｐゴシック"/>
+        <a:font script="Hang" typeface="맑은 고딕"/>
+        <a:font script="Hans" typeface="宋体"/>
+        <a:font script="Hant" typeface="新細明體"/>
+        <a:font script="Arab" typeface="Arial"/>
+        <a:font script="Hebr" typeface="Arial"/>
+        <a:font script="Thai" typeface="Cordia New"/>
+        <a:font script="Ethi" typeface="Nyala"/>
+        <a:font script="Beng" typeface="Vrinda"/>
+        <a:font script="Gujr" typeface="Shruti"/>
+        <a:font script="Khmr" typeface="DaunPenh"/>
+        <a:font script="Knda" typeface="Tunga"/>
+        <a:font script="Guru" typeface="Raavi"/>
+        <a:font script="Cans" typeface="Euphemia"/>
+        <a:font script="Cher" typeface="Plantagenet Cherokee"/>
+        <a:font script="Yiii" typeface="Microsoft Yi Baiti"/>
+        <a:font script="Tibt" typeface="Microsoft Himalaya"/>
+        <a:font script="Thaa" typeface="MV Boli"/>
+        <a:font script="Deva" typeface="Mangal"/>
+        <a:font script="Telu" typeface="Gautami"/>
+        <a:font script="Taml" typeface="Latha"/>
+        <a:font script="Syrc" typeface="Estrangelo Edessa"/>
+        <a:font script="Orya" typeface="Kalinga"/>
+        <a:font script="Mlym" typeface="Kartika"/>
+        <a:font script="Laoo" typeface="DokChampa"/>
+        <a:font script="Sinh" typeface="Iskoola Pota"/>
+        <a:font script="Mong" typeface="Mongolian Baiti"/>
+        <a:font script="Viet" typeface="Arial"/>
+        <a:font script="Uigh" typeface="Microsoft Uighur"/>
+        <a:font script="Geor" typeface="Sylfaen"/>
+      </a:minorFont>
+    </a:fontScheme>
+    <a:fmtScheme name="Office">
+      <a:fillStyleLst>
+        <a:solidFill>
+          <a:schemeClr val="phClr"/>
+        </a:solidFill>
+        <a:gradFill rotWithShape="1">
+          <a:gsLst>
+            <a:gs pos="0">
+              <a:schemeClr val="phClr">
+                <a:tint val="50000"/>
+                <a:satMod val="300000"/>
+              </a:schemeClr>
+            </a:gs>
+            <a:gs pos="35000">
+              <a:schemeClr val="phClr">
+                <a:tint val="37000"/>
+                <a:satMod val="300000"/>
+              </a:schemeClr>
+            </a:gs>
+            <a:gs pos="100000">
+              <a:schemeClr val="phClr">
+                <a:tint val="15000"/>
+                <a:satMod val="350000"/>
+              </a:schemeClr>
+            </a:gs>
+          </a:gsLst>
+          <a:lin ang="16200000" scaled="1"/>
+        </a:gradFill>
+        <a:gradFill rotWithShape="1">
+          <a:gsLst>
+            <a:gs pos="0">
+              <a:schemeClr val="phClr">
+                <a:tint val="100000"/>
+                <a:shade val="100000"/>
+                <a:satMod val="130000"/>
+              </a:schemeClr>
+            </a:gs>
+            <a:gs pos="100000">
+              <a:schemeClr val="phClr">
+                <a:tint val="50000"/>
+                <a:shade val="100000"/>
+                <a:satMod val="350000"/>
+              </a:schemeClr>
+            </a:gs>
+          </a:gsLst>
+          <a:lin ang="16200000" scaled="0"/>
+        </a:gradFill>
+      </a:fillStyleLst>
+      <a:lnStyleLst>
+        <a:ln w="9525" cap="flat" cmpd="sng" algn="ctr">
+          <a:solidFill>
+            <a:schemeClr val="phClr">
+              <a:shade val="95000"/>
+              <a:satMod val="105000"/>
+            </a:schemeClr>
+          </a:solidFill>
+          <a:prstDash val="solid"/>
+        </a:ln>
+        <a:ln w="25400" cap="flat" cmpd="sng" algn="ctr">
+          <a:solidFill>
+            <a:schemeClr val="phClr"/>
+          </a:solidFill>
+          <a:prstDash val="solid"/>
+        </a:ln>
+        <a:ln w="38100" cap="flat" cmpd="sng" algn="ctr">
+          <a:solidFill>
+            <a:schemeClr val="phClr"/>
+          </a:solidFill>
+          <a:prstDash val="solid"/>
+        </a:ln>
+      </a:lnStyleLst>
+      <a:effectStyleLst>
+        <a:effectStyle>
+          <a:effectLst>
+            <a:outerShdw blurRad="40000" dist="20000" dir="5400000" rotWithShape="0">
+              <a:srgbClr val="000000">
+                <a:alpha val="38000"/>
+              </a:srgbClr>
+            </a:outerShdw>
+          </a:effectLst>
+        </a:effectStyle>
+        <a:effectStyle>
+          <a:effectLst>
+            <a:outerShdw blurRad="40000" dist="23000" dir="5400000" rotWithShape="0">
+              <a:srgbClr val="000000">
+                <a:alpha val="35000"/>
+              </a:srgbClr>
+            </a:outerShdw>
+          </a:effectLst>
+        </a:effectStyle>
+        <a:effectStyle>
+          <a:effectLst>
+            <a:outerShdw blurRad="40000" dist="23000" dir="5400000" rotWithShape="0">
+              <a:srgbClr val="000000">
+                <a:alpha val="35000"/>
+              </a:srgbClr>
+            </a:outerShdw>
+          </a:effectLst>
+          <a:scene3d>
+            <a:camera prst="orthographicFront">
+              <a:rot lat="0" lon="0" rev="0"/>
+            </a:camera>
+            <a:lightRig rig="threePt" dir="t">
+              <a:rot lat="0" lon="0" rev="1200000"/>
+            </a:lightRig>
+          </a:scene3d>
+          <a:sp3d>
+            <a:bevelT w="63500" h="25400"/>
+          </a:sp3d>
+        </a:effectStyle>
+      </a:effectStyleLst>
+      <a:bgFillStyleLst>
+        <a:solidFill>
+          <a:schemeClr val="phClr"/>
+        </a:solidFill>
+        <a:gradFill rotWithShape="1">
+          <a:gsLst>
+            <a:gs pos="0">
+              <a:schemeClr val="phClr">
+                <a:tint val="40000"/>
+                <a:satMod val="350000"/>
+              </a:schemeClr>
+            </a:gs>
+            <a:gs pos="40000">
+              <a:schemeClr val="phClr">
+                <a:tint val="45000"/>
+                <a:shade val="99000"/>
+                <a:satMod val="350000"/>
+              </a:schemeClr>
+            </a:gs>
+            <a:gs pos="100000">
+              <a:schemeClr val="phClr">
+                <a:shade val="20000"/>
+                <a:satMod val="255000"/>
+              </a:schemeClr>
+            </a:gs>
+          </a:gsLst>
+          <a:path path="circle">
+            <a:fillToRect l="50000" t="-80000" r="50000" b="180000"/>
+          </a:path>
+        </a:gradFill>
+        <a:gradFill rotWithShape="1">
+          <a:gsLst>
+            <a:gs pos="0">
+              <a:schemeClr val="phClr">
+                <a:tint val="80000"/>
+                <a:satMod val="300000"/>
+              </a:schemeClr>
+            </a:gs>
+            <a:gs pos="100000">
+              <a:schemeClr val="phClr">
+                <a:shade val="30000"/>
+                <a:satMod val="200000"/>
+              </a:schemeClr>
+            </a:gs>
+          </a:gsLst>
+          <a:path path="circle">
+            <a:fillToRect l="50000" t="50000" r="50000" b="50000"/>
+          </a:path>
+        </a:gradFill>
+      </a:bgFillStyleLst>
+    </a:fmtScheme>
+  </a:themeElements>
+</a:theme>
 </file>
--- a/Milestone 2/Milestone 2 Report Out Template.pptx
+++ b/Milestone 2/Milestone 2 Report Out Template.pptx
@@ -1,46 +1,53 @@
 
 <file path=ppt/presentation.xml><?xml version="1.0" encoding="utf-8"?>
-<p:presentation xmlns:a="http://schemas.openxmlformats.org/drawingml/2006/main" xmlns:r="http://schemas.openxmlformats.org/officeDocument/2006/relationships" xmlns:mc="http://schemas.openxmlformats.org/markup-compatibility/2006" xmlns:mv="urn:schemas-microsoft-com:mac:vml" xmlns:p="http://schemas.openxmlformats.org/presentationml/2006/main" xmlns:c="http://schemas.openxmlformats.org/drawingml/2006/chart" xmlns:dgm="http://schemas.openxmlformats.org/drawingml/2006/diagram" xmlns:o="urn:schemas-microsoft-com:office:office" xmlns:v="urn:schemas-microsoft-com:vml" xmlns:pvml="urn:schemas-microsoft-com:office:powerpoint" xmlns:com="http://schemas.openxmlformats.org/drawingml/2006/compatibility" xmlns:p14="http://schemas.microsoft.com/office/powerpoint/2010/main" xmlns:p15="http://schemas.microsoft.com/office/powerpoint/2012/main" autoCompressPictures="0" embedTrueTypeFonts="1" strictFirstAndLastChars="0" saveSubsetFonts="1">
+<p:presentation xmlns:a="http://schemas.openxmlformats.org/drawingml/2006/main" xmlns:r="http://schemas.openxmlformats.org/officeDocument/2006/relationships" xmlns:p="http://schemas.openxmlformats.org/presentationml/2006/main" strictFirstAndLastChars="0" embedTrueTypeFonts="1" saveSubsetFonts="1" autoCompressPictures="0">
   <p:sldMasterIdLst>
-    <p:sldMasterId id="2147483650" r:id="rId4"/>
-    <p:sldMasterId id="2147483651" r:id="rId5"/>
+    <p:sldMasterId id="2147483650" r:id="rId1"/>
+    <p:sldMasterId id="2147483651" r:id="rId2"/>
   </p:sldMasterIdLst>
   <p:notesMasterIdLst>
-    <p:notesMasterId r:id="rId6"/>
+    <p:notesMasterId r:id="rId12"/>
   </p:notesMasterIdLst>
   <p:sldIdLst>
-    <p:sldId id="256" r:id="rId7"/>
-    <p:sldId id="257" r:id="rId8"/>
-    <p:sldId id="258" r:id="rId9"/>
-    <p:sldId id="259" r:id="rId10"/>
-    <p:sldId id="260" r:id="rId11"/>
-    <p:sldId id="261" r:id="rId12"/>
-    <p:sldId id="262" r:id="rId13"/>
-    <p:sldId id="263" r:id="rId14"/>
-    <p:sldId id="264" r:id="rId15"/>
+    <p:sldId id="256" r:id="rId3"/>
+    <p:sldId id="257" r:id="rId4"/>
+    <p:sldId id="258" r:id="rId5"/>
+    <p:sldId id="259" r:id="rId6"/>
+    <p:sldId id="260" r:id="rId7"/>
+    <p:sldId id="261" r:id="rId8"/>
+    <p:sldId id="262" r:id="rId9"/>
+    <p:sldId id="263" r:id="rId10"/>
+    <p:sldId id="264" r:id="rId11"/>
   </p:sldIdLst>
-  <p:sldSz cy="6858000" cx="12192000"/>
+  <p:sldSz cx="12192000" cy="6858000"/>
   <p:notesSz cx="6858000" cy="9144000"/>
   <p:embeddedFontLst>
     <p:embeddedFont>
-      <p:font typeface="Roboto Slab"/>
-      <p:regular r:id="rId16"/>
-      <p:bold r:id="rId17"/>
+      <p:font typeface="Calibri" panose="020F0502020204030204" pitchFamily="34" charset="0"/>
+      <p:regular r:id="rId13"/>
+      <p:bold r:id="rId14"/>
+      <p:italic r:id="rId15"/>
+      <p:boldItalic r:id="rId16"/>
     </p:embeddedFont>
     <p:embeddedFont>
-      <p:font typeface="Roboto"/>
+      <p:font typeface="Lobster"/>
+      <p:regular r:id="rId17"/>
+    </p:embeddedFont>
+    <p:embeddedFont>
+      <p:font typeface="Roboto" panose="020B0604020202020204" charset="0"/>
       <p:regular r:id="rId18"/>
       <p:bold r:id="rId19"/>
       <p:italic r:id="rId20"/>
       <p:boldItalic r:id="rId21"/>
     </p:embeddedFont>
     <p:embeddedFont>
-      <p:font typeface="Lobster"/>
+      <p:font typeface="Roboto Slab" panose="020B0604020202020204" charset="0"/>
       <p:regular r:id="rId22"/>
+      <p:bold r:id="rId23"/>
     </p:embeddedFont>
   </p:embeddedFontLst>
   <p:defaultTextStyle>
-    <a:defPPr lvl="0" marR="0" rtl="0" algn="l">
+    <a:defPPr marR="0" lvl="0" algn="l" rtl="0">
       <a:lnSpc>
         <a:spcPct val="100000"/>
       </a:lnSpc>
@@ -51,7 +58,7 @@
         <a:spcPts val="0"/>
       </a:spcAft>
     </a:defPPr>
-    <a:lvl1pPr lvl="0" marR="0" rtl="0" algn="l">
+    <a:lvl1pPr marR="0" lvl="0" algn="l" rtl="0">
       <a:lnSpc>
         <a:spcPct val="100000"/>
       </a:lnSpc>
@@ -65,7 +72,7 @@
         <a:srgbClr val="000000"/>
       </a:buClr>
       <a:buFont typeface="Arial"/>
-      <a:defRPr b="0" i="0" sz="1400" u="none" cap="none" strike="noStrike">
+      <a:defRPr sz="1400" b="0" i="0" u="none" strike="noStrike" cap="none">
         <a:solidFill>
           <a:srgbClr val="000000"/>
         </a:solidFill>
@@ -75,7 +82,7 @@
         <a:sym typeface="Arial"/>
       </a:defRPr>
     </a:lvl1pPr>
-    <a:lvl2pPr lvl="1" marR="0" rtl="0" algn="l">
+    <a:lvl2pPr marR="0" lvl="1" algn="l" rtl="0">
       <a:lnSpc>
         <a:spcPct val="100000"/>
       </a:lnSpc>
@@ -89,7 +96,7 @@
         <a:srgbClr val="000000"/>
       </a:buClr>
       <a:buFont typeface="Arial"/>
-      <a:defRPr b="0" i="0" sz="1400" u="none" cap="none" strike="noStrike">
+      <a:defRPr sz="1400" b="0" i="0" u="none" strike="noStrike" cap="none">
         <a:solidFill>
           <a:srgbClr val="000000"/>
         </a:solidFill>
@@ -99,7 +106,7 @@
         <a:sym typeface="Arial"/>
       </a:defRPr>
     </a:lvl2pPr>
-    <a:lvl3pPr lvl="2" marR="0" rtl="0" algn="l">
+    <a:lvl3pPr marR="0" lvl="2" algn="l" rtl="0">
       <a:lnSpc>
         <a:spcPct val="100000"/>
       </a:lnSpc>
@@ -113,7 +120,7 @@
         <a:srgbClr val="000000"/>
       </a:buClr>
       <a:buFont typeface="Arial"/>
-      <a:defRPr b="0" i="0" sz="1400" u="none" cap="none" strike="noStrike">
+      <a:defRPr sz="1400" b="0" i="0" u="none" strike="noStrike" cap="none">
         <a:solidFill>
           <a:srgbClr val="000000"/>
         </a:solidFill>
@@ -123,7 +130,7 @@
         <a:sym typeface="Arial"/>
       </a:defRPr>
     </a:lvl3pPr>
-    <a:lvl4pPr lvl="3" marR="0" rtl="0" algn="l">
+    <a:lvl4pPr marR="0" lvl="3" algn="l" rtl="0">
       <a:lnSpc>
         <a:spcPct val="100000"/>
       </a:lnSpc>
@@ -137,7 +144,7 @@
         <a:srgbClr val="000000"/>
       </a:buClr>
       <a:buFont typeface="Arial"/>
-      <a:defRPr b="0" i="0" sz="1400" u="none" cap="none" strike="noStrike">
+      <a:defRPr sz="1400" b="0" i="0" u="none" strike="noStrike" cap="none">
         <a:solidFill>
           <a:srgbClr val="000000"/>
         </a:solidFill>
@@ -147,7 +154,7 @@
         <a:sym typeface="Arial"/>
       </a:defRPr>
     </a:lvl4pPr>
-    <a:lvl5pPr lvl="4" marR="0" rtl="0" algn="l">
+    <a:lvl5pPr marR="0" lvl="4" algn="l" rtl="0">
       <a:lnSpc>
         <a:spcPct val="100000"/>
       </a:lnSpc>
@@ -161,7 +168,7 @@
         <a:srgbClr val="000000"/>
       </a:buClr>
       <a:buFont typeface="Arial"/>
-      <a:defRPr b="0" i="0" sz="1400" u="none" cap="none" strike="noStrike">
+      <a:defRPr sz="1400" b="0" i="0" u="none" strike="noStrike" cap="none">
         <a:solidFill>
           <a:srgbClr val="000000"/>
         </a:solidFill>
@@ -171,7 +178,7 @@
         <a:sym typeface="Arial"/>
       </a:defRPr>
     </a:lvl5pPr>
-    <a:lvl6pPr lvl="5" marR="0" rtl="0" algn="l">
+    <a:lvl6pPr marR="0" lvl="5" algn="l" rtl="0">
       <a:lnSpc>
         <a:spcPct val="100000"/>
       </a:lnSpc>
@@ -185,7 +192,7 @@
         <a:srgbClr val="000000"/>
       </a:buClr>
       <a:buFont typeface="Arial"/>
-      <a:defRPr b="0" i="0" sz="1400" u="none" cap="none" strike="noStrike">
+      <a:defRPr sz="1400" b="0" i="0" u="none" strike="noStrike" cap="none">
         <a:solidFill>
           <a:srgbClr val="000000"/>
         </a:solidFill>
@@ -195,7 +202,7 @@
         <a:sym typeface="Arial"/>
       </a:defRPr>
     </a:lvl6pPr>
-    <a:lvl7pPr lvl="6" marR="0" rtl="0" algn="l">
+    <a:lvl7pPr marR="0" lvl="6" algn="l" rtl="0">
       <a:lnSpc>
         <a:spcPct val="100000"/>
       </a:lnSpc>
@@ -209,7 +216,7 @@
         <a:srgbClr val="000000"/>
       </a:buClr>
       <a:buFont typeface="Arial"/>
-      <a:defRPr b="0" i="0" sz="1400" u="none" cap="none" strike="noStrike">
+      <a:defRPr sz="1400" b="0" i="0" u="none" strike="noStrike" cap="none">
         <a:solidFill>
           <a:srgbClr val="000000"/>
         </a:solidFill>
@@ -219,7 +226,7 @@
         <a:sym typeface="Arial"/>
       </a:defRPr>
     </a:lvl7pPr>
-    <a:lvl8pPr lvl="7" marR="0" rtl="0" algn="l">
+    <a:lvl8pPr marR="0" lvl="7" algn="l" rtl="0">
       <a:lnSpc>
         <a:spcPct val="100000"/>
       </a:lnSpc>
@@ -233,7 +240,7 @@
         <a:srgbClr val="000000"/>
       </a:buClr>
       <a:buFont typeface="Arial"/>
-      <a:defRPr b="0" i="0" sz="1400" u="none" cap="none" strike="noStrike">
+      <a:defRPr sz="1400" b="0" i="0" u="none" strike="noStrike" cap="none">
         <a:solidFill>
           <a:srgbClr val="000000"/>
         </a:solidFill>
@@ -243,7 +250,7 @@
         <a:sym typeface="Arial"/>
       </a:defRPr>
     </a:lvl8pPr>
-    <a:lvl9pPr lvl="8" marR="0" rtl="0" algn="l">
+    <a:lvl9pPr marR="0" lvl="8" algn="l" rtl="0">
       <a:lnSpc>
         <a:spcPct val="100000"/>
       </a:lnSpc>
@@ -257,7 +264,7 @@
         <a:srgbClr val="000000"/>
       </a:buClr>
       <a:buFont typeface="Arial"/>
-      <a:defRPr b="0" i="0" sz="1400" u="none" cap="none" strike="noStrike">
+      <a:defRPr sz="1400" b="0" i="0" u="none" strike="noStrike" cap="none">
         <a:solidFill>
           <a:srgbClr val="000000"/>
         </a:solidFill>
@@ -270,7 +277,7 @@
   </p:defaultTextStyle>
   <p:extLst>
     <p:ext uri="{EFAFB233-063F-42B5-8137-9DF3F51BA10A}">
-      <p15:sldGuideLst>
+      <p15:sldGuideLst xmlns:p15="http://schemas.microsoft.com/office/powerpoint/2012/main">
         <p15:guide id="1" orient="horz" pos="2160">
           <p15:clr>
             <a:srgbClr val="000000"/>
@@ -288,18 +295,19 @@
 </file>
 
 <file path=ppt/notesMasters/notesMaster1.xml><?xml version="1.0" encoding="utf-8"?>
-<p:notesMaster xmlns:a="http://schemas.openxmlformats.org/drawingml/2006/main" xmlns:r="http://schemas.openxmlformats.org/officeDocument/2006/relationships" xmlns:mc="http://schemas.openxmlformats.org/markup-compatibility/2006" xmlns:mv="urn:schemas-microsoft-com:mac:vml" xmlns:p="http://schemas.openxmlformats.org/presentationml/2006/main" xmlns:c="http://schemas.openxmlformats.org/drawingml/2006/chart" xmlns:dgm="http://schemas.openxmlformats.org/drawingml/2006/diagram" xmlns:o="urn:schemas-microsoft-com:office:office" xmlns:v="urn:schemas-microsoft-com:vml" xmlns:pvml="urn:schemas-microsoft-com:office:powerpoint" xmlns:com="http://schemas.openxmlformats.org/drawingml/2006/compatibility" xmlns:p14="http://schemas.microsoft.com/office/powerpoint/2010/main" xmlns:p15="http://schemas.microsoft.com/office/powerpoint/2012/main">
+<p:notesMaster xmlns:a="http://schemas.openxmlformats.org/drawingml/2006/main" xmlns:r="http://schemas.openxmlformats.org/officeDocument/2006/relationships" xmlns:p="http://schemas.openxmlformats.org/presentationml/2006/main">
   <p:cSld>
     <p:bg>
       <p:bgPr>
         <a:solidFill>
           <a:srgbClr val="000000"/>
         </a:solidFill>
+        <a:effectLst/>
       </p:bgPr>
     </p:bg>
     <p:spTree>
       <p:nvGrpSpPr>
-        <p:cNvPr id="2" name="Shape 2"/>
+        <p:cNvPr id="1" name="Shape 2"/>
         <p:cNvGrpSpPr/>
         <p:nvPr/>
       </p:nvGrpSpPr>
@@ -314,9 +322,11 @@
       <p:sp>
         <p:nvSpPr>
           <p:cNvPr id="3" name="Google Shape;3;n"/>
-          <p:cNvSpPr txBox="1"/>
+          <p:cNvSpPr txBox="1">
+            <a:spLocks noGrp="1"/>
+          </p:cNvSpPr>
           <p:nvPr>
-            <p:ph idx="2" type="hdr"/>
+            <p:ph type="hdr" idx="2"/>
           </p:nvPr>
         </p:nvSpPr>
         <p:spPr>
@@ -333,9 +343,9 @@
           </a:ln>
         </p:spPr>
         <p:txBody>
-          <a:bodyPr anchorCtr="0" anchor="t" bIns="45700" lIns="91425" spcFirstLastPara="1" rIns="91425" wrap="square" tIns="45700"/>
+          <a:bodyPr spcFirstLastPara="1" wrap="square" lIns="91425" tIns="45700" rIns="91425" bIns="45700" anchor="t" anchorCtr="0"/>
           <a:lstStyle>
-            <a:lvl1pPr lvl="0" marR="0" rtl="0" algn="l">
+            <a:lvl1pPr marR="0" lvl="0" algn="l" rtl="0">
               <a:lnSpc>
                 <a:spcPct val="100000"/>
               </a:lnSpc>
@@ -347,7 +357,7 @@
               </a:spcAft>
               <a:buSzPts val="1400"/>
               <a:buNone/>
-              <a:defRPr b="0" i="0" sz="2400" u="none" cap="none" strike="noStrike">
+              <a:defRPr sz="2400" b="0" i="0" u="none" strike="noStrike" cap="none">
                 <a:solidFill>
                   <a:srgbClr val="000000"/>
                 </a:solidFill>
@@ -357,7 +367,7 @@
                 <a:sym typeface="Calibri"/>
               </a:defRPr>
             </a:lvl1pPr>
-            <a:lvl2pPr lvl="1" marR="0" rtl="0" algn="l">
+            <a:lvl2pPr marR="0" lvl="1" algn="l" rtl="0">
               <a:lnSpc>
                 <a:spcPct val="100000"/>
               </a:lnSpc>
@@ -369,7 +379,7 @@
               </a:spcAft>
               <a:buSzPts val="1400"/>
               <a:buNone/>
-              <a:defRPr b="0" i="0" sz="2400" u="none" cap="none" strike="noStrike">
+              <a:defRPr sz="2400" b="0" i="0" u="none" strike="noStrike" cap="none">
                 <a:solidFill>
                   <a:srgbClr val="000000"/>
                 </a:solidFill>
@@ -379,7 +389,7 @@
                 <a:sym typeface="Calibri"/>
               </a:defRPr>
             </a:lvl2pPr>
-            <a:lvl3pPr lvl="2" marR="0" rtl="0" algn="l">
+            <a:lvl3pPr marR="0" lvl="2" algn="l" rtl="0">
               <a:lnSpc>
                 <a:spcPct val="100000"/>
               </a:lnSpc>
@@ -391,7 +401,7 @@
               </a:spcAft>
               <a:buSzPts val="1400"/>
               <a:buNone/>
-              <a:defRPr b="0" i="0" sz="2400" u="none" cap="none" strike="noStrike">
+              <a:defRPr sz="2400" b="0" i="0" u="none" strike="noStrike" cap="none">
                 <a:solidFill>
                   <a:srgbClr val="000000"/>
                 </a:solidFill>
@@ -401,7 +411,7 @@
                 <a:sym typeface="Calibri"/>
               </a:defRPr>
             </a:lvl3pPr>
-            <a:lvl4pPr lvl="3" marR="0" rtl="0" algn="l">
+            <a:lvl4pPr marR="0" lvl="3" algn="l" rtl="0">
               <a:lnSpc>
                 <a:spcPct val="100000"/>
               </a:lnSpc>
@@ -413,7 +423,7 @@
               </a:spcAft>
               <a:buSzPts val="1400"/>
               <a:buNone/>
-              <a:defRPr b="0" i="0" sz="2400" u="none" cap="none" strike="noStrike">
+              <a:defRPr sz="2400" b="0" i="0" u="none" strike="noStrike" cap="none">
                 <a:solidFill>
                   <a:srgbClr val="000000"/>
                 </a:solidFill>
@@ -423,7 +433,7 @@
                 <a:sym typeface="Calibri"/>
               </a:defRPr>
             </a:lvl4pPr>
-            <a:lvl5pPr lvl="4" marR="0" rtl="0" algn="l">
+            <a:lvl5pPr marR="0" lvl="4" algn="l" rtl="0">
               <a:lnSpc>
                 <a:spcPct val="100000"/>
               </a:lnSpc>
@@ -435,7 +445,7 @@
               </a:spcAft>
               <a:buSzPts val="1400"/>
               <a:buNone/>
-              <a:defRPr b="0" i="0" sz="2400" u="none" cap="none" strike="noStrike">
+              <a:defRPr sz="2400" b="0" i="0" u="none" strike="noStrike" cap="none">
                 <a:solidFill>
                   <a:srgbClr val="000000"/>
                 </a:solidFill>
@@ -445,7 +455,7 @@
                 <a:sym typeface="Calibri"/>
               </a:defRPr>
             </a:lvl5pPr>
-            <a:lvl6pPr lvl="5" marR="0" rtl="0" algn="l">
+            <a:lvl6pPr marR="0" lvl="5" algn="l" rtl="0">
               <a:lnSpc>
                 <a:spcPct val="100000"/>
               </a:lnSpc>
@@ -457,7 +467,7 @@
               </a:spcAft>
               <a:buSzPts val="1400"/>
               <a:buNone/>
-              <a:defRPr b="0" i="0" sz="2400" u="none" cap="none" strike="noStrike">
+              <a:defRPr sz="2400" b="0" i="0" u="none" strike="noStrike" cap="none">
                 <a:solidFill>
                   <a:srgbClr val="000000"/>
                 </a:solidFill>
@@ -467,7 +477,7 @@
                 <a:sym typeface="Calibri"/>
               </a:defRPr>
             </a:lvl6pPr>
-            <a:lvl7pPr lvl="6" marR="0" rtl="0" algn="l">
+            <a:lvl7pPr marR="0" lvl="6" algn="l" rtl="0">
               <a:lnSpc>
                 <a:spcPct val="100000"/>
               </a:lnSpc>
@@ -479,7 +489,7 @@
               </a:spcAft>
               <a:buSzPts val="1400"/>
               <a:buNone/>
-              <a:defRPr b="0" i="0" sz="2400" u="none" cap="none" strike="noStrike">
+              <a:defRPr sz="2400" b="0" i="0" u="none" strike="noStrike" cap="none">
                 <a:solidFill>
                   <a:srgbClr val="000000"/>
                 </a:solidFill>
@@ -489,7 +499,7 @@
                 <a:sym typeface="Calibri"/>
               </a:defRPr>
             </a:lvl7pPr>
-            <a:lvl8pPr lvl="7" marR="0" rtl="0" algn="l">
+            <a:lvl8pPr marR="0" lvl="7" algn="l" rtl="0">
               <a:lnSpc>
                 <a:spcPct val="100000"/>
               </a:lnSpc>
@@ -501,7 +511,7 @@
               </a:spcAft>
               <a:buSzPts val="1400"/>
               <a:buNone/>
-              <a:defRPr b="0" i="0" sz="2400" u="none" cap="none" strike="noStrike">
+              <a:defRPr sz="2400" b="0" i="0" u="none" strike="noStrike" cap="none">
                 <a:solidFill>
                   <a:srgbClr val="000000"/>
                 </a:solidFill>
@@ -511,7 +521,7 @@
                 <a:sym typeface="Calibri"/>
               </a:defRPr>
             </a:lvl8pPr>
-            <a:lvl9pPr lvl="8" marR="0" rtl="0" algn="l">
+            <a:lvl9pPr marR="0" lvl="8" algn="l" rtl="0">
               <a:lnSpc>
                 <a:spcPct val="100000"/>
               </a:lnSpc>
@@ -523,7 +533,7 @@
               </a:spcAft>
               <a:buSzPts val="1400"/>
               <a:buNone/>
-              <a:defRPr b="0" i="0" sz="2400" u="none" cap="none" strike="noStrike">
+              <a:defRPr sz="2400" b="0" i="0" u="none" strike="noStrike" cap="none">
                 <a:solidFill>
                   <a:srgbClr val="000000"/>
                 </a:solidFill>
@@ -534,15 +544,19 @@
               </a:defRPr>
             </a:lvl9pPr>
           </a:lstStyle>
-          <a:p/>
+          <a:p>
+            <a:endParaRPr/>
+          </a:p>
         </p:txBody>
       </p:sp>
       <p:sp>
         <p:nvSpPr>
           <p:cNvPr id="4" name="Google Shape;4;n"/>
-          <p:cNvSpPr txBox="1"/>
+          <p:cNvSpPr txBox="1">
+            <a:spLocks noGrp="1"/>
+          </p:cNvSpPr>
           <p:nvPr>
-            <p:ph idx="10" type="dt"/>
+            <p:ph type="dt" idx="10"/>
           </p:nvPr>
         </p:nvSpPr>
         <p:spPr>
@@ -559,9 +573,9 @@
           </a:ln>
         </p:spPr>
         <p:txBody>
-          <a:bodyPr anchorCtr="0" anchor="t" bIns="45700" lIns="91425" spcFirstLastPara="1" rIns="91425" wrap="square" tIns="45700"/>
+          <a:bodyPr spcFirstLastPara="1" wrap="square" lIns="91425" tIns="45700" rIns="91425" bIns="45700" anchor="t" anchorCtr="0"/>
           <a:lstStyle>
-            <a:lvl1pPr lvl="0" marR="0" rtl="0" algn="r">
+            <a:lvl1pPr marR="0" lvl="0" algn="r" rtl="0">
               <a:lnSpc>
                 <a:spcPct val="100000"/>
               </a:lnSpc>
@@ -573,7 +587,7 @@
               </a:spcAft>
               <a:buSzPts val="1400"/>
               <a:buNone/>
-              <a:defRPr b="0" i="0" sz="1200" u="none" cap="none" strike="noStrike">
+              <a:defRPr sz="1200" b="0" i="0" u="none" strike="noStrike" cap="none">
                 <a:solidFill>
                   <a:srgbClr val="000000"/>
                 </a:solidFill>
@@ -583,7 +597,7 @@
                 <a:sym typeface="Calibri"/>
               </a:defRPr>
             </a:lvl1pPr>
-            <a:lvl2pPr lvl="1" marR="0" rtl="0" algn="l">
+            <a:lvl2pPr marR="0" lvl="1" algn="l" rtl="0">
               <a:lnSpc>
                 <a:spcPct val="100000"/>
               </a:lnSpc>
@@ -595,7 +609,7 @@
               </a:spcAft>
               <a:buSzPts val="1400"/>
               <a:buNone/>
-              <a:defRPr b="0" i="0" sz="2400" u="none" cap="none" strike="noStrike">
+              <a:defRPr sz="2400" b="0" i="0" u="none" strike="noStrike" cap="none">
                 <a:solidFill>
                   <a:srgbClr val="000000"/>
                 </a:solidFill>
@@ -605,7 +619,7 @@
                 <a:sym typeface="Calibri"/>
               </a:defRPr>
             </a:lvl2pPr>
-            <a:lvl3pPr lvl="2" marR="0" rtl="0" algn="l">
+            <a:lvl3pPr marR="0" lvl="2" algn="l" rtl="0">
               <a:lnSpc>
                 <a:spcPct val="100000"/>
               </a:lnSpc>
@@ -617,7 +631,7 @@
               </a:spcAft>
               <a:buSzPts val="1400"/>
               <a:buNone/>
-              <a:defRPr b="0" i="0" sz="2400" u="none" cap="none" strike="noStrike">
+              <a:defRPr sz="2400" b="0" i="0" u="none" strike="noStrike" cap="none">
                 <a:solidFill>
                   <a:srgbClr val="000000"/>
                 </a:solidFill>
@@ -627,7 +641,7 @@
                 <a:sym typeface="Calibri"/>
               </a:defRPr>
             </a:lvl3pPr>
-            <a:lvl4pPr lvl="3" marR="0" rtl="0" algn="l">
+            <a:lvl4pPr marR="0" lvl="3" algn="l" rtl="0">
               <a:lnSpc>
                 <a:spcPct val="100000"/>
               </a:lnSpc>
@@ -639,7 +653,7 @@
               </a:spcAft>
               <a:buSzPts val="1400"/>
               <a:buNone/>
-              <a:defRPr b="0" i="0" sz="2400" u="none" cap="none" strike="noStrike">
+              <a:defRPr sz="2400" b="0" i="0" u="none" strike="noStrike" cap="none">
                 <a:solidFill>
                   <a:srgbClr val="000000"/>
                 </a:solidFill>
@@ -649,7 +663,7 @@
                 <a:sym typeface="Calibri"/>
               </a:defRPr>
             </a:lvl4pPr>
-            <a:lvl5pPr lvl="4" marR="0" rtl="0" algn="l">
+            <a:lvl5pPr marR="0" lvl="4" algn="l" rtl="0">
               <a:lnSpc>
                 <a:spcPct val="100000"/>
               </a:lnSpc>
@@ -661,7 +675,7 @@
               </a:spcAft>
               <a:buSzPts val="1400"/>
               <a:buNone/>
-              <a:defRPr b="0" i="0" sz="2400" u="none" cap="none" strike="noStrike">
+              <a:defRPr sz="2400" b="0" i="0" u="none" strike="noStrike" cap="none">
                 <a:solidFill>
                   <a:srgbClr val="000000"/>
                 </a:solidFill>
@@ -671,7 +685,7 @@
                 <a:sym typeface="Calibri"/>
               </a:defRPr>
             </a:lvl5pPr>
-            <a:lvl6pPr lvl="5" marR="0" rtl="0" algn="l">
+            <a:lvl6pPr marR="0" lvl="5" algn="l" rtl="0">
               <a:lnSpc>
                 <a:spcPct val="100000"/>
               </a:lnSpc>
@@ -683,7 +697,7 @@
               </a:spcAft>
               <a:buSzPts val="1400"/>
               <a:buNone/>
-              <a:defRPr b="0" i="0" sz="2400" u="none" cap="none" strike="noStrike">
+              <a:defRPr sz="2400" b="0" i="0" u="none" strike="noStrike" cap="none">
                 <a:solidFill>
                   <a:srgbClr val="000000"/>
                 </a:solidFill>
@@ -693,7 +707,7 @@
                 <a:sym typeface="Calibri"/>
               </a:defRPr>
             </a:lvl6pPr>
-            <a:lvl7pPr lvl="6" marR="0" rtl="0" algn="l">
+            <a:lvl7pPr marR="0" lvl="6" algn="l" rtl="0">
               <a:lnSpc>
                 <a:spcPct val="100000"/>
               </a:lnSpc>
@@ -705,7 +719,7 @@
               </a:spcAft>
               <a:buSzPts val="1400"/>
               <a:buNone/>
-              <a:defRPr b="0" i="0" sz="2400" u="none" cap="none" strike="noStrike">
+              <a:defRPr sz="2400" b="0" i="0" u="none" strike="noStrike" cap="none">
                 <a:solidFill>
                   <a:srgbClr val="000000"/>
                 </a:solidFill>
@@ -715,7 +729,7 @@
                 <a:sym typeface="Calibri"/>
               </a:defRPr>
             </a:lvl7pPr>
-            <a:lvl8pPr lvl="7" marR="0" rtl="0" algn="l">
+            <a:lvl8pPr marR="0" lvl="7" algn="l" rtl="0">
               <a:lnSpc>
                 <a:spcPct val="100000"/>
               </a:lnSpc>
@@ -727,7 +741,7 @@
               </a:spcAft>
               <a:buSzPts val="1400"/>
               <a:buNone/>
-              <a:defRPr b="0" i="0" sz="2400" u="none" cap="none" strike="noStrike">
+              <a:defRPr sz="2400" b="0" i="0" u="none" strike="noStrike" cap="none">
                 <a:solidFill>
                   <a:srgbClr val="000000"/>
                 </a:solidFill>
@@ -737,7 +751,7 @@
                 <a:sym typeface="Calibri"/>
               </a:defRPr>
             </a:lvl8pPr>
-            <a:lvl9pPr lvl="8" marR="0" rtl="0" algn="l">
+            <a:lvl9pPr marR="0" lvl="8" algn="l" rtl="0">
               <a:lnSpc>
                 <a:spcPct val="100000"/>
               </a:lnSpc>
@@ -749,7 +763,7 @@
               </a:spcAft>
               <a:buSzPts val="1400"/>
               <a:buNone/>
-              <a:defRPr b="0" i="0" sz="2400" u="none" cap="none" strike="noStrike">
+              <a:defRPr sz="2400" b="0" i="0" u="none" strike="noStrike" cap="none">
                 <a:solidFill>
                   <a:srgbClr val="000000"/>
                 </a:solidFill>
@@ -760,15 +774,19 @@
               </a:defRPr>
             </a:lvl9pPr>
           </a:lstStyle>
-          <a:p/>
+          <a:p>
+            <a:endParaRPr/>
+          </a:p>
         </p:txBody>
       </p:sp>
       <p:sp>
         <p:nvSpPr>
           <p:cNvPr id="5" name="Google Shape;5;n"/>
-          <p:cNvSpPr/>
+          <p:cNvSpPr>
+            <a:spLocks noGrp="1" noRot="1" noChangeAspect="1"/>
+          </p:cNvSpPr>
           <p:nvPr>
-            <p:ph idx="3" type="sldImg"/>
+            <p:ph type="sldImg" idx="3"/>
           </p:nvPr>
         </p:nvSpPr>
         <p:spPr>
@@ -777,9 +795,13 @@
             <a:ext cx="6096000" cy="3429000"/>
           </a:xfrm>
           <a:custGeom>
-            <a:rect b="b" l="l" r="r" t="t"/>
+            <a:avLst/>
+            <a:gdLst/>
+            <a:ahLst/>
+            <a:cxnLst/>
+            <a:rect l="l" t="t" r="r" b="b"/>
             <a:pathLst>
-              <a:path extrusionOk="0" h="120000" w="120000">
+              <a:path w="120000" h="120000" extrusionOk="0">
                 <a:moveTo>
                   <a:pt x="0" y="0"/>
                 </a:moveTo>
@@ -797,23 +819,25 @@
             </a:pathLst>
           </a:custGeom>
           <a:noFill/>
-          <a:ln cap="flat" cmpd="sng" w="12700">
+          <a:ln w="12700" cap="flat" cmpd="sng">
             <a:solidFill>
               <a:srgbClr val="000000"/>
             </a:solidFill>
             <a:prstDash val="solid"/>
             <a:miter lim="800000"/>
-            <a:headEnd len="sm" w="sm" type="none"/>
-            <a:tailEnd len="sm" w="sm" type="none"/>
+            <a:headEnd type="none" w="sm" len="sm"/>
+            <a:tailEnd type="none" w="sm" len="sm"/>
           </a:ln>
         </p:spPr>
       </p:sp>
       <p:sp>
         <p:nvSpPr>
           <p:cNvPr id="6" name="Google Shape;6;n"/>
-          <p:cNvSpPr txBox="1"/>
+          <p:cNvSpPr txBox="1">
+            <a:spLocks noGrp="1"/>
+          </p:cNvSpPr>
           <p:nvPr>
-            <p:ph idx="1" type="body"/>
+            <p:ph type="body" idx="1"/>
           </p:nvPr>
         </p:nvSpPr>
         <p:spPr>
@@ -830,9 +854,9 @@
           </a:ln>
         </p:spPr>
         <p:txBody>
-          <a:bodyPr anchorCtr="0" anchor="t" bIns="45700" lIns="91425" spcFirstLastPara="1" rIns="91425" wrap="square" tIns="45700"/>
+          <a:bodyPr spcFirstLastPara="1" wrap="square" lIns="91425" tIns="45700" rIns="91425" bIns="45700" anchor="t" anchorCtr="0"/>
           <a:lstStyle>
-            <a:lvl1pPr indent="-228600" lvl="0" marL="457200" marR="0" rtl="0" algn="l">
+            <a:lvl1pPr marL="457200" marR="0" lvl="0" indent="-228600" algn="l" rtl="0">
               <a:spcBef>
                 <a:spcPts val="0"/>
               </a:spcBef>
@@ -841,9 +865,9 @@
               </a:spcAft>
               <a:buSzPts val="1400"/>
               <a:buNone/>
-              <a:defRPr b="0" i="0" sz="1800" u="none" cap="none" strike="noStrike"/>
+              <a:defRPr sz="1800" b="0" i="0" u="none" strike="noStrike" cap="none"/>
             </a:lvl1pPr>
-            <a:lvl2pPr indent="-228600" lvl="1" marL="914400" marR="0" rtl="0" algn="l">
+            <a:lvl2pPr marL="914400" marR="0" lvl="1" indent="-228600" algn="l" rtl="0">
               <a:spcBef>
                 <a:spcPts val="0"/>
               </a:spcBef>
@@ -852,9 +876,9 @@
               </a:spcAft>
               <a:buSzPts val="1400"/>
               <a:buNone/>
-              <a:defRPr b="0" i="0" sz="1800" u="none" cap="none" strike="noStrike"/>
+              <a:defRPr sz="1800" b="0" i="0" u="none" strike="noStrike" cap="none"/>
             </a:lvl2pPr>
-            <a:lvl3pPr indent="-228600" lvl="2" marL="1371600" marR="0" rtl="0" algn="l">
+            <a:lvl3pPr marL="1371600" marR="0" lvl="2" indent="-228600" algn="l" rtl="0">
               <a:spcBef>
                 <a:spcPts val="0"/>
               </a:spcBef>
@@ -863,9 +887,9 @@
               </a:spcAft>
               <a:buSzPts val="1400"/>
               <a:buNone/>
-              <a:defRPr b="0" i="0" sz="1800" u="none" cap="none" strike="noStrike"/>
+              <a:defRPr sz="1800" b="0" i="0" u="none" strike="noStrike" cap="none"/>
             </a:lvl3pPr>
-            <a:lvl4pPr indent="-228600" lvl="3" marL="1828800" marR="0" rtl="0" algn="l">
+            <a:lvl4pPr marL="1828800" marR="0" lvl="3" indent="-228600" algn="l" rtl="0">
               <a:spcBef>
                 <a:spcPts val="0"/>
               </a:spcBef>
@@ -874,9 +898,9 @@
               </a:spcAft>
               <a:buSzPts val="1400"/>
               <a:buNone/>
-              <a:defRPr b="0" i="0" sz="1800" u="none" cap="none" strike="noStrike"/>
+              <a:defRPr sz="1800" b="0" i="0" u="none" strike="noStrike" cap="none"/>
             </a:lvl4pPr>
-            <a:lvl5pPr indent="-228600" lvl="4" marL="2286000" marR="0" rtl="0" algn="l">
+            <a:lvl5pPr marL="2286000" marR="0" lvl="4" indent="-228600" algn="l" rtl="0">
               <a:spcBef>
                 <a:spcPts val="0"/>
               </a:spcBef>
@@ -885,9 +909,9 @@
               </a:spcAft>
               <a:buSzPts val="1400"/>
               <a:buNone/>
-              <a:defRPr b="0" i="0" sz="1800" u="none" cap="none" strike="noStrike"/>
+              <a:defRPr sz="1800" b="0" i="0" u="none" strike="noStrike" cap="none"/>
             </a:lvl5pPr>
-            <a:lvl6pPr indent="-228600" lvl="5" marL="2743200" marR="0" rtl="0" algn="l">
+            <a:lvl6pPr marL="2743200" marR="0" lvl="5" indent="-228600" algn="l" rtl="0">
               <a:spcBef>
                 <a:spcPts val="0"/>
               </a:spcBef>
@@ -896,9 +920,9 @@
               </a:spcAft>
               <a:buSzPts val="1400"/>
               <a:buNone/>
-              <a:defRPr b="0" i="0" sz="1800" u="none" cap="none" strike="noStrike"/>
+              <a:defRPr sz="1800" b="0" i="0" u="none" strike="noStrike" cap="none"/>
             </a:lvl6pPr>
-            <a:lvl7pPr indent="-228600" lvl="6" marL="3200400" marR="0" rtl="0" algn="l">
+            <a:lvl7pPr marL="3200400" marR="0" lvl="6" indent="-228600" algn="l" rtl="0">
               <a:spcBef>
                 <a:spcPts val="0"/>
               </a:spcBef>
@@ -907,9 +931,9 @@
               </a:spcAft>
               <a:buSzPts val="1400"/>
               <a:buNone/>
-              <a:defRPr b="0" i="0" sz="1800" u="none" cap="none" strike="noStrike"/>
+              <a:defRPr sz="1800" b="0" i="0" u="none" strike="noStrike" cap="none"/>
             </a:lvl7pPr>
-            <a:lvl8pPr indent="-228600" lvl="7" marL="3657600" marR="0" rtl="0" algn="l">
+            <a:lvl8pPr marL="3657600" marR="0" lvl="7" indent="-228600" algn="l" rtl="0">
               <a:spcBef>
                 <a:spcPts val="0"/>
               </a:spcBef>
@@ -918,9 +942,9 @@
               </a:spcAft>
               <a:buSzPts val="1400"/>
               <a:buNone/>
-              <a:defRPr b="0" i="0" sz="1800" u="none" cap="none" strike="noStrike"/>
+              <a:defRPr sz="1800" b="0" i="0" u="none" strike="noStrike" cap="none"/>
             </a:lvl8pPr>
-            <a:lvl9pPr indent="-228600" lvl="8" marL="4114800" marR="0" rtl="0" algn="l">
+            <a:lvl9pPr marL="4114800" marR="0" lvl="8" indent="-228600" algn="l" rtl="0">
               <a:spcBef>
                 <a:spcPts val="0"/>
               </a:spcBef>
@@ -929,18 +953,22 @@
               </a:spcAft>
               <a:buSzPts val="1400"/>
               <a:buNone/>
-              <a:defRPr b="0" i="0" sz="1800" u="none" cap="none" strike="noStrike"/>
+              <a:defRPr sz="1800" b="0" i="0" u="none" strike="noStrike" cap="none"/>
             </a:lvl9pPr>
           </a:lstStyle>
-          <a:p/>
+          <a:p>
+            <a:endParaRPr/>
+          </a:p>
         </p:txBody>
       </p:sp>
       <p:sp>
         <p:nvSpPr>
           <p:cNvPr id="7" name="Google Shape;7;n"/>
-          <p:cNvSpPr txBox="1"/>
+          <p:cNvSpPr txBox="1">
+            <a:spLocks noGrp="1"/>
+          </p:cNvSpPr>
           <p:nvPr>
-            <p:ph idx="11" type="ftr"/>
+            <p:ph type="ftr" idx="11"/>
           </p:nvPr>
         </p:nvSpPr>
         <p:spPr>
@@ -957,9 +985,9 @@
           </a:ln>
         </p:spPr>
         <p:txBody>
-          <a:bodyPr anchorCtr="0" anchor="b" bIns="45700" lIns="91425" spcFirstLastPara="1" rIns="91425" wrap="square" tIns="45700"/>
+          <a:bodyPr spcFirstLastPara="1" wrap="square" lIns="91425" tIns="45700" rIns="91425" bIns="45700" anchor="b" anchorCtr="0"/>
           <a:lstStyle>
-            <a:lvl1pPr lvl="0" marR="0" rtl="0" algn="l">
+            <a:lvl1pPr marR="0" lvl="0" algn="l" rtl="0">
               <a:lnSpc>
                 <a:spcPct val="100000"/>
               </a:lnSpc>
@@ -971,7 +999,7 @@
               </a:spcAft>
               <a:buSzPts val="1400"/>
               <a:buNone/>
-              <a:defRPr b="0" i="0" sz="2400" u="none" cap="none" strike="noStrike">
+              <a:defRPr sz="2400" b="0" i="0" u="none" strike="noStrike" cap="none">
                 <a:solidFill>
                   <a:srgbClr val="000000"/>
                 </a:solidFill>
@@ -981,7 +1009,7 @@
                 <a:sym typeface="Calibri"/>
               </a:defRPr>
             </a:lvl1pPr>
-            <a:lvl2pPr lvl="1" marR="0" rtl="0" algn="l">
+            <a:lvl2pPr marR="0" lvl="1" algn="l" rtl="0">
               <a:lnSpc>
                 <a:spcPct val="100000"/>
               </a:lnSpc>
@@ -993,7 +1021,7 @@
               </a:spcAft>
               <a:buSzPts val="1400"/>
               <a:buNone/>
-              <a:defRPr b="0" i="0" sz="2400" u="none" cap="none" strike="noStrike">
+              <a:defRPr sz="2400" b="0" i="0" u="none" strike="noStrike" cap="none">
                 <a:solidFill>
                   <a:srgbClr val="000000"/>
                 </a:solidFill>
@@ -1003,7 +1031,7 @@
                 <a:sym typeface="Calibri"/>
               </a:defRPr>
             </a:lvl2pPr>
-            <a:lvl3pPr lvl="2" marR="0" rtl="0" algn="l">
+            <a:lvl3pPr marR="0" lvl="2" algn="l" rtl="0">
               <a:lnSpc>
                 <a:spcPct val="100000"/>
               </a:lnSpc>
@@ -1015,7 +1043,7 @@
               </a:spcAft>
               <a:buSzPts val="1400"/>
               <a:buNone/>
-              <a:defRPr b="0" i="0" sz="2400" u="none" cap="none" strike="noStrike">
+              <a:defRPr sz="2400" b="0" i="0" u="none" strike="noStrike" cap="none">
                 <a:solidFill>
                   <a:srgbClr val="000000"/>
                 </a:solidFill>
@@ -1025,7 +1053,7 @@
                 <a:sym typeface="Calibri"/>
               </a:defRPr>
             </a:lvl3pPr>
-            <a:lvl4pPr lvl="3" marR="0" rtl="0" algn="l">
+            <a:lvl4pPr marR="0" lvl="3" algn="l" rtl="0">
               <a:lnSpc>
                 <a:spcPct val="100000"/>
               </a:lnSpc>
@@ -1037,7 +1065,7 @@
               </a:spcAft>
               <a:buSzPts val="1400"/>
               <a:buNone/>
-              <a:defRPr b="0" i="0" sz="2400" u="none" cap="none" strike="noStrike">
+              <a:defRPr sz="2400" b="0" i="0" u="none" strike="noStrike" cap="none">
                 <a:solidFill>
                   <a:srgbClr val="000000"/>
                 </a:solidFill>
@@ -1047,7 +1075,7 @@
                 <a:sym typeface="Calibri"/>
               </a:defRPr>
             </a:lvl4pPr>
-            <a:lvl5pPr lvl="4" marR="0" rtl="0" algn="l">
+            <a:lvl5pPr marR="0" lvl="4" algn="l" rtl="0">
               <a:lnSpc>
                 <a:spcPct val="100000"/>
               </a:lnSpc>
@@ -1059,7 +1087,7 @@
               </a:spcAft>
               <a:buSzPts val="1400"/>
               <a:buNone/>
-              <a:defRPr b="0" i="0" sz="2400" u="none" cap="none" strike="noStrike">
+              <a:defRPr sz="2400" b="0" i="0" u="none" strike="noStrike" cap="none">
                 <a:solidFill>
                   <a:srgbClr val="000000"/>
                 </a:solidFill>
@@ -1069,7 +1097,7 @@
                 <a:sym typeface="Calibri"/>
               </a:defRPr>
             </a:lvl5pPr>
-            <a:lvl6pPr lvl="5" marR="0" rtl="0" algn="l">
+            <a:lvl6pPr marR="0" lvl="5" algn="l" rtl="0">
               <a:lnSpc>
                 <a:spcPct val="100000"/>
               </a:lnSpc>
@@ -1081,7 +1109,7 @@
               </a:spcAft>
               <a:buSzPts val="1400"/>
               <a:buNone/>
-              <a:defRPr b="0" i="0" sz="2400" u="none" cap="none" strike="noStrike">
+              <a:defRPr sz="2400" b="0" i="0" u="none" strike="noStrike" cap="none">
                 <a:solidFill>
                   <a:srgbClr val="000000"/>
                 </a:solidFill>
@@ -1091,7 +1119,7 @@
                 <a:sym typeface="Calibri"/>
               </a:defRPr>
             </a:lvl6pPr>
-            <a:lvl7pPr lvl="6" marR="0" rtl="0" algn="l">
+            <a:lvl7pPr marR="0" lvl="6" algn="l" rtl="0">
               <a:lnSpc>
                 <a:spcPct val="100000"/>
               </a:lnSpc>
@@ -1103,7 +1131,7 @@
               </a:spcAft>
               <a:buSzPts val="1400"/>
               <a:buNone/>
-              <a:defRPr b="0" i="0" sz="2400" u="none" cap="none" strike="noStrike">
+              <a:defRPr sz="2400" b="0" i="0" u="none" strike="noStrike" cap="none">
                 <a:solidFill>
                   <a:srgbClr val="000000"/>
                 </a:solidFill>
@@ -1113,7 +1141,7 @@
                 <a:sym typeface="Calibri"/>
               </a:defRPr>
             </a:lvl7pPr>
-            <a:lvl8pPr lvl="7" marR="0" rtl="0" algn="l">
+            <a:lvl8pPr marR="0" lvl="7" algn="l" rtl="0">
               <a:lnSpc>
                 <a:spcPct val="100000"/>
               </a:lnSpc>
@@ -1125,7 +1153,7 @@
               </a:spcAft>
               <a:buSzPts val="1400"/>
               <a:buNone/>
-              <a:defRPr b="0" i="0" sz="2400" u="none" cap="none" strike="noStrike">
+              <a:defRPr sz="2400" b="0" i="0" u="none" strike="noStrike" cap="none">
                 <a:solidFill>
                   <a:srgbClr val="000000"/>
                 </a:solidFill>
@@ -1135,7 +1163,7 @@
                 <a:sym typeface="Calibri"/>
               </a:defRPr>
             </a:lvl8pPr>
-            <a:lvl9pPr lvl="8" marR="0" rtl="0" algn="l">
+            <a:lvl9pPr marR="0" lvl="8" algn="l" rtl="0">
               <a:lnSpc>
                 <a:spcPct val="100000"/>
               </a:lnSpc>
@@ -1147,7 +1175,7 @@
               </a:spcAft>
               <a:buSzPts val="1400"/>
               <a:buNone/>
-              <a:defRPr b="0" i="0" sz="2400" u="none" cap="none" strike="noStrike">
+              <a:defRPr sz="2400" b="0" i="0" u="none" strike="noStrike" cap="none">
                 <a:solidFill>
                   <a:srgbClr val="000000"/>
                 </a:solidFill>
@@ -1158,15 +1186,19 @@
               </a:defRPr>
             </a:lvl9pPr>
           </a:lstStyle>
-          <a:p/>
+          <a:p>
+            <a:endParaRPr/>
+          </a:p>
         </p:txBody>
       </p:sp>
       <p:sp>
         <p:nvSpPr>
           <p:cNvPr id="8" name="Google Shape;8;n"/>
-          <p:cNvSpPr txBox="1"/>
+          <p:cNvSpPr txBox="1">
+            <a:spLocks noGrp="1"/>
+          </p:cNvSpPr>
           <p:nvPr>
-            <p:ph idx="12" type="sldNum"/>
+            <p:ph type="sldNum" idx="12"/>
           </p:nvPr>
         </p:nvSpPr>
         <p:spPr>
@@ -1183,12 +1215,12 @@
           </a:ln>
         </p:spPr>
         <p:txBody>
-          <a:bodyPr anchorCtr="0" anchor="b" bIns="45700" lIns="91425" spcFirstLastPara="1" rIns="91425" wrap="square" tIns="45700">
+          <a:bodyPr spcFirstLastPara="1" wrap="square" lIns="91425" tIns="45700" rIns="91425" bIns="45700" anchor="b" anchorCtr="0">
             <a:noAutofit/>
           </a:bodyPr>
           <a:lstStyle/>
           <a:p>
-            <a:pPr indent="0" lvl="0" marL="0" marR="0" rtl="0" algn="r">
+            <a:pPr marL="0" marR="0" lvl="0" indent="0" algn="r" rtl="0">
               <a:lnSpc>
                 <a:spcPct val="100000"/>
               </a:lnSpc>
@@ -1206,7 +1238,7 @@
               <a:buNone/>
             </a:pPr>
             <a:fld id="{00000000-1234-1234-1234-123412341234}" type="slidenum">
-              <a:rPr b="0" i="0" lang="en-US" sz="1200" u="none" cap="none" strike="noStrike">
+              <a:rPr lang="en-US" sz="1200" b="0" i="0" u="none" strike="noStrike" cap="none">
                 <a:solidFill>
                   <a:srgbClr val="000000"/>
                 </a:solidFill>
@@ -1223,9 +1255,9 @@
       </p:sp>
     </p:spTree>
   </p:cSld>
-  <p:clrMap accent1="accent1" accent2="accent2" accent3="accent3" accent4="accent4" accent5="accent5" accent6="accent6" bg1="lt1" bg2="dk2" tx1="dk1" tx2="lt2" folHlink="folHlink" hlink="hlink"/>
+  <p:clrMap bg1="lt1" tx1="dk1" bg2="dk2" tx2="lt2" accent1="accent1" accent2="accent2" accent3="accent3" accent4="accent4" accent5="accent5" accent6="accent6" hlink="hlink" folHlink="folHlink"/>
   <p:notesStyle>
-    <a:defPPr lvl="0" marR="0" rtl="0" algn="l">
+    <a:defPPr marR="0" lvl="0" algn="l" rtl="0">
       <a:lnSpc>
         <a:spcPct val="100000"/>
       </a:lnSpc>
@@ -1236,7 +1268,7 @@
         <a:spcPts val="0"/>
       </a:spcAft>
     </a:defPPr>
-    <a:lvl1pPr lvl="0" marR="0" rtl="0" algn="l">
+    <a:lvl1pPr marR="0" lvl="0" algn="l" rtl="0">
       <a:lnSpc>
         <a:spcPct val="100000"/>
       </a:lnSpc>
@@ -1250,7 +1282,7 @@
         <a:srgbClr val="000000"/>
       </a:buClr>
       <a:buFont typeface="Arial"/>
-      <a:defRPr b="0" i="0" sz="1400" u="none" cap="none" strike="noStrike">
+      <a:defRPr sz="1400" b="0" i="0" u="none" strike="noStrike" cap="none">
         <a:solidFill>
           <a:srgbClr val="000000"/>
         </a:solidFill>
@@ -1260,7 +1292,7 @@
         <a:sym typeface="Arial"/>
       </a:defRPr>
     </a:lvl1pPr>
-    <a:lvl2pPr lvl="1" marR="0" rtl="0" algn="l">
+    <a:lvl2pPr marR="0" lvl="1" algn="l" rtl="0">
       <a:lnSpc>
         <a:spcPct val="100000"/>
       </a:lnSpc>
@@ -1274,7 +1306,7 @@
         <a:srgbClr val="000000"/>
       </a:buClr>
       <a:buFont typeface="Arial"/>
-      <a:defRPr b="0" i="0" sz="1400" u="none" cap="none" strike="noStrike">
+      <a:defRPr sz="1400" b="0" i="0" u="none" strike="noStrike" cap="none">
         <a:solidFill>
           <a:srgbClr val="000000"/>
         </a:solidFill>
@@ -1284,7 +1316,7 @@
         <a:sym typeface="Arial"/>
       </a:defRPr>
     </a:lvl2pPr>
-    <a:lvl3pPr lvl="2" marR="0" rtl="0" algn="l">
+    <a:lvl3pPr marR="0" lvl="2" algn="l" rtl="0">
       <a:lnSpc>
         <a:spcPct val="100000"/>
       </a:lnSpc>
@@ -1298,7 +1330,7 @@
         <a:srgbClr val="000000"/>
       </a:buClr>
       <a:buFont typeface="Arial"/>
-      <a:defRPr b="0" i="0" sz="1400" u="none" cap="none" strike="noStrike">
+      <a:defRPr sz="1400" b="0" i="0" u="none" strike="noStrike" cap="none">
         <a:solidFill>
           <a:srgbClr val="000000"/>
         </a:solidFill>
@@ -1308,7 +1340,7 @@
         <a:sym typeface="Arial"/>
       </a:defRPr>
     </a:lvl3pPr>
-    <a:lvl4pPr lvl="3" marR="0" rtl="0" algn="l">
+    <a:lvl4pPr marR="0" lvl="3" algn="l" rtl="0">
       <a:lnSpc>
         <a:spcPct val="100000"/>
       </a:lnSpc>
@@ -1322,7 +1354,7 @@
         <a:srgbClr val="000000"/>
       </a:buClr>
       <a:buFont typeface="Arial"/>
-      <a:defRPr b="0" i="0" sz="1400" u="none" cap="none" strike="noStrike">
+      <a:defRPr sz="1400" b="0" i="0" u="none" strike="noStrike" cap="none">
         <a:solidFill>
           <a:srgbClr val="000000"/>
         </a:solidFill>
@@ -1332,7 +1364,7 @@
         <a:sym typeface="Arial"/>
       </a:defRPr>
     </a:lvl4pPr>
-    <a:lvl5pPr lvl="4" marR="0" rtl="0" algn="l">
+    <a:lvl5pPr marR="0" lvl="4" algn="l" rtl="0">
       <a:lnSpc>
         <a:spcPct val="100000"/>
       </a:lnSpc>
@@ -1346,7 +1378,7 @@
         <a:srgbClr val="000000"/>
       </a:buClr>
       <a:buFont typeface="Arial"/>
-      <a:defRPr b="0" i="0" sz="1400" u="none" cap="none" strike="noStrike">
+      <a:defRPr sz="1400" b="0" i="0" u="none" strike="noStrike" cap="none">
         <a:solidFill>
           <a:srgbClr val="000000"/>
         </a:solidFill>
@@ -1356,7 +1388,7 @@
         <a:sym typeface="Arial"/>
       </a:defRPr>
     </a:lvl5pPr>
-    <a:lvl6pPr lvl="5" marR="0" rtl="0" algn="l">
+    <a:lvl6pPr marR="0" lvl="5" algn="l" rtl="0">
       <a:lnSpc>
         <a:spcPct val="100000"/>
       </a:lnSpc>
@@ -1370,7 +1402,7 @@
         <a:srgbClr val="000000"/>
       </a:buClr>
       <a:buFont typeface="Arial"/>
-      <a:defRPr b="0" i="0" sz="1400" u="none" cap="none" strike="noStrike">
+      <a:defRPr sz="1400" b="0" i="0" u="none" strike="noStrike" cap="none">
         <a:solidFill>
           <a:srgbClr val="000000"/>
         </a:solidFill>
@@ -1380,7 +1412,7 @@
         <a:sym typeface="Arial"/>
       </a:defRPr>
     </a:lvl6pPr>
-    <a:lvl7pPr lvl="6" marR="0" rtl="0" algn="l">
+    <a:lvl7pPr marR="0" lvl="6" algn="l" rtl="0">
       <a:lnSpc>
         <a:spcPct val="100000"/>
       </a:lnSpc>
@@ -1394,7 +1426,7 @@
         <a:srgbClr val="000000"/>
       </a:buClr>
       <a:buFont typeface="Arial"/>
-      <a:defRPr b="0" i="0" sz="1400" u="none" cap="none" strike="noStrike">
+      <a:defRPr sz="1400" b="0" i="0" u="none" strike="noStrike" cap="none">
         <a:solidFill>
           <a:srgbClr val="000000"/>
         </a:solidFill>
@@ -1404,7 +1436,7 @@
         <a:sym typeface="Arial"/>
       </a:defRPr>
     </a:lvl7pPr>
-    <a:lvl8pPr lvl="7" marR="0" rtl="0" algn="l">
+    <a:lvl8pPr marR="0" lvl="7" algn="l" rtl="0">
       <a:lnSpc>
         <a:spcPct val="100000"/>
       </a:lnSpc>
@@ -1418,7 +1450,7 @@
         <a:srgbClr val="000000"/>
       </a:buClr>
       <a:buFont typeface="Arial"/>
-      <a:defRPr b="0" i="0" sz="1400" u="none" cap="none" strike="noStrike">
+      <a:defRPr sz="1400" b="0" i="0" u="none" strike="noStrike" cap="none">
         <a:solidFill>
           <a:srgbClr val="000000"/>
         </a:solidFill>
@@ -1428,7 +1460,7 @@
         <a:sym typeface="Arial"/>
       </a:defRPr>
     </a:lvl8pPr>
-    <a:lvl9pPr lvl="8" marR="0" rtl="0" algn="l">
+    <a:lvl9pPr marR="0" lvl="8" algn="l" rtl="0">
       <a:lnSpc>
         <a:spcPct val="100000"/>
       </a:lnSpc>
@@ -1442,7 +1474,7 @@
         <a:srgbClr val="000000"/>
       </a:buClr>
       <a:buFont typeface="Arial"/>
-      <a:defRPr b="0" i="0" sz="1400" u="none" cap="none" strike="noStrike">
+      <a:defRPr sz="1400" b="0" i="0" u="none" strike="noStrike" cap="none">
         <a:solidFill>
           <a:srgbClr val="000000"/>
         </a:solidFill>
@@ -1457,11 +1489,11 @@
 </file>
 
 <file path=ppt/notesSlides/notesSlide1.xml><?xml version="1.0" encoding="utf-8"?>
-<p:notes xmlns:a="http://schemas.openxmlformats.org/drawingml/2006/main" xmlns:r="http://schemas.openxmlformats.org/officeDocument/2006/relationships" xmlns:mc="http://schemas.openxmlformats.org/markup-compatibility/2006" xmlns:mv="urn:schemas-microsoft-com:mac:vml" xmlns:p="http://schemas.openxmlformats.org/presentationml/2006/main" xmlns:c="http://schemas.openxmlformats.org/drawingml/2006/chart" xmlns:dgm="http://schemas.openxmlformats.org/drawingml/2006/diagram" xmlns:o="urn:schemas-microsoft-com:office:office" xmlns:v="urn:schemas-microsoft-com:vml" xmlns:pvml="urn:schemas-microsoft-com:office:powerpoint" xmlns:com="http://schemas.openxmlformats.org/drawingml/2006/compatibility" xmlns:p14="http://schemas.microsoft.com/office/powerpoint/2010/main" xmlns:p15="http://schemas.microsoft.com/office/powerpoint/2012/main" showMasterPhAnim="0" showMasterSp="0">
+<p:notes xmlns:a="http://schemas.openxmlformats.org/drawingml/2006/main" xmlns:r="http://schemas.openxmlformats.org/officeDocument/2006/relationships" xmlns:p="http://schemas.openxmlformats.org/presentationml/2006/main" showMasterSp="0" showMasterPhAnim="0">
   <p:cSld>
     <p:spTree>
       <p:nvGrpSpPr>
-        <p:cNvPr id="32" name="Shape 32"/>
+        <p:cNvPr id="1" name="Shape 32"/>
         <p:cNvGrpSpPr/>
         <p:nvPr/>
       </p:nvGrpSpPr>
@@ -1476,9 +1508,11 @@
       <p:sp>
         <p:nvSpPr>
           <p:cNvPr id="33" name="Google Shape;33;p1:notes"/>
-          <p:cNvSpPr txBox="1"/>
+          <p:cNvSpPr txBox="1">
+            <a:spLocks noGrp="1"/>
+          </p:cNvSpPr>
           <p:nvPr>
-            <p:ph idx="1" type="body"/>
+            <p:ph type="body" idx="1"/>
           </p:nvPr>
         </p:nvSpPr>
         <p:spPr>
@@ -1491,12 +1525,12 @@
           </a:prstGeom>
         </p:spPr>
         <p:txBody>
-          <a:bodyPr anchorCtr="0" anchor="t" bIns="45700" lIns="91425" spcFirstLastPara="1" rIns="91425" wrap="square" tIns="45700">
+          <a:bodyPr spcFirstLastPara="1" wrap="square" lIns="91425" tIns="45700" rIns="91425" bIns="45700" anchor="t" anchorCtr="0">
             <a:noAutofit/>
           </a:bodyPr>
           <a:lstStyle/>
           <a:p>
-            <a:pPr indent="0" lvl="0" marL="0" rtl="0" algn="l">
+            <a:pPr marL="0" lvl="0" indent="0" algn="l" rtl="0">
               <a:spcBef>
                 <a:spcPts val="0"/>
               </a:spcBef>
@@ -1505,9 +1539,6 @@
               </a:spcAft>
               <a:buNone/>
             </a:pPr>
-            <a:r>
-              <a:t/>
-            </a:r>
             <a:endParaRPr/>
           </a:p>
         </p:txBody>
@@ -1515,9 +1546,11 @@
       <p:sp>
         <p:nvSpPr>
           <p:cNvPr id="34" name="Google Shape;34;p1:notes"/>
-          <p:cNvSpPr/>
+          <p:cNvSpPr>
+            <a:spLocks noGrp="1" noRot="1" noChangeAspect="1"/>
+          </p:cNvSpPr>
           <p:nvPr>
-            <p:ph idx="2" type="sldImg"/>
+            <p:ph type="sldImg" idx="2"/>
           </p:nvPr>
         </p:nvSpPr>
         <p:spPr>
@@ -1526,9 +1559,13 @@
             <a:ext cx="6096000" cy="3429000"/>
           </a:xfrm>
           <a:custGeom>
-            <a:rect b="b" l="l" r="r" t="t"/>
+            <a:avLst/>
+            <a:gdLst/>
+            <a:ahLst/>
+            <a:cxnLst/>
+            <a:rect l="l" t="t" r="r" b="b"/>
             <a:pathLst>
-              <a:path extrusionOk="0" h="120000" w="120000">
+              <a:path w="120000" h="120000" extrusionOk="0">
                 <a:moveTo>
                   <a:pt x="0" y="0"/>
                 </a:moveTo>
@@ -1556,11 +1593,11 @@
 </file>
 
 <file path=ppt/notesSlides/notesSlide2.xml><?xml version="1.0" encoding="utf-8"?>
-<p:notes xmlns:a="http://schemas.openxmlformats.org/drawingml/2006/main" xmlns:r="http://schemas.openxmlformats.org/officeDocument/2006/relationships" xmlns:mc="http://schemas.openxmlformats.org/markup-compatibility/2006" xmlns:mv="urn:schemas-microsoft-com:mac:vml" xmlns:p="http://schemas.openxmlformats.org/presentationml/2006/main" xmlns:c="http://schemas.openxmlformats.org/drawingml/2006/chart" xmlns:dgm="http://schemas.openxmlformats.org/drawingml/2006/diagram" xmlns:o="urn:schemas-microsoft-com:office:office" xmlns:v="urn:schemas-microsoft-com:vml" xmlns:pvml="urn:schemas-microsoft-com:office:powerpoint" xmlns:com="http://schemas.openxmlformats.org/drawingml/2006/compatibility" xmlns:p14="http://schemas.microsoft.com/office/powerpoint/2010/main" xmlns:p15="http://schemas.microsoft.com/office/powerpoint/2012/main" showMasterPhAnim="0" showMasterSp="0">
+<p:notes xmlns:a="http://schemas.openxmlformats.org/drawingml/2006/main" xmlns:r="http://schemas.openxmlformats.org/officeDocument/2006/relationships" xmlns:p="http://schemas.openxmlformats.org/presentationml/2006/main" showMasterSp="0" showMasterPhAnim="0">
   <p:cSld>
     <p:spTree>
       <p:nvGrpSpPr>
-        <p:cNvPr id="38" name="Shape 38"/>
+        <p:cNvPr id="1" name="Shape 38"/>
         <p:cNvGrpSpPr/>
         <p:nvPr/>
       </p:nvGrpSpPr>
@@ -1575,9 +1612,11 @@
       <p:sp>
         <p:nvSpPr>
           <p:cNvPr id="39" name="Google Shape;39;p2:notes"/>
-          <p:cNvSpPr txBox="1"/>
+          <p:cNvSpPr txBox="1">
+            <a:spLocks noGrp="1"/>
+          </p:cNvSpPr>
           <p:nvPr>
-            <p:ph idx="1" type="body"/>
+            <p:ph type="body" idx="1"/>
           </p:nvPr>
         </p:nvSpPr>
         <p:spPr>
@@ -1590,12 +1629,12 @@
           </a:prstGeom>
         </p:spPr>
         <p:txBody>
-          <a:bodyPr anchorCtr="0" anchor="t" bIns="45700" lIns="91425" spcFirstLastPara="1" rIns="91425" wrap="square" tIns="45700">
+          <a:bodyPr spcFirstLastPara="1" wrap="square" lIns="91425" tIns="45700" rIns="91425" bIns="45700" anchor="t" anchorCtr="0">
             <a:noAutofit/>
           </a:bodyPr>
           <a:lstStyle/>
           <a:p>
-            <a:pPr indent="0" lvl="0" marL="0" rtl="0" algn="l">
+            <a:pPr marL="0" lvl="0" indent="0" algn="l" rtl="0">
               <a:spcBef>
                 <a:spcPts val="0"/>
               </a:spcBef>
@@ -1604,9 +1643,6 @@
               </a:spcAft>
               <a:buNone/>
             </a:pPr>
-            <a:r>
-              <a:t/>
-            </a:r>
             <a:endParaRPr/>
           </a:p>
         </p:txBody>
@@ -1614,9 +1650,11 @@
       <p:sp>
         <p:nvSpPr>
           <p:cNvPr id="40" name="Google Shape;40;p2:notes"/>
-          <p:cNvSpPr/>
+          <p:cNvSpPr>
+            <a:spLocks noGrp="1" noRot="1" noChangeAspect="1"/>
+          </p:cNvSpPr>
           <p:nvPr>
-            <p:ph idx="2" type="sldImg"/>
+            <p:ph type="sldImg" idx="2"/>
           </p:nvPr>
         </p:nvSpPr>
         <p:spPr>
@@ -1625,9 +1663,13 @@
             <a:ext cx="6096000" cy="3429000"/>
           </a:xfrm>
           <a:custGeom>
-            <a:rect b="b" l="l" r="r" t="t"/>
+            <a:avLst/>
+            <a:gdLst/>
+            <a:ahLst/>
+            <a:cxnLst/>
+            <a:rect l="l" t="t" r="r" b="b"/>
             <a:pathLst>
-              <a:path extrusionOk="0" h="120000" w="120000">
+              <a:path w="120000" h="120000" extrusionOk="0">
                 <a:moveTo>
                   <a:pt x="0" y="0"/>
                 </a:moveTo>
@@ -1655,11 +1697,11 @@
 </file>
 
 <file path=ppt/notesSlides/notesSlide3.xml><?xml version="1.0" encoding="utf-8"?>
-<p:notes xmlns:a="http://schemas.openxmlformats.org/drawingml/2006/main" xmlns:r="http://schemas.openxmlformats.org/officeDocument/2006/relationships" xmlns:mc="http://schemas.openxmlformats.org/markup-compatibility/2006" xmlns:mv="urn:schemas-microsoft-com:mac:vml" xmlns:p="http://schemas.openxmlformats.org/presentationml/2006/main" xmlns:c="http://schemas.openxmlformats.org/drawingml/2006/chart" xmlns:dgm="http://schemas.openxmlformats.org/drawingml/2006/diagram" xmlns:o="urn:schemas-microsoft-com:office:office" xmlns:v="urn:schemas-microsoft-com:vml" xmlns:pvml="urn:schemas-microsoft-com:office:powerpoint" xmlns:com="http://schemas.openxmlformats.org/drawingml/2006/compatibility" xmlns:p14="http://schemas.microsoft.com/office/powerpoint/2010/main" xmlns:p15="http://schemas.microsoft.com/office/powerpoint/2012/main" showMasterPhAnim="0" showMasterSp="0">
+<p:notes xmlns:a="http://schemas.openxmlformats.org/drawingml/2006/main" xmlns:r="http://schemas.openxmlformats.org/officeDocument/2006/relationships" xmlns:p="http://schemas.openxmlformats.org/presentationml/2006/main" showMasterSp="0" showMasterPhAnim="0">
   <p:cSld>
     <p:spTree>
       <p:nvGrpSpPr>
-        <p:cNvPr id="44" name="Shape 44"/>
+        <p:cNvPr id="1" name="Shape 44"/>
         <p:cNvGrpSpPr/>
         <p:nvPr/>
       </p:nvGrpSpPr>
@@ -1674,9 +1716,11 @@
       <p:sp>
         <p:nvSpPr>
           <p:cNvPr id="45" name="Google Shape;45;g445839448b_2_0:notes"/>
-          <p:cNvSpPr/>
+          <p:cNvSpPr>
+            <a:spLocks noGrp="1" noRot="1" noChangeAspect="1"/>
+          </p:cNvSpPr>
           <p:nvPr>
-            <p:ph idx="2" type="sldImg"/>
+            <p:ph type="sldImg" idx="2"/>
           </p:nvPr>
         </p:nvSpPr>
         <p:spPr>
@@ -1685,9 +1729,13 @@
             <a:ext cx="6096000" cy="3429000"/>
           </a:xfrm>
           <a:custGeom>
-            <a:rect b="b" l="l" r="r" t="t"/>
+            <a:avLst/>
+            <a:gdLst/>
+            <a:ahLst/>
+            <a:cxnLst/>
+            <a:rect l="l" t="t" r="r" b="b"/>
             <a:pathLst>
-              <a:path extrusionOk="0" h="120000" w="120000">
+              <a:path w="120000" h="120000" extrusionOk="0">
                 <a:moveTo>
                   <a:pt x="0" y="0"/>
                 </a:moveTo>
@@ -1709,9 +1757,11 @@
       <p:sp>
         <p:nvSpPr>
           <p:cNvPr id="46" name="Google Shape;46;g445839448b_2_0:notes"/>
-          <p:cNvSpPr txBox="1"/>
+          <p:cNvSpPr txBox="1">
+            <a:spLocks noGrp="1"/>
+          </p:cNvSpPr>
           <p:nvPr>
-            <p:ph idx="1" type="body"/>
+            <p:ph type="body" idx="1"/>
           </p:nvPr>
         </p:nvSpPr>
         <p:spPr>
@@ -1724,12 +1774,12 @@
           </a:prstGeom>
         </p:spPr>
         <p:txBody>
-          <a:bodyPr anchorCtr="0" anchor="t" bIns="45700" lIns="91425" spcFirstLastPara="1" rIns="91425" wrap="square" tIns="45700">
+          <a:bodyPr spcFirstLastPara="1" wrap="square" lIns="91425" tIns="45700" rIns="91425" bIns="45700" anchor="t" anchorCtr="0">
             <a:noAutofit/>
           </a:bodyPr>
           <a:lstStyle/>
           <a:p>
-            <a:pPr indent="0" lvl="0" marL="0" rtl="0" algn="l">
+            <a:pPr marL="0" lvl="0" indent="0" algn="l" rtl="0">
               <a:spcBef>
                 <a:spcPts val="0"/>
               </a:spcBef>
@@ -1738,9 +1788,6 @@
               </a:spcAft>
               <a:buNone/>
             </a:pPr>
-            <a:r>
-              <a:t/>
-            </a:r>
             <a:endParaRPr/>
           </a:p>
         </p:txBody>
@@ -1748,9 +1795,11 @@
       <p:sp>
         <p:nvSpPr>
           <p:cNvPr id="47" name="Google Shape;47;g445839448b_2_0:notes"/>
-          <p:cNvSpPr txBox="1"/>
+          <p:cNvSpPr txBox="1">
+            <a:spLocks noGrp="1"/>
+          </p:cNvSpPr>
           <p:nvPr>
-            <p:ph idx="12" type="sldNum"/>
+            <p:ph type="sldNum" idx="12"/>
           </p:nvPr>
         </p:nvSpPr>
         <p:spPr>
@@ -1763,12 +1812,12 @@
           </a:prstGeom>
         </p:spPr>
         <p:txBody>
-          <a:bodyPr anchorCtr="0" anchor="b" bIns="45700" lIns="91425" spcFirstLastPara="1" rIns="91425" wrap="square" tIns="45700">
+          <a:bodyPr spcFirstLastPara="1" wrap="square" lIns="91425" tIns="45700" rIns="91425" bIns="45700" anchor="b" anchorCtr="0">
             <a:noAutofit/>
           </a:bodyPr>
           <a:lstStyle/>
           <a:p>
-            <a:pPr indent="0" lvl="0" marL="0" rtl="0" algn="r">
+            <a:pPr marL="0" lvl="0" indent="0" algn="r" rtl="0">
               <a:spcBef>
                 <a:spcPts val="0"/>
               </a:spcBef>
@@ -1784,7 +1833,7 @@
             </a:pPr>
             <a:fld id="{00000000-1234-1234-1234-123412341234}" type="slidenum">
               <a:rPr lang="en-US"/>
-              <a:t>‹#›</a:t>
+              <a:t>3</a:t>
             </a:fld>
             <a:endParaRPr sz="1400">
               <a:latin typeface="Arial"/>
@@ -1804,11 +1853,11 @@
 </file>
 
 <file path=ppt/notesSlides/notesSlide4.xml><?xml version="1.0" encoding="utf-8"?>
-<p:notes xmlns:a="http://schemas.openxmlformats.org/drawingml/2006/main" xmlns:r="http://schemas.openxmlformats.org/officeDocument/2006/relationships" xmlns:mc="http://schemas.openxmlformats.org/markup-compatibility/2006" xmlns:mv="urn:schemas-microsoft-com:mac:vml" xmlns:p="http://schemas.openxmlformats.org/presentationml/2006/main" xmlns:c="http://schemas.openxmlformats.org/drawingml/2006/chart" xmlns:dgm="http://schemas.openxmlformats.org/drawingml/2006/diagram" xmlns:o="urn:schemas-microsoft-com:office:office" xmlns:v="urn:schemas-microsoft-com:vml" xmlns:pvml="urn:schemas-microsoft-com:office:powerpoint" xmlns:com="http://schemas.openxmlformats.org/drawingml/2006/compatibility" xmlns:p14="http://schemas.microsoft.com/office/powerpoint/2010/main" xmlns:p15="http://schemas.microsoft.com/office/powerpoint/2012/main" showMasterPhAnim="0" showMasterSp="0">
+<p:notes xmlns:a="http://schemas.openxmlformats.org/drawingml/2006/main" xmlns:r="http://schemas.openxmlformats.org/officeDocument/2006/relationships" xmlns:p="http://schemas.openxmlformats.org/presentationml/2006/main" showMasterSp="0" showMasterPhAnim="0">
   <p:cSld>
     <p:spTree>
       <p:nvGrpSpPr>
-        <p:cNvPr id="51" name="Shape 51"/>
+        <p:cNvPr id="1" name="Shape 51"/>
         <p:cNvGrpSpPr/>
         <p:nvPr/>
       </p:nvGrpSpPr>
@@ -1823,9 +1872,11 @@
       <p:sp>
         <p:nvSpPr>
           <p:cNvPr id="52" name="Google Shape;52;g445839448b_2_13:notes"/>
-          <p:cNvSpPr/>
+          <p:cNvSpPr>
+            <a:spLocks noGrp="1" noRot="1" noChangeAspect="1"/>
+          </p:cNvSpPr>
           <p:nvPr>
-            <p:ph idx="2" type="sldImg"/>
+            <p:ph type="sldImg" idx="2"/>
           </p:nvPr>
         </p:nvSpPr>
         <p:spPr>
@@ -1834,9 +1885,13 @@
             <a:ext cx="6096000" cy="3429000"/>
           </a:xfrm>
           <a:custGeom>
-            <a:rect b="b" l="l" r="r" t="t"/>
+            <a:avLst/>
+            <a:gdLst/>
+            <a:ahLst/>
+            <a:cxnLst/>
+            <a:rect l="l" t="t" r="r" b="b"/>
             <a:pathLst>
-              <a:path extrusionOk="0" h="120000" w="120000">
+              <a:path w="120000" h="120000" extrusionOk="0">
                 <a:moveTo>
                   <a:pt x="0" y="0"/>
                 </a:moveTo>
@@ -1858,9 +1913,11 @@
       <p:sp>
         <p:nvSpPr>
           <p:cNvPr id="53" name="Google Shape;53;g445839448b_2_13:notes"/>
-          <p:cNvSpPr txBox="1"/>
+          <p:cNvSpPr txBox="1">
+            <a:spLocks noGrp="1"/>
+          </p:cNvSpPr>
           <p:nvPr>
-            <p:ph idx="1" type="body"/>
+            <p:ph type="body" idx="1"/>
           </p:nvPr>
         </p:nvSpPr>
         <p:spPr>
@@ -1873,12 +1930,12 @@
           </a:prstGeom>
         </p:spPr>
         <p:txBody>
-          <a:bodyPr anchorCtr="0" anchor="t" bIns="45700" lIns="91425" spcFirstLastPara="1" rIns="91425" wrap="square" tIns="45700">
+          <a:bodyPr spcFirstLastPara="1" wrap="square" lIns="91425" tIns="45700" rIns="91425" bIns="45700" anchor="t" anchorCtr="0">
             <a:noAutofit/>
           </a:bodyPr>
           <a:lstStyle/>
           <a:p>
-            <a:pPr indent="0" lvl="0" marL="0" rtl="0" algn="l">
+            <a:pPr marL="0" lvl="0" indent="0" algn="l" rtl="0">
               <a:spcBef>
                 <a:spcPts val="0"/>
               </a:spcBef>
@@ -1887,9 +1944,6 @@
               </a:spcAft>
               <a:buNone/>
             </a:pPr>
-            <a:r>
-              <a:t/>
-            </a:r>
             <a:endParaRPr/>
           </a:p>
         </p:txBody>
@@ -1897,9 +1951,11 @@
       <p:sp>
         <p:nvSpPr>
           <p:cNvPr id="54" name="Google Shape;54;g445839448b_2_13:notes"/>
-          <p:cNvSpPr txBox="1"/>
+          <p:cNvSpPr txBox="1">
+            <a:spLocks noGrp="1"/>
+          </p:cNvSpPr>
           <p:nvPr>
-            <p:ph idx="12" type="sldNum"/>
+            <p:ph type="sldNum" idx="12"/>
           </p:nvPr>
         </p:nvSpPr>
         <p:spPr>
@@ -1912,12 +1968,12 @@
           </a:prstGeom>
         </p:spPr>
         <p:txBody>
-          <a:bodyPr anchorCtr="0" anchor="b" bIns="45700" lIns="91425" spcFirstLastPara="1" rIns="91425" wrap="square" tIns="45700">
+          <a:bodyPr spcFirstLastPara="1" wrap="square" lIns="91425" tIns="45700" rIns="91425" bIns="45700" anchor="b" anchorCtr="0">
             <a:noAutofit/>
           </a:bodyPr>
           <a:lstStyle/>
           <a:p>
-            <a:pPr indent="0" lvl="0" marL="0" rtl="0" algn="r">
+            <a:pPr marL="0" lvl="0" indent="0" algn="r" rtl="0">
               <a:spcBef>
                 <a:spcPts val="0"/>
               </a:spcBef>
@@ -1933,7 +1989,7 @@
             </a:pPr>
             <a:fld id="{00000000-1234-1234-1234-123412341234}" type="slidenum">
               <a:rPr lang="en-US"/>
-              <a:t>‹#›</a:t>
+              <a:t>4</a:t>
             </a:fld>
             <a:endParaRPr sz="1400">
               <a:latin typeface="Arial"/>
@@ -1953,11 +2009,11 @@
 </file>
 
 <file path=ppt/notesSlides/notesSlide5.xml><?xml version="1.0" encoding="utf-8"?>
-<p:notes xmlns:a="http://schemas.openxmlformats.org/drawingml/2006/main" xmlns:r="http://schemas.openxmlformats.org/officeDocument/2006/relationships" xmlns:mc="http://schemas.openxmlformats.org/markup-compatibility/2006" xmlns:mv="urn:schemas-microsoft-com:mac:vml" xmlns:p="http://schemas.openxmlformats.org/presentationml/2006/main" xmlns:c="http://schemas.openxmlformats.org/drawingml/2006/chart" xmlns:dgm="http://schemas.openxmlformats.org/drawingml/2006/diagram" xmlns:o="urn:schemas-microsoft-com:office:office" xmlns:v="urn:schemas-microsoft-com:vml" xmlns:pvml="urn:schemas-microsoft-com:office:powerpoint" xmlns:com="http://schemas.openxmlformats.org/drawingml/2006/compatibility" xmlns:p14="http://schemas.microsoft.com/office/powerpoint/2010/main" xmlns:p15="http://schemas.microsoft.com/office/powerpoint/2012/main" showMasterPhAnim="0" showMasterSp="0">
+<p:notes xmlns:a="http://schemas.openxmlformats.org/drawingml/2006/main" xmlns:r="http://schemas.openxmlformats.org/officeDocument/2006/relationships" xmlns:p="http://schemas.openxmlformats.org/presentationml/2006/main" showMasterSp="0" showMasterPhAnim="0">
   <p:cSld>
     <p:spTree>
       <p:nvGrpSpPr>
-        <p:cNvPr id="57" name="Shape 57"/>
+        <p:cNvPr id="1" name="Shape 57"/>
         <p:cNvGrpSpPr/>
         <p:nvPr/>
       </p:nvGrpSpPr>
@@ -1972,9 +2028,11 @@
       <p:sp>
         <p:nvSpPr>
           <p:cNvPr id="58" name="Google Shape;58;g445839448b_2_19:notes"/>
-          <p:cNvSpPr/>
+          <p:cNvSpPr>
+            <a:spLocks noGrp="1" noRot="1" noChangeAspect="1"/>
+          </p:cNvSpPr>
           <p:nvPr>
-            <p:ph idx="2" type="sldImg"/>
+            <p:ph type="sldImg" idx="2"/>
           </p:nvPr>
         </p:nvSpPr>
         <p:spPr>
@@ -1983,9 +2041,13 @@
             <a:ext cx="6096000" cy="3429000"/>
           </a:xfrm>
           <a:custGeom>
-            <a:rect b="b" l="l" r="r" t="t"/>
+            <a:avLst/>
+            <a:gdLst/>
+            <a:ahLst/>
+            <a:cxnLst/>
+            <a:rect l="l" t="t" r="r" b="b"/>
             <a:pathLst>
-              <a:path extrusionOk="0" h="120000" w="120000">
+              <a:path w="120000" h="120000" extrusionOk="0">
                 <a:moveTo>
                   <a:pt x="0" y="0"/>
                 </a:moveTo>
@@ -2007,9 +2069,11 @@
       <p:sp>
         <p:nvSpPr>
           <p:cNvPr id="59" name="Google Shape;59;g445839448b_2_19:notes"/>
-          <p:cNvSpPr txBox="1"/>
+          <p:cNvSpPr txBox="1">
+            <a:spLocks noGrp="1"/>
+          </p:cNvSpPr>
           <p:nvPr>
-            <p:ph idx="1" type="body"/>
+            <p:ph type="body" idx="1"/>
           </p:nvPr>
         </p:nvSpPr>
         <p:spPr>
@@ -2022,12 +2086,12 @@
           </a:prstGeom>
         </p:spPr>
         <p:txBody>
-          <a:bodyPr anchorCtr="0" anchor="t" bIns="45700" lIns="91425" spcFirstLastPara="1" rIns="91425" wrap="square" tIns="45700">
+          <a:bodyPr spcFirstLastPara="1" wrap="square" lIns="91425" tIns="45700" rIns="91425" bIns="45700" anchor="t" anchorCtr="0">
             <a:noAutofit/>
           </a:bodyPr>
           <a:lstStyle/>
           <a:p>
-            <a:pPr indent="0" lvl="0" marL="0" rtl="0" algn="l">
+            <a:pPr marL="0" lvl="0" indent="0" algn="l" rtl="0">
               <a:spcBef>
                 <a:spcPts val="0"/>
               </a:spcBef>
@@ -2036,9 +2100,6 @@
               </a:spcAft>
               <a:buNone/>
             </a:pPr>
-            <a:r>
-              <a:t/>
-            </a:r>
             <a:endParaRPr/>
           </a:p>
         </p:txBody>
@@ -2046,9 +2107,11 @@
       <p:sp>
         <p:nvSpPr>
           <p:cNvPr id="60" name="Google Shape;60;g445839448b_2_19:notes"/>
-          <p:cNvSpPr txBox="1"/>
+          <p:cNvSpPr txBox="1">
+            <a:spLocks noGrp="1"/>
+          </p:cNvSpPr>
           <p:nvPr>
-            <p:ph idx="12" type="sldNum"/>
+            <p:ph type="sldNum" idx="12"/>
           </p:nvPr>
         </p:nvSpPr>
         <p:spPr>
@@ -2061,12 +2124,12 @@
           </a:prstGeom>
         </p:spPr>
         <p:txBody>
-          <a:bodyPr anchorCtr="0" anchor="b" bIns="45700" lIns="91425" spcFirstLastPara="1" rIns="91425" wrap="square" tIns="45700">
+          <a:bodyPr spcFirstLastPara="1" wrap="square" lIns="91425" tIns="45700" rIns="91425" bIns="45700" anchor="b" anchorCtr="0">
             <a:noAutofit/>
           </a:bodyPr>
           <a:lstStyle/>
           <a:p>
-            <a:pPr indent="0" lvl="0" marL="0" rtl="0" algn="r">
+            <a:pPr marL="0" lvl="0" indent="0" algn="r" rtl="0">
               <a:spcBef>
                 <a:spcPts val="0"/>
               </a:spcBef>
@@ -2082,7 +2145,7 @@
             </a:pPr>
             <a:fld id="{00000000-1234-1234-1234-123412341234}" type="slidenum">
               <a:rPr lang="en-US"/>
-              <a:t>‹#›</a:t>
+              <a:t>5</a:t>
             </a:fld>
             <a:endParaRPr sz="1400">
               <a:latin typeface="Arial"/>
@@ -2102,11 +2165,11 @@
 </file>
 
 <file path=ppt/notesSlides/notesSlide6.xml><?xml version="1.0" encoding="utf-8"?>
-<p:notes xmlns:a="http://schemas.openxmlformats.org/drawingml/2006/main" xmlns:r="http://schemas.openxmlformats.org/officeDocument/2006/relationships" xmlns:mc="http://schemas.openxmlformats.org/markup-compatibility/2006" xmlns:mv="urn:schemas-microsoft-com:mac:vml" xmlns:p="http://schemas.openxmlformats.org/presentationml/2006/main" xmlns:c="http://schemas.openxmlformats.org/drawingml/2006/chart" xmlns:dgm="http://schemas.openxmlformats.org/drawingml/2006/diagram" xmlns:o="urn:schemas-microsoft-com:office:office" xmlns:v="urn:schemas-microsoft-com:vml" xmlns:pvml="urn:schemas-microsoft-com:office:powerpoint" xmlns:com="http://schemas.openxmlformats.org/drawingml/2006/compatibility" xmlns:p14="http://schemas.microsoft.com/office/powerpoint/2010/main" xmlns:p15="http://schemas.microsoft.com/office/powerpoint/2012/main" showMasterPhAnim="0" showMasterSp="0">
+<p:notes xmlns:a="http://schemas.openxmlformats.org/drawingml/2006/main" xmlns:r="http://schemas.openxmlformats.org/officeDocument/2006/relationships" xmlns:p="http://schemas.openxmlformats.org/presentationml/2006/main" showMasterSp="0" showMasterPhAnim="0">
   <p:cSld>
     <p:spTree>
       <p:nvGrpSpPr>
-        <p:cNvPr id="64" name="Shape 64"/>
+        <p:cNvPr id="1" name="Shape 64"/>
         <p:cNvGrpSpPr/>
         <p:nvPr/>
       </p:nvGrpSpPr>
@@ -2121,9 +2184,11 @@
       <p:sp>
         <p:nvSpPr>
           <p:cNvPr id="65" name="Google Shape;65;g445839448b_2_25:notes"/>
-          <p:cNvSpPr/>
+          <p:cNvSpPr>
+            <a:spLocks noGrp="1" noRot="1" noChangeAspect="1"/>
+          </p:cNvSpPr>
           <p:nvPr>
-            <p:ph idx="2" type="sldImg"/>
+            <p:ph type="sldImg" idx="2"/>
           </p:nvPr>
         </p:nvSpPr>
         <p:spPr>
@@ -2132,9 +2197,13 @@
             <a:ext cx="6096000" cy="3429000"/>
           </a:xfrm>
           <a:custGeom>
-            <a:rect b="b" l="l" r="r" t="t"/>
+            <a:avLst/>
+            <a:gdLst/>
+            <a:ahLst/>
+            <a:cxnLst/>
+            <a:rect l="l" t="t" r="r" b="b"/>
             <a:pathLst>
-              <a:path extrusionOk="0" h="120000" w="120000">
+              <a:path w="120000" h="120000" extrusionOk="0">
                 <a:moveTo>
                   <a:pt x="0" y="0"/>
                 </a:moveTo>
@@ -2156,9 +2225,11 @@
       <p:sp>
         <p:nvSpPr>
           <p:cNvPr id="66" name="Google Shape;66;g445839448b_2_25:notes"/>
-          <p:cNvSpPr txBox="1"/>
+          <p:cNvSpPr txBox="1">
+            <a:spLocks noGrp="1"/>
+          </p:cNvSpPr>
           <p:nvPr>
-            <p:ph idx="1" type="body"/>
+            <p:ph type="body" idx="1"/>
           </p:nvPr>
         </p:nvSpPr>
         <p:spPr>
@@ -2171,12 +2242,12 @@
           </a:prstGeom>
         </p:spPr>
         <p:txBody>
-          <a:bodyPr anchorCtr="0" anchor="t" bIns="45700" lIns="91425" spcFirstLastPara="1" rIns="91425" wrap="square" tIns="45700">
+          <a:bodyPr spcFirstLastPara="1" wrap="square" lIns="91425" tIns="45700" rIns="91425" bIns="45700" anchor="t" anchorCtr="0">
             <a:noAutofit/>
           </a:bodyPr>
           <a:lstStyle/>
           <a:p>
-            <a:pPr indent="0" lvl="0" marL="0" rtl="0" algn="l">
+            <a:pPr marL="0" lvl="0" indent="0" algn="l" rtl="0">
               <a:spcBef>
                 <a:spcPts val="0"/>
               </a:spcBef>
@@ -2185,9 +2256,6 @@
               </a:spcAft>
               <a:buNone/>
             </a:pPr>
-            <a:r>
-              <a:t/>
-            </a:r>
             <a:endParaRPr/>
           </a:p>
         </p:txBody>
@@ -2195,9 +2263,11 @@
       <p:sp>
         <p:nvSpPr>
           <p:cNvPr id="67" name="Google Shape;67;g445839448b_2_25:notes"/>
-          <p:cNvSpPr txBox="1"/>
+          <p:cNvSpPr txBox="1">
+            <a:spLocks noGrp="1"/>
+          </p:cNvSpPr>
           <p:nvPr>
-            <p:ph idx="12" type="sldNum"/>
+            <p:ph type="sldNum" idx="12"/>
           </p:nvPr>
         </p:nvSpPr>
         <p:spPr>
@@ -2210,12 +2280,12 @@
           </a:prstGeom>
         </p:spPr>
         <p:txBody>
-          <a:bodyPr anchorCtr="0" anchor="b" bIns="45700" lIns="91425" spcFirstLastPara="1" rIns="91425" wrap="square" tIns="45700">
+          <a:bodyPr spcFirstLastPara="1" wrap="square" lIns="91425" tIns="45700" rIns="91425" bIns="45700" anchor="b" anchorCtr="0">
             <a:noAutofit/>
           </a:bodyPr>
           <a:lstStyle/>
           <a:p>
-            <a:pPr indent="0" lvl="0" marL="0" rtl="0" algn="r">
+            <a:pPr marL="0" lvl="0" indent="0" algn="r" rtl="0">
               <a:spcBef>
                 <a:spcPts val="0"/>
               </a:spcBef>
@@ -2231,7 +2301,7 @@
             </a:pPr>
             <a:fld id="{00000000-1234-1234-1234-123412341234}" type="slidenum">
               <a:rPr lang="en-US"/>
-              <a:t>‹#›</a:t>
+              <a:t>6</a:t>
             </a:fld>
             <a:endParaRPr sz="1400">
               <a:latin typeface="Arial"/>
@@ -2251,11 +2321,11 @@
 </file>
 
 <file path=ppt/notesSlides/notesSlide7.xml><?xml version="1.0" encoding="utf-8"?>
-<p:notes xmlns:a="http://schemas.openxmlformats.org/drawingml/2006/main" xmlns:r="http://schemas.openxmlformats.org/officeDocument/2006/relationships" xmlns:mc="http://schemas.openxmlformats.org/markup-compatibility/2006" xmlns:mv="urn:schemas-microsoft-com:mac:vml" xmlns:p="http://schemas.openxmlformats.org/presentationml/2006/main" xmlns:c="http://schemas.openxmlformats.org/drawingml/2006/chart" xmlns:dgm="http://schemas.openxmlformats.org/drawingml/2006/diagram" xmlns:o="urn:schemas-microsoft-com:office:office" xmlns:v="urn:schemas-microsoft-com:vml" xmlns:pvml="urn:schemas-microsoft-com:office:powerpoint" xmlns:com="http://schemas.openxmlformats.org/drawingml/2006/compatibility" xmlns:p14="http://schemas.microsoft.com/office/powerpoint/2010/main" xmlns:p15="http://schemas.microsoft.com/office/powerpoint/2012/main" showMasterPhAnim="0" showMasterSp="0">
+<p:notes xmlns:a="http://schemas.openxmlformats.org/drawingml/2006/main" xmlns:r="http://schemas.openxmlformats.org/officeDocument/2006/relationships" xmlns:p="http://schemas.openxmlformats.org/presentationml/2006/main" showMasterSp="0" showMasterPhAnim="0">
   <p:cSld>
     <p:spTree>
       <p:nvGrpSpPr>
-        <p:cNvPr id="72" name="Shape 72"/>
+        <p:cNvPr id="1" name="Shape 72"/>
         <p:cNvGrpSpPr/>
         <p:nvPr/>
       </p:nvGrpSpPr>
@@ -2270,9 +2340,11 @@
       <p:sp>
         <p:nvSpPr>
           <p:cNvPr id="73" name="Google Shape;73;p8:notes"/>
-          <p:cNvSpPr txBox="1"/>
+          <p:cNvSpPr txBox="1">
+            <a:spLocks noGrp="1"/>
+          </p:cNvSpPr>
           <p:nvPr>
-            <p:ph idx="1" type="body"/>
+            <p:ph type="body" idx="1"/>
           </p:nvPr>
         </p:nvSpPr>
         <p:spPr>
@@ -2285,12 +2357,12 @@
           </a:prstGeom>
         </p:spPr>
         <p:txBody>
-          <a:bodyPr anchorCtr="0" anchor="t" bIns="45700" lIns="91425" spcFirstLastPara="1" rIns="91425" wrap="square" tIns="45700">
+          <a:bodyPr spcFirstLastPara="1" wrap="square" lIns="91425" tIns="45700" rIns="91425" bIns="45700" anchor="t" anchorCtr="0">
             <a:noAutofit/>
           </a:bodyPr>
           <a:lstStyle/>
           <a:p>
-            <a:pPr indent="0" lvl="0" marL="0" rtl="0" algn="l">
+            <a:pPr marL="0" lvl="0" indent="0" algn="l" rtl="0">
               <a:spcBef>
                 <a:spcPts val="0"/>
               </a:spcBef>
@@ -2299,9 +2371,6 @@
               </a:spcAft>
               <a:buNone/>
             </a:pPr>
-            <a:r>
-              <a:t/>
-            </a:r>
             <a:endParaRPr/>
           </a:p>
         </p:txBody>
@@ -2309,9 +2378,11 @@
       <p:sp>
         <p:nvSpPr>
           <p:cNvPr id="74" name="Google Shape;74;p8:notes"/>
-          <p:cNvSpPr/>
+          <p:cNvSpPr>
+            <a:spLocks noGrp="1" noRot="1" noChangeAspect="1"/>
+          </p:cNvSpPr>
           <p:nvPr>
-            <p:ph idx="2" type="sldImg"/>
+            <p:ph type="sldImg" idx="2"/>
           </p:nvPr>
         </p:nvSpPr>
         <p:spPr>
@@ -2320,9 +2391,13 @@
             <a:ext cx="6096000" cy="3429000"/>
           </a:xfrm>
           <a:custGeom>
-            <a:rect b="b" l="l" r="r" t="t"/>
+            <a:avLst/>
+            <a:gdLst/>
+            <a:ahLst/>
+            <a:cxnLst/>
+            <a:rect l="l" t="t" r="r" b="b"/>
             <a:pathLst>
-              <a:path extrusionOk="0" h="120000" w="120000">
+              <a:path w="120000" h="120000" extrusionOk="0">
                 <a:moveTo>
                   <a:pt x="0" y="0"/>
                 </a:moveTo>
@@ -2350,11 +2425,11 @@
 </file>
 
 <file path=ppt/notesSlides/notesSlide8.xml><?xml version="1.0" encoding="utf-8"?>
-<p:notes xmlns:a="http://schemas.openxmlformats.org/drawingml/2006/main" xmlns:r="http://schemas.openxmlformats.org/officeDocument/2006/relationships" xmlns:mc="http://schemas.openxmlformats.org/markup-compatibility/2006" xmlns:mv="urn:schemas-microsoft-com:mac:vml" xmlns:p="http://schemas.openxmlformats.org/presentationml/2006/main" xmlns:c="http://schemas.openxmlformats.org/drawingml/2006/chart" xmlns:dgm="http://schemas.openxmlformats.org/drawingml/2006/diagram" xmlns:o="urn:schemas-microsoft-com:office:office" xmlns:v="urn:schemas-microsoft-com:vml" xmlns:pvml="urn:schemas-microsoft-com:office:powerpoint" xmlns:com="http://schemas.openxmlformats.org/drawingml/2006/compatibility" xmlns:p14="http://schemas.microsoft.com/office/powerpoint/2010/main" xmlns:p15="http://schemas.microsoft.com/office/powerpoint/2012/main" showMasterPhAnim="0" showMasterSp="0">
+<p:notes xmlns:a="http://schemas.openxmlformats.org/drawingml/2006/main" xmlns:r="http://schemas.openxmlformats.org/officeDocument/2006/relationships" xmlns:p="http://schemas.openxmlformats.org/presentationml/2006/main" showMasterSp="0" showMasterPhAnim="0">
   <p:cSld>
     <p:spTree>
       <p:nvGrpSpPr>
-        <p:cNvPr id="78" name="Shape 78"/>
+        <p:cNvPr id="1" name="Shape 78"/>
         <p:cNvGrpSpPr/>
         <p:nvPr/>
       </p:nvGrpSpPr>
@@ -2369,9 +2444,11 @@
       <p:sp>
         <p:nvSpPr>
           <p:cNvPr id="79" name="Google Shape;79;g44592e398d_0_17:notes"/>
-          <p:cNvSpPr txBox="1"/>
+          <p:cNvSpPr txBox="1">
+            <a:spLocks noGrp="1"/>
+          </p:cNvSpPr>
           <p:nvPr>
-            <p:ph idx="1" type="body"/>
+            <p:ph type="body" idx="1"/>
           </p:nvPr>
         </p:nvSpPr>
         <p:spPr>
@@ -2384,12 +2461,12 @@
           </a:prstGeom>
         </p:spPr>
         <p:txBody>
-          <a:bodyPr anchorCtr="0" anchor="t" bIns="45700" lIns="91425" spcFirstLastPara="1" rIns="91425" wrap="square" tIns="45700">
+          <a:bodyPr spcFirstLastPara="1" wrap="square" lIns="91425" tIns="45700" rIns="91425" bIns="45700" anchor="t" anchorCtr="0">
             <a:noAutofit/>
           </a:bodyPr>
           <a:lstStyle/>
           <a:p>
-            <a:pPr indent="0" lvl="0" marL="0" rtl="0" algn="l">
+            <a:pPr marL="0" lvl="0" indent="0" algn="l" rtl="0">
               <a:spcBef>
                 <a:spcPts val="0"/>
               </a:spcBef>
@@ -2398,9 +2475,6 @@
               </a:spcAft>
               <a:buNone/>
             </a:pPr>
-            <a:r>
-              <a:t/>
-            </a:r>
             <a:endParaRPr/>
           </a:p>
         </p:txBody>
@@ -2408,9 +2482,11 @@
       <p:sp>
         <p:nvSpPr>
           <p:cNvPr id="80" name="Google Shape;80;g44592e398d_0_17:notes"/>
-          <p:cNvSpPr/>
+          <p:cNvSpPr>
+            <a:spLocks noGrp="1" noRot="1" noChangeAspect="1"/>
+          </p:cNvSpPr>
           <p:nvPr>
-            <p:ph idx="2" type="sldImg"/>
+            <p:ph type="sldImg" idx="2"/>
           </p:nvPr>
         </p:nvSpPr>
         <p:spPr>
@@ -2419,9 +2495,13 @@
             <a:ext cx="6096000" cy="3429000"/>
           </a:xfrm>
           <a:custGeom>
-            <a:rect b="b" l="l" r="r" t="t"/>
+            <a:avLst/>
+            <a:gdLst/>
+            <a:ahLst/>
+            <a:cxnLst/>
+            <a:rect l="l" t="t" r="r" b="b"/>
             <a:pathLst>
-              <a:path extrusionOk="0" h="120000" w="120000">
+              <a:path w="120000" h="120000" extrusionOk="0">
                 <a:moveTo>
                   <a:pt x="0" y="0"/>
                 </a:moveTo>
@@ -2449,11 +2529,11 @@
 </file>
 
 <file path=ppt/notesSlides/notesSlide9.xml><?xml version="1.0" encoding="utf-8"?>
-<p:notes xmlns:a="http://schemas.openxmlformats.org/drawingml/2006/main" xmlns:r="http://schemas.openxmlformats.org/officeDocument/2006/relationships" xmlns:mc="http://schemas.openxmlformats.org/markup-compatibility/2006" xmlns:mv="urn:schemas-microsoft-com:mac:vml" xmlns:p="http://schemas.openxmlformats.org/presentationml/2006/main" xmlns:c="http://schemas.openxmlformats.org/drawingml/2006/chart" xmlns:dgm="http://schemas.openxmlformats.org/drawingml/2006/diagram" xmlns:o="urn:schemas-microsoft-com:office:office" xmlns:v="urn:schemas-microsoft-com:vml" xmlns:pvml="urn:schemas-microsoft-com:office:powerpoint" xmlns:com="http://schemas.openxmlformats.org/drawingml/2006/compatibility" xmlns:p14="http://schemas.microsoft.com/office/powerpoint/2010/main" xmlns:p15="http://schemas.microsoft.com/office/powerpoint/2012/main" showMasterPhAnim="0" showMasterSp="0">
+<p:notes xmlns:a="http://schemas.openxmlformats.org/drawingml/2006/main" xmlns:r="http://schemas.openxmlformats.org/officeDocument/2006/relationships" xmlns:p="http://schemas.openxmlformats.org/presentationml/2006/main" showMasterSp="0" showMasterPhAnim="0">
   <p:cSld>
     <p:spTree>
       <p:nvGrpSpPr>
-        <p:cNvPr id="84" name="Shape 84"/>
+        <p:cNvPr id="1" name="Shape 84"/>
         <p:cNvGrpSpPr/>
         <p:nvPr/>
       </p:nvGrpSpPr>
@@ -2468,9 +2548,11 @@
       <p:sp>
         <p:nvSpPr>
           <p:cNvPr id="85" name="Google Shape;85;g445839448b_2_32:notes"/>
-          <p:cNvSpPr/>
+          <p:cNvSpPr>
+            <a:spLocks noGrp="1" noRot="1" noChangeAspect="1"/>
+          </p:cNvSpPr>
           <p:nvPr>
-            <p:ph idx="2" type="sldImg"/>
+            <p:ph type="sldImg" idx="2"/>
           </p:nvPr>
         </p:nvSpPr>
         <p:spPr>
@@ -2479,9 +2561,13 @@
             <a:ext cx="6096000" cy="3429000"/>
           </a:xfrm>
           <a:custGeom>
-            <a:rect b="b" l="l" r="r" t="t"/>
+            <a:avLst/>
+            <a:gdLst/>
+            <a:ahLst/>
+            <a:cxnLst/>
+            <a:rect l="l" t="t" r="r" b="b"/>
             <a:pathLst>
-              <a:path extrusionOk="0" h="120000" w="120000">
+              <a:path w="120000" h="120000" extrusionOk="0">
                 <a:moveTo>
                   <a:pt x="0" y="0"/>
                 </a:moveTo>
@@ -2503,9 +2589,11 @@
       <p:sp>
         <p:nvSpPr>
           <p:cNvPr id="86" name="Google Shape;86;g445839448b_2_32:notes"/>
-          <p:cNvSpPr txBox="1"/>
+          <p:cNvSpPr txBox="1">
+            <a:spLocks noGrp="1"/>
+          </p:cNvSpPr>
           <p:nvPr>
-            <p:ph idx="1" type="body"/>
+            <p:ph type="body" idx="1"/>
           </p:nvPr>
         </p:nvSpPr>
         <p:spPr>
@@ -2518,12 +2606,12 @@
           </a:prstGeom>
         </p:spPr>
         <p:txBody>
-          <a:bodyPr anchorCtr="0" anchor="t" bIns="45700" lIns="91425" spcFirstLastPara="1" rIns="91425" wrap="square" tIns="45700">
+          <a:bodyPr spcFirstLastPara="1" wrap="square" lIns="91425" tIns="45700" rIns="91425" bIns="45700" anchor="t" anchorCtr="0">
             <a:noAutofit/>
           </a:bodyPr>
           <a:lstStyle/>
           <a:p>
-            <a:pPr indent="0" lvl="0" marL="0" rtl="0" algn="l">
+            <a:pPr marL="0" lvl="0" indent="0" algn="l" rtl="0">
               <a:spcBef>
                 <a:spcPts val="0"/>
               </a:spcBef>
@@ -2532,9 +2620,6 @@
               </a:spcAft>
               <a:buNone/>
             </a:pPr>
-            <a:r>
-              <a:t/>
-            </a:r>
             <a:endParaRPr/>
           </a:p>
         </p:txBody>
@@ -2542,9 +2627,11 @@
       <p:sp>
         <p:nvSpPr>
           <p:cNvPr id="87" name="Google Shape;87;g445839448b_2_32:notes"/>
-          <p:cNvSpPr txBox="1"/>
+          <p:cNvSpPr txBox="1">
+            <a:spLocks noGrp="1"/>
+          </p:cNvSpPr>
           <p:nvPr>
-            <p:ph idx="12" type="sldNum"/>
+            <p:ph type="sldNum" idx="12"/>
           </p:nvPr>
         </p:nvSpPr>
         <p:spPr>
@@ -2557,12 +2644,12 @@
           </a:prstGeom>
         </p:spPr>
         <p:txBody>
-          <a:bodyPr anchorCtr="0" anchor="b" bIns="45700" lIns="91425" spcFirstLastPara="1" rIns="91425" wrap="square" tIns="45700">
+          <a:bodyPr spcFirstLastPara="1" wrap="square" lIns="91425" tIns="45700" rIns="91425" bIns="45700" anchor="b" anchorCtr="0">
             <a:noAutofit/>
           </a:bodyPr>
           <a:lstStyle/>
           <a:p>
-            <a:pPr indent="0" lvl="0" marL="0" rtl="0" algn="r">
+            <a:pPr marL="0" lvl="0" indent="0" algn="r" rtl="0">
               <a:spcBef>
                 <a:spcPts val="0"/>
               </a:spcBef>
@@ -2578,7 +2665,7 @@
             </a:pPr>
             <a:fld id="{00000000-1234-1234-1234-123412341234}" type="slidenum">
               <a:rPr lang="en-US"/>
-              <a:t>‹#›</a:t>
+              <a:t>9</a:t>
             </a:fld>
             <a:endParaRPr sz="1400">
               <a:latin typeface="Arial"/>
@@ -2598,11 +2685,11 @@
 </file>
 
 <file path=ppt/slideLayouts/slideLayout1.xml><?xml version="1.0" encoding="utf-8"?>
-<p:sldLayout xmlns:a="http://schemas.openxmlformats.org/drawingml/2006/main" xmlns:r="http://schemas.openxmlformats.org/officeDocument/2006/relationships" xmlns:mc="http://schemas.openxmlformats.org/markup-compatibility/2006" xmlns:mv="urn:schemas-microsoft-com:mac:vml" xmlns:p="http://schemas.openxmlformats.org/presentationml/2006/main" xmlns:c="http://schemas.openxmlformats.org/drawingml/2006/chart" xmlns:dgm="http://schemas.openxmlformats.org/drawingml/2006/diagram" xmlns:o="urn:schemas-microsoft-com:office:office" xmlns:v="urn:schemas-microsoft-com:vml" xmlns:pvml="urn:schemas-microsoft-com:office:powerpoint" xmlns:com="http://schemas.openxmlformats.org/drawingml/2006/compatibility" xmlns:p14="http://schemas.microsoft.com/office/powerpoint/2010/main" xmlns:p15="http://schemas.microsoft.com/office/powerpoint/2012/main" matchingName="Title slide" type="title">
+<p:sldLayout xmlns:a="http://schemas.openxmlformats.org/drawingml/2006/main" xmlns:r="http://schemas.openxmlformats.org/officeDocument/2006/relationships" xmlns:p="http://schemas.openxmlformats.org/presentationml/2006/main" matchingName="Title slide" type="title">
   <p:cSld name="TITLE">
     <p:spTree>
       <p:nvGrpSpPr>
-        <p:cNvPr id="16" name="Shape 16"/>
+        <p:cNvPr id="1" name="Shape 16"/>
         <p:cNvGrpSpPr/>
         <p:nvPr/>
       </p:nvGrpSpPr>
@@ -2617,7 +2704,9 @@
       <p:sp>
         <p:nvSpPr>
           <p:cNvPr id="17" name="Google Shape;17;p2"/>
-          <p:cNvSpPr txBox="1"/>
+          <p:cNvSpPr txBox="1">
+            <a:spLocks noGrp="1"/>
+          </p:cNvSpPr>
           <p:nvPr>
             <p:ph type="ctrTitle"/>
           </p:nvPr>
@@ -2636,9 +2725,9 @@
           </a:ln>
         </p:spPr>
         <p:txBody>
-          <a:bodyPr anchorCtr="0" anchor="b" bIns="121900" lIns="121900" spcFirstLastPara="1" rIns="121900" wrap="square" tIns="121900"/>
+          <a:bodyPr spcFirstLastPara="1" wrap="square" lIns="121900" tIns="121900" rIns="121900" bIns="121900" anchor="b" anchorCtr="0"/>
           <a:lstStyle>
-            <a:lvl1pPr lvl="0" marR="0" rtl="0" algn="ctr">
+            <a:lvl1pPr marR="0" lvl="0" algn="ctr" rtl="0">
               <a:lnSpc>
                 <a:spcPct val="100000"/>
               </a:lnSpc>
@@ -2654,7 +2743,7 @@
               <a:buSzPts val="5300"/>
               <a:buFont typeface="Arial"/>
               <a:buNone/>
-              <a:defRPr b="0" i="0" sz="5300" u="none" cap="none" strike="noStrike">
+              <a:defRPr sz="5300" b="0" i="0" u="none" strike="noStrike" cap="none">
                 <a:solidFill>
                   <a:srgbClr val="000000"/>
                 </a:solidFill>
@@ -2664,7 +2753,7 @@
                 <a:sym typeface="Arial"/>
               </a:defRPr>
             </a:lvl1pPr>
-            <a:lvl2pPr lvl="1" marR="0" rtl="0" algn="ctr">
+            <a:lvl2pPr marR="0" lvl="1" algn="ctr" rtl="0">
               <a:lnSpc>
                 <a:spcPct val="100000"/>
               </a:lnSpc>
@@ -2680,7 +2769,7 @@
               <a:buSzPts val="5300"/>
               <a:buFont typeface="Arial"/>
               <a:buNone/>
-              <a:defRPr b="0" i="0" sz="5300" u="none" cap="none" strike="noStrike">
+              <a:defRPr sz="5300" b="0" i="0" u="none" strike="noStrike" cap="none">
                 <a:solidFill>
                   <a:srgbClr val="000000"/>
                 </a:solidFill>
@@ -2690,7 +2779,7 @@
                 <a:sym typeface="Arial"/>
               </a:defRPr>
             </a:lvl2pPr>
-            <a:lvl3pPr lvl="2" marR="0" rtl="0" algn="ctr">
+            <a:lvl3pPr marR="0" lvl="2" algn="ctr" rtl="0">
               <a:lnSpc>
                 <a:spcPct val="100000"/>
               </a:lnSpc>
@@ -2706,7 +2795,7 @@
               <a:buSzPts val="5300"/>
               <a:buFont typeface="Arial"/>
               <a:buNone/>
-              <a:defRPr b="0" i="0" sz="5300" u="none" cap="none" strike="noStrike">
+              <a:defRPr sz="5300" b="0" i="0" u="none" strike="noStrike" cap="none">
                 <a:solidFill>
                   <a:srgbClr val="000000"/>
                 </a:solidFill>
@@ -2716,7 +2805,7 @@
                 <a:sym typeface="Arial"/>
               </a:defRPr>
             </a:lvl3pPr>
-            <a:lvl4pPr lvl="3" marR="0" rtl="0" algn="ctr">
+            <a:lvl4pPr marR="0" lvl="3" algn="ctr" rtl="0">
               <a:lnSpc>
                 <a:spcPct val="100000"/>
               </a:lnSpc>
@@ -2732,7 +2821,7 @@
               <a:buSzPts val="5300"/>
               <a:buFont typeface="Arial"/>
               <a:buNone/>
-              <a:defRPr b="0" i="0" sz="5300" u="none" cap="none" strike="noStrike">
+              <a:defRPr sz="5300" b="0" i="0" u="none" strike="noStrike" cap="none">
                 <a:solidFill>
                   <a:srgbClr val="000000"/>
                 </a:solidFill>
@@ -2742,7 +2831,7 @@
                 <a:sym typeface="Arial"/>
               </a:defRPr>
             </a:lvl4pPr>
-            <a:lvl5pPr lvl="4" marR="0" rtl="0" algn="ctr">
+            <a:lvl5pPr marR="0" lvl="4" algn="ctr" rtl="0">
               <a:lnSpc>
                 <a:spcPct val="100000"/>
               </a:lnSpc>
@@ -2758,7 +2847,7 @@
               <a:buSzPts val="5300"/>
               <a:buFont typeface="Arial"/>
               <a:buNone/>
-              <a:defRPr b="0" i="0" sz="5300" u="none" cap="none" strike="noStrike">
+              <a:defRPr sz="5300" b="0" i="0" u="none" strike="noStrike" cap="none">
                 <a:solidFill>
                   <a:srgbClr val="000000"/>
                 </a:solidFill>
@@ -2768,7 +2857,7 @@
                 <a:sym typeface="Arial"/>
               </a:defRPr>
             </a:lvl5pPr>
-            <a:lvl6pPr lvl="5" marR="0" rtl="0" algn="ctr">
+            <a:lvl6pPr marR="0" lvl="5" algn="ctr" rtl="0">
               <a:lnSpc>
                 <a:spcPct val="100000"/>
               </a:lnSpc>
@@ -2784,7 +2873,7 @@
               <a:buSzPts val="5300"/>
               <a:buFont typeface="Arial"/>
               <a:buNone/>
-              <a:defRPr b="0" i="0" sz="5300" u="none" cap="none" strike="noStrike">
+              <a:defRPr sz="5300" b="0" i="0" u="none" strike="noStrike" cap="none">
                 <a:solidFill>
                   <a:srgbClr val="000000"/>
                 </a:solidFill>
@@ -2794,7 +2883,7 @@
                 <a:sym typeface="Arial"/>
               </a:defRPr>
             </a:lvl6pPr>
-            <a:lvl7pPr lvl="6" marR="0" rtl="0" algn="ctr">
+            <a:lvl7pPr marR="0" lvl="6" algn="ctr" rtl="0">
               <a:lnSpc>
                 <a:spcPct val="100000"/>
               </a:lnSpc>
@@ -2810,7 +2899,7 @@
               <a:buSzPts val="5300"/>
               <a:buFont typeface="Arial"/>
               <a:buNone/>
-              <a:defRPr b="0" i="0" sz="5300" u="none" cap="none" strike="noStrike">
+              <a:defRPr sz="5300" b="0" i="0" u="none" strike="noStrike" cap="none">
                 <a:solidFill>
                   <a:srgbClr val="000000"/>
                 </a:solidFill>
@@ -2820,7 +2909,7 @@
                 <a:sym typeface="Arial"/>
               </a:defRPr>
             </a:lvl7pPr>
-            <a:lvl8pPr lvl="7" marR="0" rtl="0" algn="ctr">
+            <a:lvl8pPr marR="0" lvl="7" algn="ctr" rtl="0">
               <a:lnSpc>
                 <a:spcPct val="100000"/>
               </a:lnSpc>
@@ -2836,7 +2925,7 @@
               <a:buSzPts val="5300"/>
               <a:buFont typeface="Arial"/>
               <a:buNone/>
-              <a:defRPr b="0" i="0" sz="5300" u="none" cap="none" strike="noStrike">
+              <a:defRPr sz="5300" b="0" i="0" u="none" strike="noStrike" cap="none">
                 <a:solidFill>
                   <a:srgbClr val="000000"/>
                 </a:solidFill>
@@ -2846,7 +2935,7 @@
                 <a:sym typeface="Arial"/>
               </a:defRPr>
             </a:lvl8pPr>
-            <a:lvl9pPr lvl="8" marR="0" rtl="0" algn="ctr">
+            <a:lvl9pPr marR="0" lvl="8" algn="ctr" rtl="0">
               <a:lnSpc>
                 <a:spcPct val="100000"/>
               </a:lnSpc>
@@ -2862,7 +2951,7 @@
               <a:buSzPts val="5300"/>
               <a:buFont typeface="Arial"/>
               <a:buNone/>
-              <a:defRPr b="0" i="0" sz="5300" u="none" cap="none" strike="noStrike">
+              <a:defRPr sz="5300" b="0" i="0" u="none" strike="noStrike" cap="none">
                 <a:solidFill>
                   <a:srgbClr val="000000"/>
                 </a:solidFill>
@@ -2873,15 +2962,19 @@
               </a:defRPr>
             </a:lvl9pPr>
           </a:lstStyle>
-          <a:p/>
+          <a:p>
+            <a:endParaRPr/>
+          </a:p>
         </p:txBody>
       </p:sp>
       <p:sp>
         <p:nvSpPr>
           <p:cNvPr id="18" name="Google Shape;18;p2"/>
-          <p:cNvSpPr txBox="1"/>
+          <p:cNvSpPr txBox="1">
+            <a:spLocks noGrp="1"/>
+          </p:cNvSpPr>
           <p:nvPr>
-            <p:ph idx="1" type="subTitle"/>
+            <p:ph type="subTitle" idx="1"/>
           </p:nvPr>
         </p:nvSpPr>
         <p:spPr>
@@ -2898,9 +2991,9 @@
           </a:ln>
         </p:spPr>
         <p:txBody>
-          <a:bodyPr anchorCtr="0" anchor="t" bIns="121900" lIns="121900" spcFirstLastPara="1" rIns="121900" wrap="square" tIns="121900"/>
+          <a:bodyPr spcFirstLastPara="1" wrap="square" lIns="121900" tIns="121900" rIns="121900" bIns="121900" anchor="t" anchorCtr="0"/>
           <a:lstStyle>
-            <a:lvl1pPr lvl="0" marR="0" rtl="0" algn="ctr">
+            <a:lvl1pPr marR="0" lvl="0" algn="ctr" rtl="0">
               <a:lnSpc>
                 <a:spcPct val="100000"/>
               </a:lnSpc>
@@ -2916,7 +3009,7 @@
               <a:buSzPts val="3200"/>
               <a:buFont typeface="Roboto Slab"/>
               <a:buNone/>
-              <a:defRPr b="0" i="0" sz="3200" u="none" cap="none" strike="noStrike">
+              <a:defRPr sz="3200" b="0" i="0" u="none" strike="noStrike" cap="none">
                 <a:solidFill>
                   <a:schemeClr val="accent5"/>
                 </a:solidFill>
@@ -2926,7 +3019,7 @@
                 <a:sym typeface="Roboto Slab"/>
               </a:defRPr>
             </a:lvl1pPr>
-            <a:lvl2pPr lvl="1" marR="0" rtl="0" algn="ctr">
+            <a:lvl2pPr marR="0" lvl="1" algn="ctr" rtl="0">
               <a:lnSpc>
                 <a:spcPct val="100000"/>
               </a:lnSpc>
@@ -2942,7 +3035,7 @@
               <a:buSzPts val="3200"/>
               <a:buFont typeface="Roboto Slab"/>
               <a:buNone/>
-              <a:defRPr b="0" i="0" sz="3200" u="none" cap="none" strike="noStrike">
+              <a:defRPr sz="3200" b="0" i="0" u="none" strike="noStrike" cap="none">
                 <a:solidFill>
                   <a:schemeClr val="accent5"/>
                 </a:solidFill>
@@ -2952,7 +3045,7 @@
                 <a:sym typeface="Roboto Slab"/>
               </a:defRPr>
             </a:lvl2pPr>
-            <a:lvl3pPr lvl="2" marR="0" rtl="0" algn="ctr">
+            <a:lvl3pPr marR="0" lvl="2" algn="ctr" rtl="0">
               <a:lnSpc>
                 <a:spcPct val="100000"/>
               </a:lnSpc>
@@ -2968,7 +3061,7 @@
               <a:buSzPts val="3200"/>
               <a:buFont typeface="Roboto Slab"/>
               <a:buNone/>
-              <a:defRPr b="0" i="0" sz="3200" u="none" cap="none" strike="noStrike">
+              <a:defRPr sz="3200" b="0" i="0" u="none" strike="noStrike" cap="none">
                 <a:solidFill>
                   <a:schemeClr val="accent5"/>
                 </a:solidFill>
@@ -2978,7 +3071,7 @@
                 <a:sym typeface="Roboto Slab"/>
               </a:defRPr>
             </a:lvl3pPr>
-            <a:lvl4pPr lvl="3" marR="0" rtl="0" algn="ctr">
+            <a:lvl4pPr marR="0" lvl="3" algn="ctr" rtl="0">
               <a:lnSpc>
                 <a:spcPct val="100000"/>
               </a:lnSpc>
@@ -2994,7 +3087,7 @@
               <a:buSzPts val="3200"/>
               <a:buFont typeface="Roboto Slab"/>
               <a:buNone/>
-              <a:defRPr b="0" i="0" sz="3200" u="none" cap="none" strike="noStrike">
+              <a:defRPr sz="3200" b="0" i="0" u="none" strike="noStrike" cap="none">
                 <a:solidFill>
                   <a:schemeClr val="accent5"/>
                 </a:solidFill>
@@ -3004,7 +3097,7 @@
                 <a:sym typeface="Roboto Slab"/>
               </a:defRPr>
             </a:lvl4pPr>
-            <a:lvl5pPr lvl="4" marR="0" rtl="0" algn="ctr">
+            <a:lvl5pPr marR="0" lvl="4" algn="ctr" rtl="0">
               <a:lnSpc>
                 <a:spcPct val="100000"/>
               </a:lnSpc>
@@ -3020,7 +3113,7 @@
               <a:buSzPts val="3200"/>
               <a:buFont typeface="Roboto Slab"/>
               <a:buNone/>
-              <a:defRPr b="0" i="0" sz="3200" u="none" cap="none" strike="noStrike">
+              <a:defRPr sz="3200" b="0" i="0" u="none" strike="noStrike" cap="none">
                 <a:solidFill>
                   <a:schemeClr val="accent5"/>
                 </a:solidFill>
@@ -3030,7 +3123,7 @@
                 <a:sym typeface="Roboto Slab"/>
               </a:defRPr>
             </a:lvl5pPr>
-            <a:lvl6pPr lvl="5" marR="0" rtl="0" algn="ctr">
+            <a:lvl6pPr marR="0" lvl="5" algn="ctr" rtl="0">
               <a:lnSpc>
                 <a:spcPct val="100000"/>
               </a:lnSpc>
@@ -3046,7 +3139,7 @@
               <a:buSzPts val="3200"/>
               <a:buFont typeface="Roboto Slab"/>
               <a:buNone/>
-              <a:defRPr b="0" i="0" sz="3200" u="none" cap="none" strike="noStrike">
+              <a:defRPr sz="3200" b="0" i="0" u="none" strike="noStrike" cap="none">
                 <a:solidFill>
                   <a:schemeClr val="accent5"/>
                 </a:solidFill>
@@ -3056,7 +3149,7 @@
                 <a:sym typeface="Roboto Slab"/>
               </a:defRPr>
             </a:lvl6pPr>
-            <a:lvl7pPr lvl="6" marR="0" rtl="0" algn="ctr">
+            <a:lvl7pPr marR="0" lvl="6" algn="ctr" rtl="0">
               <a:lnSpc>
                 <a:spcPct val="100000"/>
               </a:lnSpc>
@@ -3072,7 +3165,7 @@
               <a:buSzPts val="3200"/>
               <a:buFont typeface="Roboto Slab"/>
               <a:buNone/>
-              <a:defRPr b="0" i="0" sz="3200" u="none" cap="none" strike="noStrike">
+              <a:defRPr sz="3200" b="0" i="0" u="none" strike="noStrike" cap="none">
                 <a:solidFill>
                   <a:schemeClr val="accent5"/>
                 </a:solidFill>
@@ -3082,7 +3175,7 @@
                 <a:sym typeface="Roboto Slab"/>
               </a:defRPr>
             </a:lvl7pPr>
-            <a:lvl8pPr lvl="7" marR="0" rtl="0" algn="ctr">
+            <a:lvl8pPr marR="0" lvl="7" algn="ctr" rtl="0">
               <a:lnSpc>
                 <a:spcPct val="100000"/>
               </a:lnSpc>
@@ -3098,7 +3191,7 @@
               <a:buSzPts val="3200"/>
               <a:buFont typeface="Roboto Slab"/>
               <a:buNone/>
-              <a:defRPr b="0" i="0" sz="3200" u="none" cap="none" strike="noStrike">
+              <a:defRPr sz="3200" b="0" i="0" u="none" strike="noStrike" cap="none">
                 <a:solidFill>
                   <a:schemeClr val="accent5"/>
                 </a:solidFill>
@@ -3108,7 +3201,7 @@
                 <a:sym typeface="Roboto Slab"/>
               </a:defRPr>
             </a:lvl8pPr>
-            <a:lvl9pPr lvl="8" marR="0" rtl="0" algn="ctr">
+            <a:lvl9pPr marR="0" lvl="8" algn="ctr" rtl="0">
               <a:lnSpc>
                 <a:spcPct val="100000"/>
               </a:lnSpc>
@@ -3124,7 +3217,7 @@
               <a:buSzPts val="3200"/>
               <a:buFont typeface="Roboto Slab"/>
               <a:buNone/>
-              <a:defRPr b="0" i="0" sz="3200" u="none" cap="none" strike="noStrike">
+              <a:defRPr sz="3200" b="0" i="0" u="none" strike="noStrike" cap="none">
                 <a:solidFill>
                   <a:schemeClr val="accent5"/>
                 </a:solidFill>
@@ -3135,15 +3228,19 @@
               </a:defRPr>
             </a:lvl9pPr>
           </a:lstStyle>
-          <a:p/>
+          <a:p>
+            <a:endParaRPr/>
+          </a:p>
         </p:txBody>
       </p:sp>
       <p:sp>
         <p:nvSpPr>
           <p:cNvPr id="19" name="Google Shape;19;p2"/>
-          <p:cNvSpPr txBox="1"/>
+          <p:cNvSpPr txBox="1">
+            <a:spLocks noGrp="1"/>
+          </p:cNvSpPr>
           <p:nvPr>
-            <p:ph idx="12" type="sldNum"/>
+            <p:ph type="sldNum" idx="12"/>
           </p:nvPr>
         </p:nvSpPr>
         <p:spPr>
@@ -3160,11 +3257,11 @@
           </a:ln>
         </p:spPr>
         <p:txBody>
-          <a:bodyPr anchorCtr="0" anchor="ctr" bIns="121900" lIns="121900" spcFirstLastPara="1" rIns="121900" wrap="square" tIns="121900">
+          <a:bodyPr spcFirstLastPara="1" wrap="square" lIns="121900" tIns="121900" rIns="121900" bIns="121900" anchor="ctr" anchorCtr="0">
             <a:noAutofit/>
           </a:bodyPr>
           <a:lstStyle>
-            <a:lvl1pPr indent="0" lvl="0" marL="0" marR="0" rtl="0" algn="r">
+            <a:lvl1pPr marL="0" marR="0" lvl="0" indent="0" algn="r" rtl="0">
               <a:lnSpc>
                 <a:spcPct val="100000"/>
               </a:lnSpc>
@@ -3180,7 +3277,7 @@
               <a:buSzPts val="1300"/>
               <a:buFont typeface="Roboto"/>
               <a:buNone/>
-              <a:defRPr b="0" i="0" sz="1300" u="none">
+              <a:defRPr sz="1300" b="0" i="0" u="none">
                 <a:solidFill>
                   <a:srgbClr val="FFFFFF"/>
                 </a:solidFill>
@@ -3190,7 +3287,7 @@
                 <a:sym typeface="Roboto"/>
               </a:defRPr>
             </a:lvl1pPr>
-            <a:lvl2pPr indent="0" lvl="1" marL="0" marR="0" rtl="0" algn="r">
+            <a:lvl2pPr marL="0" marR="0" lvl="1" indent="0" algn="r" rtl="0">
               <a:lnSpc>
                 <a:spcPct val="100000"/>
               </a:lnSpc>
@@ -3206,7 +3303,7 @@
               <a:buSzPts val="1300"/>
               <a:buFont typeface="Roboto"/>
               <a:buNone/>
-              <a:defRPr b="0" i="0" sz="1300" u="none">
+              <a:defRPr sz="1300" b="0" i="0" u="none">
                 <a:solidFill>
                   <a:srgbClr val="FFFFFF"/>
                 </a:solidFill>
@@ -3216,7 +3313,7 @@
                 <a:sym typeface="Roboto"/>
               </a:defRPr>
             </a:lvl2pPr>
-            <a:lvl3pPr indent="0" lvl="2" marL="0" marR="0" rtl="0" algn="r">
+            <a:lvl3pPr marL="0" marR="0" lvl="2" indent="0" algn="r" rtl="0">
               <a:lnSpc>
                 <a:spcPct val="100000"/>
               </a:lnSpc>
@@ -3232,7 +3329,7 @@
               <a:buSzPts val="1300"/>
               <a:buFont typeface="Roboto"/>
               <a:buNone/>
-              <a:defRPr b="0" i="0" sz="1300" u="none">
+              <a:defRPr sz="1300" b="0" i="0" u="none">
                 <a:solidFill>
                   <a:srgbClr val="FFFFFF"/>
                 </a:solidFill>
@@ -3242,7 +3339,7 @@
                 <a:sym typeface="Roboto"/>
               </a:defRPr>
             </a:lvl3pPr>
-            <a:lvl4pPr indent="0" lvl="3" marL="0" marR="0" rtl="0" algn="r">
+            <a:lvl4pPr marL="0" marR="0" lvl="3" indent="0" algn="r" rtl="0">
               <a:lnSpc>
                 <a:spcPct val="100000"/>
               </a:lnSpc>
@@ -3258,7 +3355,7 @@
               <a:buSzPts val="1300"/>
               <a:buFont typeface="Roboto"/>
               <a:buNone/>
-              <a:defRPr b="0" i="0" sz="1300" u="none">
+              <a:defRPr sz="1300" b="0" i="0" u="none">
                 <a:solidFill>
                   <a:srgbClr val="FFFFFF"/>
                 </a:solidFill>
@@ -3268,7 +3365,7 @@
                 <a:sym typeface="Roboto"/>
               </a:defRPr>
             </a:lvl4pPr>
-            <a:lvl5pPr indent="0" lvl="4" marL="0" marR="0" rtl="0" algn="r">
+            <a:lvl5pPr marL="0" marR="0" lvl="4" indent="0" algn="r" rtl="0">
               <a:lnSpc>
                 <a:spcPct val="100000"/>
               </a:lnSpc>
@@ -3284,7 +3381,7 @@
               <a:buSzPts val="1300"/>
               <a:buFont typeface="Roboto"/>
               <a:buNone/>
-              <a:defRPr b="0" i="0" sz="1300" u="none">
+              <a:defRPr sz="1300" b="0" i="0" u="none">
                 <a:solidFill>
                   <a:srgbClr val="FFFFFF"/>
                 </a:solidFill>
@@ -3294,7 +3391,7 @@
                 <a:sym typeface="Roboto"/>
               </a:defRPr>
             </a:lvl5pPr>
-            <a:lvl6pPr indent="0" lvl="5" marL="0" marR="0" rtl="0" algn="r">
+            <a:lvl6pPr marL="0" marR="0" lvl="5" indent="0" algn="r" rtl="0">
               <a:lnSpc>
                 <a:spcPct val="100000"/>
               </a:lnSpc>
@@ -3310,7 +3407,7 @@
               <a:buSzPts val="1300"/>
               <a:buFont typeface="Roboto"/>
               <a:buNone/>
-              <a:defRPr b="0" i="0" sz="1300" u="none">
+              <a:defRPr sz="1300" b="0" i="0" u="none">
                 <a:solidFill>
                   <a:srgbClr val="FFFFFF"/>
                 </a:solidFill>
@@ -3320,7 +3417,7 @@
                 <a:sym typeface="Roboto"/>
               </a:defRPr>
             </a:lvl6pPr>
-            <a:lvl7pPr indent="0" lvl="6" marL="0" marR="0" rtl="0" algn="r">
+            <a:lvl7pPr marL="0" marR="0" lvl="6" indent="0" algn="r" rtl="0">
               <a:lnSpc>
                 <a:spcPct val="100000"/>
               </a:lnSpc>
@@ -3336,7 +3433,7 @@
               <a:buSzPts val="1300"/>
               <a:buFont typeface="Roboto"/>
               <a:buNone/>
-              <a:defRPr b="0" i="0" sz="1300" u="none">
+              <a:defRPr sz="1300" b="0" i="0" u="none">
                 <a:solidFill>
                   <a:srgbClr val="FFFFFF"/>
                 </a:solidFill>
@@ -3346,7 +3443,7 @@
                 <a:sym typeface="Roboto"/>
               </a:defRPr>
             </a:lvl7pPr>
-            <a:lvl8pPr indent="0" lvl="7" marL="0" marR="0" rtl="0" algn="r">
+            <a:lvl8pPr marL="0" marR="0" lvl="7" indent="0" algn="r" rtl="0">
               <a:lnSpc>
                 <a:spcPct val="100000"/>
               </a:lnSpc>
@@ -3362,7 +3459,7 @@
               <a:buSzPts val="1300"/>
               <a:buFont typeface="Roboto"/>
               <a:buNone/>
-              <a:defRPr b="0" i="0" sz="1300" u="none">
+              <a:defRPr sz="1300" b="0" i="0" u="none">
                 <a:solidFill>
                   <a:srgbClr val="FFFFFF"/>
                 </a:solidFill>
@@ -3372,7 +3469,7 @@
                 <a:sym typeface="Roboto"/>
               </a:defRPr>
             </a:lvl8pPr>
-            <a:lvl9pPr indent="0" lvl="8" marL="0" marR="0" rtl="0" algn="r">
+            <a:lvl9pPr marL="0" marR="0" lvl="8" indent="0" algn="r" rtl="0">
               <a:lnSpc>
                 <a:spcPct val="100000"/>
               </a:lnSpc>
@@ -3388,7 +3485,7 @@
               <a:buSzPts val="1300"/>
               <a:buFont typeface="Roboto"/>
               <a:buNone/>
-              <a:defRPr b="0" i="0" sz="1300" u="none">
+              <a:defRPr sz="1300" b="0" i="0" u="none">
                 <a:solidFill>
                   <a:srgbClr val="FFFFFF"/>
                 </a:solidFill>
@@ -3400,7 +3497,7 @@
             </a:lvl9pPr>
           </a:lstStyle>
           <a:p>
-            <a:pPr indent="0" lvl="0" marL="0" rtl="0" algn="r">
+            <a:pPr marL="0" lvl="0" indent="0" algn="r" rtl="0">
               <a:spcBef>
                 <a:spcPts val="0"/>
               </a:spcBef>
@@ -3426,11 +3523,11 @@
 </file>
 
 <file path=ppt/slideLayouts/slideLayout2.xml><?xml version="1.0" encoding="utf-8"?>
-<p:sldLayout xmlns:a="http://schemas.openxmlformats.org/drawingml/2006/main" xmlns:r="http://schemas.openxmlformats.org/officeDocument/2006/relationships" xmlns:mc="http://schemas.openxmlformats.org/markup-compatibility/2006" xmlns:mv="urn:schemas-microsoft-com:mac:vml" xmlns:p="http://schemas.openxmlformats.org/presentationml/2006/main" xmlns:c="http://schemas.openxmlformats.org/drawingml/2006/chart" xmlns:dgm="http://schemas.openxmlformats.org/drawingml/2006/diagram" xmlns:o="urn:schemas-microsoft-com:office:office" xmlns:v="urn:schemas-microsoft-com:vml" xmlns:pvml="urn:schemas-microsoft-com:office:powerpoint" xmlns:com="http://schemas.openxmlformats.org/drawingml/2006/compatibility" xmlns:p14="http://schemas.microsoft.com/office/powerpoint/2010/main" xmlns:p15="http://schemas.microsoft.com/office/powerpoint/2012/main" matchingName="Title and Content" type="obj">
+<p:sldLayout xmlns:a="http://schemas.openxmlformats.org/drawingml/2006/main" xmlns:r="http://schemas.openxmlformats.org/officeDocument/2006/relationships" xmlns:p="http://schemas.openxmlformats.org/presentationml/2006/main" matchingName="Title and Content" type="obj">
   <p:cSld name="OBJECT">
     <p:spTree>
       <p:nvGrpSpPr>
-        <p:cNvPr id="26" name="Shape 26"/>
+        <p:cNvPr id="1" name="Shape 26"/>
         <p:cNvGrpSpPr/>
         <p:nvPr/>
       </p:nvGrpSpPr>
@@ -3445,7 +3542,9 @@
       <p:sp>
         <p:nvSpPr>
           <p:cNvPr id="27" name="Google Shape;27;p4"/>
-          <p:cNvSpPr txBox="1"/>
+          <p:cNvSpPr txBox="1">
+            <a:spLocks noGrp="1"/>
+          </p:cNvSpPr>
           <p:nvPr>
             <p:ph type="title"/>
           </p:nvPr>
@@ -3464,9 +3563,9 @@
           </a:ln>
         </p:spPr>
         <p:txBody>
-          <a:bodyPr anchorCtr="0" anchor="ctr" bIns="45700" lIns="91425" spcFirstLastPara="1" rIns="91425" wrap="square" tIns="45700"/>
+          <a:bodyPr spcFirstLastPara="1" wrap="square" lIns="91425" tIns="45700" rIns="91425" bIns="45700" anchor="ctr" anchorCtr="0"/>
           <a:lstStyle>
-            <a:lvl1pPr lvl="0" marR="0" rtl="0" algn="l">
+            <a:lvl1pPr marR="0" lvl="0" algn="l" rtl="0">
               <a:lnSpc>
                 <a:spcPct val="90000"/>
               </a:lnSpc>
@@ -3482,7 +3581,7 @@
               <a:buSzPts val="4000"/>
               <a:buFont typeface="Arial"/>
               <a:buNone/>
-              <a:defRPr b="0" i="0" sz="4400" u="none" cap="none" strike="noStrike">
+              <a:defRPr sz="4400" b="0" i="0" u="none" strike="noStrike" cap="none">
                 <a:solidFill>
                   <a:schemeClr val="dk1"/>
                 </a:solidFill>
@@ -3492,7 +3591,7 @@
                 <a:sym typeface="Calibri"/>
               </a:defRPr>
             </a:lvl1pPr>
-            <a:lvl2pPr lvl="1" marR="0" rtl="0" algn="l">
+            <a:lvl2pPr marR="0" lvl="1" algn="l" rtl="0">
               <a:lnSpc>
                 <a:spcPct val="90000"/>
               </a:lnSpc>
@@ -3508,7 +3607,7 @@
               <a:buSzPts val="4000"/>
               <a:buFont typeface="Arial"/>
               <a:buNone/>
-              <a:defRPr b="0" i="0" sz="4400" u="none" cap="none" strike="noStrike">
+              <a:defRPr sz="4400" b="0" i="0" u="none" strike="noStrike" cap="none">
                 <a:solidFill>
                   <a:schemeClr val="dk1"/>
                 </a:solidFill>
@@ -3518,7 +3617,7 @@
                 <a:sym typeface="Calibri"/>
               </a:defRPr>
             </a:lvl2pPr>
-            <a:lvl3pPr lvl="2" marR="0" rtl="0" algn="l">
+            <a:lvl3pPr marR="0" lvl="2" algn="l" rtl="0">
               <a:lnSpc>
                 <a:spcPct val="90000"/>
               </a:lnSpc>
@@ -3534,7 +3633,7 @@
               <a:buSzPts val="4000"/>
               <a:buFont typeface="Arial"/>
               <a:buNone/>
-              <a:defRPr b="0" i="0" sz="4400" u="none" cap="none" strike="noStrike">
+              <a:defRPr sz="4400" b="0" i="0" u="none" strike="noStrike" cap="none">
                 <a:solidFill>
                   <a:schemeClr val="dk1"/>
                 </a:solidFill>
@@ -3544,7 +3643,7 @@
                 <a:sym typeface="Calibri"/>
               </a:defRPr>
             </a:lvl3pPr>
-            <a:lvl4pPr lvl="3" marR="0" rtl="0" algn="l">
+            <a:lvl4pPr marR="0" lvl="3" algn="l" rtl="0">
               <a:lnSpc>
                 <a:spcPct val="90000"/>
               </a:lnSpc>
@@ -3560,7 +3659,7 @@
               <a:buSzPts val="4000"/>
               <a:buFont typeface="Arial"/>
               <a:buNone/>
-              <a:defRPr b="0" i="0" sz="4400" u="none" cap="none" strike="noStrike">
+              <a:defRPr sz="4400" b="0" i="0" u="none" strike="noStrike" cap="none">
                 <a:solidFill>
                   <a:schemeClr val="dk1"/>
                 </a:solidFill>
@@ -3570,7 +3669,7 @@
                 <a:sym typeface="Calibri"/>
               </a:defRPr>
             </a:lvl4pPr>
-            <a:lvl5pPr lvl="4" marR="0" rtl="0" algn="l">
+            <a:lvl5pPr marR="0" lvl="4" algn="l" rtl="0">
               <a:lnSpc>
                 <a:spcPct val="90000"/>
               </a:lnSpc>
@@ -3586,7 +3685,7 @@
               <a:buSzPts val="4000"/>
               <a:buFont typeface="Arial"/>
               <a:buNone/>
-              <a:defRPr b="0" i="0" sz="4400" u="none" cap="none" strike="noStrike">
+              <a:defRPr sz="4400" b="0" i="0" u="none" strike="noStrike" cap="none">
                 <a:solidFill>
                   <a:schemeClr val="dk1"/>
                 </a:solidFill>
@@ -3596,7 +3695,7 @@
                 <a:sym typeface="Calibri"/>
               </a:defRPr>
             </a:lvl5pPr>
-            <a:lvl6pPr lvl="5" marR="0" rtl="0" algn="l">
+            <a:lvl6pPr marR="0" lvl="5" algn="l" rtl="0">
               <a:lnSpc>
                 <a:spcPct val="90000"/>
               </a:lnSpc>
@@ -3612,7 +3711,7 @@
               <a:buSzPts val="4000"/>
               <a:buFont typeface="Arial"/>
               <a:buNone/>
-              <a:defRPr b="0" i="0" sz="4400" u="none" cap="none" strike="noStrike">
+              <a:defRPr sz="4400" b="0" i="0" u="none" strike="noStrike" cap="none">
                 <a:solidFill>
                   <a:schemeClr val="dk1"/>
                 </a:solidFill>
@@ -3622,7 +3721,7 @@
                 <a:sym typeface="Calibri"/>
               </a:defRPr>
             </a:lvl6pPr>
-            <a:lvl7pPr lvl="6" marR="0" rtl="0" algn="l">
+            <a:lvl7pPr marR="0" lvl="6" algn="l" rtl="0">
               <a:lnSpc>
                 <a:spcPct val="90000"/>
               </a:lnSpc>
@@ -3638,7 +3737,7 @@
               <a:buSzPts val="4000"/>
               <a:buFont typeface="Arial"/>
               <a:buNone/>
-              <a:defRPr b="0" i="0" sz="4400" u="none" cap="none" strike="noStrike">
+              <a:defRPr sz="4400" b="0" i="0" u="none" strike="noStrike" cap="none">
                 <a:solidFill>
                   <a:schemeClr val="dk1"/>
                 </a:solidFill>
@@ -3648,7 +3747,7 @@
                 <a:sym typeface="Calibri"/>
               </a:defRPr>
             </a:lvl7pPr>
-            <a:lvl8pPr lvl="7" marR="0" rtl="0" algn="l">
+            <a:lvl8pPr marR="0" lvl="7" algn="l" rtl="0">
               <a:lnSpc>
                 <a:spcPct val="90000"/>
               </a:lnSpc>
@@ -3664,7 +3763,7 @@
               <a:buSzPts val="4000"/>
               <a:buFont typeface="Arial"/>
               <a:buNone/>
-              <a:defRPr b="0" i="0" sz="4400" u="none" cap="none" strike="noStrike">
+              <a:defRPr sz="4400" b="0" i="0" u="none" strike="noStrike" cap="none">
                 <a:solidFill>
                   <a:schemeClr val="dk1"/>
                 </a:solidFill>
@@ -3674,7 +3773,7 @@
                 <a:sym typeface="Calibri"/>
               </a:defRPr>
             </a:lvl8pPr>
-            <a:lvl9pPr lvl="8" marR="0" rtl="0" algn="l">
+            <a:lvl9pPr marR="0" lvl="8" algn="l" rtl="0">
               <a:lnSpc>
                 <a:spcPct val="90000"/>
               </a:lnSpc>
@@ -3690,7 +3789,7 @@
               <a:buSzPts val="4000"/>
               <a:buFont typeface="Arial"/>
               <a:buNone/>
-              <a:defRPr b="0" i="0" sz="4400" u="none" cap="none" strike="noStrike">
+              <a:defRPr sz="4400" b="0" i="0" u="none" strike="noStrike" cap="none">
                 <a:solidFill>
                   <a:schemeClr val="dk1"/>
                 </a:solidFill>
@@ -3701,15 +3800,19 @@
               </a:defRPr>
             </a:lvl9pPr>
           </a:lstStyle>
-          <a:p/>
+          <a:p>
+            <a:endParaRPr/>
+          </a:p>
         </p:txBody>
       </p:sp>
       <p:sp>
         <p:nvSpPr>
           <p:cNvPr id="28" name="Google Shape;28;p4"/>
-          <p:cNvSpPr txBox="1"/>
+          <p:cNvSpPr txBox="1">
+            <a:spLocks noGrp="1"/>
+          </p:cNvSpPr>
           <p:nvPr>
-            <p:ph idx="1" type="body"/>
+            <p:ph type="body" idx="1"/>
           </p:nvPr>
         </p:nvSpPr>
         <p:spPr>
@@ -3726,9 +3829,9 @@
           </a:ln>
         </p:spPr>
         <p:txBody>
-          <a:bodyPr anchorCtr="0" anchor="t" bIns="45700" lIns="91425" spcFirstLastPara="1" rIns="91425" wrap="square" tIns="45700"/>
+          <a:bodyPr spcFirstLastPara="1" wrap="square" lIns="91425" tIns="45700" rIns="91425" bIns="45700" anchor="t" anchorCtr="0"/>
           <a:lstStyle>
-            <a:lvl1pPr indent="-406400" lvl="0" marL="457200" marR="0" rtl="0" algn="l">
+            <a:lvl1pPr marL="457200" marR="0" lvl="0" indent="-406400" algn="l" rtl="0">
               <a:lnSpc>
                 <a:spcPct val="90000"/>
               </a:lnSpc>
@@ -3744,7 +3847,7 @@
               <a:buSzPts val="2800"/>
               <a:buFont typeface="Arial"/>
               <a:buChar char="•"/>
-              <a:defRPr b="0" i="0" sz="2800" u="none" cap="none" strike="noStrike">
+              <a:defRPr sz="2800" b="0" i="0" u="none" strike="noStrike" cap="none">
                 <a:solidFill>
                   <a:schemeClr val="dk1"/>
                 </a:solidFill>
@@ -3754,7 +3857,7 @@
                 <a:sym typeface="Calibri"/>
               </a:defRPr>
             </a:lvl1pPr>
-            <a:lvl2pPr indent="-381000" lvl="1" marL="914400" marR="0" rtl="0" algn="l">
+            <a:lvl2pPr marL="914400" marR="0" lvl="1" indent="-381000" algn="l" rtl="0">
               <a:lnSpc>
                 <a:spcPct val="90000"/>
               </a:lnSpc>
@@ -3770,7 +3873,7 @@
               <a:buSzPts val="2400"/>
               <a:buFont typeface="Arial"/>
               <a:buChar char="•"/>
-              <a:defRPr b="0" i="0" sz="2400" u="none" cap="none" strike="noStrike">
+              <a:defRPr sz="2400" b="0" i="0" u="none" strike="noStrike" cap="none">
                 <a:solidFill>
                   <a:schemeClr val="dk1"/>
                 </a:solidFill>
@@ -3780,7 +3883,7 @@
                 <a:sym typeface="Calibri"/>
               </a:defRPr>
             </a:lvl2pPr>
-            <a:lvl3pPr indent="-355600" lvl="2" marL="1371600" marR="0" rtl="0" algn="l">
+            <a:lvl3pPr marL="1371600" marR="0" lvl="2" indent="-355600" algn="l" rtl="0">
               <a:lnSpc>
                 <a:spcPct val="90000"/>
               </a:lnSpc>
@@ -3796,7 +3899,7 @@
               <a:buSzPts val="2000"/>
               <a:buFont typeface="Arial"/>
               <a:buChar char="•"/>
-              <a:defRPr b="0" i="0" sz="2000" u="none" cap="none" strike="noStrike">
+              <a:defRPr sz="2000" b="0" i="0" u="none" strike="noStrike" cap="none">
                 <a:solidFill>
                   <a:schemeClr val="dk1"/>
                 </a:solidFill>
@@ -3806,7 +3909,7 @@
                 <a:sym typeface="Calibri"/>
               </a:defRPr>
             </a:lvl3pPr>
-            <a:lvl4pPr indent="-342900" lvl="3" marL="1828800" marR="0" rtl="0" algn="l">
+            <a:lvl4pPr marL="1828800" marR="0" lvl="3" indent="-342900" algn="l" rtl="0">
               <a:lnSpc>
                 <a:spcPct val="90000"/>
               </a:lnSpc>
@@ -3822,7 +3925,7 @@
               <a:buSzPts val="1800"/>
               <a:buFont typeface="Arial"/>
               <a:buChar char="•"/>
-              <a:defRPr b="0" i="0" sz="1800" u="none" cap="none" strike="noStrike">
+              <a:defRPr sz="1800" b="0" i="0" u="none" strike="noStrike" cap="none">
                 <a:solidFill>
                   <a:schemeClr val="dk1"/>
                 </a:solidFill>
@@ -3832,7 +3935,7 @@
                 <a:sym typeface="Calibri"/>
               </a:defRPr>
             </a:lvl4pPr>
-            <a:lvl5pPr indent="-342900" lvl="4" marL="2286000" marR="0" rtl="0" algn="l">
+            <a:lvl5pPr marL="2286000" marR="0" lvl="4" indent="-342900" algn="l" rtl="0">
               <a:lnSpc>
                 <a:spcPct val="90000"/>
               </a:lnSpc>
@@ -3848,7 +3951,7 @@
               <a:buSzPts val="1800"/>
               <a:buFont typeface="Arial"/>
               <a:buChar char="•"/>
-              <a:defRPr b="0" i="0" sz="1800" u="none" cap="none" strike="noStrike">
+              <a:defRPr sz="1800" b="0" i="0" u="none" strike="noStrike" cap="none">
                 <a:solidFill>
                   <a:schemeClr val="dk1"/>
                 </a:solidFill>
@@ -3858,7 +3961,7 @@
                 <a:sym typeface="Calibri"/>
               </a:defRPr>
             </a:lvl5pPr>
-            <a:lvl6pPr indent="-342900" lvl="5" marL="2743200" marR="0" rtl="0" algn="l">
+            <a:lvl6pPr marL="2743200" marR="0" lvl="5" indent="-342900" algn="l" rtl="0">
               <a:lnSpc>
                 <a:spcPct val="90000"/>
               </a:lnSpc>
@@ -3874,7 +3977,7 @@
               <a:buSzPts val="1800"/>
               <a:buFont typeface="Arial"/>
               <a:buChar char="•"/>
-              <a:defRPr b="0" i="0" sz="1800" u="none" cap="none" strike="noStrike">
+              <a:defRPr sz="1800" b="0" i="0" u="none" strike="noStrike" cap="none">
                 <a:solidFill>
                   <a:schemeClr val="dk1"/>
                 </a:solidFill>
@@ -3884,7 +3987,7 @@
                 <a:sym typeface="Calibri"/>
               </a:defRPr>
             </a:lvl6pPr>
-            <a:lvl7pPr indent="-342900" lvl="6" marL="3200400" marR="0" rtl="0" algn="l">
+            <a:lvl7pPr marL="3200400" marR="0" lvl="6" indent="-342900" algn="l" rtl="0">
               <a:lnSpc>
                 <a:spcPct val="90000"/>
               </a:lnSpc>
@@ -3900,7 +4003,7 @@
               <a:buSzPts val="1800"/>
               <a:buFont typeface="Arial"/>
               <a:buChar char="•"/>
-              <a:defRPr b="0" i="0" sz="1800" u="none" cap="none" strike="noStrike">
+              <a:defRPr sz="1800" b="0" i="0" u="none" strike="noStrike" cap="none">
                 <a:solidFill>
                   <a:schemeClr val="dk1"/>
                 </a:solidFill>
@@ -3910,7 +4013,7 @@
                 <a:sym typeface="Calibri"/>
               </a:defRPr>
             </a:lvl7pPr>
-            <a:lvl8pPr indent="-342900" lvl="7" marL="3657600" marR="0" rtl="0" algn="l">
+            <a:lvl8pPr marL="3657600" marR="0" lvl="7" indent="-342900" algn="l" rtl="0">
               <a:lnSpc>
                 <a:spcPct val="90000"/>
               </a:lnSpc>
@@ -3926,7 +4029,7 @@
               <a:buSzPts val="1800"/>
               <a:buFont typeface="Arial"/>
               <a:buChar char="•"/>
-              <a:defRPr b="0" i="0" sz="1800" u="none" cap="none" strike="noStrike">
+              <a:defRPr sz="1800" b="0" i="0" u="none" strike="noStrike" cap="none">
                 <a:solidFill>
                   <a:schemeClr val="dk1"/>
                 </a:solidFill>
@@ -3936,7 +4039,7 @@
                 <a:sym typeface="Calibri"/>
               </a:defRPr>
             </a:lvl8pPr>
-            <a:lvl9pPr indent="-342900" lvl="8" marL="4114800" marR="0" rtl="0" algn="l">
+            <a:lvl9pPr marL="4114800" marR="0" lvl="8" indent="-342900" algn="l" rtl="0">
               <a:lnSpc>
                 <a:spcPct val="90000"/>
               </a:lnSpc>
@@ -3952,7 +4055,7 @@
               <a:buSzPts val="1800"/>
               <a:buFont typeface="Arial"/>
               <a:buChar char="•"/>
-              <a:defRPr b="0" i="0" sz="1800" u="none" cap="none" strike="noStrike">
+              <a:defRPr sz="1800" b="0" i="0" u="none" strike="noStrike" cap="none">
                 <a:solidFill>
                   <a:schemeClr val="dk1"/>
                 </a:solidFill>
@@ -3963,15 +4066,19 @@
               </a:defRPr>
             </a:lvl9pPr>
           </a:lstStyle>
-          <a:p/>
+          <a:p>
+            <a:endParaRPr/>
+          </a:p>
         </p:txBody>
       </p:sp>
       <p:sp>
         <p:nvSpPr>
           <p:cNvPr id="29" name="Google Shape;29;p4"/>
-          <p:cNvSpPr txBox="1"/>
+          <p:cNvSpPr txBox="1">
+            <a:spLocks noGrp="1"/>
+          </p:cNvSpPr>
           <p:nvPr>
-            <p:ph idx="10" type="dt"/>
+            <p:ph type="dt" idx="10"/>
           </p:nvPr>
         </p:nvSpPr>
         <p:spPr>
@@ -3988,9 +4095,9 @@
           </a:ln>
         </p:spPr>
         <p:txBody>
-          <a:bodyPr anchorCtr="0" anchor="ctr" bIns="45700" lIns="91425" spcFirstLastPara="1" rIns="91425" wrap="square" tIns="45700"/>
+          <a:bodyPr spcFirstLastPara="1" wrap="square" lIns="91425" tIns="45700" rIns="91425" bIns="45700" anchor="ctr" anchorCtr="0"/>
           <a:lstStyle>
-            <a:lvl1pPr lvl="0" marR="0" rtl="0" algn="l">
+            <a:lvl1pPr marR="0" lvl="0" algn="l" rtl="0">
               <a:lnSpc>
                 <a:spcPct val="100000"/>
               </a:lnSpc>
@@ -4002,7 +4109,7 @@
               </a:spcAft>
               <a:buSzPts val="1400"/>
               <a:buNone/>
-              <a:defRPr b="0" i="0" sz="2400" u="none">
+              <a:defRPr sz="2400" b="0" i="0" u="none">
                 <a:solidFill>
                   <a:schemeClr val="dk1"/>
                 </a:solidFill>
@@ -4012,7 +4119,7 @@
                 <a:sym typeface="Calibri"/>
               </a:defRPr>
             </a:lvl1pPr>
-            <a:lvl2pPr lvl="1" marR="0" rtl="0" algn="l">
+            <a:lvl2pPr marR="0" lvl="1" algn="l" rtl="0">
               <a:lnSpc>
                 <a:spcPct val="100000"/>
               </a:lnSpc>
@@ -4024,7 +4131,7 @@
               </a:spcAft>
               <a:buSzPts val="1400"/>
               <a:buNone/>
-              <a:defRPr b="0" i="0" sz="2400" u="none" cap="none" strike="noStrike">
+              <a:defRPr sz="2400" b="0" i="0" u="none" strike="noStrike" cap="none">
                 <a:solidFill>
                   <a:schemeClr val="dk1"/>
                 </a:solidFill>
@@ -4034,7 +4141,7 @@
                 <a:sym typeface="Calibri"/>
               </a:defRPr>
             </a:lvl2pPr>
-            <a:lvl3pPr lvl="2" marR="0" rtl="0" algn="l">
+            <a:lvl3pPr marR="0" lvl="2" algn="l" rtl="0">
               <a:lnSpc>
                 <a:spcPct val="100000"/>
               </a:lnSpc>
@@ -4046,7 +4153,7 @@
               </a:spcAft>
               <a:buSzPts val="1400"/>
               <a:buNone/>
-              <a:defRPr b="0" i="0" sz="2400" u="none" cap="none" strike="noStrike">
+              <a:defRPr sz="2400" b="0" i="0" u="none" strike="noStrike" cap="none">
                 <a:solidFill>
                   <a:schemeClr val="dk1"/>
                 </a:solidFill>
@@ -4056,7 +4163,7 @@
                 <a:sym typeface="Calibri"/>
               </a:defRPr>
             </a:lvl3pPr>
-            <a:lvl4pPr lvl="3" marR="0" rtl="0" algn="l">
+            <a:lvl4pPr marR="0" lvl="3" algn="l" rtl="0">
               <a:lnSpc>
                 <a:spcPct val="100000"/>
               </a:lnSpc>
@@ -4068,7 +4175,7 @@
               </a:spcAft>
               <a:buSzPts val="1400"/>
               <a:buNone/>
-              <a:defRPr b="0" i="0" sz="2400" u="none" cap="none" strike="noStrike">
+              <a:defRPr sz="2400" b="0" i="0" u="none" strike="noStrike" cap="none">
                 <a:solidFill>
                   <a:schemeClr val="dk1"/>
                 </a:solidFill>
@@ -4078,7 +4185,7 @@
                 <a:sym typeface="Calibri"/>
               </a:defRPr>
             </a:lvl4pPr>
-            <a:lvl5pPr lvl="4" marR="0" rtl="0" algn="l">
+            <a:lvl5pPr marR="0" lvl="4" algn="l" rtl="0">
               <a:lnSpc>
                 <a:spcPct val="100000"/>
               </a:lnSpc>
@@ -4090,7 +4197,7 @@
               </a:spcAft>
               <a:buSzPts val="1400"/>
               <a:buNone/>
-              <a:defRPr b="0" i="0" sz="2400" u="none" cap="none" strike="noStrike">
+              <a:defRPr sz="2400" b="0" i="0" u="none" strike="noStrike" cap="none">
                 <a:solidFill>
                   <a:schemeClr val="dk1"/>
                 </a:solidFill>
@@ -4100,7 +4207,7 @@
                 <a:sym typeface="Calibri"/>
               </a:defRPr>
             </a:lvl5pPr>
-            <a:lvl6pPr lvl="5" marR="0" rtl="0" algn="l">
+            <a:lvl6pPr marR="0" lvl="5" algn="l" rtl="0">
               <a:lnSpc>
                 <a:spcPct val="100000"/>
               </a:lnSpc>
@@ -4112,7 +4219,7 @@
               </a:spcAft>
               <a:buSzPts val="1400"/>
               <a:buNone/>
-              <a:defRPr b="0" i="0" sz="2400" u="none" cap="none" strike="noStrike">
+              <a:defRPr sz="2400" b="0" i="0" u="none" strike="noStrike" cap="none">
                 <a:solidFill>
                   <a:schemeClr val="dk1"/>
                 </a:solidFill>
@@ -4122,7 +4229,7 @@
                 <a:sym typeface="Calibri"/>
               </a:defRPr>
             </a:lvl6pPr>
-            <a:lvl7pPr lvl="6" marR="0" rtl="0" algn="l">
+            <a:lvl7pPr marR="0" lvl="6" algn="l" rtl="0">
               <a:lnSpc>
                 <a:spcPct val="100000"/>
               </a:lnSpc>
@@ -4134,7 +4241,7 @@
               </a:spcAft>
               <a:buSzPts val="1400"/>
               <a:buNone/>
-              <a:defRPr b="0" i="0" sz="2400" u="none" cap="none" strike="noStrike">
+              <a:defRPr sz="2400" b="0" i="0" u="none" strike="noStrike" cap="none">
                 <a:solidFill>
                   <a:schemeClr val="dk1"/>
                 </a:solidFill>
@@ -4144,7 +4251,7 @@
                 <a:sym typeface="Calibri"/>
               </a:defRPr>
             </a:lvl7pPr>
-            <a:lvl8pPr lvl="7" marR="0" rtl="0" algn="l">
+            <a:lvl8pPr marR="0" lvl="7" algn="l" rtl="0">
               <a:lnSpc>
                 <a:spcPct val="100000"/>
               </a:lnSpc>
@@ -4156,7 +4263,7 @@
               </a:spcAft>
               <a:buSzPts val="1400"/>
               <a:buNone/>
-              <a:defRPr b="0" i="0" sz="2400" u="none" cap="none" strike="noStrike">
+              <a:defRPr sz="2400" b="0" i="0" u="none" strike="noStrike" cap="none">
                 <a:solidFill>
                   <a:schemeClr val="dk1"/>
                 </a:solidFill>
@@ -4166,7 +4273,7 @@
                 <a:sym typeface="Calibri"/>
               </a:defRPr>
             </a:lvl8pPr>
-            <a:lvl9pPr lvl="8" marR="0" rtl="0" algn="l">
+            <a:lvl9pPr marR="0" lvl="8" algn="l" rtl="0">
               <a:lnSpc>
                 <a:spcPct val="100000"/>
               </a:lnSpc>
@@ -4178,7 +4285,7 @@
               </a:spcAft>
               <a:buSzPts val="1400"/>
               <a:buNone/>
-              <a:defRPr b="0" i="0" sz="2400" u="none" cap="none" strike="noStrike">
+              <a:defRPr sz="2400" b="0" i="0" u="none" strike="noStrike" cap="none">
                 <a:solidFill>
                   <a:schemeClr val="dk1"/>
                 </a:solidFill>
@@ -4189,15 +4296,19 @@
               </a:defRPr>
             </a:lvl9pPr>
           </a:lstStyle>
-          <a:p/>
+          <a:p>
+            <a:endParaRPr/>
+          </a:p>
         </p:txBody>
       </p:sp>
       <p:sp>
         <p:nvSpPr>
           <p:cNvPr id="30" name="Google Shape;30;p4"/>
-          <p:cNvSpPr txBox="1"/>
+          <p:cNvSpPr txBox="1">
+            <a:spLocks noGrp="1"/>
+          </p:cNvSpPr>
           <p:nvPr>
-            <p:ph idx="11" type="ftr"/>
+            <p:ph type="ftr" idx="11"/>
           </p:nvPr>
         </p:nvSpPr>
         <p:spPr>
@@ -4214,9 +4325,9 @@
           </a:ln>
         </p:spPr>
         <p:txBody>
-          <a:bodyPr anchorCtr="0" anchor="ctr" bIns="45700" lIns="91425" spcFirstLastPara="1" rIns="91425" wrap="square" tIns="45700"/>
+          <a:bodyPr spcFirstLastPara="1" wrap="square" lIns="91425" tIns="45700" rIns="91425" bIns="45700" anchor="ctr" anchorCtr="0"/>
           <a:lstStyle>
-            <a:lvl1pPr lvl="0" marR="0" rtl="0" algn="l">
+            <a:lvl1pPr marR="0" lvl="0" algn="l" rtl="0">
               <a:lnSpc>
                 <a:spcPct val="100000"/>
               </a:lnSpc>
@@ -4228,7 +4339,7 @@
               </a:spcAft>
               <a:buSzPts val="1400"/>
               <a:buNone/>
-              <a:defRPr b="0" i="0" sz="2400" u="none">
+              <a:defRPr sz="2400" b="0" i="0" u="none">
                 <a:solidFill>
                   <a:schemeClr val="dk1"/>
                 </a:solidFill>
@@ -4238,7 +4349,7 @@
                 <a:sym typeface="Calibri"/>
               </a:defRPr>
             </a:lvl1pPr>
-            <a:lvl2pPr lvl="1" marR="0" rtl="0" algn="l">
+            <a:lvl2pPr marR="0" lvl="1" algn="l" rtl="0">
               <a:lnSpc>
                 <a:spcPct val="100000"/>
               </a:lnSpc>
@@ -4250,7 +4361,7 @@
               </a:spcAft>
               <a:buSzPts val="1400"/>
               <a:buNone/>
-              <a:defRPr b="0" i="0" sz="2400" u="none" cap="none" strike="noStrike">
+              <a:defRPr sz="2400" b="0" i="0" u="none" strike="noStrike" cap="none">
                 <a:solidFill>
                   <a:schemeClr val="dk1"/>
                 </a:solidFill>
@@ -4260,7 +4371,7 @@
                 <a:sym typeface="Calibri"/>
               </a:defRPr>
             </a:lvl2pPr>
-            <a:lvl3pPr lvl="2" marR="0" rtl="0" algn="l">
+            <a:lvl3pPr marR="0" lvl="2" algn="l" rtl="0">
               <a:lnSpc>
                 <a:spcPct val="100000"/>
               </a:lnSpc>
@@ -4272,7 +4383,7 @@
               </a:spcAft>
               <a:buSzPts val="1400"/>
               <a:buNone/>
-              <a:defRPr b="0" i="0" sz="2400" u="none" cap="none" strike="noStrike">
+              <a:defRPr sz="2400" b="0" i="0" u="none" strike="noStrike" cap="none">
                 <a:solidFill>
                   <a:schemeClr val="dk1"/>
                 </a:solidFill>
@@ -4282,7 +4393,7 @@
                 <a:sym typeface="Calibri"/>
               </a:defRPr>
             </a:lvl3pPr>
-            <a:lvl4pPr lvl="3" marR="0" rtl="0" algn="l">
+            <a:lvl4pPr marR="0" lvl="3" algn="l" rtl="0">
               <a:lnSpc>
                 <a:spcPct val="100000"/>
               </a:lnSpc>
@@ -4294,7 +4405,7 @@
               </a:spcAft>
               <a:buSzPts val="1400"/>
               <a:buNone/>
-              <a:defRPr b="0" i="0" sz="2400" u="none" cap="none" strike="noStrike">
+              <a:defRPr sz="2400" b="0" i="0" u="none" strike="noStrike" cap="none">
                 <a:solidFill>
                   <a:schemeClr val="dk1"/>
                 </a:solidFill>
@@ -4304,7 +4415,7 @@
                 <a:sym typeface="Calibri"/>
               </a:defRPr>
             </a:lvl4pPr>
-            <a:lvl5pPr lvl="4" marR="0" rtl="0" algn="l">
+            <a:lvl5pPr marR="0" lvl="4" algn="l" rtl="0">
               <a:lnSpc>
                 <a:spcPct val="100000"/>
               </a:lnSpc>
@@ -4316,7 +4427,7 @@
               </a:spcAft>
               <a:buSzPts val="1400"/>
               <a:buNone/>
-              <a:defRPr b="0" i="0" sz="2400" u="none" cap="none" strike="noStrike">
+              <a:defRPr sz="2400" b="0" i="0" u="none" strike="noStrike" cap="none">
                 <a:solidFill>
                   <a:schemeClr val="dk1"/>
                 </a:solidFill>
@@ -4326,7 +4437,7 @@
                 <a:sym typeface="Calibri"/>
               </a:defRPr>
             </a:lvl5pPr>
-            <a:lvl6pPr lvl="5" marR="0" rtl="0" algn="l">
+            <a:lvl6pPr marR="0" lvl="5" algn="l" rtl="0">
               <a:lnSpc>
                 <a:spcPct val="100000"/>
               </a:lnSpc>
@@ -4338,7 +4449,7 @@
               </a:spcAft>
               <a:buSzPts val="1400"/>
               <a:buNone/>
-              <a:defRPr b="0" i="0" sz="2400" u="none" cap="none" strike="noStrike">
+              <a:defRPr sz="2400" b="0" i="0" u="none" strike="noStrike" cap="none">
                 <a:solidFill>
                   <a:schemeClr val="dk1"/>
                 </a:solidFill>
@@ -4348,7 +4459,7 @@
                 <a:sym typeface="Calibri"/>
               </a:defRPr>
             </a:lvl6pPr>
-            <a:lvl7pPr lvl="6" marR="0" rtl="0" algn="l">
+            <a:lvl7pPr marR="0" lvl="6" algn="l" rtl="0">
               <a:lnSpc>
                 <a:spcPct val="100000"/>
               </a:lnSpc>
@@ -4360,7 +4471,7 @@
               </a:spcAft>
               <a:buSzPts val="1400"/>
               <a:buNone/>
-              <a:defRPr b="0" i="0" sz="2400" u="none" cap="none" strike="noStrike">
+              <a:defRPr sz="2400" b="0" i="0" u="none" strike="noStrike" cap="none">
                 <a:solidFill>
                   <a:schemeClr val="dk1"/>
                 </a:solidFill>
@@ -4370,7 +4481,7 @@
                 <a:sym typeface="Calibri"/>
               </a:defRPr>
             </a:lvl7pPr>
-            <a:lvl8pPr lvl="7" marR="0" rtl="0" algn="l">
+            <a:lvl8pPr marR="0" lvl="7" algn="l" rtl="0">
               <a:lnSpc>
                 <a:spcPct val="100000"/>
               </a:lnSpc>
@@ -4382,7 +4493,7 @@
               </a:spcAft>
               <a:buSzPts val="1400"/>
               <a:buNone/>
-              <a:defRPr b="0" i="0" sz="2400" u="none" cap="none" strike="noStrike">
+              <a:defRPr sz="2400" b="0" i="0" u="none" strike="noStrike" cap="none">
                 <a:solidFill>
                   <a:schemeClr val="dk1"/>
                 </a:solidFill>
@@ -4392,7 +4503,7 @@
                 <a:sym typeface="Calibri"/>
               </a:defRPr>
             </a:lvl8pPr>
-            <a:lvl9pPr lvl="8" marR="0" rtl="0" algn="l">
+            <a:lvl9pPr marR="0" lvl="8" algn="l" rtl="0">
               <a:lnSpc>
                 <a:spcPct val="100000"/>
               </a:lnSpc>
@@ -4404,7 +4515,7 @@
               </a:spcAft>
               <a:buSzPts val="1400"/>
               <a:buNone/>
-              <a:defRPr b="0" i="0" sz="2400" u="none" cap="none" strike="noStrike">
+              <a:defRPr sz="2400" b="0" i="0" u="none" strike="noStrike" cap="none">
                 <a:solidFill>
                   <a:schemeClr val="dk1"/>
                 </a:solidFill>
@@ -4415,15 +4526,19 @@
               </a:defRPr>
             </a:lvl9pPr>
           </a:lstStyle>
-          <a:p/>
+          <a:p>
+            <a:endParaRPr/>
+          </a:p>
         </p:txBody>
       </p:sp>
       <p:sp>
         <p:nvSpPr>
           <p:cNvPr id="31" name="Google Shape;31;p4"/>
-          <p:cNvSpPr txBox="1"/>
+          <p:cNvSpPr txBox="1">
+            <a:spLocks noGrp="1"/>
+          </p:cNvSpPr>
           <p:nvPr>
-            <p:ph idx="12" type="sldNum"/>
+            <p:ph type="sldNum" idx="12"/>
           </p:nvPr>
         </p:nvSpPr>
         <p:spPr>
@@ -4440,11 +4555,11 @@
           </a:ln>
         </p:spPr>
         <p:txBody>
-          <a:bodyPr anchorCtr="0" anchor="ctr" bIns="45700" lIns="91425" spcFirstLastPara="1" rIns="91425" wrap="square" tIns="45700">
+          <a:bodyPr spcFirstLastPara="1" wrap="square" lIns="91425" tIns="45700" rIns="91425" bIns="45700" anchor="ctr" anchorCtr="0">
             <a:noAutofit/>
           </a:bodyPr>
           <a:lstStyle>
-            <a:lvl1pPr indent="0" lvl="0" marL="0" marR="0" rtl="0" algn="r">
+            <a:lvl1pPr marL="0" marR="0" lvl="0" indent="0" algn="r" rtl="0">
               <a:lnSpc>
                 <a:spcPct val="100000"/>
               </a:lnSpc>
@@ -4460,7 +4575,7 @@
               <a:buSzPts val="1200"/>
               <a:buFont typeface="Calibri"/>
               <a:buNone/>
-              <a:defRPr b="0" i="0" sz="1200" u="none">
+              <a:defRPr sz="1200" b="0" i="0" u="none">
                 <a:solidFill>
                   <a:srgbClr val="898989"/>
                 </a:solidFill>
@@ -4470,7 +4585,7 @@
                 <a:sym typeface="Calibri"/>
               </a:defRPr>
             </a:lvl1pPr>
-            <a:lvl2pPr indent="0" lvl="1" marL="0" marR="0" rtl="0" algn="r">
+            <a:lvl2pPr marL="0" marR="0" lvl="1" indent="0" algn="r" rtl="0">
               <a:lnSpc>
                 <a:spcPct val="100000"/>
               </a:lnSpc>
@@ -4486,7 +4601,7 @@
               <a:buSzPts val="1200"/>
               <a:buFont typeface="Calibri"/>
               <a:buNone/>
-              <a:defRPr b="0" i="0" sz="1200" u="none">
+              <a:defRPr sz="1200" b="0" i="0" u="none">
                 <a:solidFill>
                   <a:srgbClr val="898989"/>
                 </a:solidFill>
@@ -4496,7 +4611,7 @@
                 <a:sym typeface="Calibri"/>
               </a:defRPr>
             </a:lvl2pPr>
-            <a:lvl3pPr indent="0" lvl="2" marL="0" marR="0" rtl="0" algn="r">
+            <a:lvl3pPr marL="0" marR="0" lvl="2" indent="0" algn="r" rtl="0">
               <a:lnSpc>
                 <a:spcPct val="100000"/>
               </a:lnSpc>
@@ -4512,7 +4627,7 @@
               <a:buSzPts val="1200"/>
               <a:buFont typeface="Calibri"/>
               <a:buNone/>
-              <a:defRPr b="0" i="0" sz="1200" u="none">
+              <a:defRPr sz="1200" b="0" i="0" u="none">
                 <a:solidFill>
                   <a:srgbClr val="898989"/>
                 </a:solidFill>
@@ -4522,7 +4637,7 @@
                 <a:sym typeface="Calibri"/>
               </a:defRPr>
             </a:lvl3pPr>
-            <a:lvl4pPr indent="0" lvl="3" marL="0" marR="0" rtl="0" algn="r">
+            <a:lvl4pPr marL="0" marR="0" lvl="3" indent="0" algn="r" rtl="0">
               <a:lnSpc>
                 <a:spcPct val="100000"/>
               </a:lnSpc>
@@ -4538,7 +4653,7 @@
               <a:buSzPts val="1200"/>
               <a:buFont typeface="Calibri"/>
               <a:buNone/>
-              <a:defRPr b="0" i="0" sz="1200" u="none">
+              <a:defRPr sz="1200" b="0" i="0" u="none">
                 <a:solidFill>
                   <a:srgbClr val="898989"/>
                 </a:solidFill>
@@ -4548,7 +4663,7 @@
                 <a:sym typeface="Calibri"/>
               </a:defRPr>
             </a:lvl4pPr>
-            <a:lvl5pPr indent="0" lvl="4" marL="0" marR="0" rtl="0" algn="r">
+            <a:lvl5pPr marL="0" marR="0" lvl="4" indent="0" algn="r" rtl="0">
               <a:lnSpc>
                 <a:spcPct val="100000"/>
               </a:lnSpc>
@@ -4564,7 +4679,7 @@
               <a:buSzPts val="1200"/>
               <a:buFont typeface="Calibri"/>
               <a:buNone/>
-              <a:defRPr b="0" i="0" sz="1200" u="none">
+              <a:defRPr sz="1200" b="0" i="0" u="none">
                 <a:solidFill>
                   <a:srgbClr val="898989"/>
                 </a:solidFill>
@@ -4574,7 +4689,7 @@
                 <a:sym typeface="Calibri"/>
               </a:defRPr>
             </a:lvl5pPr>
-            <a:lvl6pPr indent="0" lvl="5" marL="0" marR="0" rtl="0" algn="r">
+            <a:lvl6pPr marL="0" marR="0" lvl="5" indent="0" algn="r" rtl="0">
               <a:lnSpc>
                 <a:spcPct val="100000"/>
               </a:lnSpc>
@@ -4590,7 +4705,7 @@
               <a:buSzPts val="1200"/>
               <a:buFont typeface="Calibri"/>
               <a:buNone/>
-              <a:defRPr b="0" i="0" sz="1200" u="none">
+              <a:defRPr sz="1200" b="0" i="0" u="none">
                 <a:solidFill>
                   <a:srgbClr val="898989"/>
                 </a:solidFill>
@@ -4600,7 +4715,7 @@
                 <a:sym typeface="Calibri"/>
               </a:defRPr>
             </a:lvl6pPr>
-            <a:lvl7pPr indent="0" lvl="6" marL="0" marR="0" rtl="0" algn="r">
+            <a:lvl7pPr marL="0" marR="0" lvl="6" indent="0" algn="r" rtl="0">
               <a:lnSpc>
                 <a:spcPct val="100000"/>
               </a:lnSpc>
@@ -4616,7 +4731,7 @@
               <a:buSzPts val="1200"/>
               <a:buFont typeface="Calibri"/>
               <a:buNone/>
-              <a:defRPr b="0" i="0" sz="1200" u="none">
+              <a:defRPr sz="1200" b="0" i="0" u="none">
                 <a:solidFill>
                   <a:srgbClr val="898989"/>
                 </a:solidFill>
@@ -4626,7 +4741,7 @@
                 <a:sym typeface="Calibri"/>
               </a:defRPr>
             </a:lvl7pPr>
-            <a:lvl8pPr indent="0" lvl="7" marL="0" marR="0" rtl="0" algn="r">
+            <a:lvl8pPr marL="0" marR="0" lvl="7" indent="0" algn="r" rtl="0">
               <a:lnSpc>
                 <a:spcPct val="100000"/>
               </a:lnSpc>
@@ -4642,7 +4757,7 @@
               <a:buSzPts val="1200"/>
               <a:buFont typeface="Calibri"/>
               <a:buNone/>
-              <a:defRPr b="0" i="0" sz="1200" u="none">
+              <a:defRPr sz="1200" b="0" i="0" u="none">
                 <a:solidFill>
                   <a:srgbClr val="898989"/>
                 </a:solidFill>
@@ -4652,7 +4767,7 @@
                 <a:sym typeface="Calibri"/>
               </a:defRPr>
             </a:lvl8pPr>
-            <a:lvl9pPr indent="0" lvl="8" marL="0" marR="0" rtl="0" algn="r">
+            <a:lvl9pPr marL="0" marR="0" lvl="8" indent="0" algn="r" rtl="0">
               <a:lnSpc>
                 <a:spcPct val="100000"/>
               </a:lnSpc>
@@ -4668,7 +4783,7 @@
               <a:buSzPts val="1200"/>
               <a:buFont typeface="Calibri"/>
               <a:buNone/>
-              <a:defRPr b="0" i="0" sz="1200" u="none">
+              <a:defRPr sz="1200" b="0" i="0" u="none">
                 <a:solidFill>
                   <a:srgbClr val="898989"/>
                 </a:solidFill>
@@ -4680,7 +4795,7 @@
             </a:lvl9pPr>
           </a:lstStyle>
           <a:p>
-            <a:pPr indent="0" lvl="0" marL="0" rtl="0" algn="r">
+            <a:pPr marL="0" lvl="0" indent="0" algn="r" rtl="0">
               <a:spcBef>
                 <a:spcPts val="0"/>
               </a:spcBef>
@@ -4706,18 +4821,19 @@
 </file>
 
 <file path=ppt/slideMasters/slideMaster1.xml><?xml version="1.0" encoding="utf-8"?>
-<p:sldMaster xmlns:a="http://schemas.openxmlformats.org/drawingml/2006/main" xmlns:r="http://schemas.openxmlformats.org/officeDocument/2006/relationships" xmlns:mc="http://schemas.openxmlformats.org/markup-compatibility/2006" xmlns:mv="urn:schemas-microsoft-com:mac:vml" xmlns:p="http://schemas.openxmlformats.org/presentationml/2006/main" xmlns:c="http://schemas.openxmlformats.org/drawingml/2006/chart" xmlns:dgm="http://schemas.openxmlformats.org/drawingml/2006/diagram" xmlns:o="urn:schemas-microsoft-com:office:office" xmlns:v="urn:schemas-microsoft-com:vml" xmlns:pvml="urn:schemas-microsoft-com:office:powerpoint" xmlns:com="http://schemas.openxmlformats.org/drawingml/2006/compatibility" xmlns:p14="http://schemas.microsoft.com/office/powerpoint/2010/main" xmlns:p15="http://schemas.microsoft.com/office/powerpoint/2012/main">
+<p:sldMaster xmlns:a="http://schemas.openxmlformats.org/drawingml/2006/main" xmlns:r="http://schemas.openxmlformats.org/officeDocument/2006/relationships" xmlns:p="http://schemas.openxmlformats.org/presentationml/2006/main">
   <p:cSld>
     <p:bg>
       <p:bgPr>
         <a:solidFill>
           <a:schemeClr val="lt1"/>
         </a:solidFill>
+        <a:effectLst/>
       </p:bgPr>
     </p:bg>
     <p:spTree>
       <p:nvGrpSpPr>
-        <p:cNvPr id="9" name="Shape 9"/>
+        <p:cNvPr id="1" name="Shape 9"/>
         <p:cNvGrpSpPr/>
         <p:nvPr/>
       </p:nvGrpSpPr>
@@ -4741,9 +4857,13 @@
             <a:ext cx="1441450" cy="1500187"/>
           </a:xfrm>
           <a:custGeom>
-            <a:rect b="b" l="l" r="r" t="t"/>
+            <a:avLst/>
+            <a:gdLst/>
+            <a:ahLst/>
+            <a:cxnLst/>
+            <a:rect l="l" t="t" r="r" b="b"/>
             <a:pathLst>
-              <a:path extrusionOk="0" h="44998" w="43265">
+              <a:path w="43265" h="44998" extrusionOk="0">
                 <a:moveTo>
                   <a:pt x="0" y="44998"/>
                 </a:moveTo>
@@ -4757,23 +4877,23 @@
             </a:pathLst>
           </a:custGeom>
           <a:noFill/>
-          <a:ln cap="flat" cmpd="sng" w="28575">
+          <a:ln w="28575" cap="flat" cmpd="sng">
             <a:solidFill>
               <a:srgbClr val="8BC34A"/>
             </a:solidFill>
             <a:prstDash val="solid"/>
             <a:miter lim="5243"/>
-            <a:headEnd len="sm" w="sm" type="none"/>
-            <a:tailEnd len="sm" w="sm" type="none"/>
+            <a:headEnd type="none" w="sm" len="sm"/>
+            <a:tailEnd type="none" w="sm" len="sm"/>
           </a:ln>
         </p:spPr>
         <p:txBody>
-          <a:bodyPr anchorCtr="0" anchor="t" bIns="45700" lIns="91425" spcFirstLastPara="1" rIns="91425" wrap="square" tIns="45700">
+          <a:bodyPr spcFirstLastPara="1" wrap="square" lIns="91425" tIns="45700" rIns="91425" bIns="45700" anchor="t" anchorCtr="0">
             <a:noAutofit/>
           </a:bodyPr>
           <a:lstStyle/>
           <a:p>
-            <a:pPr indent="0" lvl="0" marL="0" marR="0" rtl="0" algn="l">
+            <a:pPr marL="0" marR="0" lvl="0" indent="0" algn="l" rtl="0">
               <a:lnSpc>
                 <a:spcPct val="100000"/>
               </a:lnSpc>
@@ -4785,10 +4905,7 @@
               </a:spcAft>
               <a:buNone/>
             </a:pPr>
-            <a:r>
-              <a:t/>
-            </a:r>
-            <a:endParaRPr b="0" i="0" sz="2400" u="none">
+            <a:endParaRPr sz="2400" b="0" i="0" u="none">
               <a:solidFill>
                 <a:schemeClr val="dk1"/>
               </a:solidFill>
@@ -4812,9 +4929,13 @@
             <a:ext cx="1441450" cy="1500187"/>
           </a:xfrm>
           <a:custGeom>
-            <a:rect b="b" l="l" r="r" t="t"/>
+            <a:avLst/>
+            <a:gdLst/>
+            <a:ahLst/>
+            <a:cxnLst/>
+            <a:rect l="l" t="t" r="r" b="b"/>
             <a:pathLst>
-              <a:path extrusionOk="0" h="44998" w="43265">
+              <a:path w="43265" h="44998" extrusionOk="0">
                 <a:moveTo>
                   <a:pt x="0" y="44998"/>
                 </a:moveTo>
@@ -4828,23 +4949,23 @@
             </a:pathLst>
           </a:custGeom>
           <a:noFill/>
-          <a:ln cap="flat" cmpd="sng" w="28575">
+          <a:ln w="28575" cap="flat" cmpd="sng">
             <a:solidFill>
               <a:srgbClr val="8BC34A"/>
             </a:solidFill>
             <a:prstDash val="solid"/>
             <a:miter lim="5243"/>
-            <a:headEnd len="sm" w="sm" type="none"/>
-            <a:tailEnd len="sm" w="sm" type="none"/>
+            <a:headEnd type="none" w="sm" len="sm"/>
+            <a:tailEnd type="none" w="sm" len="sm"/>
           </a:ln>
         </p:spPr>
         <p:txBody>
-          <a:bodyPr anchorCtr="0" anchor="t" bIns="45700" lIns="91425" spcFirstLastPara="1" rIns="91425" wrap="square" tIns="45700">
+          <a:bodyPr spcFirstLastPara="1" wrap="square" lIns="91425" tIns="45700" rIns="91425" bIns="45700" anchor="t" anchorCtr="0">
             <a:noAutofit/>
           </a:bodyPr>
           <a:lstStyle/>
           <a:p>
-            <a:pPr indent="0" lvl="0" marL="0" marR="0" rtl="0" algn="l">
+            <a:pPr marL="0" marR="0" lvl="0" indent="0" algn="l" rtl="0">
               <a:lnSpc>
                 <a:spcPct val="100000"/>
               </a:lnSpc>
@@ -4856,10 +4977,7 @@
               </a:spcAft>
               <a:buNone/>
             </a:pPr>
-            <a:r>
-              <a:t/>
-            </a:r>
-            <a:endParaRPr b="0" i="0" sz="2400" u="none">
+            <a:endParaRPr sz="2400" b="0" i="0" u="none">
               <a:solidFill>
                 <a:schemeClr val="dk1"/>
               </a:solidFill>
@@ -4886,21 +5004,23 @@
             <a:avLst/>
           </a:prstGeom>
           <a:noFill/>
-          <a:ln cap="flat" cmpd="sng" w="38100">
+          <a:ln w="38100" cap="flat" cmpd="sng">
             <a:solidFill>
               <a:srgbClr val="039BE5"/>
             </a:solidFill>
             <a:prstDash val="solid"/>
             <a:miter lim="800000"/>
-            <a:headEnd len="med" w="med" type="none"/>
-            <a:tailEnd len="med" w="med" type="none"/>
+            <a:headEnd type="none" w="med" len="med"/>
+            <a:tailEnd type="none" w="med" len="med"/>
           </a:ln>
         </p:spPr>
       </p:cxnSp>
       <p:sp>
         <p:nvSpPr>
           <p:cNvPr id="13" name="Google Shape;13;p1"/>
-          <p:cNvSpPr txBox="1"/>
+          <p:cNvSpPr txBox="1">
+            <a:spLocks noGrp="1"/>
+          </p:cNvSpPr>
           <p:nvPr>
             <p:ph type="title"/>
           </p:nvPr>
@@ -4919,9 +5039,9 @@
           </a:ln>
         </p:spPr>
         <p:txBody>
-          <a:bodyPr anchorCtr="0" anchor="b" bIns="121900" lIns="121900" spcFirstLastPara="1" rIns="121900" wrap="square" tIns="121900"/>
+          <a:bodyPr spcFirstLastPara="1" wrap="square" lIns="121900" tIns="121900" rIns="121900" bIns="121900" anchor="b" anchorCtr="0"/>
           <a:lstStyle>
-            <a:lvl1pPr lvl="0" marR="0" rtl="0" algn="l">
+            <a:lvl1pPr marR="0" lvl="0" algn="l" rtl="0">
               <a:lnSpc>
                 <a:spcPct val="100000"/>
               </a:lnSpc>
@@ -4933,7 +5053,7 @@
               </a:spcAft>
               <a:buSzPts val="1400"/>
               <a:buNone/>
-              <a:defRPr b="0" i="0" sz="1400" u="none" cap="none" strike="noStrike">
+              <a:defRPr sz="1400" b="0" i="0" u="none" strike="noStrike" cap="none">
                 <a:solidFill>
                   <a:srgbClr val="000000"/>
                 </a:solidFill>
@@ -4943,7 +5063,7 @@
                 <a:sym typeface="Arial"/>
               </a:defRPr>
             </a:lvl1pPr>
-            <a:lvl2pPr lvl="1" marR="0" rtl="0" algn="l">
+            <a:lvl2pPr marR="0" lvl="1" algn="l" rtl="0">
               <a:lnSpc>
                 <a:spcPct val="100000"/>
               </a:lnSpc>
@@ -4955,7 +5075,7 @@
               </a:spcAft>
               <a:buSzPts val="1400"/>
               <a:buNone/>
-              <a:defRPr b="0" i="0" sz="1400" u="none" cap="none" strike="noStrike">
+              <a:defRPr sz="1400" b="0" i="0" u="none" strike="noStrike" cap="none">
                 <a:solidFill>
                   <a:srgbClr val="000000"/>
                 </a:solidFill>
@@ -4965,7 +5085,7 @@
                 <a:sym typeface="Arial"/>
               </a:defRPr>
             </a:lvl2pPr>
-            <a:lvl3pPr lvl="2" marR="0" rtl="0" algn="l">
+            <a:lvl3pPr marR="0" lvl="2" algn="l" rtl="0">
               <a:lnSpc>
                 <a:spcPct val="100000"/>
               </a:lnSpc>
@@ -4977,7 +5097,7 @@
               </a:spcAft>
               <a:buSzPts val="1400"/>
               <a:buNone/>
-              <a:defRPr b="0" i="0" sz="1400" u="none" cap="none" strike="noStrike">
+              <a:defRPr sz="1400" b="0" i="0" u="none" strike="noStrike" cap="none">
                 <a:solidFill>
                   <a:srgbClr val="000000"/>
                 </a:solidFill>
@@ -4987,7 +5107,7 @@
                 <a:sym typeface="Arial"/>
               </a:defRPr>
             </a:lvl3pPr>
-            <a:lvl4pPr lvl="3" marR="0" rtl="0" algn="l">
+            <a:lvl4pPr marR="0" lvl="3" algn="l" rtl="0">
               <a:lnSpc>
                 <a:spcPct val="100000"/>
               </a:lnSpc>
@@ -4999,7 +5119,7 @@
               </a:spcAft>
               <a:buSzPts val="1400"/>
               <a:buNone/>
-              <a:defRPr b="0" i="0" sz="1400" u="none" cap="none" strike="noStrike">
+              <a:defRPr sz="1400" b="0" i="0" u="none" strike="noStrike" cap="none">
                 <a:solidFill>
                   <a:srgbClr val="000000"/>
                 </a:solidFill>
@@ -5009,7 +5129,7 @@
                 <a:sym typeface="Arial"/>
               </a:defRPr>
             </a:lvl4pPr>
-            <a:lvl5pPr lvl="4" marR="0" rtl="0" algn="l">
+            <a:lvl5pPr marR="0" lvl="4" algn="l" rtl="0">
               <a:lnSpc>
                 <a:spcPct val="100000"/>
               </a:lnSpc>
@@ -5021,7 +5141,7 @@
               </a:spcAft>
               <a:buSzPts val="1400"/>
               <a:buNone/>
-              <a:defRPr b="0" i="0" sz="1400" u="none" cap="none" strike="noStrike">
+              <a:defRPr sz="1400" b="0" i="0" u="none" strike="noStrike" cap="none">
                 <a:solidFill>
                   <a:srgbClr val="000000"/>
                 </a:solidFill>
@@ -5031,7 +5151,7 @@
                 <a:sym typeface="Arial"/>
               </a:defRPr>
             </a:lvl5pPr>
-            <a:lvl6pPr lvl="5" marR="0" rtl="0" algn="l">
+            <a:lvl6pPr marR="0" lvl="5" algn="l" rtl="0">
               <a:lnSpc>
                 <a:spcPct val="100000"/>
               </a:lnSpc>
@@ -5043,7 +5163,7 @@
               </a:spcAft>
               <a:buSzPts val="1400"/>
               <a:buNone/>
-              <a:defRPr b="0" i="0" sz="1400" u="none" cap="none" strike="noStrike">
+              <a:defRPr sz="1400" b="0" i="0" u="none" strike="noStrike" cap="none">
                 <a:solidFill>
                   <a:srgbClr val="000000"/>
                 </a:solidFill>
@@ -5053,7 +5173,7 @@
                 <a:sym typeface="Arial"/>
               </a:defRPr>
             </a:lvl6pPr>
-            <a:lvl7pPr lvl="6" marR="0" rtl="0" algn="l">
+            <a:lvl7pPr marR="0" lvl="6" algn="l" rtl="0">
               <a:lnSpc>
                 <a:spcPct val="100000"/>
               </a:lnSpc>
@@ -5065,7 +5185,7 @@
               </a:spcAft>
               <a:buSzPts val="1400"/>
               <a:buNone/>
-              <a:defRPr b="0" i="0" sz="1400" u="none" cap="none" strike="noStrike">
+              <a:defRPr sz="1400" b="0" i="0" u="none" strike="noStrike" cap="none">
                 <a:solidFill>
                   <a:srgbClr val="000000"/>
                 </a:solidFill>
@@ -5075,7 +5195,7 @@
                 <a:sym typeface="Arial"/>
               </a:defRPr>
             </a:lvl7pPr>
-            <a:lvl8pPr lvl="7" marR="0" rtl="0" algn="l">
+            <a:lvl8pPr marR="0" lvl="7" algn="l" rtl="0">
               <a:lnSpc>
                 <a:spcPct val="100000"/>
               </a:lnSpc>
@@ -5087,7 +5207,7 @@
               </a:spcAft>
               <a:buSzPts val="1400"/>
               <a:buNone/>
-              <a:defRPr b="0" i="0" sz="1400" u="none" cap="none" strike="noStrike">
+              <a:defRPr sz="1400" b="0" i="0" u="none" strike="noStrike" cap="none">
                 <a:solidFill>
                   <a:srgbClr val="000000"/>
                 </a:solidFill>
@@ -5097,7 +5217,7 @@
                 <a:sym typeface="Arial"/>
               </a:defRPr>
             </a:lvl8pPr>
-            <a:lvl9pPr lvl="8" marR="0" rtl="0" algn="l">
+            <a:lvl9pPr marR="0" lvl="8" algn="l" rtl="0">
               <a:lnSpc>
                 <a:spcPct val="100000"/>
               </a:lnSpc>
@@ -5109,7 +5229,7 @@
               </a:spcAft>
               <a:buSzPts val="1400"/>
               <a:buNone/>
-              <a:defRPr b="0" i="0" sz="1400" u="none" cap="none" strike="noStrike">
+              <a:defRPr sz="1400" b="0" i="0" u="none" strike="noStrike" cap="none">
                 <a:solidFill>
                   <a:srgbClr val="000000"/>
                 </a:solidFill>
@@ -5120,15 +5240,19 @@
               </a:defRPr>
             </a:lvl9pPr>
           </a:lstStyle>
-          <a:p/>
+          <a:p>
+            <a:endParaRPr/>
+          </a:p>
         </p:txBody>
       </p:sp>
       <p:sp>
         <p:nvSpPr>
           <p:cNvPr id="14" name="Google Shape;14;p1"/>
-          <p:cNvSpPr txBox="1"/>
+          <p:cNvSpPr txBox="1">
+            <a:spLocks noGrp="1"/>
+          </p:cNvSpPr>
           <p:nvPr>
-            <p:ph idx="1" type="body"/>
+            <p:ph type="body" idx="1"/>
           </p:nvPr>
         </p:nvSpPr>
         <p:spPr>
@@ -5145,9 +5269,9 @@
           </a:ln>
         </p:spPr>
         <p:txBody>
-          <a:bodyPr anchorCtr="0" anchor="t" bIns="121900" lIns="121900" spcFirstLastPara="1" rIns="121900" wrap="square" tIns="121900"/>
+          <a:bodyPr spcFirstLastPara="1" wrap="square" lIns="121900" tIns="121900" rIns="121900" bIns="121900" anchor="t" anchorCtr="0"/>
           <a:lstStyle>
-            <a:lvl1pPr indent="-228600" lvl="0" marL="457200" marR="0" rtl="0" algn="l">
+            <a:lvl1pPr marL="457200" marR="0" lvl="0" indent="-228600" algn="l" rtl="0">
               <a:lnSpc>
                 <a:spcPct val="100000"/>
               </a:lnSpc>
@@ -5159,7 +5283,7 @@
               </a:spcAft>
               <a:buSzPts val="1400"/>
               <a:buNone/>
-              <a:defRPr b="0" i="0" sz="1400" u="none" cap="none" strike="noStrike">
+              <a:defRPr sz="1400" b="0" i="0" u="none" strike="noStrike" cap="none">
                 <a:solidFill>
                   <a:srgbClr val="000000"/>
                 </a:solidFill>
@@ -5169,7 +5293,7 @@
                 <a:sym typeface="Arial"/>
               </a:defRPr>
             </a:lvl1pPr>
-            <a:lvl2pPr indent="-228600" lvl="1" marL="914400" marR="0" rtl="0" algn="l">
+            <a:lvl2pPr marL="914400" marR="0" lvl="1" indent="-228600" algn="l" rtl="0">
               <a:lnSpc>
                 <a:spcPct val="100000"/>
               </a:lnSpc>
@@ -5181,7 +5305,7 @@
               </a:spcAft>
               <a:buSzPts val="1400"/>
               <a:buNone/>
-              <a:defRPr b="0" i="0" sz="1400" u="none" cap="none" strike="noStrike">
+              <a:defRPr sz="1400" b="0" i="0" u="none" strike="noStrike" cap="none">
                 <a:solidFill>
                   <a:srgbClr val="000000"/>
                 </a:solidFill>
@@ -5191,7 +5315,7 @@
                 <a:sym typeface="Arial"/>
               </a:defRPr>
             </a:lvl2pPr>
-            <a:lvl3pPr indent="-228600" lvl="2" marL="1371600" marR="0" rtl="0" algn="l">
+            <a:lvl3pPr marL="1371600" marR="0" lvl="2" indent="-228600" algn="l" rtl="0">
               <a:lnSpc>
                 <a:spcPct val="100000"/>
               </a:lnSpc>
@@ -5203,7 +5327,7 @@
               </a:spcAft>
               <a:buSzPts val="1400"/>
               <a:buNone/>
-              <a:defRPr b="0" i="0" sz="1400" u="none" cap="none" strike="noStrike">
+              <a:defRPr sz="1400" b="0" i="0" u="none" strike="noStrike" cap="none">
                 <a:solidFill>
                   <a:srgbClr val="000000"/>
                 </a:solidFill>
@@ -5213,7 +5337,7 @@
                 <a:sym typeface="Arial"/>
               </a:defRPr>
             </a:lvl3pPr>
-            <a:lvl4pPr indent="-228600" lvl="3" marL="1828800" marR="0" rtl="0" algn="l">
+            <a:lvl4pPr marL="1828800" marR="0" lvl="3" indent="-228600" algn="l" rtl="0">
               <a:lnSpc>
                 <a:spcPct val="100000"/>
               </a:lnSpc>
@@ -5225,7 +5349,7 @@
               </a:spcAft>
               <a:buSzPts val="1400"/>
               <a:buNone/>
-              <a:defRPr b="0" i="0" sz="1400" u="none" cap="none" strike="noStrike">
+              <a:defRPr sz="1400" b="0" i="0" u="none" strike="noStrike" cap="none">
                 <a:solidFill>
                   <a:srgbClr val="000000"/>
                 </a:solidFill>
@@ -5235,7 +5359,7 @@
                 <a:sym typeface="Arial"/>
               </a:defRPr>
             </a:lvl4pPr>
-            <a:lvl5pPr indent="-228600" lvl="4" marL="2286000" marR="0" rtl="0" algn="l">
+            <a:lvl5pPr marL="2286000" marR="0" lvl="4" indent="-228600" algn="l" rtl="0">
               <a:lnSpc>
                 <a:spcPct val="100000"/>
               </a:lnSpc>
@@ -5247,7 +5371,7 @@
               </a:spcAft>
               <a:buSzPts val="1400"/>
               <a:buNone/>
-              <a:defRPr b="0" i="0" sz="1400" u="none" cap="none" strike="noStrike">
+              <a:defRPr sz="1400" b="0" i="0" u="none" strike="noStrike" cap="none">
                 <a:solidFill>
                   <a:srgbClr val="000000"/>
                 </a:solidFill>
@@ -5257,7 +5381,7 @@
                 <a:sym typeface="Arial"/>
               </a:defRPr>
             </a:lvl5pPr>
-            <a:lvl6pPr indent="-228600" lvl="5" marL="2743200" marR="0" rtl="0" algn="l">
+            <a:lvl6pPr marL="2743200" marR="0" lvl="5" indent="-228600" algn="l" rtl="0">
               <a:lnSpc>
                 <a:spcPct val="100000"/>
               </a:lnSpc>
@@ -5269,7 +5393,7 @@
               </a:spcAft>
               <a:buSzPts val="1400"/>
               <a:buNone/>
-              <a:defRPr b="0" i="0" sz="1400" u="none" cap="none" strike="noStrike">
+              <a:defRPr sz="1400" b="0" i="0" u="none" strike="noStrike" cap="none">
                 <a:solidFill>
                   <a:srgbClr val="000000"/>
                 </a:solidFill>
@@ -5279,7 +5403,7 @@
                 <a:sym typeface="Arial"/>
               </a:defRPr>
             </a:lvl6pPr>
-            <a:lvl7pPr indent="-228600" lvl="6" marL="3200400" marR="0" rtl="0" algn="l">
+            <a:lvl7pPr marL="3200400" marR="0" lvl="6" indent="-228600" algn="l" rtl="0">
               <a:lnSpc>
                 <a:spcPct val="100000"/>
               </a:lnSpc>
@@ -5291,7 +5415,7 @@
               </a:spcAft>
               <a:buSzPts val="1400"/>
               <a:buNone/>
-              <a:defRPr b="0" i="0" sz="1400" u="none" cap="none" strike="noStrike">
+              <a:defRPr sz="1400" b="0" i="0" u="none" strike="noStrike" cap="none">
                 <a:solidFill>
                   <a:srgbClr val="000000"/>
                 </a:solidFill>
@@ -5301,7 +5425,7 @@
                 <a:sym typeface="Arial"/>
               </a:defRPr>
             </a:lvl7pPr>
-            <a:lvl8pPr indent="-228600" lvl="7" marL="3657600" marR="0" rtl="0" algn="l">
+            <a:lvl8pPr marL="3657600" marR="0" lvl="7" indent="-228600" algn="l" rtl="0">
               <a:lnSpc>
                 <a:spcPct val="100000"/>
               </a:lnSpc>
@@ -5313,7 +5437,7 @@
               </a:spcAft>
               <a:buSzPts val="1400"/>
               <a:buNone/>
-              <a:defRPr b="0" i="0" sz="1400" u="none" cap="none" strike="noStrike">
+              <a:defRPr sz="1400" b="0" i="0" u="none" strike="noStrike" cap="none">
                 <a:solidFill>
                   <a:srgbClr val="000000"/>
                 </a:solidFill>
@@ -5323,7 +5447,7 @@
                 <a:sym typeface="Arial"/>
               </a:defRPr>
             </a:lvl8pPr>
-            <a:lvl9pPr indent="-228600" lvl="8" marL="4114800" marR="0" rtl="0" algn="l">
+            <a:lvl9pPr marL="4114800" marR="0" lvl="8" indent="-228600" algn="l" rtl="0">
               <a:lnSpc>
                 <a:spcPct val="100000"/>
               </a:lnSpc>
@@ -5335,7 +5459,7 @@
               </a:spcAft>
               <a:buSzPts val="1400"/>
               <a:buNone/>
-              <a:defRPr b="0" i="0" sz="1400" u="none" cap="none" strike="noStrike">
+              <a:defRPr sz="1400" b="0" i="0" u="none" strike="noStrike" cap="none">
                 <a:solidFill>
                   <a:srgbClr val="000000"/>
                 </a:solidFill>
@@ -5346,15 +5470,19 @@
               </a:defRPr>
             </a:lvl9pPr>
           </a:lstStyle>
-          <a:p/>
+          <a:p>
+            <a:endParaRPr/>
+          </a:p>
         </p:txBody>
       </p:sp>
       <p:sp>
         <p:nvSpPr>
           <p:cNvPr id="15" name="Google Shape;15;p1"/>
-          <p:cNvSpPr txBox="1"/>
+          <p:cNvSpPr txBox="1">
+            <a:spLocks noGrp="1"/>
+          </p:cNvSpPr>
           <p:nvPr>
-            <p:ph idx="12" type="sldNum"/>
+            <p:ph type="sldNum" idx="12"/>
           </p:nvPr>
         </p:nvSpPr>
         <p:spPr>
@@ -5371,11 +5499,11 @@
           </a:ln>
         </p:spPr>
         <p:txBody>
-          <a:bodyPr anchorCtr="0" anchor="ctr" bIns="121900" lIns="121900" spcFirstLastPara="1" rIns="121900" wrap="square" tIns="121900">
+          <a:bodyPr spcFirstLastPara="1" wrap="square" lIns="121900" tIns="121900" rIns="121900" bIns="121900" anchor="ctr" anchorCtr="0">
             <a:noAutofit/>
           </a:bodyPr>
           <a:lstStyle>
-            <a:lvl1pPr indent="0" lvl="0" marL="0" marR="0" rtl="0" algn="r">
+            <a:lvl1pPr marL="0" marR="0" lvl="0" indent="0" algn="r" rtl="0">
               <a:lnSpc>
                 <a:spcPct val="100000"/>
               </a:lnSpc>
@@ -5391,7 +5519,7 @@
               <a:buSzPts val="1300"/>
               <a:buFont typeface="Roboto"/>
               <a:buNone/>
-              <a:defRPr b="0" i="0" sz="1300" u="none">
+              <a:defRPr sz="1300" b="0" i="0" u="none">
                 <a:solidFill>
                   <a:srgbClr val="FFFFFF"/>
                 </a:solidFill>
@@ -5401,7 +5529,7 @@
                 <a:sym typeface="Roboto"/>
               </a:defRPr>
             </a:lvl1pPr>
-            <a:lvl2pPr indent="0" lvl="1" marL="0" marR="0" rtl="0" algn="r">
+            <a:lvl2pPr marL="0" marR="0" lvl="1" indent="0" algn="r" rtl="0">
               <a:lnSpc>
                 <a:spcPct val="100000"/>
               </a:lnSpc>
@@ -5417,7 +5545,7 @@
               <a:buSzPts val="1300"/>
               <a:buFont typeface="Roboto"/>
               <a:buNone/>
-              <a:defRPr b="0" i="0" sz="1300" u="none">
+              <a:defRPr sz="1300" b="0" i="0" u="none">
                 <a:solidFill>
                   <a:srgbClr val="FFFFFF"/>
                 </a:solidFill>
@@ -5427,7 +5555,7 @@
                 <a:sym typeface="Roboto"/>
               </a:defRPr>
             </a:lvl2pPr>
-            <a:lvl3pPr indent="0" lvl="2" marL="0" marR="0" rtl="0" algn="r">
+            <a:lvl3pPr marL="0" marR="0" lvl="2" indent="0" algn="r" rtl="0">
               <a:lnSpc>
                 <a:spcPct val="100000"/>
               </a:lnSpc>
@@ -5443,7 +5571,7 @@
               <a:buSzPts val="1300"/>
               <a:buFont typeface="Roboto"/>
               <a:buNone/>
-              <a:defRPr b="0" i="0" sz="1300" u="none">
+              <a:defRPr sz="1300" b="0" i="0" u="none">
                 <a:solidFill>
                   <a:srgbClr val="FFFFFF"/>
                 </a:solidFill>
@@ -5453,7 +5581,7 @@
                 <a:sym typeface="Roboto"/>
               </a:defRPr>
             </a:lvl3pPr>
-            <a:lvl4pPr indent="0" lvl="3" marL="0" marR="0" rtl="0" algn="r">
+            <a:lvl4pPr marL="0" marR="0" lvl="3" indent="0" algn="r" rtl="0">
               <a:lnSpc>
                 <a:spcPct val="100000"/>
               </a:lnSpc>
@@ -5469,7 +5597,7 @@
               <a:buSzPts val="1300"/>
               <a:buFont typeface="Roboto"/>
               <a:buNone/>
-              <a:defRPr b="0" i="0" sz="1300" u="none">
+              <a:defRPr sz="1300" b="0" i="0" u="none">
                 <a:solidFill>
                   <a:srgbClr val="FFFFFF"/>
                 </a:solidFill>
@@ -5479,7 +5607,7 @@
                 <a:sym typeface="Roboto"/>
               </a:defRPr>
             </a:lvl4pPr>
-            <a:lvl5pPr indent="0" lvl="4" marL="0" marR="0" rtl="0" algn="r">
+            <a:lvl5pPr marL="0" marR="0" lvl="4" indent="0" algn="r" rtl="0">
               <a:lnSpc>
                 <a:spcPct val="100000"/>
               </a:lnSpc>
@@ -5495,7 +5623,7 @@
               <a:buSzPts val="1300"/>
               <a:buFont typeface="Roboto"/>
               <a:buNone/>
-              <a:defRPr b="0" i="0" sz="1300" u="none">
+              <a:defRPr sz="1300" b="0" i="0" u="none">
                 <a:solidFill>
                   <a:srgbClr val="FFFFFF"/>
                 </a:solidFill>
@@ -5505,7 +5633,7 @@
                 <a:sym typeface="Roboto"/>
               </a:defRPr>
             </a:lvl5pPr>
-            <a:lvl6pPr indent="0" lvl="5" marL="0" marR="0" rtl="0" algn="r">
+            <a:lvl6pPr marL="0" marR="0" lvl="5" indent="0" algn="r" rtl="0">
               <a:lnSpc>
                 <a:spcPct val="100000"/>
               </a:lnSpc>
@@ -5521,7 +5649,7 @@
               <a:buSzPts val="1300"/>
               <a:buFont typeface="Roboto"/>
               <a:buNone/>
-              <a:defRPr b="0" i="0" sz="1300" u="none">
+              <a:defRPr sz="1300" b="0" i="0" u="none">
                 <a:solidFill>
                   <a:srgbClr val="FFFFFF"/>
                 </a:solidFill>
@@ -5531,7 +5659,7 @@
                 <a:sym typeface="Roboto"/>
               </a:defRPr>
             </a:lvl6pPr>
-            <a:lvl7pPr indent="0" lvl="6" marL="0" marR="0" rtl="0" algn="r">
+            <a:lvl7pPr marL="0" marR="0" lvl="6" indent="0" algn="r" rtl="0">
               <a:lnSpc>
                 <a:spcPct val="100000"/>
               </a:lnSpc>
@@ -5547,7 +5675,7 @@
               <a:buSzPts val="1300"/>
               <a:buFont typeface="Roboto"/>
               <a:buNone/>
-              <a:defRPr b="0" i="0" sz="1300" u="none">
+              <a:defRPr sz="1300" b="0" i="0" u="none">
                 <a:solidFill>
                   <a:srgbClr val="FFFFFF"/>
                 </a:solidFill>
@@ -5557,7 +5685,7 @@
                 <a:sym typeface="Roboto"/>
               </a:defRPr>
             </a:lvl7pPr>
-            <a:lvl8pPr indent="0" lvl="7" marL="0" marR="0" rtl="0" algn="r">
+            <a:lvl8pPr marL="0" marR="0" lvl="7" indent="0" algn="r" rtl="0">
               <a:lnSpc>
                 <a:spcPct val="100000"/>
               </a:lnSpc>
@@ -5573,7 +5701,7 @@
               <a:buSzPts val="1300"/>
               <a:buFont typeface="Roboto"/>
               <a:buNone/>
-              <a:defRPr b="0" i="0" sz="1300" u="none">
+              <a:defRPr sz="1300" b="0" i="0" u="none">
                 <a:solidFill>
                   <a:srgbClr val="FFFFFF"/>
                 </a:solidFill>
@@ -5583,7 +5711,7 @@
                 <a:sym typeface="Roboto"/>
               </a:defRPr>
             </a:lvl8pPr>
-            <a:lvl9pPr indent="0" lvl="8" marL="0" marR="0" rtl="0" algn="r">
+            <a:lvl9pPr marL="0" marR="0" lvl="8" indent="0" algn="r" rtl="0">
               <a:lnSpc>
                 <a:spcPct val="100000"/>
               </a:lnSpc>
@@ -5599,7 +5727,7 @@
               <a:buSzPts val="1300"/>
               <a:buFont typeface="Roboto"/>
               <a:buNone/>
-              <a:defRPr b="0" i="0" sz="1300" u="none">
+              <a:defRPr sz="1300" b="0" i="0" u="none">
                 <a:solidFill>
                   <a:srgbClr val="FFFFFF"/>
                 </a:solidFill>
@@ -5611,7 +5739,7 @@
             </a:lvl9pPr>
           </a:lstStyle>
           <a:p>
-            <a:pPr indent="0" lvl="0" marL="0" rtl="0" algn="r">
+            <a:pPr marL="0" lvl="0" indent="0" algn="r" rtl="0">
               <a:spcBef>
                 <a:spcPts val="0"/>
               </a:spcBef>
@@ -5638,14 +5766,14 @@
       </p:sp>
     </p:spTree>
   </p:cSld>
-  <p:clrMap accent1="accent1" accent2="accent2" accent3="accent3" accent4="accent4" accent5="accent5" accent6="accent6" bg1="lt1" bg2="dk2" tx1="dk1" tx2="lt2" folHlink="folHlink" hlink="hlink"/>
+  <p:clrMap bg1="lt1" tx1="dk1" bg2="dk2" tx2="lt2" accent1="accent1" accent2="accent2" accent3="accent3" accent4="accent4" accent5="accent5" accent6="accent6" hlink="hlink" folHlink="folHlink"/>
   <p:sldLayoutIdLst>
     <p:sldLayoutId id="2147483648" r:id="rId1"/>
   </p:sldLayoutIdLst>
-  <p:hf dt="0" ftr="0" hdr="0" sldNum="0"/>
+  <p:hf sldNum="0" hdr="0" ftr="0" dt="0"/>
   <p:txStyles>
     <p:titleStyle>
-      <a:defPPr lvl="0" marR="0" rtl="0" algn="l">
+      <a:defPPr marR="0" lvl="0" algn="l" rtl="0">
         <a:lnSpc>
           <a:spcPct val="100000"/>
         </a:lnSpc>
@@ -5656,7 +5784,7 @@
           <a:spcPts val="0"/>
         </a:spcAft>
       </a:defPPr>
-      <a:lvl1pPr lvl="0" marR="0" rtl="0" algn="l">
+      <a:lvl1pPr marR="0" lvl="0" algn="l" rtl="0">
         <a:lnSpc>
           <a:spcPct val="100000"/>
         </a:lnSpc>
@@ -5670,7 +5798,7 @@
           <a:srgbClr val="000000"/>
         </a:buClr>
         <a:buFont typeface="Arial"/>
-        <a:defRPr b="0" i="0" sz="1400" u="none" cap="none" strike="noStrike">
+        <a:defRPr sz="1400" b="0" i="0" u="none" strike="noStrike" cap="none">
           <a:solidFill>
             <a:srgbClr val="000000"/>
           </a:solidFill>
@@ -5680,7 +5808,7 @@
           <a:sym typeface="Arial"/>
         </a:defRPr>
       </a:lvl1pPr>
-      <a:lvl2pPr lvl="1" marR="0" rtl="0" algn="l">
+      <a:lvl2pPr marR="0" lvl="1" algn="l" rtl="0">
         <a:lnSpc>
           <a:spcPct val="100000"/>
         </a:lnSpc>
@@ -5694,7 +5822,7 @@
           <a:srgbClr val="000000"/>
         </a:buClr>
         <a:buFont typeface="Arial"/>
-        <a:defRPr b="0" i="0" sz="1400" u="none" cap="none" strike="noStrike">
+        <a:defRPr sz="1400" b="0" i="0" u="none" strike="noStrike" cap="none">
           <a:solidFill>
             <a:srgbClr val="000000"/>
           </a:solidFill>
@@ -5704,7 +5832,7 @@
           <a:sym typeface="Arial"/>
         </a:defRPr>
       </a:lvl2pPr>
-      <a:lvl3pPr lvl="2" marR="0" rtl="0" algn="l">
+      <a:lvl3pPr marR="0" lvl="2" algn="l" rtl="0">
         <a:lnSpc>
           <a:spcPct val="100000"/>
         </a:lnSpc>
@@ -5718,7 +5846,7 @@
           <a:srgbClr val="000000"/>
         </a:buClr>
         <a:buFont typeface="Arial"/>
-        <a:defRPr b="0" i="0" sz="1400" u="none" cap="none" strike="noStrike">
+        <a:defRPr sz="1400" b="0" i="0" u="none" strike="noStrike" cap="none">
           <a:solidFill>
             <a:srgbClr val="000000"/>
           </a:solidFill>
@@ -5728,7 +5856,7 @@
           <a:sym typeface="Arial"/>
         </a:defRPr>
       </a:lvl3pPr>
-      <a:lvl4pPr lvl="3" marR="0" rtl="0" algn="l">
+      <a:lvl4pPr marR="0" lvl="3" algn="l" rtl="0">
         <a:lnSpc>
           <a:spcPct val="100000"/>
         </a:lnSpc>
@@ -5742,7 +5870,7 @@
           <a:srgbClr val="000000"/>
         </a:buClr>
         <a:buFont typeface="Arial"/>
-        <a:defRPr b="0" i="0" sz="1400" u="none" cap="none" strike="noStrike">
+        <a:defRPr sz="1400" b="0" i="0" u="none" strike="noStrike" cap="none">
           <a:solidFill>
             <a:srgbClr val="000000"/>
           </a:solidFill>
@@ -5752,7 +5880,7 @@
           <a:sym typeface="Arial"/>
         </a:defRPr>
       </a:lvl4pPr>
-      <a:lvl5pPr lvl="4" marR="0" rtl="0" algn="l">
+      <a:lvl5pPr marR="0" lvl="4" algn="l" rtl="0">
         <a:lnSpc>
           <a:spcPct val="100000"/>
         </a:lnSpc>
@@ -5766,7 +5894,7 @@
           <a:srgbClr val="000000"/>
         </a:buClr>
         <a:buFont typeface="Arial"/>
-        <a:defRPr b="0" i="0" sz="1400" u="none" cap="none" strike="noStrike">
+        <a:defRPr sz="1400" b="0" i="0" u="none" strike="noStrike" cap="none">
           <a:solidFill>
             <a:srgbClr val="000000"/>
           </a:solidFill>
@@ -5776,7 +5904,7 @@
           <a:sym typeface="Arial"/>
         </a:defRPr>
       </a:lvl5pPr>
-      <a:lvl6pPr lvl="5" marR="0" rtl="0" algn="l">
+      <a:lvl6pPr marR="0" lvl="5" algn="l" rtl="0">
         <a:lnSpc>
           <a:spcPct val="100000"/>
         </a:lnSpc>
@@ -5790,7 +5918,7 @@
           <a:srgbClr val="000000"/>
         </a:buClr>
         <a:buFont typeface="Arial"/>
-        <a:defRPr b="0" i="0" sz="1400" u="none" cap="none" strike="noStrike">
+        <a:defRPr sz="1400" b="0" i="0" u="none" strike="noStrike" cap="none">
           <a:solidFill>
             <a:srgbClr val="000000"/>
           </a:solidFill>
@@ -5800,7 +5928,7 @@
           <a:sym typeface="Arial"/>
         </a:defRPr>
       </a:lvl6pPr>
-      <a:lvl7pPr lvl="6" marR="0" rtl="0" algn="l">
+      <a:lvl7pPr marR="0" lvl="6" algn="l" rtl="0">
         <a:lnSpc>
           <a:spcPct val="100000"/>
         </a:lnSpc>
@@ -5814,7 +5942,7 @@
           <a:srgbClr val="000000"/>
         </a:buClr>
         <a:buFont typeface="Arial"/>
-        <a:defRPr b="0" i="0" sz="1400" u="none" cap="none" strike="noStrike">
+        <a:defRPr sz="1400" b="0" i="0" u="none" strike="noStrike" cap="none">
           <a:solidFill>
             <a:srgbClr val="000000"/>
           </a:solidFill>
@@ -5824,7 +5952,7 @@
           <a:sym typeface="Arial"/>
         </a:defRPr>
       </a:lvl7pPr>
-      <a:lvl8pPr lvl="7" marR="0" rtl="0" algn="l">
+      <a:lvl8pPr marR="0" lvl="7" algn="l" rtl="0">
         <a:lnSpc>
           <a:spcPct val="100000"/>
         </a:lnSpc>
@@ -5838,7 +5966,7 @@
           <a:srgbClr val="000000"/>
         </a:buClr>
         <a:buFont typeface="Arial"/>
-        <a:defRPr b="0" i="0" sz="1400" u="none" cap="none" strike="noStrike">
+        <a:defRPr sz="1400" b="0" i="0" u="none" strike="noStrike" cap="none">
           <a:solidFill>
             <a:srgbClr val="000000"/>
           </a:solidFill>
@@ -5848,7 +5976,7 @@
           <a:sym typeface="Arial"/>
         </a:defRPr>
       </a:lvl8pPr>
-      <a:lvl9pPr lvl="8" marR="0" rtl="0" algn="l">
+      <a:lvl9pPr marR="0" lvl="8" algn="l" rtl="0">
         <a:lnSpc>
           <a:spcPct val="100000"/>
         </a:lnSpc>
@@ -5862,7 +5990,7 @@
           <a:srgbClr val="000000"/>
         </a:buClr>
         <a:buFont typeface="Arial"/>
-        <a:defRPr b="0" i="0" sz="1400" u="none" cap="none" strike="noStrike">
+        <a:defRPr sz="1400" b="0" i="0" u="none" strike="noStrike" cap="none">
           <a:solidFill>
             <a:srgbClr val="000000"/>
           </a:solidFill>
@@ -5874,7 +6002,7 @@
       </a:lvl9pPr>
     </p:titleStyle>
     <p:bodyStyle>
-      <a:defPPr lvl="0" marR="0" rtl="0" algn="l">
+      <a:defPPr marR="0" lvl="0" algn="l" rtl="0">
         <a:lnSpc>
           <a:spcPct val="100000"/>
         </a:lnSpc>
@@ -5885,7 +6013,7 @@
           <a:spcPts val="0"/>
         </a:spcAft>
       </a:defPPr>
-      <a:lvl1pPr lvl="0" marR="0" rtl="0" algn="l">
+      <a:lvl1pPr marR="0" lvl="0" algn="l" rtl="0">
         <a:lnSpc>
           <a:spcPct val="100000"/>
         </a:lnSpc>
@@ -5899,7 +6027,7 @@
           <a:srgbClr val="000000"/>
         </a:buClr>
         <a:buFont typeface="Arial"/>
-        <a:defRPr b="0" i="0" sz="1400" u="none" cap="none" strike="noStrike">
+        <a:defRPr sz="1400" b="0" i="0" u="none" strike="noStrike" cap="none">
           <a:solidFill>
             <a:srgbClr val="000000"/>
           </a:solidFill>
@@ -5909,7 +6037,7 @@
           <a:sym typeface="Arial"/>
         </a:defRPr>
       </a:lvl1pPr>
-      <a:lvl2pPr lvl="1" marR="0" rtl="0" algn="l">
+      <a:lvl2pPr marR="0" lvl="1" algn="l" rtl="0">
         <a:lnSpc>
           <a:spcPct val="100000"/>
         </a:lnSpc>
@@ -5923,7 +6051,7 @@
           <a:srgbClr val="000000"/>
         </a:buClr>
         <a:buFont typeface="Arial"/>
-        <a:defRPr b="0" i="0" sz="1400" u="none" cap="none" strike="noStrike">
+        <a:defRPr sz="1400" b="0" i="0" u="none" strike="noStrike" cap="none">
           <a:solidFill>
             <a:srgbClr val="000000"/>
           </a:solidFill>
@@ -5933,7 +6061,7 @@
           <a:sym typeface="Arial"/>
         </a:defRPr>
       </a:lvl2pPr>
-      <a:lvl3pPr lvl="2" marR="0" rtl="0" algn="l">
+      <a:lvl3pPr marR="0" lvl="2" algn="l" rtl="0">
         <a:lnSpc>
           <a:spcPct val="100000"/>
         </a:lnSpc>
@@ -5947,7 +6075,7 @@
           <a:srgbClr val="000000"/>
         </a:buClr>
         <a:buFont typeface="Arial"/>
-        <a:defRPr b="0" i="0" sz="1400" u="none" cap="none" strike="noStrike">
+        <a:defRPr sz="1400" b="0" i="0" u="none" strike="noStrike" cap="none">
           <a:solidFill>
             <a:srgbClr val="000000"/>
           </a:solidFill>
@@ -5957,7 +6085,7 @@
           <a:sym typeface="Arial"/>
         </a:defRPr>
       </a:lvl3pPr>
-      <a:lvl4pPr lvl="3" marR="0" rtl="0" algn="l">
+      <a:lvl4pPr marR="0" lvl="3" algn="l" rtl="0">
         <a:lnSpc>
           <a:spcPct val="100000"/>
         </a:lnSpc>
@@ -5971,7 +6099,7 @@
           <a:srgbClr val="000000"/>
         </a:buClr>
         <a:buFont typeface="Arial"/>
-        <a:defRPr b="0" i="0" sz="1400" u="none" cap="none" strike="noStrike">
+        <a:defRPr sz="1400" b="0" i="0" u="none" strike="noStrike" cap="none">
           <a:solidFill>
             <a:srgbClr val="000000"/>
           </a:solidFill>
@@ -5981,7 +6109,7 @@
           <a:sym typeface="Arial"/>
         </a:defRPr>
       </a:lvl4pPr>
-      <a:lvl5pPr lvl="4" marR="0" rtl="0" algn="l">
+      <a:lvl5pPr marR="0" lvl="4" algn="l" rtl="0">
         <a:lnSpc>
           <a:spcPct val="100000"/>
         </a:lnSpc>
@@ -5995,7 +6123,7 @@
           <a:srgbClr val="000000"/>
         </a:buClr>
         <a:buFont typeface="Arial"/>
-        <a:defRPr b="0" i="0" sz="1400" u="none" cap="none" strike="noStrike">
+        <a:defRPr sz="1400" b="0" i="0" u="none" strike="noStrike" cap="none">
           <a:solidFill>
             <a:srgbClr val="000000"/>
           </a:solidFill>
@@ -6005,7 +6133,7 @@
           <a:sym typeface="Arial"/>
         </a:defRPr>
       </a:lvl5pPr>
-      <a:lvl6pPr lvl="5" marR="0" rtl="0" algn="l">
+      <a:lvl6pPr marR="0" lvl="5" algn="l" rtl="0">
         <a:lnSpc>
           <a:spcPct val="100000"/>
         </a:lnSpc>
@@ -6019,7 +6147,7 @@
           <a:srgbClr val="000000"/>
         </a:buClr>
         <a:buFont typeface="Arial"/>
-        <a:defRPr b="0" i="0" sz="1400" u="none" cap="none" strike="noStrike">
+        <a:defRPr sz="1400" b="0" i="0" u="none" strike="noStrike" cap="none">
           <a:solidFill>
             <a:srgbClr val="000000"/>
           </a:solidFill>
@@ -6029,7 +6157,7 @@
           <a:sym typeface="Arial"/>
         </a:defRPr>
       </a:lvl6pPr>
-      <a:lvl7pPr lvl="6" marR="0" rtl="0" algn="l">
+      <a:lvl7pPr marR="0" lvl="6" algn="l" rtl="0">
         <a:lnSpc>
           <a:spcPct val="100000"/>
         </a:lnSpc>
@@ -6043,7 +6171,7 @@
           <a:srgbClr val="000000"/>
         </a:buClr>
         <a:buFont typeface="Arial"/>
-        <a:defRPr b="0" i="0" sz="1400" u="none" cap="none" strike="noStrike">
+        <a:defRPr sz="1400" b="0" i="0" u="none" strike="noStrike" cap="none">
           <a:solidFill>
             <a:srgbClr val="000000"/>
           </a:solidFill>
@@ -6053,7 +6181,7 @@
           <a:sym typeface="Arial"/>
         </a:defRPr>
       </a:lvl7pPr>
-      <a:lvl8pPr lvl="7" marR="0" rtl="0" algn="l">
+      <a:lvl8pPr marR="0" lvl="7" algn="l" rtl="0">
         <a:lnSpc>
           <a:spcPct val="100000"/>
         </a:lnSpc>
@@ -6067,7 +6195,7 @@
           <a:srgbClr val="000000"/>
         </a:buClr>
         <a:buFont typeface="Arial"/>
-        <a:defRPr b="0" i="0" sz="1400" u="none" cap="none" strike="noStrike">
+        <a:defRPr sz="1400" b="0" i="0" u="none" strike="noStrike" cap="none">
           <a:solidFill>
             <a:srgbClr val="000000"/>
           </a:solidFill>
@@ -6077,7 +6205,7 @@
           <a:sym typeface="Arial"/>
         </a:defRPr>
       </a:lvl8pPr>
-      <a:lvl9pPr lvl="8" marR="0" rtl="0" algn="l">
+      <a:lvl9pPr marR="0" lvl="8" algn="l" rtl="0">
         <a:lnSpc>
           <a:spcPct val="100000"/>
         </a:lnSpc>
@@ -6091,7 +6219,7 @@
           <a:srgbClr val="000000"/>
         </a:buClr>
         <a:buFont typeface="Arial"/>
-        <a:defRPr b="0" i="0" sz="1400" u="none" cap="none" strike="noStrike">
+        <a:defRPr sz="1400" b="0" i="0" u="none" strike="noStrike" cap="none">
           <a:solidFill>
             <a:srgbClr val="000000"/>
           </a:solidFill>
@@ -6103,7 +6231,7 @@
       </a:lvl9pPr>
     </p:bodyStyle>
     <p:otherStyle>
-      <a:defPPr lvl="0" marR="0" rtl="0" algn="l">
+      <a:defPPr marR="0" lvl="0" algn="l" rtl="0">
         <a:lnSpc>
           <a:spcPct val="100000"/>
         </a:lnSpc>
@@ -6114,7 +6242,7 @@
           <a:spcPts val="0"/>
         </a:spcAft>
       </a:defPPr>
-      <a:lvl1pPr lvl="0" marR="0" rtl="0" algn="l">
+      <a:lvl1pPr marR="0" lvl="0" algn="l" rtl="0">
         <a:lnSpc>
           <a:spcPct val="100000"/>
         </a:lnSpc>
@@ -6128,7 +6256,7 @@
           <a:srgbClr val="000000"/>
         </a:buClr>
         <a:buFont typeface="Arial"/>
-        <a:defRPr b="0" i="0" sz="1400" u="none" cap="none" strike="noStrike">
+        <a:defRPr sz="1400" b="0" i="0" u="none" strike="noStrike" cap="none">
           <a:solidFill>
             <a:srgbClr val="000000"/>
           </a:solidFill>
@@ -6138,7 +6266,7 @@
           <a:sym typeface="Arial"/>
         </a:defRPr>
       </a:lvl1pPr>
-      <a:lvl2pPr lvl="1" marR="0" rtl="0" algn="l">
+      <a:lvl2pPr marR="0" lvl="1" algn="l" rtl="0">
         <a:lnSpc>
           <a:spcPct val="100000"/>
         </a:lnSpc>
@@ -6152,7 +6280,7 @@
           <a:srgbClr val="000000"/>
         </a:buClr>
         <a:buFont typeface="Arial"/>
-        <a:defRPr b="0" i="0" sz="1400" u="none" cap="none" strike="noStrike">
+        <a:defRPr sz="1400" b="0" i="0" u="none" strike="noStrike" cap="none">
           <a:solidFill>
             <a:srgbClr val="000000"/>
           </a:solidFill>
@@ -6162,7 +6290,7 @@
           <a:sym typeface="Arial"/>
         </a:defRPr>
       </a:lvl2pPr>
-      <a:lvl3pPr lvl="2" marR="0" rtl="0" algn="l">
+      <a:lvl3pPr marR="0" lvl="2" algn="l" rtl="0">
         <a:lnSpc>
           <a:spcPct val="100000"/>
         </a:lnSpc>
@@ -6176,7 +6304,7 @@
           <a:srgbClr val="000000"/>
         </a:buClr>
         <a:buFont typeface="Arial"/>
-        <a:defRPr b="0" i="0" sz="1400" u="none" cap="none" strike="noStrike">
+        <a:defRPr sz="1400" b="0" i="0" u="none" strike="noStrike" cap="none">
           <a:solidFill>
             <a:srgbClr val="000000"/>
           </a:solidFill>
@@ -6186,7 +6314,7 @@
           <a:sym typeface="Arial"/>
         </a:defRPr>
       </a:lvl3pPr>
-      <a:lvl4pPr lvl="3" marR="0" rtl="0" algn="l">
+      <a:lvl4pPr marR="0" lvl="3" algn="l" rtl="0">
         <a:lnSpc>
           <a:spcPct val="100000"/>
         </a:lnSpc>
@@ -6200,7 +6328,7 @@
           <a:srgbClr val="000000"/>
         </a:buClr>
         <a:buFont typeface="Arial"/>
-        <a:defRPr b="0" i="0" sz="1400" u="none" cap="none" strike="noStrike">
+        <a:defRPr sz="1400" b="0" i="0" u="none" strike="noStrike" cap="none">
           <a:solidFill>
             <a:srgbClr val="000000"/>
           </a:solidFill>
@@ -6210,7 +6338,7 @@
           <a:sym typeface="Arial"/>
         </a:defRPr>
       </a:lvl4pPr>
-      <a:lvl5pPr lvl="4" marR="0" rtl="0" algn="l">
+      <a:lvl5pPr marR="0" lvl="4" algn="l" rtl="0">
         <a:lnSpc>
           <a:spcPct val="100000"/>
         </a:lnSpc>
@@ -6224,7 +6352,7 @@
           <a:srgbClr val="000000"/>
         </a:buClr>
         <a:buFont typeface="Arial"/>
-        <a:defRPr b="0" i="0" sz="1400" u="none" cap="none" strike="noStrike">
+        <a:defRPr sz="1400" b="0" i="0" u="none" strike="noStrike" cap="none">
           <a:solidFill>
             <a:srgbClr val="000000"/>
           </a:solidFill>
@@ -6234,7 +6362,7 @@
           <a:sym typeface="Arial"/>
         </a:defRPr>
       </a:lvl5pPr>
-      <a:lvl6pPr lvl="5" marR="0" rtl="0" algn="l">
+      <a:lvl6pPr marR="0" lvl="5" algn="l" rtl="0">
         <a:lnSpc>
           <a:spcPct val="100000"/>
         </a:lnSpc>
@@ -6248,7 +6376,7 @@
           <a:srgbClr val="000000"/>
         </a:buClr>
         <a:buFont typeface="Arial"/>
-        <a:defRPr b="0" i="0" sz="1400" u="none" cap="none" strike="noStrike">
+        <a:defRPr sz="1400" b="0" i="0" u="none" strike="noStrike" cap="none">
           <a:solidFill>
             <a:srgbClr val="000000"/>
           </a:solidFill>
@@ -6258,7 +6386,7 @@
           <a:sym typeface="Arial"/>
         </a:defRPr>
       </a:lvl6pPr>
-      <a:lvl7pPr lvl="6" marR="0" rtl="0" algn="l">
+      <a:lvl7pPr marR="0" lvl="6" algn="l" rtl="0">
         <a:lnSpc>
           <a:spcPct val="100000"/>
         </a:lnSpc>
@@ -6272,7 +6400,7 @@
           <a:srgbClr val="000000"/>
         </a:buClr>
         <a:buFont typeface="Arial"/>
-        <a:defRPr b="0" i="0" sz="1400" u="none" cap="none" strike="noStrike">
+        <a:defRPr sz="1400" b="0" i="0" u="none" strike="noStrike" cap="none">
           <a:solidFill>
             <a:srgbClr val="000000"/>
           </a:solidFill>
@@ -6282,7 +6410,7 @@
           <a:sym typeface="Arial"/>
         </a:defRPr>
       </a:lvl7pPr>
-      <a:lvl8pPr lvl="7" marR="0" rtl="0" algn="l">
+      <a:lvl8pPr marR="0" lvl="7" algn="l" rtl="0">
         <a:lnSpc>
           <a:spcPct val="100000"/>
         </a:lnSpc>
@@ -6296,7 +6424,7 @@
           <a:srgbClr val="000000"/>
         </a:buClr>
         <a:buFont typeface="Arial"/>
-        <a:defRPr b="0" i="0" sz="1400" u="none" cap="none" strike="noStrike">
+        <a:defRPr sz="1400" b="0" i="0" u="none" strike="noStrike" cap="none">
           <a:solidFill>
             <a:srgbClr val="000000"/>
           </a:solidFill>
@@ -6306,7 +6434,7 @@
           <a:sym typeface="Arial"/>
         </a:defRPr>
       </a:lvl8pPr>
-      <a:lvl9pPr lvl="8" marR="0" rtl="0" algn="l">
+      <a:lvl9pPr marR="0" lvl="8" algn="l" rtl="0">
         <a:lnSpc>
           <a:spcPct val="100000"/>
         </a:lnSpc>
@@ -6320,7 +6448,7 @@
           <a:srgbClr val="000000"/>
         </a:buClr>
         <a:buFont typeface="Arial"/>
-        <a:defRPr b="0" i="0" sz="1400" u="none" cap="none" strike="noStrike">
+        <a:defRPr sz="1400" b="0" i="0" u="none" strike="noStrike" cap="none">
           <a:solidFill>
             <a:srgbClr val="000000"/>
           </a:solidFill>
@@ -6336,18 +6464,19 @@
 </file>
 
 <file path=ppt/slideMasters/slideMaster2.xml><?xml version="1.0" encoding="utf-8"?>
-<p:sldMaster xmlns:a="http://schemas.openxmlformats.org/drawingml/2006/main" xmlns:r="http://schemas.openxmlformats.org/officeDocument/2006/relationships" xmlns:mc="http://schemas.openxmlformats.org/markup-compatibility/2006" xmlns:mv="urn:schemas-microsoft-com:mac:vml" xmlns:p="http://schemas.openxmlformats.org/presentationml/2006/main" xmlns:c="http://schemas.openxmlformats.org/drawingml/2006/chart" xmlns:dgm="http://schemas.openxmlformats.org/drawingml/2006/diagram" xmlns:o="urn:schemas-microsoft-com:office:office" xmlns:v="urn:schemas-microsoft-com:vml" xmlns:pvml="urn:schemas-microsoft-com:office:powerpoint" xmlns:com="http://schemas.openxmlformats.org/drawingml/2006/compatibility" xmlns:p14="http://schemas.microsoft.com/office/powerpoint/2010/main" xmlns:p15="http://schemas.microsoft.com/office/powerpoint/2012/main">
+<p:sldMaster xmlns:a="http://schemas.openxmlformats.org/drawingml/2006/main" xmlns:r="http://schemas.openxmlformats.org/officeDocument/2006/relationships" xmlns:p="http://schemas.openxmlformats.org/presentationml/2006/main">
   <p:cSld>
     <p:bg>
       <p:bgPr>
         <a:solidFill>
           <a:schemeClr val="lt1"/>
         </a:solidFill>
+        <a:effectLst/>
       </p:bgPr>
     </p:bg>
     <p:spTree>
       <p:nvGrpSpPr>
-        <p:cNvPr id="20" name="Shape 20"/>
+        <p:cNvPr id="1" name="Shape 20"/>
         <p:cNvGrpSpPr/>
         <p:nvPr/>
       </p:nvGrpSpPr>
@@ -6362,7 +6491,9 @@
       <p:sp>
         <p:nvSpPr>
           <p:cNvPr id="21" name="Google Shape;21;p3"/>
-          <p:cNvSpPr txBox="1"/>
+          <p:cNvSpPr txBox="1">
+            <a:spLocks noGrp="1"/>
+          </p:cNvSpPr>
           <p:nvPr>
             <p:ph type="title"/>
           </p:nvPr>
@@ -6381,9 +6512,9 @@
           </a:ln>
         </p:spPr>
         <p:txBody>
-          <a:bodyPr anchorCtr="0" anchor="b" bIns="121900" lIns="121900" spcFirstLastPara="1" rIns="121900" wrap="square" tIns="121900"/>
+          <a:bodyPr spcFirstLastPara="1" wrap="square" lIns="121900" tIns="121900" rIns="121900" bIns="121900" anchor="b" anchorCtr="0"/>
           <a:lstStyle>
-            <a:lvl1pPr lvl="0" marR="0" rtl="0" algn="l">
+            <a:lvl1pPr marR="0" lvl="0" algn="l" rtl="0">
               <a:lnSpc>
                 <a:spcPct val="100000"/>
               </a:lnSpc>
@@ -6395,7 +6526,7 @@
               </a:spcAft>
               <a:buSzPts val="1400"/>
               <a:buNone/>
-              <a:defRPr b="0" i="0" sz="1400" u="none" cap="none" strike="noStrike">
+              <a:defRPr sz="1400" b="0" i="0" u="none" strike="noStrike" cap="none">
                 <a:solidFill>
                   <a:srgbClr val="000000"/>
                 </a:solidFill>
@@ -6405,7 +6536,7 @@
                 <a:sym typeface="Arial"/>
               </a:defRPr>
             </a:lvl1pPr>
-            <a:lvl2pPr lvl="1" marR="0" rtl="0" algn="l">
+            <a:lvl2pPr marR="0" lvl="1" algn="l" rtl="0">
               <a:lnSpc>
                 <a:spcPct val="100000"/>
               </a:lnSpc>
@@ -6417,7 +6548,7 @@
               </a:spcAft>
               <a:buSzPts val="1400"/>
               <a:buNone/>
-              <a:defRPr b="0" i="0" sz="1400" u="none" cap="none" strike="noStrike">
+              <a:defRPr sz="1400" b="0" i="0" u="none" strike="noStrike" cap="none">
                 <a:solidFill>
                   <a:srgbClr val="000000"/>
                 </a:solidFill>
@@ -6427,7 +6558,7 @@
                 <a:sym typeface="Arial"/>
               </a:defRPr>
             </a:lvl2pPr>
-            <a:lvl3pPr lvl="2" marR="0" rtl="0" algn="l">
+            <a:lvl3pPr marR="0" lvl="2" algn="l" rtl="0">
               <a:lnSpc>
                 <a:spcPct val="100000"/>
               </a:lnSpc>
@@ -6439,7 +6570,7 @@
               </a:spcAft>
               <a:buSzPts val="1400"/>
               <a:buNone/>
-              <a:defRPr b="0" i="0" sz="1400" u="none" cap="none" strike="noStrike">
+              <a:defRPr sz="1400" b="0" i="0" u="none" strike="noStrike" cap="none">
                 <a:solidFill>
                   <a:srgbClr val="000000"/>
                 </a:solidFill>
@@ -6449,7 +6580,7 @@
                 <a:sym typeface="Arial"/>
               </a:defRPr>
             </a:lvl3pPr>
-            <a:lvl4pPr lvl="3" marR="0" rtl="0" algn="l">
+            <a:lvl4pPr marR="0" lvl="3" algn="l" rtl="0">
               <a:lnSpc>
                 <a:spcPct val="100000"/>
               </a:lnSpc>
@@ -6461,7 +6592,7 @@
               </a:spcAft>
               <a:buSzPts val="1400"/>
               <a:buNone/>
-              <a:defRPr b="0" i="0" sz="1400" u="none" cap="none" strike="noStrike">
+              <a:defRPr sz="1400" b="0" i="0" u="none" strike="noStrike" cap="none">
                 <a:solidFill>
                   <a:srgbClr val="000000"/>
                 </a:solidFill>
@@ -6471,7 +6602,7 @@
                 <a:sym typeface="Arial"/>
               </a:defRPr>
             </a:lvl4pPr>
-            <a:lvl5pPr lvl="4" marR="0" rtl="0" algn="l">
+            <a:lvl5pPr marR="0" lvl="4" algn="l" rtl="0">
               <a:lnSpc>
                 <a:spcPct val="100000"/>
               </a:lnSpc>
@@ -6483,7 +6614,7 @@
               </a:spcAft>
               <a:buSzPts val="1400"/>
               <a:buNone/>
-              <a:defRPr b="0" i="0" sz="1400" u="none" cap="none" strike="noStrike">
+              <a:defRPr sz="1400" b="0" i="0" u="none" strike="noStrike" cap="none">
                 <a:solidFill>
                   <a:srgbClr val="000000"/>
                 </a:solidFill>
@@ -6493,7 +6624,7 @@
                 <a:sym typeface="Arial"/>
               </a:defRPr>
             </a:lvl5pPr>
-            <a:lvl6pPr lvl="5" marR="0" rtl="0" algn="l">
+            <a:lvl6pPr marR="0" lvl="5" algn="l" rtl="0">
               <a:lnSpc>
                 <a:spcPct val="100000"/>
               </a:lnSpc>
@@ -6505,7 +6636,7 @@
               </a:spcAft>
               <a:buSzPts val="1400"/>
               <a:buNone/>
-              <a:defRPr b="0" i="0" sz="1400" u="none" cap="none" strike="noStrike">
+              <a:defRPr sz="1400" b="0" i="0" u="none" strike="noStrike" cap="none">
                 <a:solidFill>
                   <a:srgbClr val="000000"/>
                 </a:solidFill>
@@ -6515,7 +6646,7 @@
                 <a:sym typeface="Arial"/>
               </a:defRPr>
             </a:lvl6pPr>
-            <a:lvl7pPr lvl="6" marR="0" rtl="0" algn="l">
+            <a:lvl7pPr marR="0" lvl="6" algn="l" rtl="0">
               <a:lnSpc>
                 <a:spcPct val="100000"/>
               </a:lnSpc>
@@ -6527,7 +6658,7 @@
               </a:spcAft>
               <a:buSzPts val="1400"/>
               <a:buNone/>
-              <a:defRPr b="0" i="0" sz="1400" u="none" cap="none" strike="noStrike">
+              <a:defRPr sz="1400" b="0" i="0" u="none" strike="noStrike" cap="none">
                 <a:solidFill>
                   <a:srgbClr val="000000"/>
                 </a:solidFill>
@@ -6537,7 +6668,7 @@
                 <a:sym typeface="Arial"/>
               </a:defRPr>
             </a:lvl7pPr>
-            <a:lvl8pPr lvl="7" marR="0" rtl="0" algn="l">
+            <a:lvl8pPr marR="0" lvl="7" algn="l" rtl="0">
               <a:lnSpc>
                 <a:spcPct val="100000"/>
               </a:lnSpc>
@@ -6549,7 +6680,7 @@
               </a:spcAft>
               <a:buSzPts val="1400"/>
               <a:buNone/>
-              <a:defRPr b="0" i="0" sz="1400" u="none" cap="none" strike="noStrike">
+              <a:defRPr sz="1400" b="0" i="0" u="none" strike="noStrike" cap="none">
                 <a:solidFill>
                   <a:srgbClr val="000000"/>
                 </a:solidFill>
@@ -6559,7 +6690,7 @@
                 <a:sym typeface="Arial"/>
               </a:defRPr>
             </a:lvl8pPr>
-            <a:lvl9pPr lvl="8" marR="0" rtl="0" algn="l">
+            <a:lvl9pPr marR="0" lvl="8" algn="l" rtl="0">
               <a:lnSpc>
                 <a:spcPct val="100000"/>
               </a:lnSpc>
@@ -6571,7 +6702,7 @@
               </a:spcAft>
               <a:buSzPts val="1400"/>
               <a:buNone/>
-              <a:defRPr b="0" i="0" sz="1400" u="none" cap="none" strike="noStrike">
+              <a:defRPr sz="1400" b="0" i="0" u="none" strike="noStrike" cap="none">
                 <a:solidFill>
                   <a:srgbClr val="000000"/>
                 </a:solidFill>
@@ -6582,15 +6713,19 @@
               </a:defRPr>
             </a:lvl9pPr>
           </a:lstStyle>
-          <a:p/>
+          <a:p>
+            <a:endParaRPr/>
+          </a:p>
         </p:txBody>
       </p:sp>
       <p:sp>
         <p:nvSpPr>
           <p:cNvPr id="22" name="Google Shape;22;p3"/>
-          <p:cNvSpPr txBox="1"/>
+          <p:cNvSpPr txBox="1">
+            <a:spLocks noGrp="1"/>
+          </p:cNvSpPr>
           <p:nvPr>
-            <p:ph idx="1" type="body"/>
+            <p:ph type="body" idx="1"/>
           </p:nvPr>
         </p:nvSpPr>
         <p:spPr>
@@ -6607,9 +6742,9 @@
           </a:ln>
         </p:spPr>
         <p:txBody>
-          <a:bodyPr anchorCtr="0" anchor="t" bIns="121900" lIns="121900" spcFirstLastPara="1" rIns="121900" wrap="square" tIns="121900"/>
+          <a:bodyPr spcFirstLastPara="1" wrap="square" lIns="121900" tIns="121900" rIns="121900" bIns="121900" anchor="t" anchorCtr="0"/>
           <a:lstStyle>
-            <a:lvl1pPr indent="-228600" lvl="0" marL="457200" marR="0" rtl="0" algn="l">
+            <a:lvl1pPr marL="457200" marR="0" lvl="0" indent="-228600" algn="l" rtl="0">
               <a:lnSpc>
                 <a:spcPct val="100000"/>
               </a:lnSpc>
@@ -6621,7 +6756,7 @@
               </a:spcAft>
               <a:buSzPts val="1400"/>
               <a:buNone/>
-              <a:defRPr b="0" i="0" sz="1400" u="none" cap="none" strike="noStrike">
+              <a:defRPr sz="1400" b="0" i="0" u="none" strike="noStrike" cap="none">
                 <a:solidFill>
                   <a:srgbClr val="000000"/>
                 </a:solidFill>
@@ -6631,7 +6766,7 @@
                 <a:sym typeface="Arial"/>
               </a:defRPr>
             </a:lvl1pPr>
-            <a:lvl2pPr indent="-228600" lvl="1" marL="914400" marR="0" rtl="0" algn="l">
+            <a:lvl2pPr marL="914400" marR="0" lvl="1" indent="-228600" algn="l" rtl="0">
               <a:lnSpc>
                 <a:spcPct val="100000"/>
               </a:lnSpc>
@@ -6643,7 +6778,7 @@
               </a:spcAft>
               <a:buSzPts val="1400"/>
               <a:buNone/>
-              <a:defRPr b="0" i="0" sz="1400" u="none" cap="none" strike="noStrike">
+              <a:defRPr sz="1400" b="0" i="0" u="none" strike="noStrike" cap="none">
                 <a:solidFill>
                   <a:srgbClr val="000000"/>
                 </a:solidFill>
@@ -6653,7 +6788,7 @@
                 <a:sym typeface="Arial"/>
               </a:defRPr>
             </a:lvl2pPr>
-            <a:lvl3pPr indent="-228600" lvl="2" marL="1371600" marR="0" rtl="0" algn="l">
+            <a:lvl3pPr marL="1371600" marR="0" lvl="2" indent="-228600" algn="l" rtl="0">
               <a:lnSpc>
                 <a:spcPct val="100000"/>
               </a:lnSpc>
@@ -6665,7 +6800,7 @@
               </a:spcAft>
               <a:buSzPts val="1400"/>
               <a:buNone/>
-              <a:defRPr b="0" i="0" sz="1400" u="none" cap="none" strike="noStrike">
+              <a:defRPr sz="1400" b="0" i="0" u="none" strike="noStrike" cap="none">
                 <a:solidFill>
                   <a:srgbClr val="000000"/>
                 </a:solidFill>
@@ -6675,7 +6810,7 @@
                 <a:sym typeface="Arial"/>
               </a:defRPr>
             </a:lvl3pPr>
-            <a:lvl4pPr indent="-228600" lvl="3" marL="1828800" marR="0" rtl="0" algn="l">
+            <a:lvl4pPr marL="1828800" marR="0" lvl="3" indent="-228600" algn="l" rtl="0">
               <a:lnSpc>
                 <a:spcPct val="100000"/>
               </a:lnSpc>
@@ -6687,7 +6822,7 @@
               </a:spcAft>
               <a:buSzPts val="1400"/>
               <a:buNone/>
-              <a:defRPr b="0" i="0" sz="1400" u="none" cap="none" strike="noStrike">
+              <a:defRPr sz="1400" b="0" i="0" u="none" strike="noStrike" cap="none">
                 <a:solidFill>
                   <a:srgbClr val="000000"/>
                 </a:solidFill>
@@ -6697,7 +6832,7 @@
                 <a:sym typeface="Arial"/>
               </a:defRPr>
             </a:lvl4pPr>
-            <a:lvl5pPr indent="-228600" lvl="4" marL="2286000" marR="0" rtl="0" algn="l">
+            <a:lvl5pPr marL="2286000" marR="0" lvl="4" indent="-228600" algn="l" rtl="0">
               <a:lnSpc>
                 <a:spcPct val="100000"/>
               </a:lnSpc>
@@ -6709,7 +6844,7 @@
               </a:spcAft>
               <a:buSzPts val="1400"/>
               <a:buNone/>
-              <a:defRPr b="0" i="0" sz="1400" u="none" cap="none" strike="noStrike">
+              <a:defRPr sz="1400" b="0" i="0" u="none" strike="noStrike" cap="none">
                 <a:solidFill>
                   <a:srgbClr val="000000"/>
                 </a:solidFill>
@@ -6719,7 +6854,7 @@
                 <a:sym typeface="Arial"/>
               </a:defRPr>
             </a:lvl5pPr>
-            <a:lvl6pPr indent="-228600" lvl="5" marL="2743200" marR="0" rtl="0" algn="l">
+            <a:lvl6pPr marL="2743200" marR="0" lvl="5" indent="-228600" algn="l" rtl="0">
               <a:lnSpc>
                 <a:spcPct val="100000"/>
               </a:lnSpc>
@@ -6731,7 +6866,7 @@
               </a:spcAft>
               <a:buSzPts val="1400"/>
               <a:buNone/>
-              <a:defRPr b="0" i="0" sz="1400" u="none" cap="none" strike="noStrike">
+              <a:defRPr sz="1400" b="0" i="0" u="none" strike="noStrike" cap="none">
                 <a:solidFill>
                   <a:srgbClr val="000000"/>
                 </a:solidFill>
@@ -6741,7 +6876,7 @@
                 <a:sym typeface="Arial"/>
               </a:defRPr>
             </a:lvl6pPr>
-            <a:lvl7pPr indent="-228600" lvl="6" marL="3200400" marR="0" rtl="0" algn="l">
+            <a:lvl7pPr marL="3200400" marR="0" lvl="6" indent="-228600" algn="l" rtl="0">
               <a:lnSpc>
                 <a:spcPct val="100000"/>
               </a:lnSpc>
@@ -6753,7 +6888,7 @@
               </a:spcAft>
               <a:buSzPts val="1400"/>
               <a:buNone/>
-              <a:defRPr b="0" i="0" sz="1400" u="none" cap="none" strike="noStrike">
+              <a:defRPr sz="1400" b="0" i="0" u="none" strike="noStrike" cap="none">
                 <a:solidFill>
                   <a:srgbClr val="000000"/>
                 </a:solidFill>
@@ -6763,7 +6898,7 @@
                 <a:sym typeface="Arial"/>
               </a:defRPr>
             </a:lvl7pPr>
-            <a:lvl8pPr indent="-228600" lvl="7" marL="3657600" marR="0" rtl="0" algn="l">
+            <a:lvl8pPr marL="3657600" marR="0" lvl="7" indent="-228600" algn="l" rtl="0">
               <a:lnSpc>
                 <a:spcPct val="100000"/>
               </a:lnSpc>
@@ -6775,7 +6910,7 @@
               </a:spcAft>
               <a:buSzPts val="1400"/>
               <a:buNone/>
-              <a:defRPr b="0" i="0" sz="1400" u="none" cap="none" strike="noStrike">
+              <a:defRPr sz="1400" b="0" i="0" u="none" strike="noStrike" cap="none">
                 <a:solidFill>
                   <a:srgbClr val="000000"/>
                 </a:solidFill>
@@ -6785,7 +6920,7 @@
                 <a:sym typeface="Arial"/>
               </a:defRPr>
             </a:lvl8pPr>
-            <a:lvl9pPr indent="-228600" lvl="8" marL="4114800" marR="0" rtl="0" algn="l">
+            <a:lvl9pPr marL="4114800" marR="0" lvl="8" indent="-228600" algn="l" rtl="0">
               <a:lnSpc>
                 <a:spcPct val="100000"/>
               </a:lnSpc>
@@ -6797,7 +6932,7 @@
               </a:spcAft>
               <a:buSzPts val="1400"/>
               <a:buNone/>
-              <a:defRPr b="0" i="0" sz="1400" u="none" cap="none" strike="noStrike">
+              <a:defRPr sz="1400" b="0" i="0" u="none" strike="noStrike" cap="none">
                 <a:solidFill>
                   <a:srgbClr val="000000"/>
                 </a:solidFill>
@@ -6808,15 +6943,19 @@
               </a:defRPr>
             </a:lvl9pPr>
           </a:lstStyle>
-          <a:p/>
+          <a:p>
+            <a:endParaRPr/>
+          </a:p>
         </p:txBody>
       </p:sp>
       <p:sp>
         <p:nvSpPr>
           <p:cNvPr id="23" name="Google Shape;23;p3"/>
-          <p:cNvSpPr txBox="1"/>
+          <p:cNvSpPr txBox="1">
+            <a:spLocks noGrp="1"/>
+          </p:cNvSpPr>
           <p:nvPr>
-            <p:ph idx="10" type="dt"/>
+            <p:ph type="dt" idx="10"/>
           </p:nvPr>
         </p:nvSpPr>
         <p:spPr>
@@ -6833,9 +6972,9 @@
           </a:ln>
         </p:spPr>
         <p:txBody>
-          <a:bodyPr anchorCtr="0" anchor="ctr" bIns="45700" lIns="91425" spcFirstLastPara="1" rIns="91425" wrap="square" tIns="45700"/>
+          <a:bodyPr spcFirstLastPara="1" wrap="square" lIns="91425" tIns="45700" rIns="91425" bIns="45700" anchor="ctr" anchorCtr="0"/>
           <a:lstStyle>
-            <a:lvl1pPr lvl="0" marR="0" rtl="0" algn="l">
+            <a:lvl1pPr marR="0" lvl="0" algn="l" rtl="0">
               <a:lnSpc>
                 <a:spcPct val="100000"/>
               </a:lnSpc>
@@ -6847,7 +6986,7 @@
               </a:spcAft>
               <a:buSzPts val="1400"/>
               <a:buNone/>
-              <a:defRPr b="0" i="0" sz="2400" u="none">
+              <a:defRPr sz="2400" b="0" i="0" u="none">
                 <a:solidFill>
                   <a:schemeClr val="dk1"/>
                 </a:solidFill>
@@ -6857,7 +6996,7 @@
                 <a:sym typeface="Calibri"/>
               </a:defRPr>
             </a:lvl1pPr>
-            <a:lvl2pPr lvl="1" marR="0" rtl="0" algn="l">
+            <a:lvl2pPr marR="0" lvl="1" algn="l" rtl="0">
               <a:lnSpc>
                 <a:spcPct val="100000"/>
               </a:lnSpc>
@@ -6869,7 +7008,7 @@
               </a:spcAft>
               <a:buSzPts val="1400"/>
               <a:buNone/>
-              <a:defRPr b="0" i="0" sz="2400" u="none" cap="none" strike="noStrike">
+              <a:defRPr sz="2400" b="0" i="0" u="none" strike="noStrike" cap="none">
                 <a:solidFill>
                   <a:schemeClr val="dk1"/>
                 </a:solidFill>
@@ -6879,7 +7018,7 @@
                 <a:sym typeface="Calibri"/>
               </a:defRPr>
             </a:lvl2pPr>
-            <a:lvl3pPr lvl="2" marR="0" rtl="0" algn="l">
+            <a:lvl3pPr marR="0" lvl="2" algn="l" rtl="0">
               <a:lnSpc>
                 <a:spcPct val="100000"/>
               </a:lnSpc>
@@ -6891,7 +7030,7 @@
               </a:spcAft>
               <a:buSzPts val="1400"/>
               <a:buNone/>
-              <a:defRPr b="0" i="0" sz="2400" u="none" cap="none" strike="noStrike">
+              <a:defRPr sz="2400" b="0" i="0" u="none" strike="noStrike" cap="none">
                 <a:solidFill>
                   <a:schemeClr val="dk1"/>
                 </a:solidFill>
@@ -6901,7 +7040,7 @@
                 <a:sym typeface="Calibri"/>
               </a:defRPr>
             </a:lvl3pPr>
-            <a:lvl4pPr lvl="3" marR="0" rtl="0" algn="l">
+            <a:lvl4pPr marR="0" lvl="3" algn="l" rtl="0">
               <a:lnSpc>
                 <a:spcPct val="100000"/>
               </a:lnSpc>
@@ -6913,7 +7052,7 @@
               </a:spcAft>
               <a:buSzPts val="1400"/>
               <a:buNone/>
-              <a:defRPr b="0" i="0" sz="2400" u="none" cap="none" strike="noStrike">
+              <a:defRPr sz="2400" b="0" i="0" u="none" strike="noStrike" cap="none">
                 <a:solidFill>
                   <a:schemeClr val="dk1"/>
                 </a:solidFill>
@@ -6923,7 +7062,7 @@
                 <a:sym typeface="Calibri"/>
               </a:defRPr>
             </a:lvl4pPr>
-            <a:lvl5pPr lvl="4" marR="0" rtl="0" algn="l">
+            <a:lvl5pPr marR="0" lvl="4" algn="l" rtl="0">
               <a:lnSpc>
                 <a:spcPct val="100000"/>
               </a:lnSpc>
@@ -6935,7 +7074,7 @@
               </a:spcAft>
               <a:buSzPts val="1400"/>
               <a:buNone/>
-              <a:defRPr b="0" i="0" sz="2400" u="none" cap="none" strike="noStrike">
+              <a:defRPr sz="2400" b="0" i="0" u="none" strike="noStrike" cap="none">
                 <a:solidFill>
                   <a:schemeClr val="dk1"/>
                 </a:solidFill>
@@ -6945,7 +7084,7 @@
                 <a:sym typeface="Calibri"/>
               </a:defRPr>
             </a:lvl5pPr>
-            <a:lvl6pPr lvl="5" marR="0" rtl="0" algn="l">
+            <a:lvl6pPr marR="0" lvl="5" algn="l" rtl="0">
               <a:lnSpc>
                 <a:spcPct val="100000"/>
               </a:lnSpc>
@@ -6957,7 +7096,7 @@
               </a:spcAft>
               <a:buSzPts val="1400"/>
               <a:buNone/>
-              <a:defRPr b="0" i="0" sz="2400" u="none" cap="none" strike="noStrike">
+              <a:defRPr sz="2400" b="0" i="0" u="none" strike="noStrike" cap="none">
                 <a:solidFill>
                   <a:schemeClr val="dk1"/>
                 </a:solidFill>
@@ -6967,7 +7106,7 @@
                 <a:sym typeface="Calibri"/>
               </a:defRPr>
             </a:lvl6pPr>
-            <a:lvl7pPr lvl="6" marR="0" rtl="0" algn="l">
+            <a:lvl7pPr marR="0" lvl="6" algn="l" rtl="0">
               <a:lnSpc>
                 <a:spcPct val="100000"/>
               </a:lnSpc>
@@ -6979,7 +7118,7 @@
               </a:spcAft>
               <a:buSzPts val="1400"/>
               <a:buNone/>
-              <a:defRPr b="0" i="0" sz="2400" u="none" cap="none" strike="noStrike">
+              <a:defRPr sz="2400" b="0" i="0" u="none" strike="noStrike" cap="none">
                 <a:solidFill>
                   <a:schemeClr val="dk1"/>
                 </a:solidFill>
@@ -6989,7 +7128,7 @@
                 <a:sym typeface="Calibri"/>
               </a:defRPr>
             </a:lvl7pPr>
-            <a:lvl8pPr lvl="7" marR="0" rtl="0" algn="l">
+            <a:lvl8pPr marR="0" lvl="7" algn="l" rtl="0">
               <a:lnSpc>
                 <a:spcPct val="100000"/>
               </a:lnSpc>
@@ -7001,7 +7140,7 @@
               </a:spcAft>
               <a:buSzPts val="1400"/>
               <a:buNone/>
-              <a:defRPr b="0" i="0" sz="2400" u="none" cap="none" strike="noStrike">
+              <a:defRPr sz="2400" b="0" i="0" u="none" strike="noStrike" cap="none">
                 <a:solidFill>
                   <a:schemeClr val="dk1"/>
                 </a:solidFill>
@@ -7011,7 +7150,7 @@
                 <a:sym typeface="Calibri"/>
               </a:defRPr>
             </a:lvl8pPr>
-            <a:lvl9pPr lvl="8" marR="0" rtl="0" algn="l">
+            <a:lvl9pPr marR="0" lvl="8" algn="l" rtl="0">
               <a:lnSpc>
                 <a:spcPct val="100000"/>
               </a:lnSpc>
@@ -7023,7 +7162,7 @@
               </a:spcAft>
               <a:buSzPts val="1400"/>
               <a:buNone/>
-              <a:defRPr b="0" i="0" sz="2400" u="none" cap="none" strike="noStrike">
+              <a:defRPr sz="2400" b="0" i="0" u="none" strike="noStrike" cap="none">
                 <a:solidFill>
                   <a:schemeClr val="dk1"/>
                 </a:solidFill>
@@ -7034,15 +7173,19 @@
               </a:defRPr>
             </a:lvl9pPr>
           </a:lstStyle>
-          <a:p/>
+          <a:p>
+            <a:endParaRPr/>
+          </a:p>
         </p:txBody>
       </p:sp>
       <p:sp>
         <p:nvSpPr>
           <p:cNvPr id="24" name="Google Shape;24;p3"/>
-          <p:cNvSpPr txBox="1"/>
+          <p:cNvSpPr txBox="1">
+            <a:spLocks noGrp="1"/>
+          </p:cNvSpPr>
           <p:nvPr>
-            <p:ph idx="11" type="ftr"/>
+            <p:ph type="ftr" idx="11"/>
           </p:nvPr>
         </p:nvSpPr>
         <p:spPr>
@@ -7059,9 +7202,9 @@
           </a:ln>
         </p:spPr>
         <p:txBody>
-          <a:bodyPr anchorCtr="0" anchor="ctr" bIns="45700" lIns="91425" spcFirstLastPara="1" rIns="91425" wrap="square" tIns="45700"/>
+          <a:bodyPr spcFirstLastPara="1" wrap="square" lIns="91425" tIns="45700" rIns="91425" bIns="45700" anchor="ctr" anchorCtr="0"/>
           <a:lstStyle>
-            <a:lvl1pPr lvl="0" marR="0" rtl="0" algn="l">
+            <a:lvl1pPr marR="0" lvl="0" algn="l" rtl="0">
               <a:lnSpc>
                 <a:spcPct val="100000"/>
               </a:lnSpc>
@@ -7073,7 +7216,7 @@
               </a:spcAft>
               <a:buSzPts val="1400"/>
               <a:buNone/>
-              <a:defRPr b="0" i="0" sz="2400" u="none">
+              <a:defRPr sz="2400" b="0" i="0" u="none">
                 <a:solidFill>
                   <a:schemeClr val="dk1"/>
                 </a:solidFill>
@@ -7083,7 +7226,7 @@
                 <a:sym typeface="Calibri"/>
               </a:defRPr>
             </a:lvl1pPr>
-            <a:lvl2pPr lvl="1" marR="0" rtl="0" algn="l">
+            <a:lvl2pPr marR="0" lvl="1" algn="l" rtl="0">
               <a:lnSpc>
                 <a:spcPct val="100000"/>
               </a:lnSpc>
@@ -7095,7 +7238,7 @@
               </a:spcAft>
               <a:buSzPts val="1400"/>
               <a:buNone/>
-              <a:defRPr b="0" i="0" sz="2400" u="none" cap="none" strike="noStrike">
+              <a:defRPr sz="2400" b="0" i="0" u="none" strike="noStrike" cap="none">
                 <a:solidFill>
                   <a:schemeClr val="dk1"/>
                 </a:solidFill>
@@ -7105,7 +7248,7 @@
                 <a:sym typeface="Calibri"/>
               </a:defRPr>
             </a:lvl2pPr>
-            <a:lvl3pPr lvl="2" marR="0" rtl="0" algn="l">
+            <a:lvl3pPr marR="0" lvl="2" algn="l" rtl="0">
               <a:lnSpc>
                 <a:spcPct val="100000"/>
               </a:lnSpc>
@@ -7117,7 +7260,7 @@
               </a:spcAft>
               <a:buSzPts val="1400"/>
               <a:buNone/>
-              <a:defRPr b="0" i="0" sz="2400" u="none" cap="none" strike="noStrike">
+              <a:defRPr sz="2400" b="0" i="0" u="none" strike="noStrike" cap="none">
                 <a:solidFill>
                   <a:schemeClr val="dk1"/>
                 </a:solidFill>
@@ -7127,7 +7270,7 @@
                 <a:sym typeface="Calibri"/>
               </a:defRPr>
             </a:lvl3pPr>
-            <a:lvl4pPr lvl="3" marR="0" rtl="0" algn="l">
+            <a:lvl4pPr marR="0" lvl="3" algn="l" rtl="0">
               <a:lnSpc>
                 <a:spcPct val="100000"/>
               </a:lnSpc>
@@ -7139,7 +7282,7 @@
               </a:spcAft>
               <a:buSzPts val="1400"/>
               <a:buNone/>
-              <a:defRPr b="0" i="0" sz="2400" u="none" cap="none" strike="noStrike">
+              <a:defRPr sz="2400" b="0" i="0" u="none" strike="noStrike" cap="none">
                 <a:solidFill>
                   <a:schemeClr val="dk1"/>
                 </a:solidFill>
@@ -7149,7 +7292,7 @@
                 <a:sym typeface="Calibri"/>
               </a:defRPr>
             </a:lvl4pPr>
-            <a:lvl5pPr lvl="4" marR="0" rtl="0" algn="l">
+            <a:lvl5pPr marR="0" lvl="4" algn="l" rtl="0">
               <a:lnSpc>
                 <a:spcPct val="100000"/>
               </a:lnSpc>
@@ -7161,7 +7304,7 @@
               </a:spcAft>
               <a:buSzPts val="1400"/>
               <a:buNone/>
-              <a:defRPr b="0" i="0" sz="2400" u="none" cap="none" strike="noStrike">
+              <a:defRPr sz="2400" b="0" i="0" u="none" strike="noStrike" cap="none">
                 <a:solidFill>
                   <a:schemeClr val="dk1"/>
                 </a:solidFill>
@@ -7171,7 +7314,7 @@
                 <a:sym typeface="Calibri"/>
               </a:defRPr>
             </a:lvl5pPr>
-            <a:lvl6pPr lvl="5" marR="0" rtl="0" algn="l">
+            <a:lvl6pPr marR="0" lvl="5" algn="l" rtl="0">
               <a:lnSpc>
                 <a:spcPct val="100000"/>
               </a:lnSpc>
@@ -7183,7 +7326,7 @@
               </a:spcAft>
               <a:buSzPts val="1400"/>
               <a:buNone/>
-              <a:defRPr b="0" i="0" sz="2400" u="none" cap="none" strike="noStrike">
+              <a:defRPr sz="2400" b="0" i="0" u="none" strike="noStrike" cap="none">
                 <a:solidFill>
                   <a:schemeClr val="dk1"/>
                 </a:solidFill>
@@ -7193,7 +7336,7 @@
                 <a:sym typeface="Calibri"/>
               </a:defRPr>
             </a:lvl6pPr>
-            <a:lvl7pPr lvl="6" marR="0" rtl="0" algn="l">
+            <a:lvl7pPr marR="0" lvl="6" algn="l" rtl="0">
               <a:lnSpc>
                 <a:spcPct val="100000"/>
               </a:lnSpc>
@@ -7205,7 +7348,7 @@
               </a:spcAft>
               <a:buSzPts val="1400"/>
               <a:buNone/>
-              <a:defRPr b="0" i="0" sz="2400" u="none" cap="none" strike="noStrike">
+              <a:defRPr sz="2400" b="0" i="0" u="none" strike="noStrike" cap="none">
                 <a:solidFill>
                   <a:schemeClr val="dk1"/>
                 </a:solidFill>
@@ -7215,7 +7358,7 @@
                 <a:sym typeface="Calibri"/>
               </a:defRPr>
             </a:lvl7pPr>
-            <a:lvl8pPr lvl="7" marR="0" rtl="0" algn="l">
+            <a:lvl8pPr marR="0" lvl="7" algn="l" rtl="0">
               <a:lnSpc>
                 <a:spcPct val="100000"/>
               </a:lnSpc>
@@ -7227,7 +7370,7 @@
               </a:spcAft>
               <a:buSzPts val="1400"/>
               <a:buNone/>
-              <a:defRPr b="0" i="0" sz="2400" u="none" cap="none" strike="noStrike">
+              <a:defRPr sz="2400" b="0" i="0" u="none" strike="noStrike" cap="none">
                 <a:solidFill>
                   <a:schemeClr val="dk1"/>
                 </a:solidFill>
@@ -7237,7 +7380,7 @@
                 <a:sym typeface="Calibri"/>
               </a:defRPr>
             </a:lvl8pPr>
-            <a:lvl9pPr lvl="8" marR="0" rtl="0" algn="l">
+            <a:lvl9pPr marR="0" lvl="8" algn="l" rtl="0">
               <a:lnSpc>
                 <a:spcPct val="100000"/>
               </a:lnSpc>
@@ -7249,7 +7392,7 @@
               </a:spcAft>
               <a:buSzPts val="1400"/>
               <a:buNone/>
-              <a:defRPr b="0" i="0" sz="2400" u="none" cap="none" strike="noStrike">
+              <a:defRPr sz="2400" b="0" i="0" u="none" strike="noStrike" cap="none">
                 <a:solidFill>
                   <a:schemeClr val="dk1"/>
                 </a:solidFill>
@@ -7260,15 +7403,19 @@
               </a:defRPr>
             </a:lvl9pPr>
           </a:lstStyle>
-          <a:p/>
+          <a:p>
+            <a:endParaRPr/>
+          </a:p>
         </p:txBody>
       </p:sp>
       <p:sp>
         <p:nvSpPr>
           <p:cNvPr id="25" name="Google Shape;25;p3"/>
-          <p:cNvSpPr txBox="1"/>
+          <p:cNvSpPr txBox="1">
+            <a:spLocks noGrp="1"/>
+          </p:cNvSpPr>
           <p:nvPr>
-            <p:ph idx="12" type="sldNum"/>
+            <p:ph type="sldNum" idx="12"/>
           </p:nvPr>
         </p:nvSpPr>
         <p:spPr>
@@ -7285,11 +7432,11 @@
           </a:ln>
         </p:spPr>
         <p:txBody>
-          <a:bodyPr anchorCtr="0" anchor="ctr" bIns="45700" lIns="91425" spcFirstLastPara="1" rIns="91425" wrap="square" tIns="45700">
+          <a:bodyPr spcFirstLastPara="1" wrap="square" lIns="91425" tIns="45700" rIns="91425" bIns="45700" anchor="ctr" anchorCtr="0">
             <a:noAutofit/>
           </a:bodyPr>
           <a:lstStyle>
-            <a:lvl1pPr indent="0" lvl="0" marL="0" marR="0" rtl="0" algn="r">
+            <a:lvl1pPr marL="0" marR="0" lvl="0" indent="0" algn="r" rtl="0">
               <a:lnSpc>
                 <a:spcPct val="100000"/>
               </a:lnSpc>
@@ -7305,7 +7452,7 @@
               <a:buSzPts val="1200"/>
               <a:buFont typeface="Calibri"/>
               <a:buNone/>
-              <a:defRPr b="0" i="0" sz="1200" u="none">
+              <a:defRPr sz="1200" b="0" i="0" u="none">
                 <a:solidFill>
                   <a:srgbClr val="898989"/>
                 </a:solidFill>
@@ -7315,7 +7462,7 @@
                 <a:sym typeface="Calibri"/>
               </a:defRPr>
             </a:lvl1pPr>
-            <a:lvl2pPr indent="0" lvl="1" marL="0" marR="0" rtl="0" algn="r">
+            <a:lvl2pPr marL="0" marR="0" lvl="1" indent="0" algn="r" rtl="0">
               <a:lnSpc>
                 <a:spcPct val="100000"/>
               </a:lnSpc>
@@ -7331,7 +7478,7 @@
               <a:buSzPts val="1200"/>
               <a:buFont typeface="Calibri"/>
               <a:buNone/>
-              <a:defRPr b="0" i="0" sz="1200" u="none">
+              <a:defRPr sz="1200" b="0" i="0" u="none">
                 <a:solidFill>
                   <a:srgbClr val="898989"/>
                 </a:solidFill>
@@ -7341,7 +7488,7 @@
                 <a:sym typeface="Calibri"/>
               </a:defRPr>
             </a:lvl2pPr>
-            <a:lvl3pPr indent="0" lvl="2" marL="0" marR="0" rtl="0" algn="r">
+            <a:lvl3pPr marL="0" marR="0" lvl="2" indent="0" algn="r" rtl="0">
               <a:lnSpc>
                 <a:spcPct val="100000"/>
               </a:lnSpc>
@@ -7357,7 +7504,7 @@
               <a:buSzPts val="1200"/>
               <a:buFont typeface="Calibri"/>
               <a:buNone/>
-              <a:defRPr b="0" i="0" sz="1200" u="none">
+              <a:defRPr sz="1200" b="0" i="0" u="none">
                 <a:solidFill>
                   <a:srgbClr val="898989"/>
                 </a:solidFill>
@@ -7367,7 +7514,7 @@
                 <a:sym typeface="Calibri"/>
               </a:defRPr>
             </a:lvl3pPr>
-            <a:lvl4pPr indent="0" lvl="3" marL="0" marR="0" rtl="0" algn="r">
+            <a:lvl4pPr marL="0" marR="0" lvl="3" indent="0" algn="r" rtl="0">
               <a:lnSpc>
                 <a:spcPct val="100000"/>
               </a:lnSpc>
@@ -7383,7 +7530,7 @@
               <a:buSzPts val="1200"/>
               <a:buFont typeface="Calibri"/>
               <a:buNone/>
-              <a:defRPr b="0" i="0" sz="1200" u="none">
+              <a:defRPr sz="1200" b="0" i="0" u="none">
                 <a:solidFill>
                   <a:srgbClr val="898989"/>
                 </a:solidFill>
@@ -7393,7 +7540,7 @@
                 <a:sym typeface="Calibri"/>
               </a:defRPr>
             </a:lvl4pPr>
-            <a:lvl5pPr indent="0" lvl="4" marL="0" marR="0" rtl="0" algn="r">
+            <a:lvl5pPr marL="0" marR="0" lvl="4" indent="0" algn="r" rtl="0">
               <a:lnSpc>
                 <a:spcPct val="100000"/>
               </a:lnSpc>
@@ -7409,7 +7556,7 @@
               <a:buSzPts val="1200"/>
               <a:buFont typeface="Calibri"/>
               <a:buNone/>
-              <a:defRPr b="0" i="0" sz="1200" u="none">
+              <a:defRPr sz="1200" b="0" i="0" u="none">
                 <a:solidFill>
                   <a:srgbClr val="898989"/>
                 </a:solidFill>
@@ -7419,7 +7566,7 @@
                 <a:sym typeface="Calibri"/>
               </a:defRPr>
             </a:lvl5pPr>
-            <a:lvl6pPr indent="0" lvl="5" marL="0" marR="0" rtl="0" algn="r">
+            <a:lvl6pPr marL="0" marR="0" lvl="5" indent="0" algn="r" rtl="0">
               <a:lnSpc>
                 <a:spcPct val="100000"/>
               </a:lnSpc>
@@ -7435,7 +7582,7 @@
               <a:buSzPts val="1200"/>
               <a:buFont typeface="Calibri"/>
               <a:buNone/>
-              <a:defRPr b="0" i="0" sz="1200" u="none">
+              <a:defRPr sz="1200" b="0" i="0" u="none">
                 <a:solidFill>
                   <a:srgbClr val="898989"/>
                 </a:solidFill>
@@ -7445,7 +7592,7 @@
                 <a:sym typeface="Calibri"/>
               </a:defRPr>
             </a:lvl6pPr>
-            <a:lvl7pPr indent="0" lvl="6" marL="0" marR="0" rtl="0" algn="r">
+            <a:lvl7pPr marL="0" marR="0" lvl="6" indent="0" algn="r" rtl="0">
               <a:lnSpc>
                 <a:spcPct val="100000"/>
               </a:lnSpc>
@@ -7461,7 +7608,7 @@
               <a:buSzPts val="1200"/>
               <a:buFont typeface="Calibri"/>
               <a:buNone/>
-              <a:defRPr b="0" i="0" sz="1200" u="none">
+              <a:defRPr sz="1200" b="0" i="0" u="none">
                 <a:solidFill>
                   <a:srgbClr val="898989"/>
                 </a:solidFill>
@@ -7471,7 +7618,7 @@
                 <a:sym typeface="Calibri"/>
               </a:defRPr>
             </a:lvl7pPr>
-            <a:lvl8pPr indent="0" lvl="7" marL="0" marR="0" rtl="0" algn="r">
+            <a:lvl8pPr marL="0" marR="0" lvl="7" indent="0" algn="r" rtl="0">
               <a:lnSpc>
                 <a:spcPct val="100000"/>
               </a:lnSpc>
@@ -7487,7 +7634,7 @@
               <a:buSzPts val="1200"/>
               <a:buFont typeface="Calibri"/>
               <a:buNone/>
-              <a:defRPr b="0" i="0" sz="1200" u="none">
+              <a:defRPr sz="1200" b="0" i="0" u="none">
                 <a:solidFill>
                   <a:srgbClr val="898989"/>
                 </a:solidFill>
@@ -7497,7 +7644,7 @@
                 <a:sym typeface="Calibri"/>
               </a:defRPr>
             </a:lvl8pPr>
-            <a:lvl9pPr indent="0" lvl="8" marL="0" marR="0" rtl="0" algn="r">
+            <a:lvl9pPr marL="0" marR="0" lvl="8" indent="0" algn="r" rtl="0">
               <a:lnSpc>
                 <a:spcPct val="100000"/>
               </a:lnSpc>
@@ -7513,7 +7660,7 @@
               <a:buSzPts val="1200"/>
               <a:buFont typeface="Calibri"/>
               <a:buNone/>
-              <a:defRPr b="0" i="0" sz="1200" u="none">
+              <a:defRPr sz="1200" b="0" i="0" u="none">
                 <a:solidFill>
                   <a:srgbClr val="898989"/>
                 </a:solidFill>
@@ -7525,7 +7672,7 @@
             </a:lvl9pPr>
           </a:lstStyle>
           <a:p>
-            <a:pPr indent="0" lvl="0" marL="0" rtl="0" algn="r">
+            <a:pPr marL="0" lvl="0" indent="0" algn="r" rtl="0">
               <a:spcBef>
                 <a:spcPts val="0"/>
               </a:spcBef>
@@ -7552,14 +7699,14 @@
       </p:sp>
     </p:spTree>
   </p:cSld>
-  <p:clrMap accent1="accent1" accent2="accent2" accent3="accent3" accent4="accent4" accent5="accent5" accent6="accent6" bg1="lt1" bg2="dk2" tx1="dk1" tx2="lt2" folHlink="folHlink" hlink="hlink"/>
+  <p:clrMap bg1="lt1" tx1="dk1" bg2="dk2" tx2="lt2" accent1="accent1" accent2="accent2" accent3="accent3" accent4="accent4" accent5="accent5" accent6="accent6" hlink="hlink" folHlink="folHlink"/>
   <p:sldLayoutIdLst>
     <p:sldLayoutId id="2147483649" r:id="rId1"/>
   </p:sldLayoutIdLst>
-  <p:hf dt="0" ftr="0" hdr="0" sldNum="0"/>
+  <p:hf sldNum="0" hdr="0" ftr="0" dt="0"/>
   <p:txStyles>
     <p:titleStyle>
-      <a:defPPr lvl="0" marR="0" rtl="0" algn="l">
+      <a:defPPr marR="0" lvl="0" algn="l" rtl="0">
         <a:lnSpc>
           <a:spcPct val="100000"/>
         </a:lnSpc>
@@ -7570,7 +7717,7 @@
           <a:spcPts val="0"/>
         </a:spcAft>
       </a:defPPr>
-      <a:lvl1pPr lvl="0" marR="0" rtl="0" algn="l">
+      <a:lvl1pPr marR="0" lvl="0" algn="l" rtl="0">
         <a:lnSpc>
           <a:spcPct val="100000"/>
         </a:lnSpc>
@@ -7584,7 +7731,7 @@
           <a:srgbClr val="000000"/>
         </a:buClr>
         <a:buFont typeface="Arial"/>
-        <a:defRPr b="0" i="0" sz="1400" u="none" cap="none" strike="noStrike">
+        <a:defRPr sz="1400" b="0" i="0" u="none" strike="noStrike" cap="none">
           <a:solidFill>
             <a:srgbClr val="000000"/>
           </a:solidFill>
@@ -7594,7 +7741,7 @@
           <a:sym typeface="Arial"/>
         </a:defRPr>
       </a:lvl1pPr>
-      <a:lvl2pPr lvl="1" marR="0" rtl="0" algn="l">
+      <a:lvl2pPr marR="0" lvl="1" algn="l" rtl="0">
         <a:lnSpc>
           <a:spcPct val="100000"/>
         </a:lnSpc>
@@ -7608,7 +7755,7 @@
           <a:srgbClr val="000000"/>
         </a:buClr>
         <a:buFont typeface="Arial"/>
-        <a:defRPr b="0" i="0" sz="1400" u="none" cap="none" strike="noStrike">
+        <a:defRPr sz="1400" b="0" i="0" u="none" strike="noStrike" cap="none">
           <a:solidFill>
             <a:srgbClr val="000000"/>
           </a:solidFill>
@@ -7618,7 +7765,7 @@
           <a:sym typeface="Arial"/>
         </a:defRPr>
       </a:lvl2pPr>
-      <a:lvl3pPr lvl="2" marR="0" rtl="0" algn="l">
+      <a:lvl3pPr marR="0" lvl="2" algn="l" rtl="0">
         <a:lnSpc>
           <a:spcPct val="100000"/>
         </a:lnSpc>
@@ -7632,7 +7779,7 @@
           <a:srgbClr val="000000"/>
         </a:buClr>
         <a:buFont typeface="Arial"/>
-        <a:defRPr b="0" i="0" sz="1400" u="none" cap="none" strike="noStrike">
+        <a:defRPr sz="1400" b="0" i="0" u="none" strike="noStrike" cap="none">
           <a:solidFill>
             <a:srgbClr val="000000"/>
           </a:solidFill>
@@ -7642,7 +7789,7 @@
           <a:sym typeface="Arial"/>
         </a:defRPr>
       </a:lvl3pPr>
-      <a:lvl4pPr lvl="3" marR="0" rtl="0" algn="l">
+      <a:lvl4pPr marR="0" lvl="3" algn="l" rtl="0">
         <a:lnSpc>
           <a:spcPct val="100000"/>
         </a:lnSpc>
@@ -7656,7 +7803,7 @@
           <a:srgbClr val="000000"/>
         </a:buClr>
         <a:buFont typeface="Arial"/>
-        <a:defRPr b="0" i="0" sz="1400" u="none" cap="none" strike="noStrike">
+        <a:defRPr sz="1400" b="0" i="0" u="none" strike="noStrike" cap="none">
           <a:solidFill>
             <a:srgbClr val="000000"/>
           </a:solidFill>
@@ -7666,7 +7813,7 @@
           <a:sym typeface="Arial"/>
         </a:defRPr>
       </a:lvl4pPr>
-      <a:lvl5pPr lvl="4" marR="0" rtl="0" algn="l">
+      <a:lvl5pPr marR="0" lvl="4" algn="l" rtl="0">
         <a:lnSpc>
           <a:spcPct val="100000"/>
         </a:lnSpc>
@@ -7680,7 +7827,7 @@
           <a:srgbClr val="000000"/>
         </a:buClr>
         <a:buFont typeface="Arial"/>
-        <a:defRPr b="0" i="0" sz="1400" u="none" cap="none" strike="noStrike">
+        <a:defRPr sz="1400" b="0" i="0" u="none" strike="noStrike" cap="none">
           <a:solidFill>
             <a:srgbClr val="000000"/>
           </a:solidFill>
@@ -7690,7 +7837,7 @@
           <a:sym typeface="Arial"/>
         </a:defRPr>
       </a:lvl5pPr>
-      <a:lvl6pPr lvl="5" marR="0" rtl="0" algn="l">
+      <a:lvl6pPr marR="0" lvl="5" algn="l" rtl="0">
         <a:lnSpc>
           <a:spcPct val="100000"/>
         </a:lnSpc>
@@ -7704,7 +7851,7 @@
           <a:srgbClr val="000000"/>
         </a:buClr>
         <a:buFont typeface="Arial"/>
-        <a:defRPr b="0" i="0" sz="1400" u="none" cap="none" strike="noStrike">
+        <a:defRPr sz="1400" b="0" i="0" u="none" strike="noStrike" cap="none">
           <a:solidFill>
             <a:srgbClr val="000000"/>
           </a:solidFill>
@@ -7714,7 +7861,7 @@
           <a:sym typeface="Arial"/>
         </a:defRPr>
       </a:lvl6pPr>
-      <a:lvl7pPr lvl="6" marR="0" rtl="0" algn="l">
+      <a:lvl7pPr marR="0" lvl="6" algn="l" rtl="0">
         <a:lnSpc>
           <a:spcPct val="100000"/>
         </a:lnSpc>
@@ -7728,7 +7875,7 @@
           <a:srgbClr val="000000"/>
         </a:buClr>
         <a:buFont typeface="Arial"/>
-        <a:defRPr b="0" i="0" sz="1400" u="none" cap="none" strike="noStrike">
+        <a:defRPr sz="1400" b="0" i="0" u="none" strike="noStrike" cap="none">
           <a:solidFill>
             <a:srgbClr val="000000"/>
           </a:solidFill>
@@ -7738,7 +7885,7 @@
           <a:sym typeface="Arial"/>
         </a:defRPr>
       </a:lvl7pPr>
-      <a:lvl8pPr lvl="7" marR="0" rtl="0" algn="l">
+      <a:lvl8pPr marR="0" lvl="7" algn="l" rtl="0">
         <a:lnSpc>
           <a:spcPct val="100000"/>
         </a:lnSpc>
@@ -7752,7 +7899,7 @@
           <a:srgbClr val="000000"/>
         </a:buClr>
         <a:buFont typeface="Arial"/>
-        <a:defRPr b="0" i="0" sz="1400" u="none" cap="none" strike="noStrike">
+        <a:defRPr sz="1400" b="0" i="0" u="none" strike="noStrike" cap="none">
           <a:solidFill>
             <a:srgbClr val="000000"/>
           </a:solidFill>
@@ -7762,7 +7909,7 @@
           <a:sym typeface="Arial"/>
         </a:defRPr>
       </a:lvl8pPr>
-      <a:lvl9pPr lvl="8" marR="0" rtl="0" algn="l">
+      <a:lvl9pPr marR="0" lvl="8" algn="l" rtl="0">
         <a:lnSpc>
           <a:spcPct val="100000"/>
         </a:lnSpc>
@@ -7776,7 +7923,7 @@
           <a:srgbClr val="000000"/>
         </a:buClr>
         <a:buFont typeface="Arial"/>
-        <a:defRPr b="0" i="0" sz="1400" u="none" cap="none" strike="noStrike">
+        <a:defRPr sz="1400" b="0" i="0" u="none" strike="noStrike" cap="none">
           <a:solidFill>
             <a:srgbClr val="000000"/>
           </a:solidFill>
@@ -7788,7 +7935,7 @@
       </a:lvl9pPr>
     </p:titleStyle>
     <p:bodyStyle>
-      <a:defPPr lvl="0" marR="0" rtl="0" algn="l">
+      <a:defPPr marR="0" lvl="0" algn="l" rtl="0">
         <a:lnSpc>
           <a:spcPct val="100000"/>
         </a:lnSpc>
@@ -7799,7 +7946,7 @@
           <a:spcPts val="0"/>
         </a:spcAft>
       </a:defPPr>
-      <a:lvl1pPr lvl="0" marR="0" rtl="0" algn="l">
+      <a:lvl1pPr marR="0" lvl="0" algn="l" rtl="0">
         <a:lnSpc>
           <a:spcPct val="100000"/>
         </a:lnSpc>
@@ -7813,7 +7960,7 @@
           <a:srgbClr val="000000"/>
         </a:buClr>
         <a:buFont typeface="Arial"/>
-        <a:defRPr b="0" i="0" sz="1400" u="none" cap="none" strike="noStrike">
+        <a:defRPr sz="1400" b="0" i="0" u="none" strike="noStrike" cap="none">
           <a:solidFill>
             <a:srgbClr val="000000"/>
           </a:solidFill>
@@ -7823,7 +7970,7 @@
           <a:sym typeface="Arial"/>
         </a:defRPr>
       </a:lvl1pPr>
-      <a:lvl2pPr lvl="1" marR="0" rtl="0" algn="l">
+      <a:lvl2pPr marR="0" lvl="1" algn="l" rtl="0">
         <a:lnSpc>
           <a:spcPct val="100000"/>
         </a:lnSpc>
@@ -7837,7 +7984,7 @@
           <a:srgbClr val="000000"/>
         </a:buClr>
         <a:buFont typeface="Arial"/>
-        <a:defRPr b="0" i="0" sz="1400" u="none" cap="none" strike="noStrike">
+        <a:defRPr sz="1400" b="0" i="0" u="none" strike="noStrike" cap="none">
           <a:solidFill>
             <a:srgbClr val="000000"/>
           </a:solidFill>
@@ -7847,7 +7994,7 @@
           <a:sym typeface="Arial"/>
         </a:defRPr>
       </a:lvl2pPr>
-      <a:lvl3pPr lvl="2" marR="0" rtl="0" algn="l">
+      <a:lvl3pPr marR="0" lvl="2" algn="l" rtl="0">
         <a:lnSpc>
           <a:spcPct val="100000"/>
         </a:lnSpc>
@@ -7861,7 +8008,7 @@
           <a:srgbClr val="000000"/>
         </a:buClr>
         <a:buFont typeface="Arial"/>
-        <a:defRPr b="0" i="0" sz="1400" u="none" cap="none" strike="noStrike">
+        <a:defRPr sz="1400" b="0" i="0" u="none" strike="noStrike" cap="none">
           <a:solidFill>
             <a:srgbClr val="000000"/>
           </a:solidFill>
@@ -7871,7 +8018,7 @@
           <a:sym typeface="Arial"/>
         </a:defRPr>
       </a:lvl3pPr>
-      <a:lvl4pPr lvl="3" marR="0" rtl="0" algn="l">
+      <a:lvl4pPr marR="0" lvl="3" algn="l" rtl="0">
         <a:lnSpc>
           <a:spcPct val="100000"/>
         </a:lnSpc>
@@ -7885,7 +8032,7 @@
           <a:srgbClr val="000000"/>
         </a:buClr>
         <a:buFont typeface="Arial"/>
-        <a:defRPr b="0" i="0" sz="1400" u="none" cap="none" strike="noStrike">
+        <a:defRPr sz="1400" b="0" i="0" u="none" strike="noStrike" cap="none">
           <a:solidFill>
             <a:srgbClr val="000000"/>
           </a:solidFill>
@@ -7895,7 +8042,7 @@
           <a:sym typeface="Arial"/>
         </a:defRPr>
       </a:lvl4pPr>
-      <a:lvl5pPr lvl="4" marR="0" rtl="0" algn="l">
+      <a:lvl5pPr marR="0" lvl="4" algn="l" rtl="0">
         <a:lnSpc>
           <a:spcPct val="100000"/>
         </a:lnSpc>
@@ -7909,7 +8056,7 @@
           <a:srgbClr val="000000"/>
         </a:buClr>
         <a:buFont typeface="Arial"/>
-        <a:defRPr b="0" i="0" sz="1400" u="none" cap="none" strike="noStrike">
+        <a:defRPr sz="1400" b="0" i="0" u="none" strike="noStrike" cap="none">
           <a:solidFill>
             <a:srgbClr val="000000"/>
           </a:solidFill>
@@ -7919,7 +8066,7 @@
           <a:sym typeface="Arial"/>
         </a:defRPr>
       </a:lvl5pPr>
-      <a:lvl6pPr lvl="5" marR="0" rtl="0" algn="l">
+      <a:lvl6pPr marR="0" lvl="5" algn="l" rtl="0">
         <a:lnSpc>
           <a:spcPct val="100000"/>
         </a:lnSpc>
@@ -7933,7 +8080,7 @@
           <a:srgbClr val="000000"/>
         </a:buClr>
         <a:buFont typeface="Arial"/>
-        <a:defRPr b="0" i="0" sz="1400" u="none" cap="none" strike="noStrike">
+        <a:defRPr sz="1400" b="0" i="0" u="none" strike="noStrike" cap="none">
           <a:solidFill>
             <a:srgbClr val="000000"/>
           </a:solidFill>
@@ -7943,7 +8090,7 @@
           <a:sym typeface="Arial"/>
         </a:defRPr>
       </a:lvl6pPr>
-      <a:lvl7pPr lvl="6" marR="0" rtl="0" algn="l">
+      <a:lvl7pPr marR="0" lvl="6" algn="l" rtl="0">
         <a:lnSpc>
           <a:spcPct val="100000"/>
         </a:lnSpc>
@@ -7957,7 +8104,7 @@
           <a:srgbClr val="000000"/>
         </a:buClr>
         <a:buFont typeface="Arial"/>
-        <a:defRPr b="0" i="0" sz="1400" u="none" cap="none" strike="noStrike">
+        <a:defRPr sz="1400" b="0" i="0" u="none" strike="noStrike" cap="none">
           <a:solidFill>
             <a:srgbClr val="000000"/>
           </a:solidFill>
@@ -7967,7 +8114,7 @@
           <a:sym typeface="Arial"/>
         </a:defRPr>
       </a:lvl7pPr>
-      <a:lvl8pPr lvl="7" marR="0" rtl="0" algn="l">
+      <a:lvl8pPr marR="0" lvl="7" algn="l" rtl="0">
         <a:lnSpc>
           <a:spcPct val="100000"/>
         </a:lnSpc>
@@ -7981,7 +8128,7 @@
           <a:srgbClr val="000000"/>
         </a:buClr>
         <a:buFont typeface="Arial"/>
-        <a:defRPr b="0" i="0" sz="1400" u="none" cap="none" strike="noStrike">
+        <a:defRPr sz="1400" b="0" i="0" u="none" strike="noStrike" cap="none">
           <a:solidFill>
             <a:srgbClr val="000000"/>
           </a:solidFill>
@@ -7991,7 +8138,7 @@
           <a:sym typeface="Arial"/>
         </a:defRPr>
       </a:lvl8pPr>
-      <a:lvl9pPr lvl="8" marR="0" rtl="0" algn="l">
+      <a:lvl9pPr marR="0" lvl="8" algn="l" rtl="0">
         <a:lnSpc>
           <a:spcPct val="100000"/>
         </a:lnSpc>
@@ -8005,7 +8152,7 @@
           <a:srgbClr val="000000"/>
         </a:buClr>
         <a:buFont typeface="Arial"/>
-        <a:defRPr b="0" i="0" sz="1400" u="none" cap="none" strike="noStrike">
+        <a:defRPr sz="1400" b="0" i="0" u="none" strike="noStrike" cap="none">
           <a:solidFill>
             <a:srgbClr val="000000"/>
           </a:solidFill>
@@ -8017,7 +8164,7 @@
       </a:lvl9pPr>
     </p:bodyStyle>
     <p:otherStyle>
-      <a:defPPr lvl="0" marR="0" rtl="0" algn="l">
+      <a:defPPr marR="0" lvl="0" algn="l" rtl="0">
         <a:lnSpc>
           <a:spcPct val="100000"/>
         </a:lnSpc>
@@ -8028,7 +8175,7 @@
           <a:spcPts val="0"/>
         </a:spcAft>
       </a:defPPr>
-      <a:lvl1pPr lvl="0" marR="0" rtl="0" algn="l">
+      <a:lvl1pPr marR="0" lvl="0" algn="l" rtl="0">
         <a:lnSpc>
           <a:spcPct val="100000"/>
         </a:lnSpc>
@@ -8042,7 +8189,7 @@
           <a:srgbClr val="000000"/>
         </a:buClr>
         <a:buFont typeface="Arial"/>
-        <a:defRPr b="0" i="0" sz="1400" u="none" cap="none" strike="noStrike">
+        <a:defRPr sz="1400" b="0" i="0" u="none" strike="noStrike" cap="none">
           <a:solidFill>
             <a:srgbClr val="000000"/>
           </a:solidFill>
@@ -8052,7 +8199,7 @@
           <a:sym typeface="Arial"/>
         </a:defRPr>
       </a:lvl1pPr>
-      <a:lvl2pPr lvl="1" marR="0" rtl="0" algn="l">
+      <a:lvl2pPr marR="0" lvl="1" algn="l" rtl="0">
         <a:lnSpc>
           <a:spcPct val="100000"/>
         </a:lnSpc>
@@ -8066,7 +8213,7 @@
           <a:srgbClr val="000000"/>
         </a:buClr>
         <a:buFont typeface="Arial"/>
-        <a:defRPr b="0" i="0" sz="1400" u="none" cap="none" strike="noStrike">
+        <a:defRPr sz="1400" b="0" i="0" u="none" strike="noStrike" cap="none">
           <a:solidFill>
             <a:srgbClr val="000000"/>
           </a:solidFill>
@@ -8076,7 +8223,7 @@
           <a:sym typeface="Arial"/>
         </a:defRPr>
       </a:lvl2pPr>
-      <a:lvl3pPr lvl="2" marR="0" rtl="0" algn="l">
+      <a:lvl3pPr marR="0" lvl="2" algn="l" rtl="0">
         <a:lnSpc>
           <a:spcPct val="100000"/>
         </a:lnSpc>
@@ -8090,7 +8237,7 @@
           <a:srgbClr val="000000"/>
         </a:buClr>
         <a:buFont typeface="Arial"/>
-        <a:defRPr b="0" i="0" sz="1400" u="none" cap="none" strike="noStrike">
+        <a:defRPr sz="1400" b="0" i="0" u="none" strike="noStrike" cap="none">
           <a:solidFill>
             <a:srgbClr val="000000"/>
           </a:solidFill>
@@ -8100,7 +8247,7 @@
           <a:sym typeface="Arial"/>
         </a:defRPr>
       </a:lvl3pPr>
-      <a:lvl4pPr lvl="3" marR="0" rtl="0" algn="l">
+      <a:lvl4pPr marR="0" lvl="3" algn="l" rtl="0">
         <a:lnSpc>
           <a:spcPct val="100000"/>
         </a:lnSpc>
@@ -8114,7 +8261,7 @@
           <a:srgbClr val="000000"/>
         </a:buClr>
         <a:buFont typeface="Arial"/>
-        <a:defRPr b="0" i="0" sz="1400" u="none" cap="none" strike="noStrike">
+        <a:defRPr sz="1400" b="0" i="0" u="none" strike="noStrike" cap="none">
           <a:solidFill>
             <a:srgbClr val="000000"/>
           </a:solidFill>
@@ -8124,7 +8271,7 @@
           <a:sym typeface="Arial"/>
         </a:defRPr>
       </a:lvl4pPr>
-      <a:lvl5pPr lvl="4" marR="0" rtl="0" algn="l">
+      <a:lvl5pPr marR="0" lvl="4" algn="l" rtl="0">
         <a:lnSpc>
           <a:spcPct val="100000"/>
         </a:lnSpc>
@@ -8138,7 +8285,7 @@
           <a:srgbClr val="000000"/>
         </a:buClr>
         <a:buFont typeface="Arial"/>
-        <a:defRPr b="0" i="0" sz="1400" u="none" cap="none" strike="noStrike">
+        <a:defRPr sz="1400" b="0" i="0" u="none" strike="noStrike" cap="none">
           <a:solidFill>
             <a:srgbClr val="000000"/>
           </a:solidFill>
@@ -8148,7 +8295,7 @@
           <a:sym typeface="Arial"/>
         </a:defRPr>
       </a:lvl5pPr>
-      <a:lvl6pPr lvl="5" marR="0" rtl="0" algn="l">
+      <a:lvl6pPr marR="0" lvl="5" algn="l" rtl="0">
         <a:lnSpc>
           <a:spcPct val="100000"/>
         </a:lnSpc>
@@ -8162,7 +8309,7 @@
           <a:srgbClr val="000000"/>
         </a:buClr>
         <a:buFont typeface="Arial"/>
-        <a:defRPr b="0" i="0" sz="1400" u="none" cap="none" strike="noStrike">
+        <a:defRPr sz="1400" b="0" i="0" u="none" strike="noStrike" cap="none">
           <a:solidFill>
             <a:srgbClr val="000000"/>
           </a:solidFill>
@@ -8172,7 +8319,7 @@
           <a:sym typeface="Arial"/>
         </a:defRPr>
       </a:lvl6pPr>
-      <a:lvl7pPr lvl="6" marR="0" rtl="0" algn="l">
+      <a:lvl7pPr marR="0" lvl="6" algn="l" rtl="0">
         <a:lnSpc>
           <a:spcPct val="100000"/>
         </a:lnSpc>
@@ -8186,7 +8333,7 @@
           <a:srgbClr val="000000"/>
         </a:buClr>
         <a:buFont typeface="Arial"/>
-        <a:defRPr b="0" i="0" sz="1400" u="none" cap="none" strike="noStrike">
+        <a:defRPr sz="1400" b="0" i="0" u="none" strike="noStrike" cap="none">
           <a:solidFill>
             <a:srgbClr val="000000"/>
           </a:solidFill>
@@ -8196,7 +8343,7 @@
           <a:sym typeface="Arial"/>
         </a:defRPr>
       </a:lvl7pPr>
-      <a:lvl8pPr lvl="7" marR="0" rtl="0" algn="l">
+      <a:lvl8pPr marR="0" lvl="7" algn="l" rtl="0">
         <a:lnSpc>
           <a:spcPct val="100000"/>
         </a:lnSpc>
@@ -8210,7 +8357,7 @@
           <a:srgbClr val="000000"/>
         </a:buClr>
         <a:buFont typeface="Arial"/>
-        <a:defRPr b="0" i="0" sz="1400" u="none" cap="none" strike="noStrike">
+        <a:defRPr sz="1400" b="0" i="0" u="none" strike="noStrike" cap="none">
           <a:solidFill>
             <a:srgbClr val="000000"/>
           </a:solidFill>
@@ -8220,7 +8367,7 @@
           <a:sym typeface="Arial"/>
         </a:defRPr>
       </a:lvl8pPr>
-      <a:lvl9pPr lvl="8" marR="0" rtl="0" algn="l">
+      <a:lvl9pPr marR="0" lvl="8" algn="l" rtl="0">
         <a:lnSpc>
           <a:spcPct val="100000"/>
         </a:lnSpc>
@@ -8234,7 +8381,7 @@
           <a:srgbClr val="000000"/>
         </a:buClr>
         <a:buFont typeface="Arial"/>
-        <a:defRPr b="0" i="0" sz="1400" u="none" cap="none" strike="noStrike">
+        <a:defRPr sz="1400" b="0" i="0" u="none" strike="noStrike" cap="none">
           <a:solidFill>
             <a:srgbClr val="000000"/>
           </a:solidFill>
@@ -8250,11 +8397,11 @@
 </file>
 
 <file path=ppt/slides/slide1.xml><?xml version="1.0" encoding="utf-8"?>
-<p:sld xmlns:a="http://schemas.openxmlformats.org/drawingml/2006/main" xmlns:r="http://schemas.openxmlformats.org/officeDocument/2006/relationships" xmlns:mc="http://schemas.openxmlformats.org/markup-compatibility/2006" xmlns:mv="urn:schemas-microsoft-com:mac:vml" xmlns:p="http://schemas.openxmlformats.org/presentationml/2006/main" xmlns:c="http://schemas.openxmlformats.org/drawingml/2006/chart" xmlns:dgm="http://schemas.openxmlformats.org/drawingml/2006/diagram" xmlns:o="urn:schemas-microsoft-com:office:office" xmlns:v="urn:schemas-microsoft-com:vml" xmlns:pvml="urn:schemas-microsoft-com:office:powerpoint" xmlns:com="http://schemas.openxmlformats.org/drawingml/2006/compatibility" xmlns:p14="http://schemas.microsoft.com/office/powerpoint/2010/main" xmlns:p15="http://schemas.microsoft.com/office/powerpoint/2012/main">
+<p:sld xmlns:a="http://schemas.openxmlformats.org/drawingml/2006/main" xmlns:r="http://schemas.openxmlformats.org/officeDocument/2006/relationships" xmlns:p="http://schemas.openxmlformats.org/presentationml/2006/main">
   <p:cSld>
     <p:spTree>
       <p:nvGrpSpPr>
-        <p:cNvPr id="35" name="Shape 35"/>
+        <p:cNvPr id="1" name="Shape 35"/>
         <p:cNvGrpSpPr/>
         <p:nvPr/>
       </p:nvGrpSpPr>
@@ -8269,7 +8416,9 @@
       <p:sp>
         <p:nvSpPr>
           <p:cNvPr id="36" name="Google Shape;36;p5"/>
-          <p:cNvSpPr txBox="1"/>
+          <p:cNvSpPr txBox="1">
+            <a:spLocks noGrp="1"/>
+          </p:cNvSpPr>
           <p:nvPr>
             <p:ph type="ctrTitle"/>
           </p:nvPr>
@@ -8288,12 +8437,12 @@
           </a:ln>
         </p:spPr>
         <p:txBody>
-          <a:bodyPr anchorCtr="0" anchor="b" bIns="45700" lIns="91425" spcFirstLastPara="1" rIns="91425" wrap="square" tIns="45700">
+          <a:bodyPr spcFirstLastPara="1" wrap="square" lIns="91425" tIns="45700" rIns="91425" bIns="45700" anchor="b" anchorCtr="0">
             <a:noAutofit/>
           </a:bodyPr>
           <a:lstStyle/>
           <a:p>
-            <a:pPr indent="0" lvl="0" marL="0" marR="0" rtl="0" algn="ctr">
+            <a:pPr marL="0" marR="0" lvl="0" indent="0" algn="ctr" rtl="0">
               <a:lnSpc>
                 <a:spcPct val="90000"/>
               </a:lnSpc>
@@ -8311,7 +8460,7 @@
               <a:buNone/>
             </a:pPr>
             <a:r>
-              <a:rPr b="0" i="0" lang="en-US" sz="3600" u="none" cap="none" strike="noStrike">
+              <a:rPr lang="en-US" sz="3600" b="0" i="0" u="none" strike="noStrike" cap="none">
                 <a:solidFill>
                   <a:srgbClr val="FFFFFF"/>
                 </a:solidFill>
@@ -8341,9 +8490,11 @@
       <p:sp>
         <p:nvSpPr>
           <p:cNvPr id="37" name="Google Shape;37;p5"/>
-          <p:cNvSpPr txBox="1"/>
+          <p:cNvSpPr txBox="1">
+            <a:spLocks noGrp="1"/>
+          </p:cNvSpPr>
           <p:nvPr>
-            <p:ph idx="1" type="subTitle"/>
+            <p:ph type="subTitle" idx="1"/>
           </p:nvPr>
         </p:nvSpPr>
         <p:spPr>
@@ -8360,12 +8511,12 @@
           </a:ln>
         </p:spPr>
         <p:txBody>
-          <a:bodyPr anchorCtr="0" anchor="t" bIns="45700" lIns="91425" spcFirstLastPara="1" rIns="91425" wrap="square" tIns="45700">
+          <a:bodyPr spcFirstLastPara="1" wrap="square" lIns="91425" tIns="45700" rIns="91425" bIns="45700" anchor="t" anchorCtr="0">
             <a:noAutofit/>
           </a:bodyPr>
           <a:lstStyle/>
           <a:p>
-            <a:pPr indent="0" lvl="0" marL="0" marR="0" rtl="0" algn="ctr">
+            <a:pPr marL="0" marR="0" lvl="0" indent="0" algn="ctr" rtl="0">
               <a:lnSpc>
                 <a:spcPct val="90000"/>
               </a:lnSpc>
@@ -8383,7 +8534,7 @@
               <a:buNone/>
             </a:pPr>
             <a:r>
-              <a:rPr b="0" i="0" lang="en-US" sz="7200" u="none" cap="none" strike="noStrike">
+              <a:rPr lang="en-US" sz="7200" b="0" i="0" u="none" strike="noStrike" cap="none">
                 <a:solidFill>
                   <a:srgbClr val="990000"/>
                 </a:solidFill>
@@ -8395,7 +8546,7 @@
               <a:t>!</a:t>
             </a:r>
             <a:r>
-              <a:rPr b="1" i="0" lang="en-US" sz="7200" u="none" cap="none" strike="noStrike">
+              <a:rPr lang="en-US" sz="7200" b="1" i="0" u="none" strike="noStrike" cap="none">
                 <a:solidFill>
                   <a:srgbClr val="E6B8AF"/>
                 </a:solidFill>
@@ -8409,7 +8560,7 @@
             <a:endParaRPr/>
           </a:p>
           <a:p>
-            <a:pPr indent="0" lvl="0" marL="0" marR="0" rtl="0" algn="l">
+            <a:pPr marL="0" marR="0" lvl="0" indent="0" algn="l" rtl="0">
               <a:lnSpc>
                 <a:spcPct val="100000"/>
               </a:lnSpc>
@@ -8427,7 +8578,7 @@
               <a:buNone/>
             </a:pPr>
             <a:r>
-              <a:rPr b="0" i="0" lang="en-US" sz="1800" u="none" cap="none" strike="noStrike">
+              <a:rPr lang="en-US" sz="1800" b="0" i="0" u="none" strike="noStrike" cap="none">
                 <a:solidFill>
                   <a:srgbClr val="FFFFFF"/>
                 </a:solidFill>
@@ -8441,7 +8592,7 @@
             <a:endParaRPr/>
           </a:p>
           <a:p>
-            <a:pPr indent="-12700" lvl="0" marL="0" marR="0" rtl="0" algn="l">
+            <a:pPr marL="0" marR="0" lvl="0" indent="-12700" algn="l" rtl="0">
               <a:lnSpc>
                 <a:spcPct val="100000"/>
               </a:lnSpc>
@@ -8459,7 +8610,7 @@
               <a:buChar char="●"/>
             </a:pPr>
             <a:r>
-              <a:rPr b="0" i="0" lang="en-US" sz="1800" u="none" cap="none" strike="noStrike">
+              <a:rPr lang="en-US" sz="1800" b="0" i="0" u="none" strike="noStrike" cap="none">
                 <a:solidFill>
                   <a:srgbClr val="FFFFFF"/>
                 </a:solidFill>
@@ -8473,7 +8624,7 @@
             <a:endParaRPr/>
           </a:p>
           <a:p>
-            <a:pPr indent="-12700" lvl="0" marL="0" marR="0" rtl="0" algn="l">
+            <a:pPr marL="0" marR="0" lvl="0" indent="-12700" algn="l" rtl="0">
               <a:lnSpc>
                 <a:spcPct val="100000"/>
               </a:lnSpc>
@@ -8491,7 +8642,7 @@
               <a:buChar char="●"/>
             </a:pPr>
             <a:r>
-              <a:rPr b="0" i="0" lang="en-US" sz="1800" u="none" cap="none" strike="noStrike">
+              <a:rPr lang="en-US" sz="1800" b="0" i="0" u="none" strike="noStrike" cap="none">
                 <a:solidFill>
                   <a:srgbClr val="FFFFFF"/>
                 </a:solidFill>
@@ -8505,7 +8656,7 @@
             <a:endParaRPr/>
           </a:p>
           <a:p>
-            <a:pPr indent="-12700" lvl="0" marL="0" marR="0" rtl="0" algn="l">
+            <a:pPr marL="0" marR="0" lvl="0" indent="-12700" algn="l" rtl="0">
               <a:lnSpc>
                 <a:spcPct val="100000"/>
               </a:lnSpc>
@@ -8523,7 +8674,7 @@
               <a:buChar char="●"/>
             </a:pPr>
             <a:r>
-              <a:rPr b="0" i="0" lang="en-US" sz="1800" u="none" cap="none" strike="noStrike">
+              <a:rPr lang="en-US" sz="1800" b="0" i="0" u="none" strike="noStrike" cap="none">
                 <a:solidFill>
                   <a:srgbClr val="FFFFFF"/>
                 </a:solidFill>
@@ -8537,7 +8688,7 @@
             <a:endParaRPr/>
           </a:p>
           <a:p>
-            <a:pPr indent="-12700" lvl="0" marL="0" marR="0" rtl="0" algn="l">
+            <a:pPr marL="0" marR="0" lvl="0" indent="-12700" algn="l" rtl="0">
               <a:lnSpc>
                 <a:spcPct val="100000"/>
               </a:lnSpc>
@@ -8555,7 +8706,7 @@
               <a:buChar char="●"/>
             </a:pPr>
             <a:r>
-              <a:rPr b="0" i="0" lang="en-US" sz="1800" u="none" cap="none" strike="noStrike">
+              <a:rPr lang="en-US" sz="1800" b="0" i="0" u="none" strike="noStrike" cap="none">
                 <a:solidFill>
                   <a:srgbClr val="FFFFFF"/>
                 </a:solidFill>
@@ -8569,7 +8720,7 @@
             <a:endParaRPr/>
           </a:p>
           <a:p>
-            <a:pPr indent="-12700" lvl="0" marL="0" marR="0" rtl="0" algn="l">
+            <a:pPr marL="0" marR="0" lvl="0" indent="-12700" algn="l" rtl="0">
               <a:lnSpc>
                 <a:spcPct val="100000"/>
               </a:lnSpc>
@@ -8587,7 +8738,7 @@
               <a:buChar char="●"/>
             </a:pPr>
             <a:r>
-              <a:rPr b="0" i="0" lang="en-US" sz="1800" u="none" cap="none" strike="noStrike">
+              <a:rPr lang="en-US" sz="1800" b="0" i="0" u="none" strike="noStrike" cap="none">
                 <a:solidFill>
                   <a:srgbClr val="FFFFFF"/>
                 </a:solidFill>
@@ -8601,7 +8752,7 @@
             <a:endParaRPr/>
           </a:p>
           <a:p>
-            <a:pPr indent="-12700" lvl="0" marL="0" marR="0" rtl="0" algn="l">
+            <a:pPr marL="0" marR="0" lvl="0" indent="-12700" algn="l" rtl="0">
               <a:lnSpc>
                 <a:spcPct val="100000"/>
               </a:lnSpc>
@@ -8619,7 +8770,7 @@
               <a:buChar char="●"/>
             </a:pPr>
             <a:r>
-              <a:rPr b="0" i="0" lang="en-US" sz="1800" u="none" cap="none" strike="noStrike">
+              <a:rPr lang="en-US" sz="1800" b="0" i="0" u="none" strike="noStrike" cap="none">
                 <a:solidFill>
                   <a:srgbClr val="FFFFFF"/>
                 </a:solidFill>
@@ -8630,7 +8781,7 @@
               </a:rPr>
               <a:t>Dakota Fisher</a:t>
             </a:r>
-            <a:endParaRPr b="0" i="0" sz="2400" u="none" cap="none" strike="noStrike">
+            <a:endParaRPr sz="2400" b="0" i="0" u="none" strike="noStrike" cap="none">
               <a:solidFill>
                 <a:srgbClr val="FFFFFF"/>
               </a:solidFill>
@@ -8641,7 +8792,7 @@
             </a:endParaRPr>
           </a:p>
           <a:p>
-            <a:pPr indent="0" lvl="0" marL="0" marR="0" rtl="0" algn="ctr">
+            <a:pPr marL="0" marR="0" lvl="0" indent="0" algn="ctr" rtl="0">
               <a:lnSpc>
                 <a:spcPct val="90000"/>
               </a:lnSpc>
@@ -8671,7 +8822,7 @@
               <a:t>11</a:t>
             </a:r>
             <a:r>
-              <a:rPr b="0" i="0" lang="en-US" sz="2400" u="none" cap="none" strike="noStrike">
+              <a:rPr lang="en-US" sz="2400" b="0" i="0" u="none" strike="noStrike" cap="none">
                 <a:solidFill>
                   <a:srgbClr val="FFFFFF"/>
                 </a:solidFill>
@@ -8695,7 +8846,7 @@
               <a:t>October</a:t>
             </a:r>
             <a:r>
-              <a:rPr b="0" i="0" lang="en-US" sz="2400" u="none" cap="none" strike="noStrike">
+              <a:rPr lang="en-US" sz="2400" b="0" i="0" u="none" strike="noStrike" cap="none">
                 <a:solidFill>
                   <a:srgbClr val="FFFFFF"/>
                 </a:solidFill>
@@ -8719,11 +8870,11 @@
 </file>
 
 <file path=ppt/slides/slide2.xml><?xml version="1.0" encoding="utf-8"?>
-<p:sld xmlns:a="http://schemas.openxmlformats.org/drawingml/2006/main" xmlns:r="http://schemas.openxmlformats.org/officeDocument/2006/relationships" xmlns:mc="http://schemas.openxmlformats.org/markup-compatibility/2006" xmlns:mv="urn:schemas-microsoft-com:mac:vml" xmlns:p="http://schemas.openxmlformats.org/presentationml/2006/main" xmlns:c="http://schemas.openxmlformats.org/drawingml/2006/chart" xmlns:dgm="http://schemas.openxmlformats.org/drawingml/2006/diagram" xmlns:o="urn:schemas-microsoft-com:office:office" xmlns:v="urn:schemas-microsoft-com:vml" xmlns:pvml="urn:schemas-microsoft-com:office:powerpoint" xmlns:com="http://schemas.openxmlformats.org/drawingml/2006/compatibility" xmlns:p14="http://schemas.microsoft.com/office/powerpoint/2010/main" xmlns:p15="http://schemas.microsoft.com/office/powerpoint/2012/main">
+<p:sld xmlns:a="http://schemas.openxmlformats.org/drawingml/2006/main" xmlns:r="http://schemas.openxmlformats.org/officeDocument/2006/relationships" xmlns:p="http://schemas.openxmlformats.org/presentationml/2006/main">
   <p:cSld>
     <p:spTree>
       <p:nvGrpSpPr>
-        <p:cNvPr id="41" name="Shape 41"/>
+        <p:cNvPr id="1" name="Shape 41"/>
         <p:cNvGrpSpPr/>
         <p:nvPr/>
       </p:nvGrpSpPr>
@@ -8738,7 +8889,9 @@
       <p:sp>
         <p:nvSpPr>
           <p:cNvPr id="42" name="Google Shape;42;p6"/>
-          <p:cNvSpPr txBox="1"/>
+          <p:cNvSpPr txBox="1">
+            <a:spLocks noGrp="1"/>
+          </p:cNvSpPr>
           <p:nvPr>
             <p:ph type="title"/>
           </p:nvPr>
@@ -8757,12 +8910,12 @@
           </a:ln>
         </p:spPr>
         <p:txBody>
-          <a:bodyPr anchorCtr="0" anchor="ctr" bIns="45700" lIns="91425" spcFirstLastPara="1" rIns="91425" wrap="square" tIns="45700">
+          <a:bodyPr spcFirstLastPara="1" wrap="square" lIns="91425" tIns="45700" rIns="91425" bIns="45700" anchor="ctr" anchorCtr="0">
             <a:noAutofit/>
           </a:bodyPr>
           <a:lstStyle/>
           <a:p>
-            <a:pPr indent="0" lvl="0" marL="0" marR="0" rtl="0" algn="l">
+            <a:pPr marL="0" marR="0" lvl="0" indent="0" algn="l" rtl="0">
               <a:lnSpc>
                 <a:spcPct val="90000"/>
               </a:lnSpc>
@@ -8780,7 +8933,7 @@
               <a:buNone/>
             </a:pPr>
             <a:r>
-              <a:rPr b="0" i="0" lang="en-US" sz="4400" u="none" cap="none" strike="noStrike">
+              <a:rPr lang="en-US" sz="4400" b="0" i="0" u="none" strike="noStrike" cap="none">
                 <a:solidFill>
                   <a:srgbClr val="FFFFFF"/>
                 </a:solidFill>
@@ -8798,9 +8951,11 @@
       <p:sp>
         <p:nvSpPr>
           <p:cNvPr id="43" name="Google Shape;43;p6"/>
-          <p:cNvSpPr txBox="1"/>
+          <p:cNvSpPr txBox="1">
+            <a:spLocks noGrp="1"/>
+          </p:cNvSpPr>
           <p:nvPr>
-            <p:ph idx="1" type="body"/>
+            <p:ph type="body" idx="1"/>
           </p:nvPr>
         </p:nvSpPr>
         <p:spPr>
@@ -8817,12 +8972,12 @@
           </a:ln>
         </p:spPr>
         <p:txBody>
-          <a:bodyPr anchorCtr="0" anchor="t" bIns="45700" lIns="91425" spcFirstLastPara="1" rIns="91425" wrap="square" tIns="45700">
+          <a:bodyPr spcFirstLastPara="1" wrap="square" lIns="91425" tIns="45700" rIns="91425" bIns="45700" anchor="t" anchorCtr="0">
             <a:noAutofit/>
           </a:bodyPr>
           <a:lstStyle/>
           <a:p>
-            <a:pPr indent="0" lvl="0" marL="0" marR="0" rtl="0" algn="l">
+            <a:pPr marL="0" marR="0" lvl="0" indent="0" algn="l" rtl="0">
               <a:lnSpc>
                 <a:spcPct val="90000"/>
               </a:lnSpc>
@@ -8840,7 +8995,7 @@
               <a:buNone/>
             </a:pPr>
             <a:r>
-              <a:rPr b="0" i="0" lang="en-US" sz="2800" u="none" cap="none" strike="noStrike">
+              <a:rPr lang="en-US" sz="2800" b="0" i="0" u="none" strike="noStrike" cap="none">
                 <a:solidFill>
                   <a:srgbClr val="FFFFFF"/>
                 </a:solidFill>
@@ -8854,7 +9009,7 @@
             <a:endParaRPr/>
           </a:p>
           <a:p>
-            <a:pPr indent="-19050" lvl="0" marL="0" marR="0" rtl="0" algn="l">
+            <a:pPr marL="0" marR="0" lvl="0" indent="-19050" algn="l" rtl="0">
               <a:lnSpc>
                 <a:spcPct val="100000"/>
               </a:lnSpc>
@@ -8872,7 +9027,7 @@
               <a:buChar char="•"/>
             </a:pPr>
             <a:r>
-              <a:rPr b="0" i="0" lang="en-US" sz="2800" u="none" cap="none" strike="noStrike">
+              <a:rPr lang="en-US" sz="2800" b="0" i="0" u="none" strike="noStrike" cap="none">
                 <a:solidFill>
                   <a:srgbClr val="FFFFFF"/>
                 </a:solidFill>
@@ -8886,7 +9041,7 @@
             <a:endParaRPr/>
           </a:p>
           <a:p>
-            <a:pPr indent="-19050" lvl="0" marL="0" marR="0" rtl="0" algn="l">
+            <a:pPr marL="0" marR="0" lvl="0" indent="-19050" algn="l" rtl="0">
               <a:lnSpc>
                 <a:spcPct val="100000"/>
               </a:lnSpc>
@@ -8904,7 +9059,7 @@
               <a:buChar char="•"/>
             </a:pPr>
             <a:r>
-              <a:rPr b="0" i="0" lang="en-US" sz="2800" u="none" cap="none" strike="noStrike">
+              <a:rPr lang="en-US" sz="2800" b="0" i="0" u="none" strike="noStrike" cap="none">
                 <a:solidFill>
                   <a:srgbClr val="FFFFFF"/>
                 </a:solidFill>
@@ -8918,7 +9073,7 @@
             <a:endParaRPr/>
           </a:p>
           <a:p>
-            <a:pPr indent="-19050" lvl="0" marL="0" marR="0" rtl="0" algn="l">
+            <a:pPr marL="0" marR="0" lvl="0" indent="-19050" algn="l" rtl="0">
               <a:lnSpc>
                 <a:spcPct val="100000"/>
               </a:lnSpc>
@@ -8936,7 +9091,7 @@
               <a:buChar char="•"/>
             </a:pPr>
             <a:r>
-              <a:rPr b="0" i="0" lang="en-US" sz="2800" u="none" cap="none" strike="noStrike">
+              <a:rPr lang="en-US" sz="2800" b="0" i="0" u="none" strike="noStrike" cap="none">
                 <a:solidFill>
                   <a:srgbClr val="FFFFFF"/>
                 </a:solidFill>
@@ -8950,7 +9105,7 @@
             <a:endParaRPr/>
           </a:p>
           <a:p>
-            <a:pPr indent="-19050" lvl="0" marL="0" marR="0" rtl="0" algn="l">
+            <a:pPr marL="0" marR="0" lvl="0" indent="-19050" algn="l" rtl="0">
               <a:lnSpc>
                 <a:spcPct val="100000"/>
               </a:lnSpc>
@@ -8968,7 +9123,7 @@
               <a:buChar char="•"/>
             </a:pPr>
             <a:r>
-              <a:rPr b="0" i="0" lang="en-US" sz="2800" u="none" cap="none" strike="noStrike">
+              <a:rPr lang="en-US" sz="2800" b="0" i="0" u="none" strike="noStrike" cap="none">
                 <a:solidFill>
                   <a:srgbClr val="FFFFFF"/>
                 </a:solidFill>
@@ -8982,7 +9137,7 @@
             <a:endParaRPr/>
           </a:p>
           <a:p>
-            <a:pPr indent="-19050" lvl="0" marL="0" marR="0" rtl="0" algn="l">
+            <a:pPr marL="0" marR="0" lvl="0" indent="-19050" algn="l" rtl="0">
               <a:lnSpc>
                 <a:spcPct val="100000"/>
               </a:lnSpc>
@@ -9000,7 +9155,7 @@
               <a:buChar char="•"/>
             </a:pPr>
             <a:r>
-              <a:rPr b="0" i="0" lang="en-US" sz="2800" u="none" cap="none" strike="noStrike">
+              <a:rPr lang="en-US" sz="2800" b="0" i="0" u="none" strike="noStrike" cap="none">
                 <a:solidFill>
                   <a:srgbClr val="FFFFFF"/>
                 </a:solidFill>
@@ -9014,7 +9169,7 @@
             <a:endParaRPr/>
           </a:p>
           <a:p>
-            <a:pPr indent="-19050" lvl="0" marL="0" marR="0" rtl="0" algn="l">
+            <a:pPr marL="0" marR="0" lvl="0" indent="-19050" algn="l" rtl="0">
               <a:lnSpc>
                 <a:spcPct val="100000"/>
               </a:lnSpc>
@@ -9032,7 +9187,7 @@
               <a:buChar char="•"/>
             </a:pPr>
             <a:r>
-              <a:rPr b="0" i="0" lang="en-US" sz="2800" u="none" cap="none" strike="noStrike">
+              <a:rPr lang="en-US" sz="2800" b="0" i="0" u="none" strike="noStrike" cap="none">
                 <a:solidFill>
                   <a:srgbClr val="FFFFFF"/>
                 </a:solidFill>
@@ -9046,7 +9201,7 @@
             <a:endParaRPr/>
           </a:p>
           <a:p>
-            <a:pPr indent="0" lvl="0" marL="0" marR="0" rtl="0" algn="l">
+            <a:pPr marL="0" marR="0" lvl="0" indent="0" algn="l" rtl="0">
               <a:lnSpc>
                 <a:spcPct val="90000"/>
               </a:lnSpc>
@@ -9064,7 +9219,7 @@
               <a:buNone/>
             </a:pPr>
             <a:r>
-              <a:rPr b="0" i="0" lang="en-US" sz="2800" u="none" cap="none" strike="noStrike">
+              <a:rPr lang="en-US" sz="2800" b="0" i="0" u="none" strike="noStrike" cap="none">
                 <a:solidFill>
                   <a:srgbClr val="FFFFFF"/>
                 </a:solidFill>
@@ -9088,11 +9243,11 @@
 </file>
 
 <file path=ppt/slides/slide3.xml><?xml version="1.0" encoding="utf-8"?>
-<p:sld xmlns:a="http://schemas.openxmlformats.org/drawingml/2006/main" xmlns:r="http://schemas.openxmlformats.org/officeDocument/2006/relationships" xmlns:mc="http://schemas.openxmlformats.org/markup-compatibility/2006" xmlns:mv="urn:schemas-microsoft-com:mac:vml" xmlns:p="http://schemas.openxmlformats.org/presentationml/2006/main" xmlns:c="http://schemas.openxmlformats.org/drawingml/2006/chart" xmlns:dgm="http://schemas.openxmlformats.org/drawingml/2006/diagram" xmlns:o="urn:schemas-microsoft-com:office:office" xmlns:v="urn:schemas-microsoft-com:vml" xmlns:pvml="urn:schemas-microsoft-com:office:powerpoint" xmlns:com="http://schemas.openxmlformats.org/drawingml/2006/compatibility" xmlns:p14="http://schemas.microsoft.com/office/powerpoint/2010/main" xmlns:p15="http://schemas.microsoft.com/office/powerpoint/2012/main">
+<p:sld xmlns:a="http://schemas.openxmlformats.org/drawingml/2006/main" xmlns:r="http://schemas.openxmlformats.org/officeDocument/2006/relationships" xmlns:p="http://schemas.openxmlformats.org/presentationml/2006/main">
   <p:cSld>
     <p:spTree>
       <p:nvGrpSpPr>
-        <p:cNvPr id="48" name="Shape 48"/>
+        <p:cNvPr id="1" name="Shape 48"/>
         <p:cNvGrpSpPr/>
         <p:nvPr/>
       </p:nvGrpSpPr>
@@ -9107,7 +9262,9 @@
       <p:sp>
         <p:nvSpPr>
           <p:cNvPr id="49" name="Google Shape;49;p7"/>
-          <p:cNvSpPr txBox="1"/>
+          <p:cNvSpPr txBox="1">
+            <a:spLocks noGrp="1"/>
+          </p:cNvSpPr>
           <p:nvPr>
             <p:ph type="title"/>
           </p:nvPr>
@@ -9122,12 +9279,12 @@
           </a:prstGeom>
         </p:spPr>
         <p:txBody>
-          <a:bodyPr anchorCtr="0" anchor="ctr" bIns="45700" lIns="91425" spcFirstLastPara="1" rIns="91425" wrap="square" tIns="45700">
+          <a:bodyPr spcFirstLastPara="1" wrap="square" lIns="91425" tIns="45700" rIns="91425" bIns="45700" anchor="ctr" anchorCtr="0">
             <a:noAutofit/>
           </a:bodyPr>
           <a:lstStyle/>
           <a:p>
-            <a:pPr indent="0" lvl="0" marL="0" rtl="0" algn="l">
+            <a:pPr marL="0" lvl="0" indent="0" algn="l" rtl="0">
               <a:spcBef>
                 <a:spcPts val="0"/>
               </a:spcBef>
@@ -9146,30 +9303,32 @@
       </p:sp>
       <p:pic>
         <p:nvPicPr>
-          <p:cNvPr id="50" name="Google Shape;50;p7"/>
-          <p:cNvPicPr preferRelativeResize="0"/>
+          <p:cNvPr id="3" name="Picture 2" descr="A screenshot of a cell phone&#10;&#10;Description generated with very high confidence">
+            <a:extLst>
+              <a:ext uri="{FF2B5EF4-FFF2-40B4-BE49-F238E27FC236}">
+                <a16:creationId xmlns:a16="http://schemas.microsoft.com/office/drawing/2014/main" id="{DD75B7BC-E00E-4334-A665-1154F88B7C6C}"/>
+              </a:ext>
+            </a:extLst>
+          </p:cNvPr>
+          <p:cNvPicPr>
+            <a:picLocks noChangeAspect="1"/>
+          </p:cNvPicPr>
           <p:nvPr/>
         </p:nvPicPr>
         <p:blipFill>
-          <a:blip r:embed="rId3">
-            <a:alphaModFix/>
-          </a:blip>
+          <a:blip r:embed="rId3"/>
           <a:stretch>
             <a:fillRect/>
           </a:stretch>
         </p:blipFill>
         <p:spPr>
           <a:xfrm>
-            <a:off x="1181100" y="1257413"/>
-            <a:ext cx="9829800" cy="5172075"/>
+            <a:off x="1194703" y="1196382"/>
+            <a:ext cx="9802593" cy="5249008"/>
           </a:xfrm>
           <a:prstGeom prst="rect">
             <a:avLst/>
           </a:prstGeom>
-          <a:noFill/>
-          <a:ln>
-            <a:noFill/>
-          </a:ln>
         </p:spPr>
       </p:pic>
     </p:spTree>
@@ -9181,11 +9340,11 @@
 </file>
 
 <file path=ppt/slides/slide4.xml><?xml version="1.0" encoding="utf-8"?>
-<p:sld xmlns:a="http://schemas.openxmlformats.org/drawingml/2006/main" xmlns:r="http://schemas.openxmlformats.org/officeDocument/2006/relationships" xmlns:mc="http://schemas.openxmlformats.org/markup-compatibility/2006" xmlns:mv="urn:schemas-microsoft-com:mac:vml" xmlns:p="http://schemas.openxmlformats.org/presentationml/2006/main" xmlns:c="http://schemas.openxmlformats.org/drawingml/2006/chart" xmlns:dgm="http://schemas.openxmlformats.org/drawingml/2006/diagram" xmlns:o="urn:schemas-microsoft-com:office:office" xmlns:v="urn:schemas-microsoft-com:vml" xmlns:pvml="urn:schemas-microsoft-com:office:powerpoint" xmlns:com="http://schemas.openxmlformats.org/drawingml/2006/compatibility" xmlns:p14="http://schemas.microsoft.com/office/powerpoint/2010/main" xmlns:p15="http://schemas.microsoft.com/office/powerpoint/2012/main">
+<p:sld xmlns:a="http://schemas.openxmlformats.org/drawingml/2006/main" xmlns:r="http://schemas.openxmlformats.org/officeDocument/2006/relationships" xmlns:p="http://schemas.openxmlformats.org/presentationml/2006/main">
   <p:cSld>
     <p:spTree>
       <p:nvGrpSpPr>
-        <p:cNvPr id="55" name="Shape 55"/>
+        <p:cNvPr id="1" name="Shape 55"/>
         <p:cNvGrpSpPr/>
         <p:nvPr/>
       </p:nvGrpSpPr>
@@ -9200,7 +9359,9 @@
       <p:sp>
         <p:nvSpPr>
           <p:cNvPr id="56" name="Google Shape;56;p8"/>
-          <p:cNvSpPr txBox="1"/>
+          <p:cNvSpPr txBox="1">
+            <a:spLocks noGrp="1"/>
+          </p:cNvSpPr>
           <p:nvPr>
             <p:ph type="title"/>
           </p:nvPr>
@@ -9215,12 +9376,12 @@
           </a:prstGeom>
         </p:spPr>
         <p:txBody>
-          <a:bodyPr anchorCtr="0" anchor="ctr" bIns="45700" lIns="91425" spcFirstLastPara="1" rIns="91425" wrap="square" tIns="45700">
+          <a:bodyPr spcFirstLastPara="1" wrap="square" lIns="91425" tIns="45700" rIns="91425" bIns="45700" anchor="ctr" anchorCtr="0">
             <a:noAutofit/>
           </a:bodyPr>
           <a:lstStyle/>
           <a:p>
-            <a:pPr indent="0" lvl="0" marL="0" rtl="0" algn="l">
+            <a:pPr marL="0" lvl="0" indent="0" algn="l" rtl="0">
               <a:spcBef>
                 <a:spcPts val="0"/>
               </a:spcBef>
@@ -9246,11 +9407,11 @@
 </file>
 
 <file path=ppt/slides/slide5.xml><?xml version="1.0" encoding="utf-8"?>
-<p:sld xmlns:a="http://schemas.openxmlformats.org/drawingml/2006/main" xmlns:r="http://schemas.openxmlformats.org/officeDocument/2006/relationships" xmlns:mc="http://schemas.openxmlformats.org/markup-compatibility/2006" xmlns:mv="urn:schemas-microsoft-com:mac:vml" xmlns:p="http://schemas.openxmlformats.org/presentationml/2006/main" xmlns:c="http://schemas.openxmlformats.org/drawingml/2006/chart" xmlns:dgm="http://schemas.openxmlformats.org/drawingml/2006/diagram" xmlns:o="urn:schemas-microsoft-com:office:office" xmlns:v="urn:schemas-microsoft-com:vml" xmlns:pvml="urn:schemas-microsoft-com:office:powerpoint" xmlns:com="http://schemas.openxmlformats.org/drawingml/2006/compatibility" xmlns:p14="http://schemas.microsoft.com/office/powerpoint/2010/main" xmlns:p15="http://schemas.microsoft.com/office/powerpoint/2012/main">
+<p:sld xmlns:a="http://schemas.openxmlformats.org/drawingml/2006/main" xmlns:r="http://schemas.openxmlformats.org/officeDocument/2006/relationships" xmlns:p="http://schemas.openxmlformats.org/presentationml/2006/main">
   <p:cSld>
     <p:spTree>
       <p:nvGrpSpPr>
-        <p:cNvPr id="61" name="Shape 61"/>
+        <p:cNvPr id="1" name="Shape 61"/>
         <p:cNvGrpSpPr/>
         <p:nvPr/>
       </p:nvGrpSpPr>
@@ -9265,7 +9426,9 @@
       <p:sp>
         <p:nvSpPr>
           <p:cNvPr id="62" name="Google Shape;62;p9"/>
-          <p:cNvSpPr txBox="1"/>
+          <p:cNvSpPr txBox="1">
+            <a:spLocks noGrp="1"/>
+          </p:cNvSpPr>
           <p:nvPr>
             <p:ph type="title"/>
           </p:nvPr>
@@ -9280,12 +9443,12 @@
           </a:prstGeom>
         </p:spPr>
         <p:txBody>
-          <a:bodyPr anchorCtr="0" anchor="ctr" bIns="45700" lIns="91425" spcFirstLastPara="1" rIns="91425" wrap="square" tIns="45700">
+          <a:bodyPr spcFirstLastPara="1" wrap="square" lIns="91425" tIns="45700" rIns="91425" bIns="45700" anchor="ctr" anchorCtr="0">
             <a:noAutofit/>
           </a:bodyPr>
           <a:lstStyle/>
           <a:p>
-            <a:pPr indent="0" lvl="0" marL="0" rtl="0" algn="l">
+            <a:pPr marL="0" lvl="0" indent="0" algn="l" rtl="0">
               <a:spcBef>
                 <a:spcPts val="0"/>
               </a:spcBef>
@@ -9305,9 +9468,11 @@
       <p:sp>
         <p:nvSpPr>
           <p:cNvPr id="63" name="Google Shape;63;p9"/>
-          <p:cNvSpPr txBox="1"/>
+          <p:cNvSpPr txBox="1">
+            <a:spLocks noGrp="1"/>
+          </p:cNvSpPr>
           <p:nvPr>
-            <p:ph idx="1" type="body"/>
+            <p:ph type="body" idx="1"/>
           </p:nvPr>
         </p:nvSpPr>
         <p:spPr>
@@ -9320,12 +9485,12 @@
           </a:prstGeom>
         </p:spPr>
         <p:txBody>
-          <a:bodyPr anchorCtr="0" anchor="t" bIns="45700" lIns="91425" spcFirstLastPara="1" rIns="91425" wrap="square" tIns="45700">
+          <a:bodyPr spcFirstLastPara="1" wrap="square" lIns="91425" tIns="45700" rIns="91425" bIns="45700" anchor="t" anchorCtr="0">
             <a:noAutofit/>
           </a:bodyPr>
           <a:lstStyle/>
           <a:p>
-            <a:pPr indent="0" lvl="0" marL="0" rtl="0" algn="l">
+            <a:pPr marL="0" lvl="0" indent="0" algn="l" rtl="0">
               <a:spcBef>
                 <a:spcPts val="1000"/>
               </a:spcBef>
@@ -9341,7 +9506,7 @@
             <a:endParaRPr/>
           </a:p>
           <a:p>
-            <a:pPr indent="-406400" lvl="0" marL="457200" rtl="0" algn="l">
+            <a:pPr marL="457200" lvl="0" indent="-406400" algn="l" rtl="0">
               <a:spcBef>
                 <a:spcPts val="1000"/>
               </a:spcBef>
@@ -9358,7 +9523,7 @@
             <a:endParaRPr/>
           </a:p>
           <a:p>
-            <a:pPr indent="0" lvl="0" marL="0" rtl="0" algn="l">
+            <a:pPr marL="0" lvl="0" indent="0" algn="l" rtl="0">
               <a:spcBef>
                 <a:spcPts val="1000"/>
               </a:spcBef>
@@ -9367,13 +9532,10 @@
               </a:spcAft>
               <a:buNone/>
             </a:pPr>
-            <a:r>
-              <a:t/>
-            </a:r>
             <a:endParaRPr/>
           </a:p>
           <a:p>
-            <a:pPr indent="0" lvl="0" marL="0" rtl="0" algn="l">
+            <a:pPr marL="0" lvl="0" indent="0" algn="l" rtl="0">
               <a:spcBef>
                 <a:spcPts val="1000"/>
               </a:spcBef>
@@ -9389,7 +9551,7 @@
             <a:endParaRPr/>
           </a:p>
           <a:p>
-            <a:pPr indent="-406400" lvl="0" marL="457200" rtl="0" algn="l">
+            <a:pPr marL="457200" lvl="0" indent="-406400" algn="l" rtl="0">
               <a:spcBef>
                 <a:spcPts val="1000"/>
               </a:spcBef>
@@ -9401,16 +9563,12 @@
             </a:pPr>
             <a:r>
               <a:rPr lang="en-US"/>
-              <a:t>Github </a:t>
-            </a:r>
-            <a:r>
-              <a:rPr lang="en-US"/>
-              <a:t>difficulties</a:t>
+              <a:t>Github difficulties</a:t>
             </a:r>
             <a:endParaRPr/>
           </a:p>
           <a:p>
-            <a:pPr indent="-406400" lvl="0" marL="457200" rtl="0" algn="l">
+            <a:pPr marL="457200" lvl="0" indent="-406400" algn="l" rtl="0">
               <a:spcBef>
                 <a:spcPts val="0"/>
               </a:spcBef>
@@ -9427,7 +9585,7 @@
             <a:endParaRPr/>
           </a:p>
           <a:p>
-            <a:pPr indent="-406400" lvl="0" marL="457200" rtl="0" algn="l">
+            <a:pPr marL="457200" lvl="0" indent="-406400" algn="l" rtl="0">
               <a:spcBef>
                 <a:spcPts val="0"/>
               </a:spcBef>
@@ -9444,7 +9602,7 @@
             <a:endParaRPr/>
           </a:p>
           <a:p>
-            <a:pPr indent="0" lvl="0" marL="0" rtl="0" algn="l">
+            <a:pPr marL="0" lvl="0" indent="0" algn="l" rtl="0">
               <a:spcBef>
                 <a:spcPts val="1000"/>
               </a:spcBef>
@@ -9453,13 +9611,10 @@
               </a:spcAft>
               <a:buNone/>
             </a:pPr>
-            <a:r>
-              <a:t/>
-            </a:r>
             <a:endParaRPr/>
           </a:p>
           <a:p>
-            <a:pPr indent="0" lvl="0" marL="0" rtl="0" algn="l">
+            <a:pPr marL="0" lvl="0" indent="0" algn="l" rtl="0">
               <a:spcBef>
                 <a:spcPts val="1000"/>
               </a:spcBef>
@@ -9468,9 +9623,6 @@
               </a:spcAft>
               <a:buNone/>
             </a:pPr>
-            <a:r>
-              <a:t/>
-            </a:r>
             <a:endParaRPr/>
           </a:p>
         </p:txBody>
@@ -9484,11 +9636,11 @@
 </file>
 
 <file path=ppt/slides/slide6.xml><?xml version="1.0" encoding="utf-8"?>
-<p:sld xmlns:a="http://schemas.openxmlformats.org/drawingml/2006/main" xmlns:r="http://schemas.openxmlformats.org/officeDocument/2006/relationships" xmlns:mc="http://schemas.openxmlformats.org/markup-compatibility/2006" xmlns:mv="urn:schemas-microsoft-com:mac:vml" xmlns:p="http://schemas.openxmlformats.org/presentationml/2006/main" xmlns:c="http://schemas.openxmlformats.org/drawingml/2006/chart" xmlns:dgm="http://schemas.openxmlformats.org/drawingml/2006/diagram" xmlns:o="urn:schemas-microsoft-com:office:office" xmlns:v="urn:schemas-microsoft-com:vml" xmlns:pvml="urn:schemas-microsoft-com:office:powerpoint" xmlns:com="http://schemas.openxmlformats.org/drawingml/2006/compatibility" xmlns:p14="http://schemas.microsoft.com/office/powerpoint/2010/main" xmlns:p15="http://schemas.microsoft.com/office/powerpoint/2012/main">
+<p:sld xmlns:a="http://schemas.openxmlformats.org/drawingml/2006/main" xmlns:r="http://schemas.openxmlformats.org/officeDocument/2006/relationships" xmlns:p="http://schemas.openxmlformats.org/presentationml/2006/main">
   <p:cSld>
     <p:spTree>
       <p:nvGrpSpPr>
-        <p:cNvPr id="68" name="Shape 68"/>
+        <p:cNvPr id="1" name="Shape 68"/>
         <p:cNvGrpSpPr/>
         <p:nvPr/>
       </p:nvGrpSpPr>
@@ -9503,7 +9655,9 @@
       <p:sp>
         <p:nvSpPr>
           <p:cNvPr id="69" name="Google Shape;69;p10"/>
-          <p:cNvSpPr txBox="1"/>
+          <p:cNvSpPr txBox="1">
+            <a:spLocks noGrp="1"/>
+          </p:cNvSpPr>
           <p:nvPr>
             <p:ph type="title"/>
           </p:nvPr>
@@ -9518,12 +9672,12 @@
           </a:prstGeom>
         </p:spPr>
         <p:txBody>
-          <a:bodyPr anchorCtr="0" anchor="ctr" bIns="45700" lIns="91425" spcFirstLastPara="1" rIns="91425" wrap="square" tIns="45700">
+          <a:bodyPr spcFirstLastPara="1" wrap="square" lIns="91425" tIns="45700" rIns="91425" bIns="45700" anchor="ctr" anchorCtr="0">
             <a:noAutofit/>
           </a:bodyPr>
           <a:lstStyle/>
           <a:p>
-            <a:pPr indent="0" lvl="0" marL="0" rtl="0" algn="l">
+            <a:pPr marL="0" lvl="0" indent="0" algn="l" rtl="0">
               <a:spcBef>
                 <a:spcPts val="0"/>
               </a:spcBef>
@@ -9543,9 +9697,11 @@
       <p:sp>
         <p:nvSpPr>
           <p:cNvPr id="70" name="Google Shape;70;p10"/>
-          <p:cNvSpPr txBox="1"/>
+          <p:cNvSpPr txBox="1">
+            <a:spLocks noGrp="1"/>
+          </p:cNvSpPr>
           <p:nvPr>
-            <p:ph idx="1" type="body"/>
+            <p:ph type="body" idx="1"/>
           </p:nvPr>
         </p:nvSpPr>
         <p:spPr>
@@ -9558,12 +9714,12 @@
           </a:prstGeom>
         </p:spPr>
         <p:txBody>
-          <a:bodyPr anchorCtr="0" anchor="t" bIns="45700" lIns="91425" spcFirstLastPara="1" rIns="91425" wrap="square" tIns="45700">
+          <a:bodyPr spcFirstLastPara="1" wrap="square" lIns="91425" tIns="45700" rIns="91425" bIns="45700" anchor="t" anchorCtr="0">
             <a:noAutofit/>
           </a:bodyPr>
           <a:lstStyle/>
           <a:p>
-            <a:pPr indent="0" lvl="0" marL="0" rtl="0" algn="l">
+            <a:pPr marL="0" lvl="0" indent="0" algn="l" rtl="0">
               <a:spcBef>
                 <a:spcPts val="1000"/>
               </a:spcBef>
@@ -9572,9 +9728,6 @@
               </a:spcAft>
               <a:buNone/>
             </a:pPr>
-            <a:r>
-              <a:t/>
-            </a:r>
             <a:endParaRPr/>
           </a:p>
         </p:txBody>
@@ -9589,7 +9742,7 @@
           <a:blip r:embed="rId3">
             <a:alphaModFix/>
           </a:blip>
-          <a:srcRect b="15954" l="0" r="0" t="16868"/>
+          <a:srcRect t="16868" b="15954"/>
           <a:stretch/>
         </p:blipFill>
         <p:spPr>
@@ -9615,11 +9768,11 @@
 </file>
 
 <file path=ppt/slides/slide7.xml><?xml version="1.0" encoding="utf-8"?>
-<p:sld xmlns:a="http://schemas.openxmlformats.org/drawingml/2006/main" xmlns:r="http://schemas.openxmlformats.org/officeDocument/2006/relationships" xmlns:mc="http://schemas.openxmlformats.org/markup-compatibility/2006" xmlns:mv="urn:schemas-microsoft-com:mac:vml" xmlns:p="http://schemas.openxmlformats.org/presentationml/2006/main" xmlns:c="http://schemas.openxmlformats.org/drawingml/2006/chart" xmlns:dgm="http://schemas.openxmlformats.org/drawingml/2006/diagram" xmlns:o="urn:schemas-microsoft-com:office:office" xmlns:v="urn:schemas-microsoft-com:vml" xmlns:pvml="urn:schemas-microsoft-com:office:powerpoint" xmlns:com="http://schemas.openxmlformats.org/drawingml/2006/compatibility" xmlns:p14="http://schemas.microsoft.com/office/powerpoint/2010/main" xmlns:p15="http://schemas.microsoft.com/office/powerpoint/2012/main">
+<p:sld xmlns:a="http://schemas.openxmlformats.org/drawingml/2006/main" xmlns:r="http://schemas.openxmlformats.org/officeDocument/2006/relationships" xmlns:p="http://schemas.openxmlformats.org/presentationml/2006/main">
   <p:cSld>
     <p:spTree>
       <p:nvGrpSpPr>
-        <p:cNvPr id="75" name="Shape 75"/>
+        <p:cNvPr id="1" name="Shape 75"/>
         <p:cNvGrpSpPr/>
         <p:nvPr/>
       </p:nvGrpSpPr>
@@ -9634,7 +9787,9 @@
       <p:sp>
         <p:nvSpPr>
           <p:cNvPr id="76" name="Google Shape;76;p11"/>
-          <p:cNvSpPr txBox="1"/>
+          <p:cNvSpPr txBox="1">
+            <a:spLocks noGrp="1"/>
+          </p:cNvSpPr>
           <p:nvPr>
             <p:ph type="title"/>
           </p:nvPr>
@@ -9653,12 +9808,12 @@
           </a:ln>
         </p:spPr>
         <p:txBody>
-          <a:bodyPr anchorCtr="0" anchor="ctr" bIns="45700" lIns="91425" spcFirstLastPara="1" rIns="91425" wrap="square" tIns="45700">
+          <a:bodyPr spcFirstLastPara="1" wrap="square" lIns="91425" tIns="45700" rIns="91425" bIns="45700" anchor="ctr" anchorCtr="0">
             <a:noAutofit/>
           </a:bodyPr>
           <a:lstStyle/>
           <a:p>
-            <a:pPr indent="0" lvl="0" marL="0" marR="0" rtl="0" algn="l">
+            <a:pPr marL="0" marR="0" lvl="0" indent="0" algn="l" rtl="0">
               <a:lnSpc>
                 <a:spcPct val="90000"/>
               </a:lnSpc>
@@ -9676,7 +9831,7 @@
               <a:buNone/>
             </a:pPr>
             <a:r>
-              <a:rPr b="0" i="0" lang="en-US" sz="4400" u="none" cap="none" strike="noStrike">
+              <a:rPr lang="en-US" sz="4400" b="0" i="0" u="none" strike="noStrike" cap="none">
                 <a:solidFill>
                   <a:srgbClr val="FFFFFF"/>
                 </a:solidFill>
@@ -9694,9 +9849,11 @@
       <p:sp>
         <p:nvSpPr>
           <p:cNvPr id="77" name="Google Shape;77;p11"/>
-          <p:cNvSpPr txBox="1"/>
+          <p:cNvSpPr txBox="1">
+            <a:spLocks noGrp="1"/>
+          </p:cNvSpPr>
           <p:nvPr>
-            <p:ph idx="1" type="body"/>
+            <p:ph type="body" idx="1"/>
           </p:nvPr>
         </p:nvSpPr>
         <p:spPr>
@@ -9713,12 +9870,12 @@
           </a:ln>
         </p:spPr>
         <p:txBody>
-          <a:bodyPr anchorCtr="0" anchor="t" bIns="45700" lIns="91425" spcFirstLastPara="1" rIns="91425" wrap="square" tIns="45700">
+          <a:bodyPr spcFirstLastPara="1" wrap="square" lIns="91425" tIns="45700" rIns="91425" bIns="45700" anchor="t" anchorCtr="0">
             <a:noAutofit/>
           </a:bodyPr>
           <a:lstStyle/>
           <a:p>
-            <a:pPr indent="-406400" lvl="0" marL="457200" marR="0" rtl="0" algn="l">
+            <a:pPr marL="457200" marR="0" lvl="0" indent="-406400" algn="l" rtl="0">
               <a:lnSpc>
                 <a:spcPct val="80000"/>
               </a:lnSpc>
@@ -9736,7 +9893,7 @@
               <a:buChar char="•"/>
             </a:pPr>
             <a:r>
-              <a:rPr b="0" i="0" lang="en-US" sz="2800" u="none" cap="none" strike="noStrike">
+              <a:rPr lang="en-US" sz="2800" b="0" i="0" u="none" strike="noStrike" cap="none">
                 <a:solidFill>
                   <a:srgbClr val="FFFFFF"/>
                 </a:solidFill>
@@ -9750,7 +9907,7 @@
             <a:endParaRPr/>
           </a:p>
           <a:p>
-            <a:pPr indent="-381000" lvl="2" marL="1371600" marR="0" rtl="0" algn="l">
+            <a:pPr marL="1371600" marR="0" lvl="2" indent="-381000" algn="l" rtl="0">
               <a:lnSpc>
                 <a:spcPct val="80000"/>
               </a:lnSpc>
@@ -9781,7 +9938,7 @@
             </a:endParaRPr>
           </a:p>
           <a:p>
-            <a:pPr indent="-381000" lvl="2" marL="1371600" marR="0" rtl="0" algn="l">
+            <a:pPr marL="1371600" marR="0" lvl="2" indent="-381000" algn="l" rtl="0">
               <a:lnSpc>
                 <a:spcPct val="80000"/>
               </a:lnSpc>
@@ -9812,7 +9969,7 @@
             </a:endParaRPr>
           </a:p>
           <a:p>
-            <a:pPr indent="-381000" lvl="2" marL="1371600" marR="0" rtl="0" algn="l">
+            <a:pPr marL="1371600" marR="0" lvl="2" indent="-381000" algn="l" rtl="0">
               <a:lnSpc>
                 <a:spcPct val="80000"/>
               </a:lnSpc>
@@ -9843,7 +10000,7 @@
             </a:endParaRPr>
           </a:p>
           <a:p>
-            <a:pPr indent="-406400" lvl="0" marL="457200" marR="0" rtl="0" algn="l">
+            <a:pPr marL="457200" marR="0" lvl="0" indent="-406400" algn="l" rtl="0">
               <a:lnSpc>
                 <a:spcPct val="80000"/>
               </a:lnSpc>
@@ -9861,7 +10018,7 @@
               <a:buChar char="•"/>
             </a:pPr>
             <a:r>
-              <a:rPr b="0" i="0" lang="en-US" sz="2800" u="none" cap="none" strike="noStrike">
+              <a:rPr lang="en-US" sz="2800" b="0" i="0" u="none" strike="noStrike" cap="none">
                 <a:solidFill>
                   <a:srgbClr val="FFFFFF"/>
                 </a:solidFill>
@@ -9872,7 +10029,7 @@
               </a:rPr>
               <a:t>What did you learn about yourself as you collaborated and worked through this milestone?</a:t>
             </a:r>
-            <a:endParaRPr b="0" i="0" sz="2800" u="none" cap="none" strike="noStrike">
+            <a:endParaRPr sz="2800" b="0" i="0" u="none" strike="noStrike" cap="none">
               <a:solidFill>
                 <a:srgbClr val="FFFFFF"/>
               </a:solidFill>
@@ -9883,7 +10040,7 @@
             </a:endParaRPr>
           </a:p>
           <a:p>
-            <a:pPr indent="-355600" lvl="2" marL="1371600" marR="0" rtl="0" algn="l">
+            <a:pPr marL="1371600" marR="0" lvl="2" indent="-355600" algn="l" rtl="0">
               <a:lnSpc>
                 <a:spcPct val="80000"/>
               </a:lnSpc>
@@ -9924,11 +10081,11 @@
 </file>
 
 <file path=ppt/slides/slide8.xml><?xml version="1.0" encoding="utf-8"?>
-<p:sld xmlns:a="http://schemas.openxmlformats.org/drawingml/2006/main" xmlns:r="http://schemas.openxmlformats.org/officeDocument/2006/relationships" xmlns:mc="http://schemas.openxmlformats.org/markup-compatibility/2006" xmlns:mv="urn:schemas-microsoft-com:mac:vml" xmlns:p="http://schemas.openxmlformats.org/presentationml/2006/main" xmlns:c="http://schemas.openxmlformats.org/drawingml/2006/chart" xmlns:dgm="http://schemas.openxmlformats.org/drawingml/2006/diagram" xmlns:o="urn:schemas-microsoft-com:office:office" xmlns:v="urn:schemas-microsoft-com:vml" xmlns:pvml="urn:schemas-microsoft-com:office:powerpoint" xmlns:com="http://schemas.openxmlformats.org/drawingml/2006/compatibility" xmlns:p14="http://schemas.microsoft.com/office/powerpoint/2010/main" xmlns:p15="http://schemas.microsoft.com/office/powerpoint/2012/main">
+<p:sld xmlns:a="http://schemas.openxmlformats.org/drawingml/2006/main" xmlns:r="http://schemas.openxmlformats.org/officeDocument/2006/relationships" xmlns:p="http://schemas.openxmlformats.org/presentationml/2006/main">
   <p:cSld>
     <p:spTree>
       <p:nvGrpSpPr>
-        <p:cNvPr id="81" name="Shape 81"/>
+        <p:cNvPr id="1" name="Shape 81"/>
         <p:cNvGrpSpPr/>
         <p:nvPr/>
       </p:nvGrpSpPr>
@@ -9943,7 +10100,9 @@
       <p:sp>
         <p:nvSpPr>
           <p:cNvPr id="82" name="Google Shape;82;p12"/>
-          <p:cNvSpPr txBox="1"/>
+          <p:cNvSpPr txBox="1">
+            <a:spLocks noGrp="1"/>
+          </p:cNvSpPr>
           <p:nvPr>
             <p:ph type="title"/>
           </p:nvPr>
@@ -9962,12 +10121,12 @@
           </a:ln>
         </p:spPr>
         <p:txBody>
-          <a:bodyPr anchorCtr="0" anchor="ctr" bIns="45700" lIns="91425" spcFirstLastPara="1" rIns="91425" wrap="square" tIns="45700">
+          <a:bodyPr spcFirstLastPara="1" wrap="square" lIns="91425" tIns="45700" rIns="91425" bIns="45700" anchor="ctr" anchorCtr="0">
             <a:noAutofit/>
           </a:bodyPr>
           <a:lstStyle/>
           <a:p>
-            <a:pPr indent="0" lvl="0" marL="0" marR="0" rtl="0" algn="l">
+            <a:pPr marL="0" marR="0" lvl="0" indent="0" algn="l" rtl="0">
               <a:lnSpc>
                 <a:spcPct val="90000"/>
               </a:lnSpc>
@@ -9985,7 +10144,7 @@
               <a:buNone/>
             </a:pPr>
             <a:r>
-              <a:rPr b="0" i="0" lang="en-US" sz="4400" u="none" cap="none" strike="noStrike">
+              <a:rPr lang="en-US" sz="4400" b="0" i="0" u="none" strike="noStrike" cap="none">
                 <a:solidFill>
                   <a:srgbClr val="FFFFFF"/>
                 </a:solidFill>
@@ -10003,9 +10162,11 @@
       <p:sp>
         <p:nvSpPr>
           <p:cNvPr id="83" name="Google Shape;83;p12"/>
-          <p:cNvSpPr txBox="1"/>
+          <p:cNvSpPr txBox="1">
+            <a:spLocks noGrp="1"/>
+          </p:cNvSpPr>
           <p:nvPr>
-            <p:ph idx="1" type="body"/>
+            <p:ph type="body" idx="1"/>
           </p:nvPr>
         </p:nvSpPr>
         <p:spPr>
@@ -10022,12 +10183,12 @@
           </a:ln>
         </p:spPr>
         <p:txBody>
-          <a:bodyPr anchorCtr="0" anchor="t" bIns="45700" lIns="91425" spcFirstLastPara="1" rIns="91425" wrap="square" tIns="45700">
+          <a:bodyPr spcFirstLastPara="1" wrap="square" lIns="91425" tIns="45700" rIns="91425" bIns="45700" anchor="t" anchorCtr="0">
             <a:noAutofit/>
           </a:bodyPr>
           <a:lstStyle/>
           <a:p>
-            <a:pPr indent="-406400" lvl="0" marL="457200" rtl="0" algn="l">
+            <a:pPr marL="457200" lvl="0" indent="-406400" algn="l" rtl="0">
               <a:lnSpc>
                 <a:spcPct val="80000"/>
               </a:lnSpc>
@@ -10047,7 +10208,7 @@
             <a:endParaRPr/>
           </a:p>
           <a:p>
-            <a:pPr indent="-381000" lvl="1" marL="914400" rtl="0" algn="l">
+            <a:pPr marL="914400" lvl="1" indent="-381000" algn="l" rtl="0">
               <a:lnSpc>
                 <a:spcPct val="80000"/>
               </a:lnSpc>
@@ -10067,7 +10228,7 @@
             <a:endParaRPr/>
           </a:p>
           <a:p>
-            <a:pPr indent="-406400" lvl="0" marL="457200" rtl="0" algn="l">
+            <a:pPr marL="457200" lvl="0" indent="-406400" algn="l" rtl="0">
               <a:lnSpc>
                 <a:spcPct val="80000"/>
               </a:lnSpc>
@@ -10087,7 +10248,7 @@
             <a:endParaRPr/>
           </a:p>
           <a:p>
-            <a:pPr indent="-381000" lvl="1" marL="914400" rtl="0" algn="l">
+            <a:pPr marL="914400" lvl="1" indent="-381000" algn="l" rtl="0">
               <a:lnSpc>
                 <a:spcPct val="80000"/>
               </a:lnSpc>
@@ -10121,11 +10282,11 @@
 </file>
 
 <file path=ppt/slides/slide9.xml><?xml version="1.0" encoding="utf-8"?>
-<p:sld xmlns:a="http://schemas.openxmlformats.org/drawingml/2006/main" xmlns:r="http://schemas.openxmlformats.org/officeDocument/2006/relationships" xmlns:mc="http://schemas.openxmlformats.org/markup-compatibility/2006" xmlns:mv="urn:schemas-microsoft-com:mac:vml" xmlns:p="http://schemas.openxmlformats.org/presentationml/2006/main" xmlns:c="http://schemas.openxmlformats.org/drawingml/2006/chart" xmlns:dgm="http://schemas.openxmlformats.org/drawingml/2006/diagram" xmlns:o="urn:schemas-microsoft-com:office:office" xmlns:v="urn:schemas-microsoft-com:vml" xmlns:pvml="urn:schemas-microsoft-com:office:powerpoint" xmlns:com="http://schemas.openxmlformats.org/drawingml/2006/compatibility" xmlns:p14="http://schemas.microsoft.com/office/powerpoint/2010/main" xmlns:p15="http://schemas.microsoft.com/office/powerpoint/2012/main">
+<p:sld xmlns:a="http://schemas.openxmlformats.org/drawingml/2006/main" xmlns:r="http://schemas.openxmlformats.org/officeDocument/2006/relationships" xmlns:p="http://schemas.openxmlformats.org/presentationml/2006/main">
   <p:cSld>
     <p:spTree>
       <p:nvGrpSpPr>
-        <p:cNvPr id="88" name="Shape 88"/>
+        <p:cNvPr id="1" name="Shape 88"/>
         <p:cNvGrpSpPr/>
         <p:nvPr/>
       </p:nvGrpSpPr>
@@ -10140,7 +10301,9 @@
       <p:sp>
         <p:nvSpPr>
           <p:cNvPr id="89" name="Google Shape;89;p13"/>
-          <p:cNvSpPr txBox="1"/>
+          <p:cNvSpPr txBox="1">
+            <a:spLocks noGrp="1"/>
+          </p:cNvSpPr>
           <p:nvPr>
             <p:ph type="title"/>
           </p:nvPr>
@@ -10155,12 +10318,12 @@
           </a:prstGeom>
         </p:spPr>
         <p:txBody>
-          <a:bodyPr anchorCtr="0" anchor="ctr" bIns="45700" lIns="91425" spcFirstLastPara="1" rIns="91425" wrap="square" tIns="45700">
+          <a:bodyPr spcFirstLastPara="1" wrap="square" lIns="91425" tIns="45700" rIns="91425" bIns="45700" anchor="ctr" anchorCtr="0">
             <a:noAutofit/>
           </a:bodyPr>
           <a:lstStyle/>
           <a:p>
-            <a:pPr indent="0" lvl="0" marL="0" rtl="0" algn="l">
+            <a:pPr marL="0" lvl="0" indent="0" algn="l" rtl="0">
               <a:spcBef>
                 <a:spcPts val="0"/>
               </a:spcBef>
@@ -10180,9 +10343,11 @@
       <p:sp>
         <p:nvSpPr>
           <p:cNvPr id="90" name="Google Shape;90;p13"/>
-          <p:cNvSpPr txBox="1"/>
+          <p:cNvSpPr txBox="1">
+            <a:spLocks noGrp="1"/>
+          </p:cNvSpPr>
           <p:nvPr>
-            <p:ph idx="1" type="body"/>
+            <p:ph type="body" idx="1"/>
           </p:nvPr>
         </p:nvSpPr>
         <p:spPr>
@@ -10195,12 +10360,12 @@
           </a:prstGeom>
         </p:spPr>
         <p:txBody>
-          <a:bodyPr anchorCtr="0" anchor="t" bIns="45700" lIns="91425" spcFirstLastPara="1" rIns="91425" wrap="square" tIns="45700">
+          <a:bodyPr spcFirstLastPara="1" wrap="square" lIns="91425" tIns="45700" rIns="91425" bIns="45700" anchor="t" anchorCtr="0">
             <a:noAutofit/>
           </a:bodyPr>
           <a:lstStyle/>
           <a:p>
-            <a:pPr indent="0" lvl="0" marL="0" rtl="0" algn="l">
+            <a:pPr marL="0" lvl="0" indent="0" algn="l" rtl="0">
               <a:spcBef>
                 <a:spcPts val="1000"/>
               </a:spcBef>
@@ -10209,9 +10374,6 @@
               </a:spcAft>
               <a:buNone/>
             </a:pPr>
-            <a:r>
-              <a:t/>
-            </a:r>
             <a:endParaRPr/>
           </a:p>
         </p:txBody>
@@ -10225,7 +10387,7 @@
 </file>
 
 <file path=ppt/theme/theme1.xml><?xml version="1.0" encoding="utf-8"?>
-<a:theme xmlns:a="http://schemas.openxmlformats.org/drawingml/2006/main" xmlns:r="http://schemas.openxmlformats.org/officeDocument/2006/relationships" name="1_Marina">
+<a:theme xmlns:a="http://schemas.openxmlformats.org/drawingml/2006/main" name="1_Marina">
   <a:themeElements>
     <a:clrScheme name="Marina">
       <a:dk1>
@@ -10500,11 +10662,294 @@
       </a:bgFillStyleLst>
     </a:fmtScheme>
   </a:themeElements>
+  <a:objectDefaults/>
+  <a:extraClrSchemeLst/>
 </a:theme>
 </file>
 
 <file path=ppt/theme/theme2.xml><?xml version="1.0" encoding="utf-8"?>
-<a:theme xmlns:a="http://schemas.openxmlformats.org/drawingml/2006/main" xmlns:r="http://schemas.openxmlformats.org/officeDocument/2006/relationships">
+<a:theme xmlns:a="http://schemas.openxmlformats.org/drawingml/2006/main" name="12_Marina">
+  <a:themeElements>
+    <a:clrScheme name="Marina">
+      <a:dk1>
+        <a:srgbClr val="FFFFFF"/>
+      </a:dk1>
+      <a:lt1>
+        <a:srgbClr val="00517C"/>
+      </a:lt1>
+      <a:dk2>
+        <a:srgbClr val="004065"/>
+      </a:dk2>
+      <a:lt2>
+        <a:srgbClr val="CFD8DC"/>
+      </a:lt2>
+      <a:accent1>
+        <a:srgbClr val="0277BD"/>
+      </a:accent1>
+      <a:accent2>
+        <a:srgbClr val="558B2F"/>
+      </a:accent2>
+      <a:accent3>
+        <a:srgbClr val="009688"/>
+      </a:accent3>
+      <a:accent4>
+        <a:srgbClr val="039BE5"/>
+      </a:accent4>
+      <a:accent5>
+        <a:srgbClr val="8BC34A"/>
+      </a:accent5>
+      <a:accent6>
+        <a:srgbClr val="FFEB38"/>
+      </a:accent6>
+      <a:hlink>
+        <a:srgbClr val="8BC34A"/>
+      </a:hlink>
+      <a:folHlink>
+        <a:srgbClr val="8BC34A"/>
+      </a:folHlink>
+    </a:clrScheme>
+    <a:fontScheme name="Office">
+      <a:majorFont>
+        <a:latin typeface="Arial"/>
+        <a:ea typeface=""/>
+        <a:cs typeface=""/>
+        <a:font script="Jpan" typeface="ＭＳ Ｐゴシック"/>
+        <a:font script="Hang" typeface="맑은 고딕"/>
+        <a:font script="Hans" typeface="宋体"/>
+        <a:font script="Hant" typeface="新細明體"/>
+        <a:font script="Arab" typeface="Times New Roman"/>
+        <a:font script="Hebr" typeface="Times New Roman"/>
+        <a:font script="Thai" typeface="Angsana New"/>
+        <a:font script="Ethi" typeface="Nyala"/>
+        <a:font script="Beng" typeface="Vrinda"/>
+        <a:font script="Gujr" typeface="Shruti"/>
+        <a:font script="Khmr" typeface="MoolBoran"/>
+        <a:font script="Knda" typeface="Tunga"/>
+        <a:font script="Guru" typeface="Raavi"/>
+        <a:font script="Cans" typeface="Euphemia"/>
+        <a:font script="Cher" typeface="Plantagenet Cherokee"/>
+        <a:font script="Yiii" typeface="Microsoft Yi Baiti"/>
+        <a:font script="Tibt" typeface="Microsoft Himalaya"/>
+        <a:font script="Thaa" typeface="MV Boli"/>
+        <a:font script="Deva" typeface="Mangal"/>
+        <a:font script="Telu" typeface="Gautami"/>
+        <a:font script="Taml" typeface="Latha"/>
+        <a:font script="Syrc" typeface="Estrangelo Edessa"/>
+        <a:font script="Orya" typeface="Kalinga"/>
+        <a:font script="Mlym" typeface="Kartika"/>
+        <a:font script="Laoo" typeface="DokChampa"/>
+        <a:font script="Sinh" typeface="Iskoola Pota"/>
+        <a:font script="Mong" typeface="Mongolian Baiti"/>
+        <a:font script="Viet" typeface="Times New Roman"/>
+        <a:font script="Uigh" typeface="Microsoft Uighur"/>
+        <a:font script="Geor" typeface="Sylfaen"/>
+      </a:majorFont>
+      <a:minorFont>
+        <a:latin typeface="Arial"/>
+        <a:ea typeface=""/>
+        <a:cs typeface=""/>
+        <a:font script="Jpan" typeface="ＭＳ Ｐゴシック"/>
+        <a:font script="Hang" typeface="맑은 고딕"/>
+        <a:font script="Hans" typeface="宋体"/>
+        <a:font script="Hant" typeface="新細明體"/>
+        <a:font script="Arab" typeface="Arial"/>
+        <a:font script="Hebr" typeface="Arial"/>
+        <a:font script="Thai" typeface="Cordia New"/>
+        <a:font script="Ethi" typeface="Nyala"/>
+        <a:font script="Beng" typeface="Vrinda"/>
+        <a:font script="Gujr" typeface="Shruti"/>
+        <a:font script="Khmr" typeface="DaunPenh"/>
+        <a:font script="Knda" typeface="Tunga"/>
+        <a:font script="Guru" typeface="Raavi"/>
+        <a:font script="Cans" typeface="Euphemia"/>
+        <a:font script="Cher" typeface="Plantagenet Cherokee"/>
+        <a:font script="Yiii" typeface="Microsoft Yi Baiti"/>
+        <a:font script="Tibt" typeface="Microsoft Himalaya"/>
+        <a:font script="Thaa" typeface="MV Boli"/>
+        <a:font script="Deva" typeface="Mangal"/>
+        <a:font script="Telu" typeface="Gautami"/>
+        <a:font script="Taml" typeface="Latha"/>
+        <a:font script="Syrc" typeface="Estrangelo Edessa"/>
+        <a:font script="Orya" typeface="Kalinga"/>
+        <a:font script="Mlym" typeface="Kartika"/>
+        <a:font script="Laoo" typeface="DokChampa"/>
+        <a:font script="Sinh" typeface="Iskoola Pota"/>
+        <a:font script="Mong" typeface="Mongolian Baiti"/>
+        <a:font script="Viet" typeface="Arial"/>
+        <a:font script="Uigh" typeface="Microsoft Uighur"/>
+        <a:font script="Geor" typeface="Sylfaen"/>
+      </a:minorFont>
+    </a:fontScheme>
+    <a:fmtScheme name="Office">
+      <a:fillStyleLst>
+        <a:solidFill>
+          <a:schemeClr val="phClr"/>
+        </a:solidFill>
+        <a:gradFill rotWithShape="1">
+          <a:gsLst>
+            <a:gs pos="0">
+              <a:schemeClr val="phClr">
+                <a:tint val="50000"/>
+                <a:satMod val="300000"/>
+              </a:schemeClr>
+            </a:gs>
+            <a:gs pos="35000">
+              <a:schemeClr val="phClr">
+                <a:tint val="37000"/>
+                <a:satMod val="300000"/>
+              </a:schemeClr>
+            </a:gs>
+            <a:gs pos="100000">
+              <a:schemeClr val="phClr">
+                <a:tint val="15000"/>
+                <a:satMod val="350000"/>
+              </a:schemeClr>
+            </a:gs>
+          </a:gsLst>
+          <a:lin ang="16200000" scaled="1"/>
+        </a:gradFill>
+        <a:gradFill rotWithShape="1">
+          <a:gsLst>
+            <a:gs pos="0">
+              <a:schemeClr val="phClr">
+                <a:tint val="100000"/>
+                <a:shade val="100000"/>
+                <a:satMod val="130000"/>
+              </a:schemeClr>
+            </a:gs>
+            <a:gs pos="100000">
+              <a:schemeClr val="phClr">
+                <a:tint val="50000"/>
+                <a:shade val="100000"/>
+                <a:satMod val="350000"/>
+              </a:schemeClr>
+            </a:gs>
+          </a:gsLst>
+          <a:lin ang="16200000" scaled="0"/>
+        </a:gradFill>
+      </a:fillStyleLst>
+      <a:lnStyleLst>
+        <a:ln w="9525" cap="flat" cmpd="sng" algn="ctr">
+          <a:solidFill>
+            <a:schemeClr val="phClr">
+              <a:shade val="95000"/>
+              <a:satMod val="105000"/>
+            </a:schemeClr>
+          </a:solidFill>
+          <a:prstDash val="solid"/>
+        </a:ln>
+        <a:ln w="25400" cap="flat" cmpd="sng" algn="ctr">
+          <a:solidFill>
+            <a:schemeClr val="phClr"/>
+          </a:solidFill>
+          <a:prstDash val="solid"/>
+        </a:ln>
+        <a:ln w="38100" cap="flat" cmpd="sng" algn="ctr">
+          <a:solidFill>
+            <a:schemeClr val="phClr"/>
+          </a:solidFill>
+          <a:prstDash val="solid"/>
+        </a:ln>
+      </a:lnStyleLst>
+      <a:effectStyleLst>
+        <a:effectStyle>
+          <a:effectLst>
+            <a:outerShdw blurRad="40000" dist="20000" dir="5400000" rotWithShape="0">
+              <a:srgbClr val="000000">
+                <a:alpha val="38000"/>
+              </a:srgbClr>
+            </a:outerShdw>
+          </a:effectLst>
+        </a:effectStyle>
+        <a:effectStyle>
+          <a:effectLst>
+            <a:outerShdw blurRad="40000" dist="23000" dir="5400000" rotWithShape="0">
+              <a:srgbClr val="000000">
+                <a:alpha val="35000"/>
+              </a:srgbClr>
+            </a:outerShdw>
+          </a:effectLst>
+        </a:effectStyle>
+        <a:effectStyle>
+          <a:effectLst>
+            <a:outerShdw blurRad="40000" dist="23000" dir="5400000" rotWithShape="0">
+              <a:srgbClr val="000000">
+                <a:alpha val="35000"/>
+              </a:srgbClr>
+            </a:outerShdw>
+          </a:effectLst>
+          <a:scene3d>
+            <a:camera prst="orthographicFront">
+              <a:rot lat="0" lon="0" rev="0"/>
+            </a:camera>
+            <a:lightRig rig="threePt" dir="t">
+              <a:rot lat="0" lon="0" rev="1200000"/>
+            </a:lightRig>
+          </a:scene3d>
+          <a:sp3d>
+            <a:bevelT w="63500" h="25400"/>
+          </a:sp3d>
+        </a:effectStyle>
+      </a:effectStyleLst>
+      <a:bgFillStyleLst>
+        <a:solidFill>
+          <a:schemeClr val="phClr"/>
+        </a:solidFill>
+        <a:gradFill rotWithShape="1">
+          <a:gsLst>
+            <a:gs pos="0">
+              <a:schemeClr val="phClr">
+                <a:tint val="40000"/>
+                <a:satMod val="350000"/>
+              </a:schemeClr>
+            </a:gs>
+            <a:gs pos="40000">
+              <a:schemeClr val="phClr">
+                <a:tint val="45000"/>
+                <a:shade val="99000"/>
+                <a:satMod val="350000"/>
+              </a:schemeClr>
+            </a:gs>
+            <a:gs pos="100000">
+              <a:schemeClr val="phClr">
+                <a:shade val="20000"/>
+                <a:satMod val="255000"/>
+              </a:schemeClr>
+            </a:gs>
+          </a:gsLst>
+          <a:path path="circle">
+            <a:fillToRect l="50000" t="-80000" r="50000" b="180000"/>
+          </a:path>
+        </a:gradFill>
+        <a:gradFill rotWithShape="1">
+          <a:gsLst>
+            <a:gs pos="0">
+              <a:schemeClr val="phClr">
+                <a:tint val="80000"/>
+                <a:satMod val="300000"/>
+              </a:schemeClr>
+            </a:gs>
+            <a:gs pos="100000">
+              <a:schemeClr val="phClr">
+                <a:shade val="30000"/>
+                <a:satMod val="200000"/>
+              </a:schemeClr>
+            </a:gs>
+          </a:gsLst>
+          <a:path path="circle">
+            <a:fillToRect l="50000" t="50000" r="50000" b="50000"/>
+          </a:path>
+        </a:gradFill>
+      </a:bgFillStyleLst>
+    </a:fmtScheme>
+  </a:themeElements>
+  <a:objectDefaults/>
+  <a:extraClrSchemeLst/>
+</a:theme>
+</file>
+
+<file path=ppt/theme/theme3.xml><?xml version="1.0" encoding="utf-8"?>
+<a:theme xmlns:a="http://schemas.openxmlformats.org/drawingml/2006/main">
   <a:themeElements>
     <a:clrScheme name="Default">
       <a:dk1>
@@ -10779,284 +11224,7 @@
       </a:bgFillStyleLst>
     </a:fmtScheme>
   </a:themeElements>
-</a:theme>
-</file>
-
-<file path=ppt/theme/theme3.xml><?xml version="1.0" encoding="utf-8"?>
-<a:theme xmlns:a="http://schemas.openxmlformats.org/drawingml/2006/main" xmlns:r="http://schemas.openxmlformats.org/officeDocument/2006/relationships" name="12_Marina">
-  <a:themeElements>
-    <a:clrScheme name="Marina">
-      <a:dk1>
-        <a:srgbClr val="FFFFFF"/>
-      </a:dk1>
-      <a:lt1>
-        <a:srgbClr val="00517C"/>
-      </a:lt1>
-      <a:dk2>
-        <a:srgbClr val="004065"/>
-      </a:dk2>
-      <a:lt2>
-        <a:srgbClr val="CFD8DC"/>
-      </a:lt2>
-      <a:accent1>
-        <a:srgbClr val="0277BD"/>
-      </a:accent1>
-      <a:accent2>
-        <a:srgbClr val="558B2F"/>
-      </a:accent2>
-      <a:accent3>
-        <a:srgbClr val="009688"/>
-      </a:accent3>
-      <a:accent4>
-        <a:srgbClr val="039BE5"/>
-      </a:accent4>
-      <a:accent5>
-        <a:srgbClr val="8BC34A"/>
-      </a:accent5>
-      <a:accent6>
-        <a:srgbClr val="FFEB38"/>
-      </a:accent6>
-      <a:hlink>
-        <a:srgbClr val="8BC34A"/>
-      </a:hlink>
-      <a:folHlink>
-        <a:srgbClr val="8BC34A"/>
-      </a:folHlink>
-    </a:clrScheme>
-    <a:fontScheme name="Office">
-      <a:majorFont>
-        <a:latin typeface="Arial"/>
-        <a:ea typeface=""/>
-        <a:cs typeface=""/>
-        <a:font script="Jpan" typeface="ＭＳ Ｐゴシック"/>
-        <a:font script="Hang" typeface="맑은 고딕"/>
-        <a:font script="Hans" typeface="宋体"/>
-        <a:font script="Hant" typeface="新細明體"/>
-        <a:font script="Arab" typeface="Times New Roman"/>
-        <a:font script="Hebr" typeface="Times New Roman"/>
-        <a:font script="Thai" typeface="Angsana New"/>
-        <a:font script="Ethi" typeface="Nyala"/>
-        <a:font script="Beng" typeface="Vrinda"/>
-        <a:font script="Gujr" typeface="Shruti"/>
-        <a:font script="Khmr" typeface="MoolBoran"/>
-        <a:font script="Knda" typeface="Tunga"/>
-        <a:font script="Guru" typeface="Raavi"/>
-        <a:font script="Cans" typeface="Euphemia"/>
-        <a:font script="Cher" typeface="Plantagenet Cherokee"/>
-        <a:font script="Yiii" typeface="Microsoft Yi Baiti"/>
-        <a:font script="Tibt" typeface="Microsoft Himalaya"/>
-        <a:font script="Thaa" typeface="MV Boli"/>
-        <a:font script="Deva" typeface="Mangal"/>
-        <a:font script="Telu" typeface="Gautami"/>
-        <a:font script="Taml" typeface="Latha"/>
-        <a:font script="Syrc" typeface="Estrangelo Edessa"/>
-        <a:font script="Orya" typeface="Kalinga"/>
-        <a:font script="Mlym" typeface="Kartika"/>
-        <a:font script="Laoo" typeface="DokChampa"/>
-        <a:font script="Sinh" typeface="Iskoola Pota"/>
-        <a:font script="Mong" typeface="Mongolian Baiti"/>
-        <a:font script="Viet" typeface="Times New Roman"/>
-        <a:font script="Uigh" typeface="Microsoft Uighur"/>
-        <a:font script="Geor" typeface="Sylfaen"/>
-      </a:majorFont>
-      <a:minorFont>
-        <a:latin typeface="Arial"/>
-        <a:ea typeface=""/>
-        <a:cs typeface=""/>
-        <a:font script="Jpan" typeface="ＭＳ Ｐゴシック"/>
-        <a:font script="Hang" typeface="맑은 고딕"/>
-        <a:font script="Hans" typeface="宋体"/>
-        <a:font script="Hant" typeface="新細明體"/>
-        <a:font script="Arab" typeface="Arial"/>
-        <a:font script="Hebr" typeface="Arial"/>
-        <a:font script="Thai" typeface="Cordia New"/>
-        <a:font script="Ethi" typeface="Nyala"/>
-        <a:font script="Beng" typeface="Vrinda"/>
-        <a:font script="Gujr" typeface="Shruti"/>
-        <a:font script="Khmr" typeface="DaunPenh"/>
-        <a:font script="Knda" typeface="Tunga"/>
-        <a:font script="Guru" typeface="Raavi"/>
-        <a:font script="Cans" typeface="Euphemia"/>
-        <a:font script="Cher" typeface="Plantagenet Cherokee"/>
-        <a:font script="Yiii" typeface="Microsoft Yi Baiti"/>
-        <a:font script="Tibt" typeface="Microsoft Himalaya"/>
-        <a:font script="Thaa" typeface="MV Boli"/>
-        <a:font script="Deva" typeface="Mangal"/>
-        <a:font script="Telu" typeface="Gautami"/>
-        <a:font script="Taml" typeface="Latha"/>
-        <a:font script="Syrc" typeface="Estrangelo Edessa"/>
-        <a:font script="Orya" typeface="Kalinga"/>
-        <a:font script="Mlym" typeface="Kartika"/>
-        <a:font script="Laoo" typeface="DokChampa"/>
-        <a:font script="Sinh" typeface="Iskoola Pota"/>
-        <a:font script="Mong" typeface="Mongolian Baiti"/>
-        <a:font script="Viet" typeface="Arial"/>
-        <a:font script="Uigh" typeface="Microsoft Uighur"/>
-        <a:font script="Geor" typeface="Sylfaen"/>
-      </a:minorFont>
-    </a:fontScheme>
-    <a:fmtScheme name="Office">
-      <a:fillStyleLst>
-        <a:solidFill>
-          <a:schemeClr val="phClr"/>
-        </a:solidFill>
-        <a:gradFill rotWithShape="1">
-          <a:gsLst>
-            <a:gs pos="0">
-              <a:schemeClr val="phClr">
-                <a:tint val="50000"/>
-                <a:satMod val="300000"/>
-              </a:schemeClr>
-            </a:gs>
-            <a:gs pos="35000">
-              <a:schemeClr val="phClr">
-                <a:tint val="37000"/>
-                <a:satMod val="300000"/>
-              </a:schemeClr>
-            </a:gs>
-            <a:gs pos="100000">
-              <a:schemeClr val="phClr">
-                <a:tint val="15000"/>
-                <a:satMod val="350000"/>
-              </a:schemeClr>
-            </a:gs>
-          </a:gsLst>
-          <a:lin ang="16200000" scaled="1"/>
-        </a:gradFill>
-        <a:gradFill rotWithShape="1">
-          <a:gsLst>
-            <a:gs pos="0">
-              <a:schemeClr val="phClr">
-                <a:tint val="100000"/>
-                <a:shade val="100000"/>
-                <a:satMod val="130000"/>
-              </a:schemeClr>
-            </a:gs>
-            <a:gs pos="100000">
-              <a:schemeClr val="phClr">
-                <a:tint val="50000"/>
-                <a:shade val="100000"/>
-                <a:satMod val="350000"/>
-              </a:schemeClr>
-            </a:gs>
-          </a:gsLst>
-          <a:lin ang="16200000" scaled="0"/>
-        </a:gradFill>
-      </a:fillStyleLst>
-      <a:lnStyleLst>
-        <a:ln w="9525" cap="flat" cmpd="sng" algn="ctr">
-          <a:solidFill>
-            <a:schemeClr val="phClr">
-              <a:shade val="95000"/>
-              <a:satMod val="105000"/>
-            </a:schemeClr>
-          </a:solidFill>
-          <a:prstDash val="solid"/>
-        </a:ln>
-        <a:ln w="25400" cap="flat" cmpd="sng" algn="ctr">
-          <a:solidFill>
-            <a:schemeClr val="phClr"/>
-          </a:solidFill>
-          <a:prstDash val="solid"/>
-        </a:ln>
-        <a:ln w="38100" cap="flat" cmpd="sng" algn="ctr">
-          <a:solidFill>
-            <a:schemeClr val="phClr"/>
-          </a:solidFill>
-          <a:prstDash val="solid"/>
-        </a:ln>
-      </a:lnStyleLst>
-      <a:effectStyleLst>
-        <a:effectStyle>
-          <a:effectLst>
-            <a:outerShdw blurRad="40000" dist="20000" dir="5400000" rotWithShape="0">
-              <a:srgbClr val="000000">
-                <a:alpha val="38000"/>
-              </a:srgbClr>
-            </a:outerShdw>
-          </a:effectLst>
-        </a:effectStyle>
-        <a:effectStyle>
-          <a:effectLst>
-            <a:outerShdw blurRad="40000" dist="23000" dir="5400000" rotWithShape="0">
-              <a:srgbClr val="000000">
-                <a:alpha val="35000"/>
-              </a:srgbClr>
-            </a:outerShdw>
-          </a:effectLst>
-        </a:effectStyle>
-        <a:effectStyle>
-          <a:effectLst>
-            <a:outerShdw blurRad="40000" dist="23000" dir="5400000" rotWithShape="0">
-              <a:srgbClr val="000000">
-                <a:alpha val="35000"/>
-              </a:srgbClr>
-            </a:outerShdw>
-          </a:effectLst>
-          <a:scene3d>
-            <a:camera prst="orthographicFront">
-              <a:rot lat="0" lon="0" rev="0"/>
-            </a:camera>
-            <a:lightRig rig="threePt" dir="t">
-              <a:rot lat="0" lon="0" rev="1200000"/>
-            </a:lightRig>
-          </a:scene3d>
-          <a:sp3d>
-            <a:bevelT w="63500" h="25400"/>
-          </a:sp3d>
-        </a:effectStyle>
-      </a:effectStyleLst>
-      <a:bgFillStyleLst>
-        <a:solidFill>
-          <a:schemeClr val="phClr"/>
-        </a:solidFill>
-        <a:gradFill rotWithShape="1">
-          <a:gsLst>
-            <a:gs pos="0">
-              <a:schemeClr val="phClr">
-                <a:tint val="40000"/>
-                <a:satMod val="350000"/>
-              </a:schemeClr>
-            </a:gs>
-            <a:gs pos="40000">
-              <a:schemeClr val="phClr">
-                <a:tint val="45000"/>
-                <a:shade val="99000"/>
-                <a:satMod val="350000"/>
-              </a:schemeClr>
-            </a:gs>
-            <a:gs pos="100000">
-              <a:schemeClr val="phClr">
-                <a:shade val="20000"/>
-                <a:satMod val="255000"/>
-              </a:schemeClr>
-            </a:gs>
-          </a:gsLst>
-          <a:path path="circle">
-            <a:fillToRect l="50000" t="-80000" r="50000" b="180000"/>
-          </a:path>
-        </a:gradFill>
-        <a:gradFill rotWithShape="1">
-          <a:gsLst>
-            <a:gs pos="0">
-              <a:schemeClr val="phClr">
-                <a:tint val="80000"/>
-                <a:satMod val="300000"/>
-              </a:schemeClr>
-            </a:gs>
-            <a:gs pos="100000">
-              <a:schemeClr val="phClr">
-                <a:shade val="30000"/>
-                <a:satMod val="200000"/>
-              </a:schemeClr>
-            </a:gs>
-          </a:gsLst>
-          <a:path path="circle">
-            <a:fillToRect l="50000" t="50000" r="50000" b="50000"/>
-          </a:path>
-        </a:gradFill>
-      </a:bgFillStyleLst>
-    </a:fmtScheme>
-  </a:themeElements>
+  <a:objectDefaults/>
+  <a:extraClrSchemeLst/>
 </a:theme>
 </file>